--- a/translations/en-us/intermediate/MyBlocks.pptx
+++ b/translations/en-us/intermediate/MyBlocks.pptx
@@ -2,7 +2,7 @@
 <file path=ppt/presentation.xml><?xml version="1.0" encoding="utf-8"?>
 <p:presentation xmlns:a="http://schemas.openxmlformats.org/drawingml/2006/main" xmlns:r="http://schemas.openxmlformats.org/officeDocument/2006/relationships" xmlns:p="http://schemas.openxmlformats.org/presentationml/2006/main" showSpecialPlsOnTitleSld="0" saveSubsetFonts="1" autoCompressPictures="0">
   <p:sldMasterIdLst>
-    <p:sldMasterId id="2147483714" r:id="rId1"/>
+    <p:sldMasterId id="2147483726" r:id="rId1"/>
   </p:sldMasterIdLst>
   <p:notesMasterIdLst>
     <p:notesMasterId r:id="rId19"/>
@@ -11,7 +11,7 @@
     <p:handoutMasterId r:id="rId20"/>
   </p:handoutMasterIdLst>
   <p:sldIdLst>
-    <p:sldId id="356" r:id="rId2"/>
+    <p:sldId id="380" r:id="rId2"/>
     <p:sldId id="357" r:id="rId3"/>
     <p:sldId id="341" r:id="rId4"/>
     <p:sldId id="342" r:id="rId5"/>
@@ -227,7 +227,7 @@
           <a:p>
             <a:fld id="{E00FA3B4-5499-9244-86B5-B0871A9DDD84}" type="datetimeFigureOut">
               <a:rPr lang="en-US" smtClean="0"/>
-              <a:t>11/2/2015</a:t>
+              <a:t>11/13/15</a:t>
             </a:fld>
             <a:endParaRPr lang="en-US"/>
           </a:p>
@@ -393,7 +393,7 @@
           <a:p>
             <a:fld id="{FD3EFF1E-85A1-6640-AFB9-C38833E80A84}" type="datetimeFigureOut">
               <a:rPr lang="en-US" smtClean="0"/>
-              <a:t>11/2/2015</a:t>
+              <a:t>11/13/15</a:t>
             </a:fld>
             <a:endParaRPr lang="en-US"/>
           </a:p>
@@ -727,7 +727,7 @@
           <a:p>
             <a:fld id="{13967457-1E83-1040-AFF7-8D09C473DBD5}" type="slidenum">
               <a:rPr lang="en-US" smtClean="0"/>
-              <a:t>1</a:t>
+              <a:t>3</a:t>
             </a:fld>
             <a:endParaRPr lang="en-US"/>
           </a:p>
@@ -736,7 +736,7 @@
     </p:spTree>
     <p:extLst>
       <p:ext uri="{BB962C8B-B14F-4D97-AF65-F5344CB8AC3E}">
-        <p14:creationId xmlns:p14="http://schemas.microsoft.com/office/powerpoint/2010/main" val="3168064822"/>
+        <p14:creationId xmlns:p14="http://schemas.microsoft.com/office/powerpoint/2010/main" val="1691116105"/>
       </p:ext>
     </p:extLst>
   </p:cSld>
@@ -811,90 +811,6 @@
           <a:p>
             <a:fld id="{13967457-1E83-1040-AFF7-8D09C473DBD5}" type="slidenum">
               <a:rPr lang="en-US" smtClean="0"/>
-              <a:t>3</a:t>
-            </a:fld>
-            <a:endParaRPr lang="en-US"/>
-          </a:p>
-        </p:txBody>
-      </p:sp>
-    </p:spTree>
-    <p:extLst>
-      <p:ext uri="{BB962C8B-B14F-4D97-AF65-F5344CB8AC3E}">
-        <p14:creationId xmlns:p14="http://schemas.microsoft.com/office/powerpoint/2010/main" val="1691116105"/>
-      </p:ext>
-    </p:extLst>
-  </p:cSld>
-  <p:clrMapOvr>
-    <a:masterClrMapping/>
-  </p:clrMapOvr>
-</p:notes>
-</file>
-
-<file path=ppt/notesSlides/notesSlide3.xml><?xml version="1.0" encoding="utf-8"?>
-<p:notes xmlns:a="http://schemas.openxmlformats.org/drawingml/2006/main" xmlns:r="http://schemas.openxmlformats.org/officeDocument/2006/relationships" xmlns:p="http://schemas.openxmlformats.org/presentationml/2006/main">
-  <p:cSld>
-    <p:spTree>
-      <p:nvGrpSpPr>
-        <p:cNvPr id="1" name=""/>
-        <p:cNvGrpSpPr/>
-        <p:nvPr/>
-      </p:nvGrpSpPr>
-      <p:grpSpPr>
-        <a:xfrm>
-          <a:off x="0" y="0"/>
-          <a:ext cx="0" cy="0"/>
-          <a:chOff x="0" y="0"/>
-          <a:chExt cx="0" cy="0"/>
-        </a:xfrm>
-      </p:grpSpPr>
-      <p:sp>
-        <p:nvSpPr>
-          <p:cNvPr id="2" name="Slide Image Placeholder 1"/>
-          <p:cNvSpPr>
-            <a:spLocks noGrp="1" noRot="1" noChangeAspect="1"/>
-          </p:cNvSpPr>
-          <p:nvPr>
-            <p:ph type="sldImg"/>
-          </p:nvPr>
-        </p:nvSpPr>
-        <p:spPr/>
-      </p:sp>
-      <p:sp>
-        <p:nvSpPr>
-          <p:cNvPr id="3" name="Notes Placeholder 2"/>
-          <p:cNvSpPr>
-            <a:spLocks noGrp="1"/>
-          </p:cNvSpPr>
-          <p:nvPr>
-            <p:ph type="body" idx="1"/>
-          </p:nvPr>
-        </p:nvSpPr>
-        <p:spPr/>
-        <p:txBody>
-          <a:bodyPr/>
-          <a:lstStyle/>
-          <a:p>
-            <a:endParaRPr lang="en-US"/>
-          </a:p>
-        </p:txBody>
-      </p:sp>
-      <p:sp>
-        <p:nvSpPr>
-          <p:cNvPr id="4" name="Slide Number Placeholder 3"/>
-          <p:cNvSpPr>
-            <a:spLocks noGrp="1"/>
-          </p:cNvSpPr>
-          <p:nvPr>
-            <p:ph type="sldNum" sz="quarter" idx="10"/>
-          </p:nvPr>
-        </p:nvSpPr>
-        <p:spPr/>
-        <p:txBody>
-          <a:bodyPr/>
-          <a:lstStyle/>
-          <a:p>
-            <a:fld id="{13967457-1E83-1040-AFF7-8D09C473DBD5}" type="slidenum">
-              <a:rPr lang="en-US" smtClean="0"/>
               <a:t>12</a:t>
             </a:fld>
             <a:endParaRPr lang="en-US"/>
@@ -914,7 +830,7 @@
 </p:notes>
 </file>
 
-<file path=ppt/notesSlides/notesSlide4.xml><?xml version="1.0" encoding="utf-8"?>
+<file path=ppt/notesSlides/notesSlide3.xml><?xml version="1.0" encoding="utf-8"?>
 <p:notes xmlns:a="http://schemas.openxmlformats.org/drawingml/2006/main" xmlns:r="http://schemas.openxmlformats.org/officeDocument/2006/relationships" xmlns:p="http://schemas.openxmlformats.org/presentationml/2006/main">
   <p:cSld>
     <p:spTree>
@@ -1017,256 +933,20 @@
       </p:grpSpPr>
       <p:sp>
         <p:nvSpPr>
-          <p:cNvPr id="2" name="Title 1"/>
-          <p:cNvSpPr>
-            <a:spLocks noGrp="1"/>
-          </p:cNvSpPr>
-          <p:nvPr>
-            <p:ph type="ctrTitle"/>
-          </p:nvPr>
-        </p:nvSpPr>
-        <p:spPr>
-          <a:xfrm>
-            <a:off x="457200" y="228600"/>
-            <a:ext cx="7772400" cy="4571999"/>
-          </a:xfrm>
-        </p:spPr>
-        <p:txBody>
-          <a:bodyPr anchor="ctr">
-            <a:noAutofit/>
-          </a:bodyPr>
-          <a:lstStyle>
-            <a:lvl1pPr>
-              <a:lnSpc>
-                <a:spcPct val="100000"/>
-              </a:lnSpc>
-              <a:defRPr sz="8800" spc="-80" baseline="0">
-                <a:solidFill>
-                  <a:schemeClr val="tx1"/>
-                </a:solidFill>
-              </a:defRPr>
-            </a:lvl1pPr>
-          </a:lstStyle>
-          <a:p>
-            <a:r>
-              <a:rPr lang="en-US" smtClean="0"/>
-              <a:t>Click to edit Master title style</a:t>
-            </a:r>
-            <a:endParaRPr lang="en-US" dirty="0"/>
-          </a:p>
-        </p:txBody>
-      </p:sp>
-      <p:sp>
-        <p:nvSpPr>
-          <p:cNvPr id="3" name="Subtitle 2"/>
-          <p:cNvSpPr>
-            <a:spLocks noGrp="1"/>
-          </p:cNvSpPr>
-          <p:nvPr>
-            <p:ph type="subTitle" idx="1"/>
-          </p:nvPr>
-        </p:nvSpPr>
-        <p:spPr>
-          <a:xfrm>
-            <a:off x="457200" y="4800600"/>
-            <a:ext cx="6858000" cy="914400"/>
-          </a:xfrm>
-        </p:spPr>
-        <p:txBody>
-          <a:bodyPr/>
-          <a:lstStyle>
-            <a:lvl1pPr marL="0" indent="0" algn="l">
-              <a:buNone/>
-              <a:defRPr b="0" cap="all" spc="120" baseline="0">
-                <a:solidFill>
-                  <a:schemeClr val="tx2"/>
-                </a:solidFill>
-                <a:latin typeface="+mj-lt"/>
-              </a:defRPr>
-            </a:lvl1pPr>
-            <a:lvl2pPr marL="457200" indent="0" algn="ctr">
-              <a:buNone/>
-              <a:defRPr>
-                <a:solidFill>
-                  <a:schemeClr val="tx1">
-                    <a:tint val="75000"/>
-                  </a:schemeClr>
-                </a:solidFill>
-              </a:defRPr>
-            </a:lvl2pPr>
-            <a:lvl3pPr marL="914400" indent="0" algn="ctr">
-              <a:buNone/>
-              <a:defRPr>
-                <a:solidFill>
-                  <a:schemeClr val="tx1">
-                    <a:tint val="75000"/>
-                  </a:schemeClr>
-                </a:solidFill>
-              </a:defRPr>
-            </a:lvl3pPr>
-            <a:lvl4pPr marL="1371600" indent="0" algn="ctr">
-              <a:buNone/>
-              <a:defRPr>
-                <a:solidFill>
-                  <a:schemeClr val="tx1">
-                    <a:tint val="75000"/>
-                  </a:schemeClr>
-                </a:solidFill>
-              </a:defRPr>
-            </a:lvl4pPr>
-            <a:lvl5pPr marL="1828800" indent="0" algn="ctr">
-              <a:buNone/>
-              <a:defRPr>
-                <a:solidFill>
-                  <a:schemeClr val="tx1">
-                    <a:tint val="75000"/>
-                  </a:schemeClr>
-                </a:solidFill>
-              </a:defRPr>
-            </a:lvl5pPr>
-            <a:lvl6pPr marL="2286000" indent="0" algn="ctr">
-              <a:buNone/>
-              <a:defRPr>
-                <a:solidFill>
-                  <a:schemeClr val="tx1">
-                    <a:tint val="75000"/>
-                  </a:schemeClr>
-                </a:solidFill>
-              </a:defRPr>
-            </a:lvl6pPr>
-            <a:lvl7pPr marL="2743200" indent="0" algn="ctr">
-              <a:buNone/>
-              <a:defRPr>
-                <a:solidFill>
-                  <a:schemeClr val="tx1">
-                    <a:tint val="75000"/>
-                  </a:schemeClr>
-                </a:solidFill>
-              </a:defRPr>
-            </a:lvl7pPr>
-            <a:lvl8pPr marL="3200400" indent="0" algn="ctr">
-              <a:buNone/>
-              <a:defRPr>
-                <a:solidFill>
-                  <a:schemeClr val="tx1">
-                    <a:tint val="75000"/>
-                  </a:schemeClr>
-                </a:solidFill>
-              </a:defRPr>
-            </a:lvl8pPr>
-            <a:lvl9pPr marL="3657600" indent="0" algn="ctr">
-              <a:buNone/>
-              <a:defRPr>
-                <a:solidFill>
-                  <a:schemeClr val="tx1">
-                    <a:tint val="75000"/>
-                  </a:schemeClr>
-                </a:solidFill>
-              </a:defRPr>
-            </a:lvl9pPr>
-          </a:lstStyle>
-          <a:p>
-            <a:r>
-              <a:rPr lang="en-US" smtClean="0"/>
-              <a:t>Click to edit Master subtitle style</a:t>
-            </a:r>
-            <a:endParaRPr lang="en-US" dirty="0"/>
-          </a:p>
-        </p:txBody>
-      </p:sp>
-      <p:sp>
-        <p:nvSpPr>
-          <p:cNvPr id="4" name="Date Placeholder 3"/>
-          <p:cNvSpPr>
-            <a:spLocks noGrp="1"/>
-          </p:cNvSpPr>
-          <p:nvPr>
-            <p:ph type="dt" sz="half" idx="10"/>
-          </p:nvPr>
-        </p:nvSpPr>
-        <p:spPr/>
-        <p:txBody>
-          <a:bodyPr/>
-          <a:lstStyle/>
-          <a:p>
-            <a:fld id="{D38274B0-7FC6-8D48-B0C2-71F4B5E9C887}" type="datetime1">
-              <a:rPr lang="en-US" smtClean="0"/>
-              <a:t>11/2/2015</a:t>
-            </a:fld>
-            <a:endParaRPr lang="en-US"/>
-          </a:p>
-        </p:txBody>
-      </p:sp>
-      <p:sp>
-        <p:nvSpPr>
-          <p:cNvPr id="5" name="Footer Placeholder 4"/>
-          <p:cNvSpPr>
-            <a:spLocks noGrp="1"/>
-          </p:cNvSpPr>
-          <p:nvPr>
-            <p:ph type="ftr" sz="quarter" idx="11"/>
-          </p:nvPr>
-        </p:nvSpPr>
-        <p:spPr/>
-        <p:txBody>
-          <a:bodyPr/>
-          <a:lstStyle/>
-          <a:p>
-            <a:r>
-              <a:rPr lang="sk-SK" smtClean="0"/>
-              <a:t>© 2015 EV3Lessons.com (Last Edit 11/01/2015)</a:t>
-            </a:r>
-            <a:endParaRPr lang="en-US"/>
-          </a:p>
-        </p:txBody>
-      </p:sp>
-      <p:sp>
-        <p:nvSpPr>
-          <p:cNvPr id="11" name="Slide Number Placeholder 6"/>
-          <p:cNvSpPr>
-            <a:spLocks noGrp="1"/>
-          </p:cNvSpPr>
-          <p:nvPr>
-            <p:ph type="sldNum" sz="quarter" idx="4"/>
-          </p:nvPr>
-        </p:nvSpPr>
-        <p:spPr>
-          <a:xfrm>
-            <a:off x="8477026" y="6358106"/>
-            <a:ext cx="666974" cy="365125"/>
+          <p:cNvPr id="7" name="Rectangle 6"/>
+          <p:cNvSpPr/>
+          <p:nvPr/>
+        </p:nvSpPr>
+        <p:spPr>
+          <a:xfrm>
+            <a:off x="2382" y="6400800"/>
+            <a:ext cx="9141619" cy="457200"/>
           </a:xfrm>
           <a:prstGeom prst="rect">
             <a:avLst/>
           </a:prstGeom>
-        </p:spPr>
-        <p:txBody>
-          <a:bodyPr/>
-          <a:lstStyle/>
-          <a:p>
-            <a:fld id="{4DBC7FC8-25FB-FC45-8177-2B991DA6778C}" type="slidenum">
-              <a:rPr lang="en-US" smtClean="0"/>
-              <a:t>‹#›</a:t>
-            </a:fld>
-            <a:endParaRPr lang="en-US"/>
-          </a:p>
-        </p:txBody>
-      </p:sp>
-      <p:sp>
-        <p:nvSpPr>
-          <p:cNvPr id="12" name="Rectangle 11"/>
-          <p:cNvSpPr/>
-          <p:nvPr userDrawn="1"/>
-        </p:nvSpPr>
-        <p:spPr>
-          <a:xfrm>
-            <a:off x="8996106" y="2895600"/>
-            <a:ext cx="147895" cy="3962400"/>
-          </a:xfrm>
-          <a:prstGeom prst="rect">
-            <a:avLst/>
-          </a:prstGeom>
           <a:solidFill>
-            <a:srgbClr val="92D050"/>
+            <a:srgbClr val="0070C0"/>
           </a:solidFill>
           <a:ln>
             <a:noFill/>
@@ -1291,20 +971,246 @@
       </p:sp>
       <p:sp>
         <p:nvSpPr>
-          <p:cNvPr id="13" name="Rectangle 12"/>
+          <p:cNvPr id="2" name="Title 1"/>
+          <p:cNvSpPr>
+            <a:spLocks noGrp="1"/>
+          </p:cNvSpPr>
+          <p:nvPr>
+            <p:ph type="ctrTitle" hasCustomPrompt="1"/>
+          </p:nvPr>
+        </p:nvSpPr>
+        <p:spPr>
+          <a:xfrm>
+            <a:off x="373553" y="471740"/>
+            <a:ext cx="4857665" cy="2001435"/>
+          </a:xfrm>
+          <a:ln>
+            <a:noFill/>
+          </a:ln>
+        </p:spPr>
+        <p:txBody>
+          <a:bodyPr anchor="b">
+            <a:normAutofit/>
+          </a:bodyPr>
+          <a:lstStyle>
+            <a:lvl1pPr algn="l">
+              <a:lnSpc>
+                <a:spcPct val="85000"/>
+              </a:lnSpc>
+              <a:defRPr sz="5400" spc="-50" baseline="0">
+                <a:solidFill>
+                  <a:schemeClr val="tx1">
+                    <a:lumMod val="85000"/>
+                    <a:lumOff val="15000"/>
+                  </a:schemeClr>
+                </a:solidFill>
+              </a:defRPr>
+            </a:lvl1pPr>
+          </a:lstStyle>
+          <a:p>
+            <a:r>
+              <a:rPr lang="en-US" dirty="0" smtClean="0"/>
+              <a:t>INTERMEDIATE PROGRAMMING LESSON</a:t>
+            </a:r>
+            <a:endParaRPr lang="en-US" dirty="0"/>
+          </a:p>
+        </p:txBody>
+      </p:sp>
+      <p:sp>
+        <p:nvSpPr>
+          <p:cNvPr id="3" name="Subtitle 2"/>
+          <p:cNvSpPr>
+            <a:spLocks noGrp="1"/>
+          </p:cNvSpPr>
+          <p:nvPr>
+            <p:ph type="subTitle" idx="1"/>
+          </p:nvPr>
+        </p:nvSpPr>
+        <p:spPr>
+          <a:xfrm>
+            <a:off x="1548051" y="3452894"/>
+            <a:ext cx="6004883" cy="401411"/>
+          </a:xfrm>
+        </p:spPr>
+        <p:txBody>
+          <a:bodyPr lIns="91440" rIns="91440">
+            <a:normAutofit/>
+          </a:bodyPr>
+          <a:lstStyle>
+            <a:lvl1pPr marL="0" indent="0" algn="ctr">
+              <a:buNone/>
+              <a:defRPr sz="2400" cap="all" spc="200" baseline="0">
+                <a:solidFill>
+                  <a:schemeClr val="tx2"/>
+                </a:solidFill>
+                <a:latin typeface="+mj-lt"/>
+              </a:defRPr>
+            </a:lvl1pPr>
+            <a:lvl2pPr marL="457200" indent="0" algn="ctr">
+              <a:buNone/>
+              <a:defRPr sz="2400"/>
+            </a:lvl2pPr>
+            <a:lvl3pPr marL="914400" indent="0" algn="ctr">
+              <a:buNone/>
+              <a:defRPr sz="2400"/>
+            </a:lvl3pPr>
+            <a:lvl4pPr marL="1371600" indent="0" algn="ctr">
+              <a:buNone/>
+              <a:defRPr sz="2000"/>
+            </a:lvl4pPr>
+            <a:lvl5pPr marL="1828800" indent="0" algn="ctr">
+              <a:buNone/>
+              <a:defRPr sz="2000"/>
+            </a:lvl5pPr>
+            <a:lvl6pPr marL="2286000" indent="0" algn="ctr">
+              <a:buNone/>
+              <a:defRPr sz="2000"/>
+            </a:lvl6pPr>
+            <a:lvl7pPr marL="2743200" indent="0" algn="ctr">
+              <a:buNone/>
+              <a:defRPr sz="2000"/>
+            </a:lvl7pPr>
+            <a:lvl8pPr marL="3200400" indent="0" algn="ctr">
+              <a:buNone/>
+              <a:defRPr sz="2000"/>
+            </a:lvl8pPr>
+            <a:lvl9pPr marL="3657600" indent="0" algn="ctr">
+              <a:buNone/>
+              <a:defRPr sz="2000"/>
+            </a:lvl9pPr>
+          </a:lstStyle>
+          <a:p>
+            <a:r>
+              <a:rPr lang="en-US" dirty="0" smtClean="0"/>
+              <a:t>Click to edit Master subtitle style</a:t>
+            </a:r>
+            <a:endParaRPr lang="en-US" dirty="0"/>
+          </a:p>
+        </p:txBody>
+      </p:sp>
+      <p:sp>
+        <p:nvSpPr>
+          <p:cNvPr id="4" name="Date Placeholder 3"/>
+          <p:cNvSpPr>
+            <a:spLocks noGrp="1"/>
+          </p:cNvSpPr>
+          <p:nvPr>
+            <p:ph type="dt" sz="half" idx="10"/>
+          </p:nvPr>
+        </p:nvSpPr>
+        <p:spPr/>
+        <p:txBody>
+          <a:bodyPr/>
+          <a:lstStyle/>
+          <a:p>
+            <a:fld id="{6B13CFBD-0392-DF42-9C65-6D1DE0580181}" type="datetime1">
+              <a:rPr lang="en-US" smtClean="0"/>
+              <a:t>11/13/15</a:t>
+            </a:fld>
+            <a:endParaRPr lang="en-US"/>
+          </a:p>
+        </p:txBody>
+      </p:sp>
+      <p:sp>
+        <p:nvSpPr>
+          <p:cNvPr id="5" name="Footer Placeholder 4"/>
+          <p:cNvSpPr>
+            <a:spLocks noGrp="1"/>
+          </p:cNvSpPr>
+          <p:nvPr>
+            <p:ph type="ftr" sz="quarter" idx="11"/>
+          </p:nvPr>
+        </p:nvSpPr>
+        <p:spPr/>
+        <p:txBody>
+          <a:bodyPr/>
+          <a:lstStyle/>
+          <a:p>
+            <a:r>
+              <a:rPr lang="sk-SK" smtClean="0"/>
+              <a:t>© 2015 EV3Lessons.com, Last edit 11/13/2015</a:t>
+            </a:r>
+            <a:endParaRPr lang="en-US"/>
+          </a:p>
+        </p:txBody>
+      </p:sp>
+      <p:sp>
+        <p:nvSpPr>
+          <p:cNvPr id="6" name="Slide Number Placeholder 5"/>
+          <p:cNvSpPr>
+            <a:spLocks noGrp="1"/>
+          </p:cNvSpPr>
+          <p:nvPr>
+            <p:ph type="sldNum" sz="quarter" idx="12"/>
+          </p:nvPr>
+        </p:nvSpPr>
+        <p:spPr/>
+        <p:txBody>
+          <a:bodyPr/>
+          <a:lstStyle/>
+          <a:p>
+            <a:fld id="{7F5CE407-6216-4202-80E4-A30DC2F709B2}" type="slidenum">
+              <a:rPr lang="en-US" smtClean="0"/>
+              <a:t>‹#›</a:t>
+            </a:fld>
+            <a:endParaRPr lang="en-US"/>
+          </a:p>
+        </p:txBody>
+      </p:sp>
+      <p:cxnSp>
+        <p:nvCxnSpPr>
+          <p:cNvPr id="9" name="Straight Connector 8"/>
+          <p:cNvCxnSpPr/>
+          <p:nvPr/>
+        </p:nvCxnSpPr>
+        <p:spPr>
+          <a:xfrm>
+            <a:off x="905744" y="3854305"/>
+            <a:ext cx="7406640" cy="0"/>
+          </a:xfrm>
+          <a:prstGeom prst="line">
+            <a:avLst/>
+          </a:prstGeom>
+          <a:ln w="6350">
+            <a:solidFill>
+              <a:schemeClr val="tx1">
+                <a:lumMod val="50000"/>
+                <a:lumOff val="50000"/>
+              </a:schemeClr>
+            </a:solidFill>
+          </a:ln>
+        </p:spPr>
+        <p:style>
+          <a:lnRef idx="1">
+            <a:schemeClr val="accent1"/>
+          </a:lnRef>
+          <a:fillRef idx="0">
+            <a:schemeClr val="accent1"/>
+          </a:fillRef>
+          <a:effectRef idx="0">
+            <a:schemeClr val="accent1"/>
+          </a:effectRef>
+          <a:fontRef idx="minor">
+            <a:schemeClr val="tx1"/>
+          </a:fontRef>
+        </p:style>
+      </p:cxnSp>
+      <p:sp>
+        <p:nvSpPr>
+          <p:cNvPr id="10" name="Rectangle 9"/>
           <p:cNvSpPr/>
           <p:nvPr userDrawn="1"/>
         </p:nvSpPr>
         <p:spPr>
           <a:xfrm>
-            <a:off x="8959042" y="0"/>
-            <a:ext cx="184958" cy="2895600"/>
+            <a:off x="0" y="6334315"/>
+            <a:ext cx="4487333" cy="92382"/>
           </a:xfrm>
           <a:prstGeom prst="rect">
             <a:avLst/>
           </a:prstGeom>
           <a:solidFill>
-            <a:srgbClr val="7030A0"/>
+            <a:srgbClr val="00B050"/>
           </a:solidFill>
           <a:ln>
             <a:noFill/>
@@ -1329,20 +1235,20 @@
       </p:sp>
       <p:sp>
         <p:nvSpPr>
-          <p:cNvPr id="14" name="Rectangle 13"/>
+          <p:cNvPr id="11" name="Rectangle 10"/>
           <p:cNvSpPr/>
           <p:nvPr userDrawn="1"/>
         </p:nvSpPr>
         <p:spPr>
           <a:xfrm>
-            <a:off x="8913902" y="0"/>
-            <a:ext cx="91440" cy="6858000"/>
+            <a:off x="4487333" y="6334315"/>
+            <a:ext cx="4656667" cy="92382"/>
           </a:xfrm>
           <a:prstGeom prst="rect">
             <a:avLst/>
           </a:prstGeom>
           <a:solidFill>
-            <a:srgbClr val="0070C0"/>
+            <a:srgbClr val="7030A0"/>
           </a:solidFill>
           <a:ln>
             <a:noFill/>
@@ -1365,7 +1271,117 @@
           </a:fontRef>
         </p:style>
       </p:sp>
+      <p:sp>
+        <p:nvSpPr>
+          <p:cNvPr id="13" name="TextBox 12"/>
+          <p:cNvSpPr txBox="1"/>
+          <p:nvPr userDrawn="1"/>
+        </p:nvSpPr>
+        <p:spPr>
+          <a:xfrm>
+            <a:off x="1481621" y="5931894"/>
+            <a:ext cx="2391085" cy="369332"/>
+          </a:xfrm>
+          <a:prstGeom prst="rect">
+            <a:avLst/>
+          </a:prstGeom>
+          <a:noFill/>
+        </p:spPr>
+        <p:txBody>
+          <a:bodyPr wrap="square" rtlCol="0">
+            <a:spAutoFit/>
+          </a:bodyPr>
+          <a:lstStyle/>
+          <a:p>
+            <a:r>
+              <a:rPr lang="en-US" dirty="0" smtClean="0"/>
+              <a:t>By </a:t>
+            </a:r>
+            <a:r>
+              <a:rPr lang="en-US" smtClean="0"/>
+              <a:t>Droids Robotics</a:t>
+            </a:r>
+            <a:endParaRPr lang="en-US"/>
+          </a:p>
+        </p:txBody>
+      </p:sp>
+      <p:pic>
+        <p:nvPicPr>
+          <p:cNvPr id="14" name="Picture 13"/>
+          <p:cNvPicPr>
+            <a:picLocks noChangeAspect="1"/>
+          </p:cNvPicPr>
+          <p:nvPr userDrawn="1"/>
+        </p:nvPicPr>
+        <p:blipFill>
+          <a:blip r:embed="rId2">
+            <a:extLst>
+              <a:ext uri="{28A0092B-C50C-407E-A947-70E740481C1C}">
+                <a14:useLocalDpi xmlns:a14="http://schemas.microsoft.com/office/drawing/2010/main" val="0"/>
+              </a:ext>
+            </a:extLst>
+          </a:blip>
+          <a:stretch>
+            <a:fillRect/>
+          </a:stretch>
+        </p:blipFill>
+        <p:spPr>
+          <a:xfrm>
+            <a:off x="164036" y="4938756"/>
+            <a:ext cx="1317585" cy="1260490"/>
+          </a:xfrm>
+          <a:prstGeom prst="rect">
+            <a:avLst/>
+          </a:prstGeom>
+        </p:spPr>
+      </p:pic>
+      <p:pic>
+        <p:nvPicPr>
+          <p:cNvPr id="15" name="Picture 14" descr="EV3Lessons.com"/>
+          <p:cNvPicPr>
+            <a:picLocks noChangeAspect="1" noChangeArrowheads="1"/>
+          </p:cNvPicPr>
+          <p:nvPr userDrawn="1"/>
+        </p:nvPicPr>
+        <p:blipFill>
+          <a:blip r:embed="rId3" cstate="email">
+            <a:extLst>
+              <a:ext uri="{28A0092B-C50C-407E-A947-70E740481C1C}">
+                <a14:useLocalDpi xmlns:a14="http://schemas.microsoft.com/office/drawing/2010/main" val="0"/>
+              </a:ext>
+            </a:extLst>
+          </a:blip>
+          <a:srcRect/>
+          <a:stretch>
+            <a:fillRect/>
+          </a:stretch>
+        </p:blipFill>
+        <p:spPr bwMode="auto">
+          <a:xfrm>
+            <a:off x="5422605" y="409394"/>
+            <a:ext cx="3487140" cy="1295224"/>
+          </a:xfrm>
+          <a:prstGeom prst="rect">
+            <a:avLst/>
+          </a:prstGeom>
+          <a:noFill/>
+          <a:extLst>
+            <a:ext uri="{909E8E84-426E-40dd-AFC4-6F175D3DCCD1}">
+              <a14:hiddenFill xmlns:a14="http://schemas.microsoft.com/office/drawing/2010/main" xmlns="">
+                <a:solidFill>
+                  <a:srgbClr val="FFFFFF"/>
+                </a:solidFill>
+              </a14:hiddenFill>
+            </a:ext>
+          </a:extLst>
+        </p:spPr>
+      </p:pic>
     </p:spTree>
+    <p:extLst>
+      <p:ext uri="{BB962C8B-B14F-4D97-AF65-F5344CB8AC3E}">
+        <p14:creationId xmlns:p14="http://schemas.microsoft.com/office/powerpoint/2010/main" val="365207003"/>
+      </p:ext>
+    </p:extLst>
   </p:cSld>
   <p:clrMapOvr>
     <a:masterClrMapping/>
@@ -1409,7 +1425,7 @@
               <a:rPr lang="en-US" smtClean="0"/>
               <a:t>Click to edit Master title style</a:t>
             </a:r>
-            <a:endParaRPr lang="en-US"/>
+            <a:endParaRPr lang="en-US" dirty="0"/>
           </a:p>
         </p:txBody>
       </p:sp>
@@ -1425,7 +1441,7 @@
         </p:nvSpPr>
         <p:spPr/>
         <p:txBody>
-          <a:bodyPr vert="eaVert"/>
+          <a:bodyPr vert="eaVert" lIns="45720" tIns="0" rIns="45720" bIns="0"/>
           <a:lstStyle/>
           <a:p>
             <a:pPr lvl="0"/>
@@ -1461,7 +1477,7 @@
               <a:rPr lang="en-US" smtClean="0"/>
               <a:t>Fifth level</a:t>
             </a:r>
-            <a:endParaRPr lang="en-US"/>
+            <a:endParaRPr lang="en-US" dirty="0"/>
           </a:p>
         </p:txBody>
       </p:sp>
@@ -1480,9 +1496,9 @@
           <a:bodyPr/>
           <a:lstStyle/>
           <a:p>
-            <a:fld id="{2E728D27-71B0-DA40-A52D-4E90DF6F7692}" type="datetime1">
+            <a:fld id="{BF0F175E-9EAC-E14B-B7AC-8C8F25EC1DAA}" type="datetime1">
               <a:rPr lang="en-US" smtClean="0"/>
-              <a:t>11/2/2015</a:t>
+              <a:t>11/13/15</a:t>
             </a:fld>
             <a:endParaRPr lang="en-US"/>
           </a:p>
@@ -1505,7 +1521,7 @@
           <a:p>
             <a:r>
               <a:rPr lang="sk-SK" smtClean="0"/>
-              <a:t>© 2015 EV3Lessons.com (Last Edit 11/01/2015)</a:t>
+              <a:t>© 2015 EV3Lessons.com, Last edit 11/13/2015</a:t>
             </a:r>
             <a:endParaRPr lang="en-US"/>
           </a:p>
@@ -1521,20 +1537,12 @@
             <p:ph type="sldNum" sz="quarter" idx="12"/>
           </p:nvPr>
         </p:nvSpPr>
-        <p:spPr>
-          <a:xfrm rot="16200000">
-            <a:off x="8227377" y="5885497"/>
-            <a:ext cx="1315721" cy="365125"/>
-          </a:xfrm>
-          <a:prstGeom prst="rect">
-            <a:avLst/>
-          </a:prstGeom>
-        </p:spPr>
+        <p:spPr/>
         <p:txBody>
           <a:bodyPr/>
           <a:lstStyle/>
           <a:p>
-            <a:fld id="{4DBC7FC8-25FB-FC45-8177-2B991DA6778C}" type="slidenum">
+            <a:fld id="{4382A7F7-08BF-4252-8141-63FB96055BBB}" type="slidenum">
               <a:rPr lang="en-US" smtClean="0"/>
               <a:t>‹#›</a:t>
             </a:fld>
@@ -1543,6 +1551,11 @@
         </p:txBody>
       </p:sp>
     </p:spTree>
+    <p:extLst>
+      <p:ext uri="{BB962C8B-B14F-4D97-AF65-F5344CB8AC3E}">
+        <p14:creationId xmlns:p14="http://schemas.microsoft.com/office/powerpoint/2010/main" val="1105329330"/>
+      </p:ext>
+    </p:extLst>
   </p:cSld>
   <p:clrMapOvr>
     <a:masterClrMapping/>
@@ -1551,7 +1564,7 @@
 </file>
 
 <file path=ppt/slideLayouts/slideLayout11.xml><?xml version="1.0" encoding="utf-8"?>
-<p:sldLayout xmlns:a="http://schemas.openxmlformats.org/drawingml/2006/main" xmlns:r="http://schemas.openxmlformats.org/officeDocument/2006/relationships" xmlns:p="http://schemas.openxmlformats.org/presentationml/2006/main" type="vertTitleAndTx" preserve="1">
+<p:sldLayout xmlns:a="http://schemas.openxmlformats.org/drawingml/2006/main" xmlns:r="http://schemas.openxmlformats.org/officeDocument/2006/relationships" xmlns:p="http://schemas.openxmlformats.org/presentationml/2006/main" showMasterSp="0" type="vertTitleAndTx" preserve="1">
   <p:cSld name="Vertical Title and Text">
     <p:spTree>
       <p:nvGrpSpPr>
@@ -1569,6 +1582,82 @@
       </p:grpSpPr>
       <p:sp>
         <p:nvSpPr>
+          <p:cNvPr id="7" name="Rectangle 6"/>
+          <p:cNvSpPr/>
+          <p:nvPr/>
+        </p:nvSpPr>
+        <p:spPr>
+          <a:xfrm>
+            <a:off x="2382" y="6400800"/>
+            <a:ext cx="9141619" cy="457200"/>
+          </a:xfrm>
+          <a:prstGeom prst="rect">
+            <a:avLst/>
+          </a:prstGeom>
+          <a:solidFill>
+            <a:schemeClr val="accent2"/>
+          </a:solidFill>
+          <a:ln>
+            <a:noFill/>
+          </a:ln>
+        </p:spPr>
+        <p:style>
+          <a:lnRef idx="2">
+            <a:schemeClr val="accent1">
+              <a:shade val="50000"/>
+            </a:schemeClr>
+          </a:lnRef>
+          <a:fillRef idx="1">
+            <a:schemeClr val="accent1"/>
+          </a:fillRef>
+          <a:effectRef idx="0">
+            <a:schemeClr val="accent1"/>
+          </a:effectRef>
+          <a:fontRef idx="minor">
+            <a:schemeClr val="lt1"/>
+          </a:fontRef>
+        </p:style>
+      </p:sp>
+      <p:sp>
+        <p:nvSpPr>
+          <p:cNvPr id="8" name="Rectangle 7"/>
+          <p:cNvSpPr/>
+          <p:nvPr/>
+        </p:nvSpPr>
+        <p:spPr>
+          <a:xfrm>
+            <a:off x="12" y="6334316"/>
+            <a:ext cx="9141619" cy="64008"/>
+          </a:xfrm>
+          <a:prstGeom prst="rect">
+            <a:avLst/>
+          </a:prstGeom>
+          <a:solidFill>
+            <a:schemeClr val="accent1"/>
+          </a:solidFill>
+          <a:ln>
+            <a:noFill/>
+          </a:ln>
+        </p:spPr>
+        <p:style>
+          <a:lnRef idx="2">
+            <a:schemeClr val="accent1">
+              <a:shade val="50000"/>
+            </a:schemeClr>
+          </a:lnRef>
+          <a:fillRef idx="1">
+            <a:schemeClr val="accent1"/>
+          </a:fillRef>
+          <a:effectRef idx="0">
+            <a:schemeClr val="accent1"/>
+          </a:effectRef>
+          <a:fontRef idx="minor">
+            <a:schemeClr val="lt1"/>
+          </a:fontRef>
+        </p:style>
+      </p:sp>
+      <p:sp>
+        <p:nvSpPr>
           <p:cNvPr id="2" name="Vertical Title 1"/>
           <p:cNvSpPr>
             <a:spLocks noGrp="1"/>
@@ -1579,8 +1668,8 @@
         </p:nvSpPr>
         <p:spPr>
           <a:xfrm>
-            <a:off x="6629400" y="274638"/>
-            <a:ext cx="2057400" cy="5851525"/>
+            <a:off x="6543675" y="414779"/>
+            <a:ext cx="1971675" cy="5757421"/>
           </a:xfrm>
         </p:spPr>
         <p:txBody>
@@ -1591,7 +1680,7 @@
               <a:rPr lang="en-US" smtClean="0"/>
               <a:t>Click to edit Master title style</a:t>
             </a:r>
-            <a:endParaRPr lang="en-US"/>
+            <a:endParaRPr lang="en-US" dirty="0"/>
           </a:p>
         </p:txBody>
       </p:sp>
@@ -1607,12 +1696,12 @@
         </p:nvSpPr>
         <p:spPr>
           <a:xfrm>
-            <a:off x="457200" y="274638"/>
-            <a:ext cx="6019800" cy="5851525"/>
-          </a:xfrm>
-        </p:spPr>
-        <p:txBody>
-          <a:bodyPr vert="eaVert"/>
+            <a:off x="628650" y="414779"/>
+            <a:ext cx="5800725" cy="5757420"/>
+          </a:xfrm>
+        </p:spPr>
+        <p:txBody>
+          <a:bodyPr vert="eaVert" lIns="45720" tIns="0" rIns="45720" bIns="0"/>
           <a:lstStyle/>
           <a:p>
             <a:pPr lvl="0"/>
@@ -1648,7 +1737,7 @@
               <a:rPr lang="en-US" smtClean="0"/>
               <a:t>Fifth level</a:t>
             </a:r>
-            <a:endParaRPr lang="en-US"/>
+            <a:endParaRPr lang="en-US" dirty="0"/>
           </a:p>
         </p:txBody>
       </p:sp>
@@ -1667,9 +1756,9 @@
           <a:bodyPr/>
           <a:lstStyle/>
           <a:p>
-            <a:fld id="{D1EA92DD-5D88-4E4E-9312-09804AD18DE2}" type="datetime1">
+            <a:fld id="{ABE2FCFC-C57A-2442-884C-F5C58B3A2465}" type="datetime1">
               <a:rPr lang="en-US" smtClean="0"/>
-              <a:t>11/2/2015</a:t>
+              <a:t>11/13/15</a:t>
             </a:fld>
             <a:endParaRPr lang="en-US"/>
           </a:p>
@@ -1692,7 +1781,7 @@
           <a:p>
             <a:r>
               <a:rPr lang="sk-SK" smtClean="0"/>
-              <a:t>© 2015 EV3Lessons.com (Last Edit 11/01/2015)</a:t>
+              <a:t>© 2015 EV3Lessons.com, Last edit 11/13/2015</a:t>
             </a:r>
             <a:endParaRPr lang="en-US"/>
           </a:p>
@@ -1708,20 +1797,12 @@
             <p:ph type="sldNum" sz="quarter" idx="12"/>
           </p:nvPr>
         </p:nvSpPr>
-        <p:spPr>
-          <a:xfrm rot="16200000">
-            <a:off x="8227377" y="5885497"/>
-            <a:ext cx="1315721" cy="365125"/>
-          </a:xfrm>
-          <a:prstGeom prst="rect">
-            <a:avLst/>
-          </a:prstGeom>
-        </p:spPr>
+        <p:spPr/>
         <p:txBody>
           <a:bodyPr/>
           <a:lstStyle/>
           <a:p>
-            <a:fld id="{4DBC7FC8-25FB-FC45-8177-2B991DA6778C}" type="slidenum">
+            <a:fld id="{4382A7F7-08BF-4252-8141-63FB96055BBB}" type="slidenum">
               <a:rPr lang="en-US" smtClean="0"/>
               <a:t>‹#›</a:t>
             </a:fld>
@@ -1730,6 +1811,11 @@
         </p:txBody>
       </p:sp>
     </p:spTree>
+    <p:extLst>
+      <p:ext uri="{BB962C8B-B14F-4D97-AF65-F5344CB8AC3E}">
+        <p14:creationId xmlns:p14="http://schemas.microsoft.com/office/powerpoint/2010/main" val="511032145"/>
+      </p:ext>
+    </p:extLst>
   </p:cSld>
   <p:clrMapOvr>
     <a:masterClrMapping/>
@@ -1764,12 +1850,7 @@
             <p:ph type="title"/>
           </p:nvPr>
         </p:nvSpPr>
-        <p:spPr>
-          <a:xfrm>
-            <a:off x="457199" y="152718"/>
-            <a:ext cx="8245475" cy="1371600"/>
-          </a:xfrm>
-        </p:spPr>
+        <p:spPr/>
         <p:txBody>
           <a:bodyPr/>
           <a:lstStyle/>
@@ -1778,7 +1859,7 @@
               <a:rPr lang="en-US" smtClean="0"/>
               <a:t>Click to edit Master title style</a:t>
             </a:r>
-            <a:endParaRPr lang="en-US"/>
+            <a:endParaRPr lang="en-US" dirty="0"/>
           </a:p>
         </p:txBody>
       </p:sp>
@@ -1792,12 +1873,7 @@
             <p:ph idx="1"/>
           </p:nvPr>
         </p:nvSpPr>
-        <p:spPr>
-          <a:xfrm>
-            <a:off x="457200" y="1752600"/>
-            <a:ext cx="8245474" cy="4373563"/>
-          </a:xfrm>
-        </p:spPr>
+        <p:spPr/>
         <p:txBody>
           <a:bodyPr/>
           <a:lstStyle/>
@@ -1854,9 +1930,9 @@
           <a:bodyPr/>
           <a:lstStyle/>
           <a:p>
-            <a:fld id="{36FF14AB-745F-F74B-A746-45F3195A66E9}" type="datetime1">
+            <a:fld id="{6964D4EB-A2A3-5D46-A2E3-B082D53C11C5}" type="datetime1">
               <a:rPr lang="en-US" smtClean="0"/>
-              <a:t>11/2/2015</a:t>
+              <a:t>11/13/15</a:t>
             </a:fld>
             <a:endParaRPr lang="en-US"/>
           </a:p>
@@ -1879,7 +1955,7 @@
           <a:p>
             <a:r>
               <a:rPr lang="sk-SK" smtClean="0"/>
-              <a:t>© 2015 EV3Lessons.com (Last Edit 11/01/2015)</a:t>
+              <a:t>© 2015 EV3Lessons.com, Last edit 11/13/2015</a:t>
             </a:r>
             <a:endParaRPr lang="en-US"/>
           </a:p>
@@ -1887,28 +1963,20 @@
       </p:sp>
       <p:sp>
         <p:nvSpPr>
-          <p:cNvPr id="7" name="Slide Number Placeholder 6"/>
-          <p:cNvSpPr>
-            <a:spLocks noGrp="1"/>
-          </p:cNvSpPr>
-          <p:nvPr>
-            <p:ph type="sldNum" sz="quarter" idx="4"/>
-          </p:nvPr>
-        </p:nvSpPr>
-        <p:spPr>
-          <a:xfrm>
-            <a:off x="8477026" y="6358106"/>
-            <a:ext cx="666974" cy="365125"/>
-          </a:xfrm>
-          <a:prstGeom prst="rect">
-            <a:avLst/>
-          </a:prstGeom>
-        </p:spPr>
+          <p:cNvPr id="6" name="Slide Number Placeholder 5"/>
+          <p:cNvSpPr>
+            <a:spLocks noGrp="1"/>
+          </p:cNvSpPr>
+          <p:nvPr>
+            <p:ph type="sldNum" sz="quarter" idx="12"/>
+          </p:nvPr>
+        </p:nvSpPr>
+        <p:spPr/>
         <p:txBody>
           <a:bodyPr/>
           <a:lstStyle/>
           <a:p>
-            <a:fld id="{4DBC7FC8-25FB-FC45-8177-2B991DA6778C}" type="slidenum">
+            <a:fld id="{4382A7F7-08BF-4252-8141-63FB96055BBB}" type="slidenum">
               <a:rPr lang="en-US" smtClean="0"/>
               <a:t>‹#›</a:t>
             </a:fld>
@@ -1917,6 +1985,11 @@
         </p:txBody>
       </p:sp>
     </p:spTree>
+    <p:extLst>
+      <p:ext uri="{BB962C8B-B14F-4D97-AF65-F5344CB8AC3E}">
+        <p14:creationId xmlns:p14="http://schemas.microsoft.com/office/powerpoint/2010/main" val="835402660"/>
+      </p:ext>
+    </p:extLst>
   </p:cSld>
   <p:clrMapOvr>
     <a:masterClrMapping/>
@@ -1925,8 +1998,16 @@
 </file>
 
 <file path=ppt/slideLayouts/slideLayout3.xml><?xml version="1.0" encoding="utf-8"?>
-<p:sldLayout xmlns:a="http://schemas.openxmlformats.org/drawingml/2006/main" xmlns:r="http://schemas.openxmlformats.org/officeDocument/2006/relationships" xmlns:p="http://schemas.openxmlformats.org/presentationml/2006/main" type="secHead" preserve="1">
+<p:sldLayout xmlns:a="http://schemas.openxmlformats.org/drawingml/2006/main" xmlns:r="http://schemas.openxmlformats.org/officeDocument/2006/relationships" xmlns:p="http://schemas.openxmlformats.org/presentationml/2006/main" showMasterSp="0" type="secHead" preserve="1">
   <p:cSld name="Section Header">
+    <p:bg>
+      <p:bgPr>
+        <a:solidFill>
+          <a:schemeClr val="bg1"/>
+        </a:solidFill>
+        <a:effectLst/>
+      </p:bgPr>
+    </p:bg>
     <p:spTree>
       <p:nvGrpSpPr>
         <p:cNvPr id="1" name=""/>
@@ -1943,6 +2024,82 @@
       </p:grpSpPr>
       <p:sp>
         <p:nvSpPr>
+          <p:cNvPr id="7" name="Rectangle 6"/>
+          <p:cNvSpPr/>
+          <p:nvPr/>
+        </p:nvSpPr>
+        <p:spPr>
+          <a:xfrm>
+            <a:off x="2382" y="6400800"/>
+            <a:ext cx="9141619" cy="457200"/>
+          </a:xfrm>
+          <a:prstGeom prst="rect">
+            <a:avLst/>
+          </a:prstGeom>
+          <a:solidFill>
+            <a:schemeClr val="accent2"/>
+          </a:solidFill>
+          <a:ln>
+            <a:noFill/>
+          </a:ln>
+        </p:spPr>
+        <p:style>
+          <a:lnRef idx="2">
+            <a:schemeClr val="accent1">
+              <a:shade val="50000"/>
+            </a:schemeClr>
+          </a:lnRef>
+          <a:fillRef idx="1">
+            <a:schemeClr val="accent1"/>
+          </a:fillRef>
+          <a:effectRef idx="0">
+            <a:schemeClr val="accent1"/>
+          </a:effectRef>
+          <a:fontRef idx="minor">
+            <a:schemeClr val="lt1"/>
+          </a:fontRef>
+        </p:style>
+      </p:sp>
+      <p:sp>
+        <p:nvSpPr>
+          <p:cNvPr id="8" name="Rectangle 7"/>
+          <p:cNvSpPr/>
+          <p:nvPr/>
+        </p:nvSpPr>
+        <p:spPr>
+          <a:xfrm>
+            <a:off x="12" y="6334316"/>
+            <a:ext cx="9141619" cy="64008"/>
+          </a:xfrm>
+          <a:prstGeom prst="rect">
+            <a:avLst/>
+          </a:prstGeom>
+          <a:solidFill>
+            <a:schemeClr val="accent1"/>
+          </a:solidFill>
+          <a:ln>
+            <a:noFill/>
+          </a:ln>
+        </p:spPr>
+        <p:style>
+          <a:lnRef idx="2">
+            <a:schemeClr val="accent1">
+              <a:shade val="50000"/>
+            </a:schemeClr>
+          </a:lnRef>
+          <a:fillRef idx="1">
+            <a:schemeClr val="accent1"/>
+          </a:fillRef>
+          <a:effectRef idx="0">
+            <a:schemeClr val="accent1"/>
+          </a:effectRef>
+          <a:fontRef idx="minor">
+            <a:schemeClr val="lt1"/>
+          </a:fontRef>
+        </p:style>
+      </p:sp>
+      <p:sp>
+        <p:nvSpPr>
           <p:cNvPr id="2" name="Title 1"/>
           <p:cNvSpPr>
             <a:spLocks noGrp="1"/>
@@ -1953,22 +2110,25 @@
         </p:nvSpPr>
         <p:spPr>
           <a:xfrm>
-            <a:off x="457200" y="1447800"/>
-            <a:ext cx="7772400" cy="4321175"/>
-          </a:xfrm>
-        </p:spPr>
-        <p:txBody>
-          <a:bodyPr anchor="ctr">
-            <a:noAutofit/>
+            <a:off x="822960" y="758952"/>
+            <a:ext cx="7543800" cy="3566160"/>
+          </a:xfrm>
+        </p:spPr>
+        <p:txBody>
+          <a:bodyPr anchor="b" anchorCtr="0">
+            <a:normAutofit/>
           </a:bodyPr>
           <a:lstStyle>
-            <a:lvl1pPr algn="l">
+            <a:lvl1pPr>
               <a:lnSpc>
-                <a:spcPct val="100000"/>
+                <a:spcPct val="85000"/>
               </a:lnSpc>
-              <a:defRPr sz="8800" b="0" cap="all" spc="-80" baseline="0">
-                <a:solidFill>
-                  <a:schemeClr val="tx1"/>
+              <a:defRPr sz="8000" b="0">
+                <a:solidFill>
+                  <a:schemeClr val="tx1">
+                    <a:lumMod val="85000"/>
+                    <a:lumOff val="15000"/>
+                  </a:schemeClr>
                 </a:solidFill>
               </a:defRPr>
             </a:lvl1pPr>
@@ -1994,16 +2154,18 @@
         </p:nvSpPr>
         <p:spPr>
           <a:xfrm>
-            <a:off x="457200" y="228601"/>
-            <a:ext cx="7772400" cy="1066800"/>
-          </a:xfrm>
-        </p:spPr>
-        <p:txBody>
-          <a:bodyPr anchor="b"/>
+            <a:off x="822960" y="4453128"/>
+            <a:ext cx="7543800" cy="1143000"/>
+          </a:xfrm>
+        </p:spPr>
+        <p:txBody>
+          <a:bodyPr lIns="91440" rIns="91440" anchor="t" anchorCtr="0">
+            <a:normAutofit/>
+          </a:bodyPr>
           <a:lstStyle>
             <a:lvl1pPr marL="0" indent="0">
               <a:buNone/>
-              <a:defRPr sz="2000" b="0" cap="all" spc="120" baseline="0">
+              <a:defRPr sz="2400" cap="all" spc="200" baseline="0">
                 <a:solidFill>
                   <a:schemeClr val="tx2"/>
                 </a:solidFill>
@@ -2102,7 +2264,7 @@
       </p:sp>
       <p:sp>
         <p:nvSpPr>
-          <p:cNvPr id="7" name="Date Placeholder 6"/>
+          <p:cNvPr id="4" name="Date Placeholder 3"/>
           <p:cNvSpPr>
             <a:spLocks noGrp="1"/>
           </p:cNvSpPr>
@@ -2115,9 +2277,9 @@
           <a:bodyPr/>
           <a:lstStyle/>
           <a:p>
-            <a:fld id="{D356EBFB-7959-8A4B-A98B-ADD16DCA4F60}" type="datetime1">
+            <a:fld id="{719062A6-538C-914A-A4D7-9D77EAAE33AB}" type="datetime1">
               <a:rPr lang="en-US" smtClean="0"/>
-              <a:t>11/2/2015</a:t>
+              <a:t>11/13/15</a:t>
             </a:fld>
             <a:endParaRPr lang="en-US"/>
           </a:p>
@@ -2125,12 +2287,12 @@
       </p:sp>
       <p:sp>
         <p:nvSpPr>
-          <p:cNvPr id="9" name="Footer Placeholder 8"/>
-          <p:cNvSpPr>
-            <a:spLocks noGrp="1"/>
-          </p:cNvSpPr>
-          <p:nvPr>
-            <p:ph type="ftr" sz="quarter" idx="12"/>
+          <p:cNvPr id="5" name="Footer Placeholder 4"/>
+          <p:cNvSpPr>
+            <a:spLocks noGrp="1"/>
+          </p:cNvSpPr>
+          <p:nvPr>
+            <p:ph type="ftr" sz="quarter" idx="11"/>
           </p:nvPr>
         </p:nvSpPr>
         <p:spPr/>
@@ -2140,7 +2302,7 @@
           <a:p>
             <a:r>
               <a:rPr lang="sk-SK" smtClean="0"/>
-              <a:t>© 2015 EV3Lessons.com (Last Edit 11/01/2015)</a:t>
+              <a:t>© 2015 EV3Lessons.com, Last edit 11/13/2015</a:t>
             </a:r>
             <a:endParaRPr lang="en-US"/>
           </a:p>
@@ -2148,28 +2310,20 @@
       </p:sp>
       <p:sp>
         <p:nvSpPr>
-          <p:cNvPr id="10" name="Slide Number Placeholder 6"/>
-          <p:cNvSpPr>
-            <a:spLocks noGrp="1"/>
-          </p:cNvSpPr>
-          <p:nvPr>
-            <p:ph type="sldNum" sz="quarter" idx="4"/>
-          </p:nvPr>
-        </p:nvSpPr>
-        <p:spPr>
-          <a:xfrm>
-            <a:off x="8477026" y="6358106"/>
-            <a:ext cx="666974" cy="365125"/>
-          </a:xfrm>
-          <a:prstGeom prst="rect">
-            <a:avLst/>
-          </a:prstGeom>
-        </p:spPr>
+          <p:cNvPr id="6" name="Slide Number Placeholder 5"/>
+          <p:cNvSpPr>
+            <a:spLocks noGrp="1"/>
+          </p:cNvSpPr>
+          <p:nvPr>
+            <p:ph type="sldNum" sz="quarter" idx="12"/>
+          </p:nvPr>
+        </p:nvSpPr>
+        <p:spPr/>
         <p:txBody>
           <a:bodyPr/>
           <a:lstStyle/>
           <a:p>
-            <a:fld id="{4DBC7FC8-25FB-FC45-8177-2B991DA6778C}" type="slidenum">
+            <a:fld id="{162F1D00-BD13-4404-86B0-79703945A0A7}" type="slidenum">
               <a:rPr lang="en-US" smtClean="0"/>
               <a:t>‹#›</a:t>
             </a:fld>
@@ -2177,7 +2331,50 @@
           </a:p>
         </p:txBody>
       </p:sp>
+      <p:cxnSp>
+        <p:nvCxnSpPr>
+          <p:cNvPr id="9" name="Straight Connector 8"/>
+          <p:cNvCxnSpPr/>
+          <p:nvPr/>
+        </p:nvCxnSpPr>
+        <p:spPr>
+          <a:xfrm>
+            <a:off x="905744" y="4343400"/>
+            <a:ext cx="7406640" cy="0"/>
+          </a:xfrm>
+          <a:prstGeom prst="line">
+            <a:avLst/>
+          </a:prstGeom>
+          <a:ln w="6350">
+            <a:solidFill>
+              <a:schemeClr val="tx1">
+                <a:lumMod val="50000"/>
+                <a:lumOff val="50000"/>
+              </a:schemeClr>
+            </a:solidFill>
+          </a:ln>
+        </p:spPr>
+        <p:style>
+          <a:lnRef idx="1">
+            <a:schemeClr val="accent1"/>
+          </a:lnRef>
+          <a:fillRef idx="0">
+            <a:schemeClr val="accent1"/>
+          </a:fillRef>
+          <a:effectRef idx="0">
+            <a:schemeClr val="accent1"/>
+          </a:effectRef>
+          <a:fontRef idx="minor">
+            <a:schemeClr val="tx1"/>
+          </a:fontRef>
+        </p:style>
+      </p:cxnSp>
     </p:spTree>
+    <p:extLst>
+      <p:ext uri="{BB962C8B-B14F-4D97-AF65-F5344CB8AC3E}">
+        <p14:creationId xmlns:p14="http://schemas.microsoft.com/office/powerpoint/2010/main" val="226167694"/>
+      </p:ext>
+    </p:extLst>
   </p:cSld>
   <p:clrMapOvr>
     <a:masterClrMapping/>
@@ -2204,7 +2401,7 @@
       </p:grpSpPr>
       <p:sp>
         <p:nvSpPr>
-          <p:cNvPr id="2" name="Title 1"/>
+          <p:cNvPr id="8" name="Title 7"/>
           <p:cNvSpPr>
             <a:spLocks noGrp="1"/>
           </p:cNvSpPr>
@@ -2214,8 +2411,8 @@
         </p:nvSpPr>
         <p:spPr>
           <a:xfrm>
-            <a:off x="457199" y="152718"/>
-            <a:ext cx="8245475" cy="1371600"/>
+            <a:off x="822960" y="286604"/>
+            <a:ext cx="7543800" cy="1450757"/>
           </a:xfrm>
         </p:spPr>
         <p:txBody>
@@ -2226,7 +2423,7 @@
               <a:rPr lang="en-US" smtClean="0"/>
               <a:t>Click to edit Master title style</a:t>
             </a:r>
-            <a:endParaRPr lang="en-US"/>
+            <a:endParaRPr lang="en-US" dirty="0"/>
           </a:p>
         </p:txBody>
       </p:sp>
@@ -2242,41 +2439,13 @@
         </p:nvSpPr>
         <p:spPr>
           <a:xfrm>
-            <a:off x="457200" y="1574800"/>
-            <a:ext cx="3877529" cy="4525963"/>
+            <a:off x="822960" y="1845734"/>
+            <a:ext cx="3703320" cy="4023360"/>
           </a:xfrm>
         </p:spPr>
         <p:txBody>
           <a:bodyPr/>
-          <a:lstStyle>
-            <a:lvl1pPr>
-              <a:defRPr sz="2800"/>
-            </a:lvl1pPr>
-            <a:lvl2pPr>
-              <a:defRPr sz="2400"/>
-            </a:lvl2pPr>
-            <a:lvl3pPr>
-              <a:defRPr sz="2000"/>
-            </a:lvl3pPr>
-            <a:lvl4pPr>
-              <a:defRPr sz="1800"/>
-            </a:lvl4pPr>
-            <a:lvl5pPr>
-              <a:defRPr sz="1800"/>
-            </a:lvl5pPr>
-            <a:lvl6pPr>
-              <a:defRPr sz="1800"/>
-            </a:lvl6pPr>
-            <a:lvl7pPr>
-              <a:defRPr sz="1800"/>
-            </a:lvl7pPr>
-            <a:lvl8pPr>
-              <a:defRPr sz="1800"/>
-            </a:lvl8pPr>
-            <a:lvl9pPr>
-              <a:defRPr sz="1800"/>
-            </a:lvl9pPr>
-          </a:lstStyle>
+          <a:lstStyle/>
           <a:p>
             <a:pPr lvl="0"/>
             <a:r>
@@ -2327,73 +2496,45 @@
         </p:nvSpPr>
         <p:spPr>
           <a:xfrm>
-            <a:off x="4886923" y="1574800"/>
-            <a:ext cx="3815751" cy="4525963"/>
+            <a:off x="4663440" y="1845736"/>
+            <a:ext cx="3703320" cy="4023359"/>
           </a:xfrm>
         </p:spPr>
         <p:txBody>
           <a:bodyPr/>
-          <a:lstStyle>
-            <a:lvl1pPr>
-              <a:defRPr sz="2800"/>
-            </a:lvl1pPr>
-            <a:lvl2pPr>
-              <a:defRPr sz="2400"/>
-            </a:lvl2pPr>
-            <a:lvl3pPr>
-              <a:defRPr sz="2000"/>
-            </a:lvl3pPr>
-            <a:lvl4pPr>
-              <a:defRPr sz="1800"/>
-            </a:lvl4pPr>
-            <a:lvl5pPr>
-              <a:defRPr sz="1800"/>
-            </a:lvl5pPr>
-            <a:lvl6pPr>
-              <a:defRPr sz="1800"/>
-            </a:lvl6pPr>
-            <a:lvl7pPr>
-              <a:defRPr sz="1800"/>
-            </a:lvl7pPr>
-            <a:lvl8pPr>
-              <a:defRPr sz="1800"/>
-            </a:lvl8pPr>
-            <a:lvl9pPr>
-              <a:defRPr sz="1800"/>
-            </a:lvl9pPr>
-          </a:lstStyle>
+          <a:lstStyle/>
           <a:p>
             <a:pPr lvl="0"/>
             <a:r>
-              <a:rPr lang="en-US" dirty="0" smtClean="0"/>
+              <a:rPr lang="en-US" smtClean="0"/>
               <a:t>Click to edit Master text styles</a:t>
             </a:r>
           </a:p>
           <a:p>
             <a:pPr lvl="1"/>
             <a:r>
-              <a:rPr lang="en-US" dirty="0" smtClean="0"/>
+              <a:rPr lang="en-US" smtClean="0"/>
               <a:t>Second level</a:t>
             </a:r>
           </a:p>
           <a:p>
             <a:pPr lvl="2"/>
             <a:r>
-              <a:rPr lang="en-US" dirty="0" smtClean="0"/>
+              <a:rPr lang="en-US" smtClean="0"/>
               <a:t>Third level</a:t>
             </a:r>
           </a:p>
           <a:p>
             <a:pPr lvl="3"/>
             <a:r>
-              <a:rPr lang="en-US" dirty="0" smtClean="0"/>
+              <a:rPr lang="en-US" smtClean="0"/>
               <a:t>Fourth level</a:t>
             </a:r>
           </a:p>
           <a:p>
             <a:pPr lvl="4"/>
             <a:r>
-              <a:rPr lang="en-US" dirty="0" smtClean="0"/>
+              <a:rPr lang="en-US" smtClean="0"/>
               <a:t>Fifth level</a:t>
             </a:r>
             <a:endParaRPr lang="en-US" dirty="0"/>
@@ -2415,9 +2556,9 @@
           <a:bodyPr/>
           <a:lstStyle/>
           <a:p>
-            <a:fld id="{F9F1C96E-F290-2145-B435-9EA585D84B3A}" type="datetime1">
+            <a:fld id="{FBA86DE5-4727-3C44-A125-458AC819E1C1}" type="datetime1">
               <a:rPr lang="en-US" smtClean="0"/>
-              <a:t>11/2/2015</a:t>
+              <a:t>11/13/15</a:t>
             </a:fld>
             <a:endParaRPr lang="en-US"/>
           </a:p>
@@ -2438,11 +2579,7 @@
           <a:bodyPr/>
           <a:lstStyle/>
           <a:p>
-            <a:r>
-              <a:rPr lang="sk-SK" smtClean="0"/>
-              <a:t>© 2015 EV3Lessons.com (Last Edit 11/01/2015)</a:t>
-            </a:r>
-            <a:endParaRPr lang="en-US"/>
+            <a:endParaRPr lang="en-US" dirty="0"/>
           </a:p>
         </p:txBody>
       </p:sp>
@@ -2456,20 +2593,12 @@
             <p:ph type="sldNum" sz="quarter" idx="12"/>
           </p:nvPr>
         </p:nvSpPr>
-        <p:spPr>
-          <a:xfrm rot="16200000">
-            <a:off x="8227377" y="5885497"/>
-            <a:ext cx="1315721" cy="365125"/>
-          </a:xfrm>
-          <a:prstGeom prst="rect">
-            <a:avLst/>
-          </a:prstGeom>
-        </p:spPr>
+        <p:spPr/>
         <p:txBody>
           <a:bodyPr/>
           <a:lstStyle/>
           <a:p>
-            <a:fld id="{4DBC7FC8-25FB-FC45-8177-2B991DA6778C}" type="slidenum">
+            <a:fld id="{4382A7F7-08BF-4252-8141-63FB96055BBB}" type="slidenum">
               <a:rPr lang="en-US" smtClean="0"/>
               <a:t>‹#›</a:t>
             </a:fld>
@@ -2478,6 +2607,11 @@
         </p:txBody>
       </p:sp>
     </p:spTree>
+    <p:extLst>
+      <p:ext uri="{BB962C8B-B14F-4D97-AF65-F5344CB8AC3E}">
+        <p14:creationId xmlns:p14="http://schemas.microsoft.com/office/powerpoint/2010/main" val="468581900"/>
+      </p:ext>
+    </p:extLst>
   </p:cSld>
   <p:clrMapOvr>
     <a:masterClrMapping/>
@@ -2504,7 +2638,7 @@
       </p:grpSpPr>
       <p:sp>
         <p:nvSpPr>
-          <p:cNvPr id="2" name="Title 1"/>
+          <p:cNvPr id="10" name="Title 9"/>
           <p:cNvSpPr>
             <a:spLocks noGrp="1"/>
           </p:cNvSpPr>
@@ -2512,20 +2646,21 @@
             <p:ph type="title"/>
           </p:nvPr>
         </p:nvSpPr>
-        <p:spPr/>
+        <p:spPr>
+          <a:xfrm>
+            <a:off x="822960" y="286604"/>
+            <a:ext cx="7543800" cy="1450757"/>
+          </a:xfrm>
+        </p:spPr>
         <p:txBody>
           <a:bodyPr/>
-          <a:lstStyle>
-            <a:lvl1pPr>
-              <a:defRPr/>
-            </a:lvl1pPr>
-          </a:lstStyle>
+          <a:lstStyle/>
           <a:p>
             <a:r>
               <a:rPr lang="en-US" smtClean="0"/>
               <a:t>Click to edit Master title style</a:t>
             </a:r>
-            <a:endParaRPr lang="en-US"/>
+            <a:endParaRPr lang="en-US" dirty="0"/>
           </a:p>
         </p:txBody>
       </p:sp>
@@ -2541,22 +2676,21 @@
         </p:nvSpPr>
         <p:spPr>
           <a:xfrm>
-            <a:off x="1627632" y="1572768"/>
-            <a:ext cx="3291840" cy="639762"/>
-          </a:xfrm>
-        </p:spPr>
-        <p:txBody>
-          <a:bodyPr anchor="b">
-            <a:noAutofit/>
+            <a:off x="822960" y="1846052"/>
+            <a:ext cx="3703320" cy="736282"/>
+          </a:xfrm>
+        </p:spPr>
+        <p:txBody>
+          <a:bodyPr lIns="91440" rIns="91440" anchor="ctr">
+            <a:normAutofit/>
           </a:bodyPr>
           <a:lstStyle>
             <a:lvl1pPr marL="0" indent="0">
               <a:buNone/>
-              <a:defRPr sz="1800" b="0" cap="all" spc="100" baseline="0">
-                <a:solidFill>
-                  <a:schemeClr val="tx1"/>
-                </a:solidFill>
-                <a:latin typeface="+mj-lt"/>
+              <a:defRPr sz="2000" b="0" cap="all" baseline="0">
+                <a:solidFill>
+                  <a:schemeClr val="tx2"/>
+                </a:solidFill>
               </a:defRPr>
             </a:lvl1pPr>
             <a:lvl2pPr marL="457200" indent="0">
@@ -2613,41 +2747,13 @@
         </p:nvSpPr>
         <p:spPr>
           <a:xfrm>
-            <a:off x="1627632" y="2259366"/>
-            <a:ext cx="3291840" cy="3840480"/>
+            <a:off x="822960" y="2582334"/>
+            <a:ext cx="3703320" cy="3286760"/>
           </a:xfrm>
         </p:spPr>
         <p:txBody>
           <a:bodyPr/>
-          <a:lstStyle>
-            <a:lvl1pPr>
-              <a:defRPr sz="2400"/>
-            </a:lvl1pPr>
-            <a:lvl2pPr>
-              <a:defRPr sz="2000"/>
-            </a:lvl2pPr>
-            <a:lvl3pPr>
-              <a:defRPr sz="1800"/>
-            </a:lvl3pPr>
-            <a:lvl4pPr>
-              <a:defRPr sz="1600"/>
-            </a:lvl4pPr>
-            <a:lvl5pPr>
-              <a:defRPr sz="1600"/>
-            </a:lvl5pPr>
-            <a:lvl6pPr>
-              <a:defRPr sz="1600"/>
-            </a:lvl6pPr>
-            <a:lvl7pPr>
-              <a:defRPr sz="1600"/>
-            </a:lvl7pPr>
-            <a:lvl8pPr>
-              <a:defRPr sz="1600"/>
-            </a:lvl8pPr>
-            <a:lvl9pPr>
-              <a:defRPr sz="1600"/>
-            </a:lvl9pPr>
-          </a:lstStyle>
+          <a:lstStyle/>
           <a:p>
             <a:pPr lvl="0"/>
             <a:r>
@@ -2698,24 +2804,21 @@
         </p:nvSpPr>
         <p:spPr>
           <a:xfrm>
-            <a:off x="5093208" y="1572768"/>
-            <a:ext cx="3291840" cy="639762"/>
-          </a:xfrm>
-        </p:spPr>
-        <p:txBody>
-          <a:bodyPr anchor="b">
-            <a:noAutofit/>
+            <a:off x="4663440" y="1846052"/>
+            <a:ext cx="3703320" cy="736282"/>
+          </a:xfrm>
+        </p:spPr>
+        <p:txBody>
+          <a:bodyPr lIns="91440" rIns="91440" anchor="ctr">
+            <a:normAutofit/>
           </a:bodyPr>
           <a:lstStyle>
             <a:lvl1pPr marL="0" indent="0">
               <a:buNone/>
-              <a:defRPr lang="en-US" sz="1800" b="0" kern="1200" cap="all" spc="100" baseline="0" dirty="0" smtClean="0">
-                <a:solidFill>
-                  <a:schemeClr val="tx1"/>
-                </a:solidFill>
-                <a:latin typeface="+mj-lt"/>
-                <a:ea typeface="+mn-ea"/>
-                <a:cs typeface="+mn-cs"/>
+              <a:defRPr sz="2000" b="0" cap="all" baseline="0">
+                <a:solidFill>
+                  <a:schemeClr val="tx2"/>
+                </a:solidFill>
               </a:defRPr>
             </a:lvl1pPr>
             <a:lvl2pPr marL="457200" indent="0">
@@ -2752,13 +2855,7 @@
             </a:lvl9pPr>
           </a:lstStyle>
           <a:p>
-            <a:pPr marL="0" lvl="0" indent="0" algn="l" defTabSz="914400" rtl="0" eaLnBrk="1" latinLnBrk="0" hangingPunct="1">
-              <a:spcBef>
-                <a:spcPct val="20000"/>
-              </a:spcBef>
-              <a:buFont typeface="Arial" pitchFamily="34" charset="0"/>
-              <a:buNone/>
-            </a:pPr>
+            <a:pPr lvl="0"/>
             <a:r>
               <a:rPr lang="en-US" smtClean="0"/>
               <a:t>Click to edit Master text styles</a:t>
@@ -2778,41 +2875,13 @@
         </p:nvSpPr>
         <p:spPr>
           <a:xfrm>
-            <a:off x="5093208" y="2259366"/>
-            <a:ext cx="3291840" cy="3840480"/>
+            <a:off x="4663440" y="2582334"/>
+            <a:ext cx="3703320" cy="3286760"/>
           </a:xfrm>
         </p:spPr>
         <p:txBody>
           <a:bodyPr/>
-          <a:lstStyle>
-            <a:lvl1pPr>
-              <a:defRPr sz="2400"/>
-            </a:lvl1pPr>
-            <a:lvl2pPr>
-              <a:defRPr sz="2000"/>
-            </a:lvl2pPr>
-            <a:lvl3pPr>
-              <a:defRPr sz="1800"/>
-            </a:lvl3pPr>
-            <a:lvl4pPr>
-              <a:defRPr sz="1600"/>
-            </a:lvl4pPr>
-            <a:lvl5pPr>
-              <a:defRPr sz="1600"/>
-            </a:lvl5pPr>
-            <a:lvl6pPr>
-              <a:defRPr sz="1600"/>
-            </a:lvl6pPr>
-            <a:lvl7pPr>
-              <a:defRPr sz="1600"/>
-            </a:lvl7pPr>
-            <a:lvl8pPr>
-              <a:defRPr sz="1600"/>
-            </a:lvl8pPr>
-            <a:lvl9pPr>
-              <a:defRPr sz="1600"/>
-            </a:lvl9pPr>
-          </a:lstStyle>
+          <a:lstStyle/>
           <a:p>
             <a:pPr lvl="0"/>
             <a:r>
@@ -2866,9 +2935,9 @@
           <a:bodyPr/>
           <a:lstStyle/>
           <a:p>
-            <a:fld id="{CFAE6222-C33D-0544-84DF-9CD8DF7E51DC}" type="datetime1">
+            <a:fld id="{18F252B0-687D-184F-B682-0021640A5D63}" type="datetime1">
               <a:rPr lang="en-US" smtClean="0"/>
-              <a:t>11/2/2015</a:t>
+              <a:t>11/13/15</a:t>
             </a:fld>
             <a:endParaRPr lang="en-US"/>
           </a:p>
@@ -2891,7 +2960,7 @@
           <a:p>
             <a:r>
               <a:rPr lang="sk-SK" smtClean="0"/>
-              <a:t>© 2015 EV3Lessons.com (Last Edit 11/01/2015)</a:t>
+              <a:t>© 2015 EV3Lessons.com, Last edit 11/13/2015</a:t>
             </a:r>
             <a:endParaRPr lang="en-US"/>
           </a:p>
@@ -2907,20 +2976,12 @@
             <p:ph type="sldNum" sz="quarter" idx="12"/>
           </p:nvPr>
         </p:nvSpPr>
-        <p:spPr>
-          <a:xfrm rot="16200000">
-            <a:off x="8227377" y="5885497"/>
-            <a:ext cx="1315721" cy="365125"/>
-          </a:xfrm>
-          <a:prstGeom prst="rect">
-            <a:avLst/>
-          </a:prstGeom>
-        </p:spPr>
+        <p:spPr/>
         <p:txBody>
           <a:bodyPr/>
           <a:lstStyle/>
           <a:p>
-            <a:fld id="{4DBC7FC8-25FB-FC45-8177-2B991DA6778C}" type="slidenum">
+            <a:fld id="{4382A7F7-08BF-4252-8141-63FB96055BBB}" type="slidenum">
               <a:rPr lang="en-US" smtClean="0"/>
               <a:t>‹#›</a:t>
             </a:fld>
@@ -2929,6 +2990,11 @@
         </p:txBody>
       </p:sp>
     </p:spTree>
+    <p:extLst>
+      <p:ext uri="{BB962C8B-B14F-4D97-AF65-F5344CB8AC3E}">
+        <p14:creationId xmlns:p14="http://schemas.microsoft.com/office/powerpoint/2010/main" val="1481596878"/>
+      </p:ext>
+    </p:extLst>
   </p:cSld>
   <p:clrMapOvr>
     <a:masterClrMapping/>
@@ -2972,7 +3038,7 @@
               <a:rPr lang="en-US" smtClean="0"/>
               <a:t>Click to edit Master title style</a:t>
             </a:r>
-            <a:endParaRPr lang="en-US"/>
+            <a:endParaRPr lang="en-US" dirty="0"/>
           </a:p>
         </p:txBody>
       </p:sp>
@@ -2991,9 +3057,9 @@
           <a:bodyPr/>
           <a:lstStyle/>
           <a:p>
-            <a:fld id="{74D87E42-A06E-4A44-924F-F55ABE37B391}" type="datetime1">
+            <a:fld id="{3457AD7A-12C8-EA48-9011-B2F46261DD98}" type="datetime1">
               <a:rPr lang="en-US" smtClean="0"/>
-              <a:t>11/2/2015</a:t>
+              <a:t>11/13/15</a:t>
             </a:fld>
             <a:endParaRPr lang="en-US"/>
           </a:p>
@@ -3016,7 +3082,7 @@
           <a:p>
             <a:r>
               <a:rPr lang="sk-SK" smtClean="0"/>
-              <a:t>© 2015 EV3Lessons.com (Last Edit 11/01/2015)</a:t>
+              <a:t>© 2015 EV3Lessons.com, Last edit 11/13/2015</a:t>
             </a:r>
             <a:endParaRPr lang="en-US"/>
           </a:p>
@@ -3032,20 +3098,12 @@
             <p:ph type="sldNum" sz="quarter" idx="12"/>
           </p:nvPr>
         </p:nvSpPr>
-        <p:spPr>
-          <a:xfrm rot="16200000">
-            <a:off x="8227377" y="5885497"/>
-            <a:ext cx="1315721" cy="365125"/>
-          </a:xfrm>
-          <a:prstGeom prst="rect">
-            <a:avLst/>
-          </a:prstGeom>
-        </p:spPr>
+        <p:spPr/>
         <p:txBody>
           <a:bodyPr/>
           <a:lstStyle/>
           <a:p>
-            <a:fld id="{4DBC7FC8-25FB-FC45-8177-2B991DA6778C}" type="slidenum">
+            <a:fld id="{4382A7F7-08BF-4252-8141-63FB96055BBB}" type="slidenum">
               <a:rPr lang="en-US" smtClean="0"/>
               <a:t>‹#›</a:t>
             </a:fld>
@@ -3054,6 +3112,11 @@
         </p:txBody>
       </p:sp>
     </p:spTree>
+    <p:extLst>
+      <p:ext uri="{BB962C8B-B14F-4D97-AF65-F5344CB8AC3E}">
+        <p14:creationId xmlns:p14="http://schemas.microsoft.com/office/powerpoint/2010/main" val="541038150"/>
+      </p:ext>
+    </p:extLst>
   </p:cSld>
   <p:clrMapOvr>
     <a:masterClrMapping/>
@@ -3062,7 +3125,7 @@
 </file>
 
 <file path=ppt/slideLayouts/slideLayout7.xml><?xml version="1.0" encoding="utf-8"?>
-<p:sldLayout xmlns:a="http://schemas.openxmlformats.org/drawingml/2006/main" xmlns:r="http://schemas.openxmlformats.org/officeDocument/2006/relationships" xmlns:p="http://schemas.openxmlformats.org/presentationml/2006/main" type="blank" preserve="1">
+<p:sldLayout xmlns:a="http://schemas.openxmlformats.org/drawingml/2006/main" xmlns:r="http://schemas.openxmlformats.org/officeDocument/2006/relationships" xmlns:p="http://schemas.openxmlformats.org/presentationml/2006/main" showMasterSp="0" type="blank" preserve="1">
   <p:cSld name="Blank">
     <p:spTree>
       <p:nvGrpSpPr>
@@ -3080,7 +3143,83 @@
       </p:grpSpPr>
       <p:sp>
         <p:nvSpPr>
-          <p:cNvPr id="2" name="Date Placeholder 1"/>
+          <p:cNvPr id="5" name="Rectangle 4"/>
+          <p:cNvSpPr/>
+          <p:nvPr/>
+        </p:nvSpPr>
+        <p:spPr>
+          <a:xfrm>
+            <a:off x="2382" y="6400800"/>
+            <a:ext cx="9141619" cy="457200"/>
+          </a:xfrm>
+          <a:prstGeom prst="rect">
+            <a:avLst/>
+          </a:prstGeom>
+          <a:solidFill>
+            <a:schemeClr val="accent2"/>
+          </a:solidFill>
+          <a:ln>
+            <a:noFill/>
+          </a:ln>
+        </p:spPr>
+        <p:style>
+          <a:lnRef idx="2">
+            <a:schemeClr val="accent1">
+              <a:shade val="50000"/>
+            </a:schemeClr>
+          </a:lnRef>
+          <a:fillRef idx="1">
+            <a:schemeClr val="accent1"/>
+          </a:fillRef>
+          <a:effectRef idx="0">
+            <a:schemeClr val="accent1"/>
+          </a:effectRef>
+          <a:fontRef idx="minor">
+            <a:schemeClr val="lt1"/>
+          </a:fontRef>
+        </p:style>
+      </p:sp>
+      <p:sp>
+        <p:nvSpPr>
+          <p:cNvPr id="6" name="Rectangle 5"/>
+          <p:cNvSpPr/>
+          <p:nvPr/>
+        </p:nvSpPr>
+        <p:spPr>
+          <a:xfrm>
+            <a:off x="12" y="6334316"/>
+            <a:ext cx="9141619" cy="64008"/>
+          </a:xfrm>
+          <a:prstGeom prst="rect">
+            <a:avLst/>
+          </a:prstGeom>
+          <a:solidFill>
+            <a:schemeClr val="accent1"/>
+          </a:solidFill>
+          <a:ln>
+            <a:noFill/>
+          </a:ln>
+        </p:spPr>
+        <p:style>
+          <a:lnRef idx="2">
+            <a:schemeClr val="accent1">
+              <a:shade val="50000"/>
+            </a:schemeClr>
+          </a:lnRef>
+          <a:fillRef idx="1">
+            <a:schemeClr val="accent1"/>
+          </a:fillRef>
+          <a:effectRef idx="0">
+            <a:schemeClr val="accent1"/>
+          </a:effectRef>
+          <a:fontRef idx="minor">
+            <a:schemeClr val="lt1"/>
+          </a:fontRef>
+        </p:style>
+      </p:sp>
+      <p:sp>
+        <p:nvSpPr>
+          <p:cNvPr id="7" name="Date Placeholder 6"/>
           <p:cNvSpPr>
             <a:spLocks noGrp="1"/>
           </p:cNvSpPr>
@@ -3093,9 +3232,9 @@
           <a:bodyPr/>
           <a:lstStyle/>
           <a:p>
-            <a:fld id="{0BBB61BF-5959-4B4D-9967-6082CA4215FB}" type="datetime1">
+            <a:fld id="{77D3C5C7-2346-9A49-8660-921460E2744B}" type="datetime1">
               <a:rPr lang="en-US" smtClean="0"/>
-              <a:t>11/2/2015</a:t>
+              <a:t>11/13/15</a:t>
             </a:fld>
             <a:endParaRPr lang="en-US"/>
           </a:p>
@@ -3103,7 +3242,7 @@
       </p:sp>
       <p:sp>
         <p:nvSpPr>
-          <p:cNvPr id="3" name="Footer Placeholder 2"/>
+          <p:cNvPr id="8" name="Footer Placeholder 7"/>
           <p:cNvSpPr>
             <a:spLocks noGrp="1"/>
           </p:cNvSpPr>
@@ -3114,11 +3253,19 @@
         <p:spPr/>
         <p:txBody>
           <a:bodyPr/>
-          <a:lstStyle/>
+          <a:lstStyle>
+            <a:lvl1pPr>
+              <a:defRPr>
+                <a:solidFill>
+                  <a:srgbClr val="FFFFFF"/>
+                </a:solidFill>
+              </a:defRPr>
+            </a:lvl1pPr>
+          </a:lstStyle>
           <a:p>
             <a:r>
               <a:rPr lang="sk-SK" smtClean="0"/>
-              <a:t>© 2015 EV3Lessons.com (Last Edit 11/01/2015)</a:t>
+              <a:t>© 2015 EV3Lessons.com, Last edit 11/13/2015</a:t>
             </a:r>
             <a:endParaRPr lang="en-US"/>
           </a:p>
@@ -3126,7 +3273,7 @@
       </p:sp>
       <p:sp>
         <p:nvSpPr>
-          <p:cNvPr id="4" name="Slide Number Placeholder 3"/>
+          <p:cNvPr id="9" name="Slide Number Placeholder 8"/>
           <p:cNvSpPr>
             <a:spLocks noGrp="1"/>
           </p:cNvSpPr>
@@ -3134,20 +3281,12 @@
             <p:ph type="sldNum" sz="quarter" idx="12"/>
           </p:nvPr>
         </p:nvSpPr>
-        <p:spPr>
-          <a:xfrm rot="16200000">
-            <a:off x="8227377" y="5885497"/>
-            <a:ext cx="1315721" cy="365125"/>
-          </a:xfrm>
-          <a:prstGeom prst="rect">
-            <a:avLst/>
-          </a:prstGeom>
-        </p:spPr>
+        <p:spPr/>
         <p:txBody>
           <a:bodyPr/>
           <a:lstStyle/>
           <a:p>
-            <a:fld id="{4DBC7FC8-25FB-FC45-8177-2B991DA6778C}" type="slidenum">
+            <a:fld id="{4382A7F7-08BF-4252-8141-63FB96055BBB}" type="slidenum">
               <a:rPr lang="en-US" smtClean="0"/>
               <a:t>‹#›</a:t>
             </a:fld>
@@ -3156,6 +3295,11 @@
         </p:txBody>
       </p:sp>
     </p:spTree>
+    <p:extLst>
+      <p:ext uri="{BB962C8B-B14F-4D97-AF65-F5344CB8AC3E}">
+        <p14:creationId xmlns:p14="http://schemas.microsoft.com/office/powerpoint/2010/main" val="1185562583"/>
+      </p:ext>
+    </p:extLst>
   </p:cSld>
   <p:clrMapOvr>
     <a:masterClrMapping/>
@@ -3164,7 +3308,7 @@
 </file>
 
 <file path=ppt/slideLayouts/slideLayout8.xml><?xml version="1.0" encoding="utf-8"?>
-<p:sldLayout xmlns:a="http://schemas.openxmlformats.org/drawingml/2006/main" xmlns:r="http://schemas.openxmlformats.org/officeDocument/2006/relationships" xmlns:p="http://schemas.openxmlformats.org/presentationml/2006/main" type="objTx" preserve="1">
+<p:sldLayout xmlns:a="http://schemas.openxmlformats.org/drawingml/2006/main" xmlns:r="http://schemas.openxmlformats.org/officeDocument/2006/relationships" xmlns:p="http://schemas.openxmlformats.org/presentationml/2006/main" showMasterSp="0" type="objTx" preserve="1">
   <p:cSld name="Content with Caption">
     <p:spTree>
       <p:nvGrpSpPr>
@@ -3182,51 +3326,137 @@
       </p:grpSpPr>
       <p:sp>
         <p:nvSpPr>
-          <p:cNvPr id="3" name="Content Placeholder 2"/>
-          <p:cNvSpPr>
-            <a:spLocks noGrp="1"/>
-          </p:cNvSpPr>
-          <p:nvPr>
-            <p:ph idx="1"/>
-          </p:nvPr>
-        </p:nvSpPr>
-        <p:spPr>
-          <a:xfrm>
-            <a:off x="3575050" y="1600200"/>
-            <a:ext cx="5111750" cy="4480560"/>
-          </a:xfrm>
-        </p:spPr>
-        <p:txBody>
-          <a:bodyPr/>
+          <p:cNvPr id="8" name="Rectangle 7"/>
+          <p:cNvSpPr/>
+          <p:nvPr/>
+        </p:nvSpPr>
+        <p:spPr>
+          <a:xfrm>
+            <a:off x="13" y="0"/>
+            <a:ext cx="3038093" cy="6858000"/>
+          </a:xfrm>
+          <a:prstGeom prst="rect">
+            <a:avLst/>
+          </a:prstGeom>
+          <a:solidFill>
+            <a:schemeClr val="accent2"/>
+          </a:solidFill>
+          <a:ln>
+            <a:noFill/>
+          </a:ln>
+        </p:spPr>
+        <p:style>
+          <a:lnRef idx="2">
+            <a:schemeClr val="accent1">
+              <a:shade val="50000"/>
+            </a:schemeClr>
+          </a:lnRef>
+          <a:fillRef idx="1">
+            <a:schemeClr val="accent1"/>
+          </a:fillRef>
+          <a:effectRef idx="0">
+            <a:schemeClr val="accent1"/>
+          </a:effectRef>
+          <a:fontRef idx="minor">
+            <a:schemeClr val="lt1"/>
+          </a:fontRef>
+        </p:style>
+      </p:sp>
+      <p:sp>
+        <p:nvSpPr>
+          <p:cNvPr id="9" name="Rectangle 8"/>
+          <p:cNvSpPr/>
+          <p:nvPr/>
+        </p:nvSpPr>
+        <p:spPr>
+          <a:xfrm>
+            <a:off x="3030053" y="0"/>
+            <a:ext cx="48006" cy="6858000"/>
+          </a:xfrm>
+          <a:prstGeom prst="rect">
+            <a:avLst/>
+          </a:prstGeom>
+          <a:solidFill>
+            <a:schemeClr val="accent1"/>
+          </a:solidFill>
+          <a:ln>
+            <a:noFill/>
+          </a:ln>
+        </p:spPr>
+        <p:style>
+          <a:lnRef idx="2">
+            <a:schemeClr val="accent1">
+              <a:shade val="50000"/>
+            </a:schemeClr>
+          </a:lnRef>
+          <a:fillRef idx="1">
+            <a:schemeClr val="accent1"/>
+          </a:fillRef>
+          <a:effectRef idx="0">
+            <a:schemeClr val="accent1"/>
+          </a:effectRef>
+          <a:fontRef idx="minor">
+            <a:schemeClr val="lt1"/>
+          </a:fontRef>
+        </p:style>
+      </p:sp>
+      <p:sp>
+        <p:nvSpPr>
+          <p:cNvPr id="2" name="Title 1"/>
+          <p:cNvSpPr>
+            <a:spLocks noGrp="1"/>
+          </p:cNvSpPr>
+          <p:nvPr>
+            <p:ph type="title"/>
+          </p:nvPr>
+        </p:nvSpPr>
+        <p:spPr>
+          <a:xfrm>
+            <a:off x="342900" y="594359"/>
+            <a:ext cx="2400300" cy="2286000"/>
+          </a:xfrm>
+        </p:spPr>
+        <p:txBody>
+          <a:bodyPr anchor="b">
+            <a:normAutofit/>
+          </a:bodyPr>
           <a:lstStyle>
             <a:lvl1pPr>
-              <a:defRPr sz="3200"/>
+              <a:defRPr sz="3600" b="0">
+                <a:solidFill>
+                  <a:srgbClr val="FFFFFF"/>
+                </a:solidFill>
+              </a:defRPr>
             </a:lvl1pPr>
-            <a:lvl2pPr>
-              <a:defRPr sz="2800"/>
-            </a:lvl2pPr>
-            <a:lvl3pPr>
-              <a:defRPr sz="2400"/>
-            </a:lvl3pPr>
-            <a:lvl4pPr>
-              <a:defRPr sz="2000"/>
-            </a:lvl4pPr>
-            <a:lvl5pPr>
-              <a:defRPr sz="2000"/>
-            </a:lvl5pPr>
-            <a:lvl6pPr>
-              <a:defRPr sz="2000"/>
-            </a:lvl6pPr>
-            <a:lvl7pPr>
-              <a:defRPr sz="2000"/>
-            </a:lvl7pPr>
-            <a:lvl8pPr>
-              <a:defRPr sz="2000"/>
-            </a:lvl8pPr>
-            <a:lvl9pPr>
-              <a:defRPr sz="2000"/>
-            </a:lvl9pPr>
           </a:lstStyle>
+          <a:p>
+            <a:r>
+              <a:rPr lang="en-US" smtClean="0"/>
+              <a:t>Click to edit Master title style</a:t>
+            </a:r>
+            <a:endParaRPr lang="en-US" dirty="0"/>
+          </a:p>
+        </p:txBody>
+      </p:sp>
+      <p:sp>
+        <p:nvSpPr>
+          <p:cNvPr id="3" name="Content Placeholder 2"/>
+          <p:cNvSpPr>
+            <a:spLocks noGrp="1"/>
+          </p:cNvSpPr>
+          <p:nvPr>
+            <p:ph idx="1"/>
+          </p:nvPr>
+        </p:nvSpPr>
+        <p:spPr>
+          <a:xfrm>
+            <a:off x="3460237" y="731520"/>
+            <a:ext cx="5009393" cy="5257800"/>
+          </a:xfrm>
+        </p:spPr>
+        <p:txBody>
+          <a:bodyPr/>
+          <a:lstStyle/>
           <a:p>
             <a:pPr lvl="0"/>
             <a:r>
@@ -3277,18 +3507,22 @@
         </p:nvSpPr>
         <p:spPr>
           <a:xfrm>
-            <a:off x="457200" y="1600200"/>
-            <a:ext cx="3008313" cy="4480560"/>
-          </a:xfrm>
-        </p:spPr>
-        <p:txBody>
-          <a:bodyPr>
+            <a:off x="342900" y="2926080"/>
+            <a:ext cx="2400300" cy="3379124"/>
+          </a:xfrm>
+        </p:spPr>
+        <p:txBody>
+          <a:bodyPr lIns="91440" rIns="91440">
             <a:normAutofit/>
           </a:bodyPr>
           <a:lstStyle>
             <a:lvl1pPr marL="0" indent="0">
               <a:buNone/>
-              <a:defRPr sz="1600"/>
+              <a:defRPr sz="1500">
+                <a:solidFill>
+                  <a:srgbClr val="FFFFFF"/>
+                </a:solidFill>
+              </a:defRPr>
             </a:lvl1pPr>
             <a:lvl2pPr marL="457200" indent="0">
               <a:buNone/>
@@ -3342,14 +3576,23 @@
             <p:ph type="dt" sz="half" idx="10"/>
           </p:nvPr>
         </p:nvSpPr>
-        <p:spPr/>
+        <p:spPr>
+          <a:xfrm>
+            <a:off x="349134" y="6459786"/>
+            <a:ext cx="1963883" cy="365125"/>
+          </a:xfrm>
+        </p:spPr>
         <p:txBody>
           <a:bodyPr/>
-          <a:lstStyle/>
-          <a:p>
-            <a:fld id="{775B41AC-D218-9A41-A89D-9E854C9EBB12}" type="datetime1">
+          <a:lstStyle>
+            <a:lvl1pPr algn="l">
+              <a:defRPr/>
+            </a:lvl1pPr>
+          </a:lstStyle>
+          <a:p>
+            <a:fld id="{E5A27797-1683-ED47-A74A-6DEBEDA39DC8}" type="datetime1">
               <a:rPr lang="en-US" smtClean="0"/>
-              <a:t>11/2/2015</a:t>
+              <a:t>11/13/15</a:t>
             </a:fld>
             <a:endParaRPr lang="en-US"/>
           </a:p>
@@ -3365,43 +3608,56 @@
             <p:ph type="ftr" sz="quarter" idx="11"/>
           </p:nvPr>
         </p:nvSpPr>
+        <p:spPr>
+          <a:xfrm>
+            <a:off x="3600450" y="6459786"/>
+            <a:ext cx="3486150" cy="365125"/>
+          </a:xfrm>
+        </p:spPr>
+        <p:txBody>
+          <a:bodyPr/>
+          <a:lstStyle>
+            <a:lvl1pPr algn="l">
+              <a:defRPr>
+                <a:solidFill>
+                  <a:schemeClr val="tx2"/>
+                </a:solidFill>
+              </a:defRPr>
+            </a:lvl1pPr>
+          </a:lstStyle>
+          <a:p>
+            <a:r>
+              <a:rPr lang="sk-SK" smtClean="0"/>
+              <a:t>© 2015 EV3Lessons.com, Last edit 11/13/2015</a:t>
+            </a:r>
+            <a:endParaRPr lang="en-US"/>
+          </a:p>
+        </p:txBody>
+      </p:sp>
+      <p:sp>
+        <p:nvSpPr>
+          <p:cNvPr id="7" name="Slide Number Placeholder 6"/>
+          <p:cNvSpPr>
+            <a:spLocks noGrp="1"/>
+          </p:cNvSpPr>
+          <p:nvPr>
+            <p:ph type="sldNum" sz="quarter" idx="12"/>
+          </p:nvPr>
+        </p:nvSpPr>
         <p:spPr/>
         <p:txBody>
           <a:bodyPr/>
-          <a:lstStyle/>
-          <a:p>
-            <a:r>
-              <a:rPr lang="sk-SK" smtClean="0"/>
-              <a:t>© 2015 EV3Lessons.com (Last Edit 11/01/2015)</a:t>
-            </a:r>
-            <a:endParaRPr lang="en-US"/>
-          </a:p>
-        </p:txBody>
-      </p:sp>
-      <p:sp>
-        <p:nvSpPr>
-          <p:cNvPr id="7" name="Slide Number Placeholder 6"/>
-          <p:cNvSpPr>
-            <a:spLocks noGrp="1"/>
-          </p:cNvSpPr>
-          <p:nvPr>
-            <p:ph type="sldNum" sz="quarter" idx="12"/>
-          </p:nvPr>
-        </p:nvSpPr>
-        <p:spPr>
-          <a:xfrm rot="16200000">
-            <a:off x="8227377" y="5885497"/>
-            <a:ext cx="1315721" cy="365125"/>
-          </a:xfrm>
-          <a:prstGeom prst="rect">
-            <a:avLst/>
-          </a:prstGeom>
-        </p:spPr>
-        <p:txBody>
-          <a:bodyPr/>
-          <a:lstStyle/>
-          <a:p>
-            <a:fld id="{4DBC7FC8-25FB-FC45-8177-2B991DA6778C}" type="slidenum">
+          <a:lstStyle>
+            <a:lvl1pPr>
+              <a:defRPr>
+                <a:solidFill>
+                  <a:schemeClr val="tx2"/>
+                </a:solidFill>
+              </a:defRPr>
+            </a:lvl1pPr>
+          </a:lstStyle>
+          <a:p>
+            <a:fld id="{7F5CE407-6216-4202-80E4-A30DC2F709B2}" type="slidenum">
               <a:rPr lang="en-US" smtClean="0"/>
               <a:t>‹#›</a:t>
             </a:fld>
@@ -3409,30 +3665,12 @@
           </a:p>
         </p:txBody>
       </p:sp>
-      <p:sp>
-        <p:nvSpPr>
-          <p:cNvPr id="8" name="Title 7"/>
-          <p:cNvSpPr>
-            <a:spLocks noGrp="1"/>
-          </p:cNvSpPr>
-          <p:nvPr>
-            <p:ph type="title"/>
-          </p:nvPr>
-        </p:nvSpPr>
-        <p:spPr/>
-        <p:txBody>
-          <a:bodyPr/>
-          <a:lstStyle/>
-          <a:p>
-            <a:r>
-              <a:rPr lang="en-US" smtClean="0"/>
-              <a:t>Click to edit Master title style</a:t>
-            </a:r>
-            <a:endParaRPr lang="en-US"/>
-          </a:p>
-        </p:txBody>
-      </p:sp>
     </p:spTree>
+    <p:extLst>
+      <p:ext uri="{BB962C8B-B14F-4D97-AF65-F5344CB8AC3E}">
+        <p14:creationId xmlns:p14="http://schemas.microsoft.com/office/powerpoint/2010/main" val="1875008654"/>
+      </p:ext>
+    </p:extLst>
   </p:cSld>
   <p:clrMapOvr>
     <a:masterClrMapping/>
@@ -3459,20 +3697,20 @@
       </p:grpSpPr>
       <p:sp>
         <p:nvSpPr>
-          <p:cNvPr id="9" name="Rectangle 8"/>
+          <p:cNvPr id="8" name="Rectangle 7"/>
           <p:cNvSpPr/>
           <p:nvPr/>
         </p:nvSpPr>
         <p:spPr>
           <a:xfrm>
-            <a:off x="9001124" y="4846320"/>
-            <a:ext cx="142876" cy="2011680"/>
+            <a:off x="0" y="4953000"/>
+            <a:ext cx="9141619" cy="1905000"/>
           </a:xfrm>
           <a:prstGeom prst="rect">
             <a:avLst/>
           </a:prstGeom>
           <a:solidFill>
-            <a:schemeClr val="tx2"/>
+            <a:schemeClr val="accent2"/>
           </a:solidFill>
           <a:ln>
             <a:noFill/>
@@ -3494,12 +3732,80 @@
             <a:schemeClr val="lt1"/>
           </a:fontRef>
         </p:style>
-        <p:txBody>
-          <a:bodyPr rtlCol="0" anchor="ctr"/>
-          <a:lstStyle/>
-          <a:p>
-            <a:pPr algn="ctr"/>
-            <a:endParaRPr lang="en-US"/>
+      </p:sp>
+      <p:sp>
+        <p:nvSpPr>
+          <p:cNvPr id="9" name="Rectangle 8"/>
+          <p:cNvSpPr/>
+          <p:nvPr/>
+        </p:nvSpPr>
+        <p:spPr>
+          <a:xfrm>
+            <a:off x="12" y="4915076"/>
+            <a:ext cx="9141619" cy="64008"/>
+          </a:xfrm>
+          <a:prstGeom prst="rect">
+            <a:avLst/>
+          </a:prstGeom>
+          <a:solidFill>
+            <a:schemeClr val="accent1"/>
+          </a:solidFill>
+          <a:ln>
+            <a:noFill/>
+          </a:ln>
+        </p:spPr>
+        <p:style>
+          <a:lnRef idx="2">
+            <a:schemeClr val="accent1">
+              <a:shade val="50000"/>
+            </a:schemeClr>
+          </a:lnRef>
+          <a:fillRef idx="1">
+            <a:schemeClr val="accent1"/>
+          </a:fillRef>
+          <a:effectRef idx="0">
+            <a:schemeClr val="accent1"/>
+          </a:effectRef>
+          <a:fontRef idx="minor">
+            <a:schemeClr val="lt1"/>
+          </a:fontRef>
+        </p:style>
+      </p:sp>
+      <p:sp>
+        <p:nvSpPr>
+          <p:cNvPr id="2" name="Title 1"/>
+          <p:cNvSpPr>
+            <a:spLocks noGrp="1"/>
+          </p:cNvSpPr>
+          <p:nvPr>
+            <p:ph type="title"/>
+          </p:nvPr>
+        </p:nvSpPr>
+        <p:spPr>
+          <a:xfrm>
+            <a:off x="822960" y="5074920"/>
+            <a:ext cx="7589520" cy="822960"/>
+          </a:xfrm>
+        </p:spPr>
+        <p:txBody>
+          <a:bodyPr tIns="0" bIns="0" anchor="b">
+            <a:noAutofit/>
+          </a:bodyPr>
+          <a:lstStyle>
+            <a:lvl1pPr>
+              <a:defRPr sz="3600" b="0">
+                <a:solidFill>
+                  <a:srgbClr val="FFFFFF"/>
+                </a:solidFill>
+              </a:defRPr>
+            </a:lvl1pPr>
+          </a:lstStyle>
+          <a:p>
+            <a:r>
+              <a:rPr lang="en-US" smtClean="0"/>
+              <a:t>Click to edit Master title style</a:t>
+            </a:r>
+            <a:endParaRPr lang="en-US" dirty="0"/>
           </a:p>
         </p:txBody>
       </p:sp>
@@ -3507,7 +3813,7 @@
         <p:nvSpPr>
           <p:cNvPr id="3" name="Picture Placeholder 2"/>
           <p:cNvSpPr>
-            <a:spLocks noGrp="1"/>
+            <a:spLocks noGrp="1" noChangeAspect="1"/>
           </p:cNvSpPr>
           <p:nvPr>
             <p:ph type="pic" idx="1"/>
@@ -3515,21 +3821,26 @@
         </p:nvSpPr>
         <p:spPr>
           <a:xfrm>
-            <a:off x="-1" y="0"/>
-            <a:ext cx="9000877" cy="4846320"/>
-          </a:xfrm>
-          <a:solidFill>
-            <a:schemeClr val="bg1">
-              <a:lumMod val="75000"/>
-            </a:schemeClr>
-          </a:solidFill>
-        </p:spPr>
-        <p:txBody>
-          <a:bodyPr/>
+            <a:off x="12" y="0"/>
+            <a:ext cx="9143989" cy="4915076"/>
+          </a:xfrm>
+          <a:blipFill>
+            <a:blip r:embed="rId2"/>
+            <a:stretch>
+              <a:fillRect/>
+            </a:stretch>
+          </a:blipFill>
+        </p:spPr>
+        <p:txBody>
+          <a:bodyPr lIns="457200" tIns="457200" anchor="t"/>
           <a:lstStyle>
             <a:lvl1pPr marL="0" indent="0">
               <a:buNone/>
-              <a:defRPr sz="3200"/>
+              <a:defRPr sz="3200">
+                <a:solidFill>
+                  <a:schemeClr val="bg1"/>
+                </a:solidFill>
+              </a:defRPr>
             </a:lvl1pPr>
             <a:lvl2pPr marL="457200" indent="0">
               <a:buNone/>
@@ -3569,7 +3880,7 @@
               <a:rPr lang="en-US" smtClean="0"/>
               <a:t>Drag picture to placeholder or click icon to add</a:t>
             </a:r>
-            <a:endParaRPr lang="en-US"/>
+            <a:endParaRPr lang="en-US" dirty="0"/>
           </a:p>
         </p:txBody>
       </p:sp>
@@ -3585,16 +3896,28 @@
         </p:nvSpPr>
         <p:spPr>
           <a:xfrm>
-            <a:off x="457200" y="5715000"/>
-            <a:ext cx="8153400" cy="457200"/>
-          </a:xfrm>
-        </p:spPr>
-        <p:txBody>
-          <a:bodyPr/>
+            <a:off x="822959" y="5907024"/>
+            <a:ext cx="7589520" cy="594360"/>
+          </a:xfrm>
+        </p:spPr>
+        <p:txBody>
+          <a:bodyPr lIns="91440" tIns="0" rIns="91440" bIns="0">
+            <a:normAutofit/>
+          </a:bodyPr>
           <a:lstStyle>
             <a:lvl1pPr marL="0" indent="0">
+              <a:spcBef>
+                <a:spcPts val="0"/>
+              </a:spcBef>
+              <a:spcAft>
+                <a:spcPts val="600"/>
+              </a:spcAft>
               <a:buNone/>
-              <a:defRPr sz="1600"/>
+              <a:defRPr sz="1500">
+                <a:solidFill>
+                  <a:srgbClr val="FFFFFF"/>
+                </a:solidFill>
+              </a:defRPr>
             </a:lvl1pPr>
             <a:lvl2pPr marL="457200" indent="0">
               <a:buNone/>
@@ -3653,9 +3976,9 @@
           <a:bodyPr/>
           <a:lstStyle/>
           <a:p>
-            <a:fld id="{CA172453-47EC-394A-B5EB-016C76C901FD}" type="datetime1">
+            <a:fld id="{9F9CFCDA-76FF-C942-8304-6FF0EF7EF019}" type="datetime1">
               <a:rPr lang="en-US" smtClean="0"/>
-              <a:t>11/2/2015</a:t>
+              <a:t>11/13/15</a:t>
             </a:fld>
             <a:endParaRPr lang="en-US"/>
           </a:p>
@@ -3678,7 +4001,7 @@
           <a:p>
             <a:r>
               <a:rPr lang="sk-SK" smtClean="0"/>
-              <a:t>© 2015 EV3Lessons.com (Last Edit 11/01/2015)</a:t>
+              <a:t>© 2015 EV3Lessons.com, Last edit 11/13/2015</a:t>
             </a:r>
             <a:endParaRPr lang="en-US"/>
           </a:p>
@@ -3694,28 +4017,12 @@
             <p:ph type="sldNum" sz="quarter" idx="12"/>
           </p:nvPr>
         </p:nvSpPr>
-        <p:spPr>
-          <a:xfrm rot="16200000">
-            <a:off x="8227377" y="5885497"/>
-            <a:ext cx="1315721" cy="365125"/>
-          </a:xfrm>
-          <a:prstGeom prst="rect">
-            <a:avLst/>
-          </a:prstGeom>
-        </p:spPr>
+        <p:spPr/>
         <p:txBody>
           <a:bodyPr/>
-          <a:lstStyle>
-            <a:lvl1pPr>
-              <a:defRPr>
-                <a:solidFill>
-                  <a:schemeClr val="tx1"/>
-                </a:solidFill>
-              </a:defRPr>
-            </a:lvl1pPr>
-          </a:lstStyle>
-          <a:p>
-            <a:fld id="{4DBC7FC8-25FB-FC45-8177-2B991DA6778C}" type="slidenum">
+          <a:lstStyle/>
+          <a:p>
+            <a:fld id="{4382A7F7-08BF-4252-8141-63FB96055BBB}" type="slidenum">
               <a:rPr lang="en-US" smtClean="0"/>
               <a:t>‹#›</a:t>
             </a:fld>
@@ -3723,87 +4030,12 @@
           </a:p>
         </p:txBody>
       </p:sp>
-      <p:sp>
-        <p:nvSpPr>
-          <p:cNvPr id="8" name="Title 7"/>
-          <p:cNvSpPr>
-            <a:spLocks noGrp="1"/>
-          </p:cNvSpPr>
-          <p:nvPr>
-            <p:ph type="title"/>
-          </p:nvPr>
-        </p:nvSpPr>
-        <p:spPr>
-          <a:xfrm>
-            <a:off x="457200" y="4953000"/>
-            <a:ext cx="8153400" cy="762000"/>
-          </a:xfrm>
-        </p:spPr>
-        <p:txBody>
-          <a:bodyPr anchor="t">
-            <a:normAutofit/>
-          </a:bodyPr>
-          <a:lstStyle>
-            <a:lvl1pPr>
-              <a:defRPr sz="3200"/>
-            </a:lvl1pPr>
-          </a:lstStyle>
-          <a:p>
-            <a:r>
-              <a:rPr lang="en-US" smtClean="0"/>
-              <a:t>Click to edit Master title style</a:t>
-            </a:r>
-            <a:endParaRPr lang="en-US" dirty="0"/>
-          </a:p>
-        </p:txBody>
-      </p:sp>
-      <p:sp>
-        <p:nvSpPr>
-          <p:cNvPr id="10" name="Rectangle 9"/>
-          <p:cNvSpPr/>
-          <p:nvPr/>
-        </p:nvSpPr>
-        <p:spPr>
-          <a:xfrm>
-            <a:off x="9001124" y="0"/>
-            <a:ext cx="142876" cy="4846320"/>
-          </a:xfrm>
-          <a:prstGeom prst="rect">
-            <a:avLst/>
-          </a:prstGeom>
-          <a:solidFill>
-            <a:schemeClr val="tx1"/>
-          </a:solidFill>
-          <a:ln>
-            <a:noFill/>
-          </a:ln>
-        </p:spPr>
-        <p:style>
-          <a:lnRef idx="2">
-            <a:schemeClr val="accent1">
-              <a:shade val="50000"/>
-            </a:schemeClr>
-          </a:lnRef>
-          <a:fillRef idx="1">
-            <a:schemeClr val="accent1"/>
-          </a:fillRef>
-          <a:effectRef idx="0">
-            <a:schemeClr val="accent1"/>
-          </a:effectRef>
-          <a:fontRef idx="minor">
-            <a:schemeClr val="lt1"/>
-          </a:fontRef>
-        </p:style>
-        <p:txBody>
-          <a:bodyPr rtlCol="0" anchor="ctr"/>
-          <a:lstStyle/>
-          <a:p>
-            <a:pPr algn="ctr"/>
-            <a:endParaRPr lang="en-US"/>
-          </a:p>
-        </p:txBody>
-      </p:sp>
     </p:spTree>
+    <p:extLst>
+      <p:ext uri="{BB962C8B-B14F-4D97-AF65-F5344CB8AC3E}">
+        <p14:creationId xmlns:p14="http://schemas.microsoft.com/office/powerpoint/2010/main" val="207136169"/>
+      </p:ext>
+    </p:extLst>
   </p:cSld>
   <p:clrMapOvr>
     <a:masterClrMapping/>
@@ -3812,7 +4044,7 @@
 </file>
 
 <file path=ppt/slideMasters/slideMaster1.xml><?xml version="1.0" encoding="utf-8"?>
-<p:sldMaster xmlns:a="http://schemas.openxmlformats.org/drawingml/2006/main" xmlns:r="http://schemas.openxmlformats.org/officeDocument/2006/relationships" xmlns:p="http://schemas.openxmlformats.org/presentationml/2006/main">
+<p:sldMaster xmlns:a="http://schemas.openxmlformats.org/drawingml/2006/main" xmlns:r="http://schemas.openxmlformats.org/officeDocument/2006/relationships" xmlns:p="http://schemas.openxmlformats.org/presentationml/2006/main" preserve="1">
   <p:cSld>
     <p:bg>
       <p:bgRef idx="1001">
@@ -3835,227 +4067,25 @@
       </p:grpSpPr>
       <p:sp>
         <p:nvSpPr>
-          <p:cNvPr id="2" name="Title Placeholder 1"/>
-          <p:cNvSpPr>
-            <a:spLocks noGrp="1"/>
-          </p:cNvSpPr>
-          <p:nvPr>
-            <p:ph type="title"/>
-          </p:nvPr>
-        </p:nvSpPr>
-        <p:spPr>
-          <a:xfrm>
-            <a:off x="457199" y="152718"/>
-            <a:ext cx="8245475" cy="1371600"/>
+          <p:cNvPr id="7" name="Rectangle 6"/>
+          <p:cNvSpPr/>
+          <p:nvPr/>
+        </p:nvSpPr>
+        <p:spPr>
+          <a:xfrm>
+            <a:off x="0" y="6400800"/>
+            <a:ext cx="9144001" cy="457200"/>
           </a:xfrm>
           <a:prstGeom prst="rect">
             <a:avLst/>
           </a:prstGeom>
-        </p:spPr>
-        <p:txBody>
-          <a:bodyPr vert="horz" lIns="91440" tIns="45720" rIns="91440" bIns="45720" rtlCol="0" anchor="t" anchorCtr="0">
-            <a:normAutofit/>
-          </a:bodyPr>
-          <a:lstStyle/>
-          <a:p>
-            <a:r>
-              <a:rPr lang="en-US" dirty="0" smtClean="0"/>
-              <a:t>Click to edit Master title style</a:t>
-            </a:r>
-            <a:endParaRPr lang="en-US" dirty="0"/>
-          </a:p>
-        </p:txBody>
-      </p:sp>
-      <p:sp>
-        <p:nvSpPr>
-          <p:cNvPr id="3" name="Text Placeholder 2"/>
-          <p:cNvSpPr>
-            <a:spLocks noGrp="1"/>
-          </p:cNvSpPr>
-          <p:nvPr>
-            <p:ph type="body" idx="1"/>
-          </p:nvPr>
-        </p:nvSpPr>
-        <p:spPr>
-          <a:xfrm>
-            <a:off x="457200" y="1752600"/>
-            <a:ext cx="8245474" cy="4373563"/>
-          </a:xfrm>
-          <a:prstGeom prst="rect">
-            <a:avLst/>
-          </a:prstGeom>
-        </p:spPr>
-        <p:txBody>
-          <a:bodyPr vert="horz" lIns="91440" tIns="45720" rIns="91440" bIns="45720" rtlCol="0">
-            <a:normAutofit/>
-          </a:bodyPr>
-          <a:lstStyle/>
-          <a:p>
-            <a:pPr lvl="0"/>
-            <a:r>
-              <a:rPr lang="en-US" smtClean="0"/>
-              <a:t>Click to edit Master text styles</a:t>
-            </a:r>
-          </a:p>
-          <a:p>
-            <a:pPr lvl="1"/>
-            <a:r>
-              <a:rPr lang="en-US" smtClean="0"/>
-              <a:t>Second level</a:t>
-            </a:r>
-          </a:p>
-          <a:p>
-            <a:pPr lvl="2"/>
-            <a:r>
-              <a:rPr lang="en-US" smtClean="0"/>
-              <a:t>Third level</a:t>
-            </a:r>
-          </a:p>
-          <a:p>
-            <a:pPr lvl="3"/>
-            <a:r>
-              <a:rPr lang="en-US" smtClean="0"/>
-              <a:t>Fourth level</a:t>
-            </a:r>
-          </a:p>
-          <a:p>
-            <a:pPr lvl="4"/>
-            <a:r>
-              <a:rPr lang="en-US" smtClean="0"/>
-              <a:t>Fifth level</a:t>
-            </a:r>
-            <a:endParaRPr lang="en-US" dirty="0"/>
-          </a:p>
-        </p:txBody>
-      </p:sp>
-      <p:sp>
-        <p:nvSpPr>
-          <p:cNvPr id="4" name="Date Placeholder 3"/>
-          <p:cNvSpPr>
-            <a:spLocks noGrp="1"/>
-          </p:cNvSpPr>
-          <p:nvPr>
-            <p:ph type="dt" sz="half" idx="2"/>
-          </p:nvPr>
-        </p:nvSpPr>
-        <p:spPr>
-          <a:xfrm>
-            <a:off x="457200" y="6172201"/>
-            <a:ext cx="3429000" cy="304800"/>
-          </a:xfrm>
-          <a:prstGeom prst="rect">
-            <a:avLst/>
-          </a:prstGeom>
-        </p:spPr>
-        <p:txBody>
-          <a:bodyPr vert="horz" lIns="91440" tIns="45720" rIns="91440" bIns="0" rtlCol="0" anchor="b"/>
-          <a:lstStyle>
-            <a:lvl1pPr algn="l">
-              <a:defRPr sz="1000">
-                <a:solidFill>
-                  <a:schemeClr val="tx1"/>
-                </a:solidFill>
-              </a:defRPr>
-            </a:lvl1pPr>
-          </a:lstStyle>
-          <a:p>
-            <a:fld id="{50D02B40-21A3-9044-98FC-75652216A112}" type="datetime1">
-              <a:rPr lang="en-US" smtClean="0"/>
-              <a:t>11/2/2015</a:t>
-            </a:fld>
-            <a:endParaRPr lang="en-US"/>
-          </a:p>
-        </p:txBody>
-      </p:sp>
-      <p:sp>
-        <p:nvSpPr>
-          <p:cNvPr id="5" name="Footer Placeholder 4"/>
-          <p:cNvSpPr>
-            <a:spLocks noGrp="1"/>
-          </p:cNvSpPr>
-          <p:nvPr>
-            <p:ph type="ftr" sz="quarter" idx="3"/>
-          </p:nvPr>
-        </p:nvSpPr>
-        <p:spPr>
-          <a:xfrm>
-            <a:off x="457200" y="6492875"/>
-            <a:ext cx="3429000" cy="283845"/>
-          </a:xfrm>
-          <a:prstGeom prst="rect">
-            <a:avLst/>
-          </a:prstGeom>
-        </p:spPr>
-        <p:txBody>
-          <a:bodyPr vert="horz" lIns="91440" tIns="45720" rIns="91440" bIns="45720" rtlCol="0" anchor="t"/>
-          <a:lstStyle>
-            <a:lvl1pPr algn="l">
-              <a:defRPr sz="1000">
-                <a:solidFill>
-                  <a:schemeClr val="tx1"/>
-                </a:solidFill>
-              </a:defRPr>
-            </a:lvl1pPr>
-          </a:lstStyle>
-          <a:p>
-            <a:r>
-              <a:rPr lang="sk-SK" smtClean="0"/>
-              <a:t>© 2015 EV3Lessons.com (Last Edit 11/01/2015)</a:t>
-            </a:r>
-            <a:endParaRPr lang="en-US"/>
-          </a:p>
-        </p:txBody>
-      </p:sp>
-      <p:sp>
-        <p:nvSpPr>
-          <p:cNvPr id="9" name="Slide Number Placeholder 6"/>
-          <p:cNvSpPr>
-            <a:spLocks noGrp="1"/>
-          </p:cNvSpPr>
-          <p:nvPr>
-            <p:ph type="sldNum" sz="quarter" idx="4"/>
-          </p:nvPr>
-        </p:nvSpPr>
-        <p:spPr>
-          <a:xfrm>
-            <a:off x="8477026" y="6358106"/>
-            <a:ext cx="666974" cy="365125"/>
-          </a:xfrm>
-          <a:prstGeom prst="rect">
-            <a:avLst/>
-          </a:prstGeom>
-        </p:spPr>
-        <p:txBody>
-          <a:bodyPr/>
-          <a:lstStyle/>
-          <a:p>
-            <a:fld id="{4DBC7FC8-25FB-FC45-8177-2B991DA6778C}" type="slidenum">
-              <a:rPr lang="en-US" smtClean="0"/>
-              <a:t>‹#›</a:t>
-            </a:fld>
-            <a:endParaRPr lang="en-US"/>
-          </a:p>
-        </p:txBody>
-      </p:sp>
-      <p:sp>
-        <p:nvSpPr>
-          <p:cNvPr id="10" name="Rectangle 9"/>
-          <p:cNvSpPr/>
-          <p:nvPr userDrawn="1"/>
-        </p:nvSpPr>
-        <p:spPr>
-          <a:xfrm>
-            <a:off x="8996106" y="2895600"/>
-            <a:ext cx="147895" cy="3962400"/>
-          </a:xfrm>
-          <a:prstGeom prst="rect">
-            <a:avLst/>
-          </a:prstGeom>
           <a:solidFill>
-            <a:srgbClr val="92D050"/>
+            <a:srgbClr val="0070C0"/>
           </a:solidFill>
           <a:ln>
-            <a:noFill/>
+            <a:solidFill>
+              <a:srgbClr val="0070C0"/>
+            </a:solidFill>
           </a:ln>
         </p:spPr>
         <p:style>
@@ -4077,20 +4107,20 @@
       </p:sp>
       <p:sp>
         <p:nvSpPr>
-          <p:cNvPr id="11" name="Rectangle 10"/>
+          <p:cNvPr id="9" name="Rectangle 8"/>
           <p:cNvSpPr/>
-          <p:nvPr userDrawn="1"/>
-        </p:nvSpPr>
-        <p:spPr>
-          <a:xfrm>
-            <a:off x="8959042" y="0"/>
-            <a:ext cx="184958" cy="2895600"/>
+          <p:nvPr/>
+        </p:nvSpPr>
+        <p:spPr>
+          <a:xfrm>
+            <a:off x="0" y="6334315"/>
+            <a:ext cx="4487333" cy="92382"/>
           </a:xfrm>
           <a:prstGeom prst="rect">
             <a:avLst/>
           </a:prstGeom>
           <a:solidFill>
-            <a:srgbClr val="7030A0"/>
+            <a:srgbClr val="00B050"/>
           </a:solidFill>
           <a:ln>
             <a:noFill/>
@@ -4115,20 +4145,270 @@
       </p:sp>
       <p:sp>
         <p:nvSpPr>
-          <p:cNvPr id="12" name="Rectangle 11"/>
+          <p:cNvPr id="2" name="Title Placeholder 1"/>
+          <p:cNvSpPr>
+            <a:spLocks noGrp="1"/>
+          </p:cNvSpPr>
+          <p:nvPr>
+            <p:ph type="title"/>
+          </p:nvPr>
+        </p:nvSpPr>
+        <p:spPr>
+          <a:xfrm>
+            <a:off x="227874" y="287088"/>
+            <a:ext cx="8596812" cy="874055"/>
+          </a:xfrm>
+          <a:prstGeom prst="rect">
+            <a:avLst/>
+          </a:prstGeom>
+        </p:spPr>
+        <p:txBody>
+          <a:bodyPr vert="horz" lIns="91440" tIns="45720" rIns="91440" bIns="45720" rtlCol="0" anchor="b">
+            <a:normAutofit/>
+          </a:bodyPr>
+          <a:lstStyle/>
+          <a:p>
+            <a:r>
+              <a:rPr lang="en-US" smtClean="0"/>
+              <a:t>Click to edit Master title style</a:t>
+            </a:r>
+            <a:endParaRPr lang="en-US" dirty="0"/>
+          </a:p>
+        </p:txBody>
+      </p:sp>
+      <p:sp>
+        <p:nvSpPr>
+          <p:cNvPr id="3" name="Text Placeholder 2"/>
+          <p:cNvSpPr>
+            <a:spLocks noGrp="1"/>
+          </p:cNvSpPr>
+          <p:nvPr>
+            <p:ph type="body" idx="1"/>
+          </p:nvPr>
+        </p:nvSpPr>
+        <p:spPr>
+          <a:xfrm>
+            <a:off x="227874" y="1505616"/>
+            <a:ext cx="8596811" cy="4654528"/>
+          </a:xfrm>
+          <a:prstGeom prst="rect">
+            <a:avLst/>
+          </a:prstGeom>
+        </p:spPr>
+        <p:txBody>
+          <a:bodyPr vert="horz" lIns="0" tIns="45720" rIns="0" bIns="45720" rtlCol="0">
+            <a:normAutofit/>
+          </a:bodyPr>
+          <a:lstStyle/>
+          <a:p>
+            <a:pPr lvl="0"/>
+            <a:r>
+              <a:rPr lang="en-US" smtClean="0"/>
+              <a:t>Click to edit Master text styles</a:t>
+            </a:r>
+          </a:p>
+          <a:p>
+            <a:pPr lvl="1"/>
+            <a:r>
+              <a:rPr lang="en-US" smtClean="0"/>
+              <a:t>Second level</a:t>
+            </a:r>
+          </a:p>
+          <a:p>
+            <a:pPr lvl="2"/>
+            <a:r>
+              <a:rPr lang="en-US" smtClean="0"/>
+              <a:t>Third level</a:t>
+            </a:r>
+          </a:p>
+          <a:p>
+            <a:pPr lvl="3"/>
+            <a:r>
+              <a:rPr lang="en-US" smtClean="0"/>
+              <a:t>Fourth level</a:t>
+            </a:r>
+          </a:p>
+          <a:p>
+            <a:pPr lvl="4"/>
+            <a:r>
+              <a:rPr lang="en-US" smtClean="0"/>
+              <a:t>Fifth level</a:t>
+            </a:r>
+            <a:endParaRPr lang="en-US" dirty="0"/>
+          </a:p>
+        </p:txBody>
+      </p:sp>
+      <p:sp>
+        <p:nvSpPr>
+          <p:cNvPr id="4" name="Date Placeholder 3"/>
+          <p:cNvSpPr>
+            <a:spLocks noGrp="1"/>
+          </p:cNvSpPr>
+          <p:nvPr>
+            <p:ph type="dt" sz="half" idx="2"/>
+          </p:nvPr>
+        </p:nvSpPr>
+        <p:spPr>
+          <a:xfrm>
+            <a:off x="822961" y="6459786"/>
+            <a:ext cx="1854203" cy="365125"/>
+          </a:xfrm>
+          <a:prstGeom prst="rect">
+            <a:avLst/>
+          </a:prstGeom>
+        </p:spPr>
+        <p:txBody>
+          <a:bodyPr vert="horz" lIns="91440" tIns="45720" rIns="91440" bIns="45720" rtlCol="0" anchor="ctr"/>
+          <a:lstStyle>
+            <a:lvl1pPr algn="l">
+              <a:defRPr sz="900">
+                <a:solidFill>
+                  <a:srgbClr val="FFFFFF"/>
+                </a:solidFill>
+              </a:defRPr>
+            </a:lvl1pPr>
+          </a:lstStyle>
+          <a:p>
+            <a:fld id="{0604F77D-FCB8-A946-86A9-D14BD65D0D3D}" type="datetime1">
+              <a:rPr lang="en-US" smtClean="0"/>
+              <a:t>11/13/15</a:t>
+            </a:fld>
+            <a:endParaRPr lang="en-US" dirty="0"/>
+          </a:p>
+        </p:txBody>
+      </p:sp>
+      <p:sp>
+        <p:nvSpPr>
+          <p:cNvPr id="5" name="Footer Placeholder 4"/>
+          <p:cNvSpPr>
+            <a:spLocks noGrp="1"/>
+          </p:cNvSpPr>
+          <p:nvPr>
+            <p:ph type="ftr" sz="quarter" idx="3"/>
+          </p:nvPr>
+        </p:nvSpPr>
+        <p:spPr>
+          <a:xfrm>
+            <a:off x="2764639" y="6459786"/>
+            <a:ext cx="3617103" cy="365125"/>
+          </a:xfrm>
+          <a:prstGeom prst="rect">
+            <a:avLst/>
+          </a:prstGeom>
+        </p:spPr>
+        <p:txBody>
+          <a:bodyPr vert="horz" lIns="91440" tIns="45720" rIns="91440" bIns="45720" rtlCol="0" anchor="ctr"/>
+          <a:lstStyle>
+            <a:lvl1pPr algn="ctr">
+              <a:defRPr sz="900" cap="all" baseline="0">
+                <a:solidFill>
+                  <a:srgbClr val="FFFFFF"/>
+                </a:solidFill>
+              </a:defRPr>
+            </a:lvl1pPr>
+          </a:lstStyle>
+          <a:p>
+            <a:r>
+              <a:rPr lang="sk-SK" smtClean="0"/>
+              <a:t>© 2015 EV3Lessons.com, Last edit 11/13/2015</a:t>
+            </a:r>
+            <a:endParaRPr lang="en-US" dirty="0"/>
+          </a:p>
+        </p:txBody>
+      </p:sp>
+      <p:sp>
+        <p:nvSpPr>
+          <p:cNvPr id="6" name="Slide Number Placeholder 5"/>
+          <p:cNvSpPr>
+            <a:spLocks noGrp="1"/>
+          </p:cNvSpPr>
+          <p:nvPr>
+            <p:ph type="sldNum" sz="quarter" idx="4"/>
+          </p:nvPr>
+        </p:nvSpPr>
+        <p:spPr>
+          <a:xfrm>
+            <a:off x="7425344" y="6459786"/>
+            <a:ext cx="984019" cy="365125"/>
+          </a:xfrm>
+          <a:prstGeom prst="rect">
+            <a:avLst/>
+          </a:prstGeom>
+        </p:spPr>
+        <p:txBody>
+          <a:bodyPr vert="horz" lIns="91440" tIns="45720" rIns="91440" bIns="45720" rtlCol="0" anchor="ctr"/>
+          <a:lstStyle>
+            <a:lvl1pPr algn="r">
+              <a:defRPr sz="1050">
+                <a:solidFill>
+                  <a:srgbClr val="FFFFFF"/>
+                </a:solidFill>
+              </a:defRPr>
+            </a:lvl1pPr>
+          </a:lstStyle>
+          <a:p>
+            <a:fld id="{4382A7F7-08BF-4252-8141-63FB96055BBB}" type="slidenum">
+              <a:rPr lang="en-US" smtClean="0"/>
+              <a:t>‹#›</a:t>
+            </a:fld>
+            <a:endParaRPr lang="en-US"/>
+          </a:p>
+        </p:txBody>
+      </p:sp>
+      <p:cxnSp>
+        <p:nvCxnSpPr>
+          <p:cNvPr id="10" name="Straight Connector 9"/>
+          <p:cNvCxnSpPr/>
+          <p:nvPr/>
+        </p:nvCxnSpPr>
+        <p:spPr>
+          <a:xfrm flipV="1">
+            <a:off x="227874" y="1335314"/>
+            <a:ext cx="8596811" cy="1"/>
+          </a:xfrm>
+          <a:prstGeom prst="line">
+            <a:avLst/>
+          </a:prstGeom>
+          <a:ln w="6350">
+            <a:solidFill>
+              <a:schemeClr val="tx1">
+                <a:lumMod val="50000"/>
+                <a:lumOff val="50000"/>
+              </a:schemeClr>
+            </a:solidFill>
+          </a:ln>
+        </p:spPr>
+        <p:style>
+          <a:lnRef idx="1">
+            <a:schemeClr val="accent1"/>
+          </a:lnRef>
+          <a:fillRef idx="0">
+            <a:schemeClr val="accent1"/>
+          </a:fillRef>
+          <a:effectRef idx="0">
+            <a:schemeClr val="accent1"/>
+          </a:effectRef>
+          <a:fontRef idx="minor">
+            <a:schemeClr val="tx1"/>
+          </a:fontRef>
+        </p:style>
+      </p:cxnSp>
+      <p:sp>
+        <p:nvSpPr>
+          <p:cNvPr id="11" name="Rectangle 10"/>
           <p:cNvSpPr/>
           <p:nvPr userDrawn="1"/>
         </p:nvSpPr>
         <p:spPr>
           <a:xfrm>
-            <a:off x="8913902" y="0"/>
-            <a:ext cx="91440" cy="6858000"/>
+            <a:off x="4487333" y="6334315"/>
+            <a:ext cx="4656667" cy="92382"/>
           </a:xfrm>
           <a:prstGeom prst="rect">
             <a:avLst/>
           </a:prstGeom>
           <a:solidFill>
-            <a:srgbClr val="0070C0"/>
+            <a:srgbClr val="7030A0"/>
           </a:solidFill>
           <a:ln>
             <a:noFill/>
@@ -4152,32 +4432,43 @@
         </p:style>
       </p:sp>
     </p:spTree>
+    <p:extLst>
+      <p:ext uri="{BB962C8B-B14F-4D97-AF65-F5344CB8AC3E}">
+        <p14:creationId xmlns:p14="http://schemas.microsoft.com/office/powerpoint/2010/main" val="651944102"/>
+      </p:ext>
+    </p:extLst>
   </p:cSld>
   <p:clrMap bg1="lt1" tx1="dk1" bg2="lt2" tx2="dk2" accent1="accent1" accent2="accent2" accent3="accent3" accent4="accent4" accent5="accent5" accent6="accent6" hlink="hlink" folHlink="folHlink"/>
   <p:sldLayoutIdLst>
-    <p:sldLayoutId id="2147483715" r:id="rId1"/>
-    <p:sldLayoutId id="2147483716" r:id="rId2"/>
-    <p:sldLayoutId id="2147483717" r:id="rId3"/>
-    <p:sldLayoutId id="2147483718" r:id="rId4"/>
-    <p:sldLayoutId id="2147483719" r:id="rId5"/>
-    <p:sldLayoutId id="2147483720" r:id="rId6"/>
-    <p:sldLayoutId id="2147483721" r:id="rId7"/>
-    <p:sldLayoutId id="2147483722" r:id="rId8"/>
-    <p:sldLayoutId id="2147483723" r:id="rId9"/>
-    <p:sldLayoutId id="2147483724" r:id="rId10"/>
-    <p:sldLayoutId id="2147483725" r:id="rId11"/>
+    <p:sldLayoutId id="2147483727" r:id="rId1"/>
+    <p:sldLayoutId id="2147483728" r:id="rId2"/>
+    <p:sldLayoutId id="2147483729" r:id="rId3"/>
+    <p:sldLayoutId id="2147483730" r:id="rId4"/>
+    <p:sldLayoutId id="2147483731" r:id="rId5"/>
+    <p:sldLayoutId id="2147483732" r:id="rId6"/>
+    <p:sldLayoutId id="2147483733" r:id="rId7"/>
+    <p:sldLayoutId id="2147483734" r:id="rId8"/>
+    <p:sldLayoutId id="2147483735" r:id="rId9"/>
+    <p:sldLayoutId id="2147483736" r:id="rId10"/>
+    <p:sldLayoutId id="2147483737" r:id="rId11"/>
   </p:sldLayoutIdLst>
   <p:hf hdr="0" dt="0"/>
   <p:txStyles>
     <p:titleStyle>
       <a:lvl1pPr algn="l" defTabSz="914400" rtl="0" eaLnBrk="1" latinLnBrk="0" hangingPunct="1">
+        <a:lnSpc>
+          <a:spcPct val="85000"/>
+        </a:lnSpc>
         <a:spcBef>
           <a:spcPct val="0"/>
         </a:spcBef>
         <a:buNone/>
-        <a:defRPr sz="3600" kern="1200" cap="all" spc="-60" baseline="0">
+        <a:defRPr sz="4800" kern="1200" spc="-50" baseline="0">
           <a:solidFill>
-            <a:schemeClr val="tx2"/>
+            <a:schemeClr val="tx1">
+              <a:lumMod val="75000"/>
+              <a:lumOff val="25000"/>
+            </a:schemeClr>
           </a:solidFill>
           <a:latin typeface="+mj-lt"/>
           <a:ea typeface="+mj-ea"/>
@@ -4186,162 +4477,244 @@
       </a:lvl1pPr>
     </p:titleStyle>
     <p:bodyStyle>
-      <a:lvl1pPr marL="0" indent="0" algn="l" defTabSz="914400" rtl="0" eaLnBrk="1" latinLnBrk="0" hangingPunct="1">
+      <a:lvl1pPr marL="91440" indent="-91440" algn="l" defTabSz="914400" rtl="0" eaLnBrk="1" latinLnBrk="0" hangingPunct="1">
+        <a:lnSpc>
+          <a:spcPct val="90000"/>
+        </a:lnSpc>
         <a:spcBef>
-          <a:spcPct val="20000"/>
+          <a:spcPts val="1200"/>
         </a:spcBef>
         <a:spcAft>
-          <a:spcPts val="600"/>
+          <a:spcPts val="200"/>
         </a:spcAft>
-        <a:buFont typeface="Arial" pitchFamily="34" charset="0"/>
-        <a:buNone/>
-        <a:defRPr sz="2000" b="1" kern="1200">
+        <a:buClr>
+          <a:schemeClr val="accent1"/>
+        </a:buClr>
+        <a:buSzPct val="100000"/>
+        <a:buFont typeface="Calibri" panose="020F0502020204030204" pitchFamily="34" charset="0"/>
+        <a:buChar char=" "/>
+        <a:defRPr sz="2000" kern="1200">
           <a:solidFill>
-            <a:schemeClr val="tx1"/>
+            <a:schemeClr val="tx1">
+              <a:lumMod val="75000"/>
+              <a:lumOff val="25000"/>
+            </a:schemeClr>
           </a:solidFill>
           <a:latin typeface="+mn-lt"/>
           <a:ea typeface="+mn-ea"/>
           <a:cs typeface="+mn-cs"/>
         </a:defRPr>
       </a:lvl1pPr>
-      <a:lvl2pPr marL="457200" indent="-182880" algn="l" defTabSz="914400" rtl="0" eaLnBrk="1" latinLnBrk="0" hangingPunct="1">
+      <a:lvl2pPr marL="384048" indent="-182880" algn="l" defTabSz="914400" rtl="0" eaLnBrk="1" latinLnBrk="0" hangingPunct="1">
+        <a:lnSpc>
+          <a:spcPct val="90000"/>
+        </a:lnSpc>
         <a:spcBef>
-          <a:spcPct val="20000"/>
+          <a:spcPts val="200"/>
         </a:spcBef>
+        <a:spcAft>
+          <a:spcPts val="400"/>
+        </a:spcAft>
         <a:buClr>
-          <a:schemeClr val="tx2"/>
+          <a:schemeClr val="accent1"/>
         </a:buClr>
-        <a:buFont typeface="Arial" pitchFamily="34" charset="0"/>
-        <a:buChar char="•"/>
-        <a:defRPr sz="2000" kern="1200">
+        <a:buFont typeface="Calibri" pitchFamily="34" charset="0"/>
+        <a:buChar char="◦"/>
+        <a:defRPr sz="1800" kern="1200">
           <a:solidFill>
-            <a:schemeClr val="tx1"/>
+            <a:schemeClr val="tx1">
+              <a:lumMod val="75000"/>
+              <a:lumOff val="25000"/>
+            </a:schemeClr>
           </a:solidFill>
           <a:latin typeface="+mn-lt"/>
           <a:ea typeface="+mn-ea"/>
           <a:cs typeface="+mn-cs"/>
         </a:defRPr>
       </a:lvl2pPr>
-      <a:lvl3pPr marL="1143000" indent="-228600" algn="l" defTabSz="914400" rtl="0" eaLnBrk="1" latinLnBrk="0" hangingPunct="1">
+      <a:lvl3pPr marL="566928" indent="-182880" algn="l" defTabSz="914400" rtl="0" eaLnBrk="1" latinLnBrk="0" hangingPunct="1">
+        <a:lnSpc>
+          <a:spcPct val="90000"/>
+        </a:lnSpc>
         <a:spcBef>
-          <a:spcPct val="20000"/>
+          <a:spcPts val="200"/>
         </a:spcBef>
+        <a:spcAft>
+          <a:spcPts val="400"/>
+        </a:spcAft>
         <a:buClr>
-          <a:schemeClr val="tx2"/>
+          <a:schemeClr val="accent1"/>
         </a:buClr>
-        <a:buFont typeface="Arial" pitchFamily="34" charset="0"/>
-        <a:buChar char="•"/>
-        <a:defRPr sz="1800" kern="1200">
+        <a:buFont typeface="Calibri" pitchFamily="34" charset="0"/>
+        <a:buChar char="◦"/>
+        <a:defRPr sz="1400" kern="1200">
           <a:solidFill>
-            <a:schemeClr val="tx1"/>
+            <a:schemeClr val="tx1">
+              <a:lumMod val="75000"/>
+              <a:lumOff val="25000"/>
+            </a:schemeClr>
           </a:solidFill>
           <a:latin typeface="+mn-lt"/>
           <a:ea typeface="+mn-ea"/>
           <a:cs typeface="+mn-cs"/>
         </a:defRPr>
       </a:lvl3pPr>
-      <a:lvl4pPr marL="1600200" indent="-228600" algn="l" defTabSz="914400" rtl="0" eaLnBrk="1" latinLnBrk="0" hangingPunct="1">
+      <a:lvl4pPr marL="749808" indent="-182880" algn="l" defTabSz="914400" rtl="0" eaLnBrk="1" latinLnBrk="0" hangingPunct="1">
+        <a:lnSpc>
+          <a:spcPct val="90000"/>
+        </a:lnSpc>
         <a:spcBef>
-          <a:spcPct val="20000"/>
+          <a:spcPts val="200"/>
         </a:spcBef>
+        <a:spcAft>
+          <a:spcPts val="400"/>
+        </a:spcAft>
         <a:buClr>
-          <a:schemeClr val="tx2"/>
+          <a:schemeClr val="accent1"/>
         </a:buClr>
-        <a:buFont typeface="Arial" pitchFamily="34" charset="0"/>
-        <a:buChar char="•"/>
-        <a:defRPr sz="1800" kern="1200">
+        <a:buFont typeface="Calibri" pitchFamily="34" charset="0"/>
+        <a:buChar char="◦"/>
+        <a:defRPr sz="1400" kern="1200">
           <a:solidFill>
-            <a:schemeClr val="tx1"/>
+            <a:schemeClr val="tx1">
+              <a:lumMod val="75000"/>
+              <a:lumOff val="25000"/>
+            </a:schemeClr>
           </a:solidFill>
           <a:latin typeface="+mn-lt"/>
           <a:ea typeface="+mn-ea"/>
           <a:cs typeface="+mn-cs"/>
         </a:defRPr>
       </a:lvl4pPr>
-      <a:lvl5pPr marL="2057400" indent="-228600" algn="l" defTabSz="914400" rtl="0" eaLnBrk="1" latinLnBrk="0" hangingPunct="1">
+      <a:lvl5pPr marL="932688" indent="-182880" algn="l" defTabSz="914400" rtl="0" eaLnBrk="1" latinLnBrk="0" hangingPunct="1">
+        <a:lnSpc>
+          <a:spcPct val="90000"/>
+        </a:lnSpc>
         <a:spcBef>
-          <a:spcPct val="20000"/>
+          <a:spcPts val="200"/>
         </a:spcBef>
+        <a:spcAft>
+          <a:spcPts val="400"/>
+        </a:spcAft>
         <a:buClr>
-          <a:schemeClr val="tx2"/>
+          <a:schemeClr val="accent1"/>
         </a:buClr>
-        <a:buFont typeface="Arial" pitchFamily="34" charset="0"/>
-        <a:buChar char="•"/>
-        <a:defRPr sz="1800" kern="1200" baseline="0">
+        <a:buFont typeface="Calibri" pitchFamily="34" charset="0"/>
+        <a:buChar char="◦"/>
+        <a:defRPr sz="1400" kern="1200">
           <a:solidFill>
-            <a:schemeClr val="tx1"/>
+            <a:schemeClr val="tx1">
+              <a:lumMod val="75000"/>
+              <a:lumOff val="25000"/>
+            </a:schemeClr>
           </a:solidFill>
           <a:latin typeface="+mn-lt"/>
           <a:ea typeface="+mn-ea"/>
           <a:cs typeface="+mn-cs"/>
         </a:defRPr>
       </a:lvl5pPr>
-      <a:lvl6pPr marL="2514600" indent="-228600" algn="l" defTabSz="914400" rtl="0" eaLnBrk="1" latinLnBrk="0" hangingPunct="1">
+      <a:lvl6pPr marL="1100000" indent="-228600" algn="l" defTabSz="914400" rtl="0" eaLnBrk="1" latinLnBrk="0" hangingPunct="1">
+        <a:lnSpc>
+          <a:spcPct val="90000"/>
+        </a:lnSpc>
         <a:spcBef>
-          <a:spcPct val="20000"/>
+          <a:spcPts val="200"/>
         </a:spcBef>
+        <a:spcAft>
+          <a:spcPts val="400"/>
+        </a:spcAft>
         <a:buClr>
-          <a:schemeClr val="tx2"/>
+          <a:schemeClr val="accent1"/>
         </a:buClr>
-        <a:buFont typeface="Arial" pitchFamily="34" charset="0"/>
-        <a:buChar char="•"/>
-        <a:defRPr sz="1600" kern="1200">
+        <a:buFont typeface="Calibri" pitchFamily="34" charset="0"/>
+        <a:buChar char="◦"/>
+        <a:defRPr sz="1400" kern="1200">
           <a:solidFill>
-            <a:schemeClr val="tx1"/>
+            <a:schemeClr val="tx1">
+              <a:lumMod val="75000"/>
+              <a:lumOff val="25000"/>
+            </a:schemeClr>
           </a:solidFill>
           <a:latin typeface="+mn-lt"/>
           <a:ea typeface="+mn-ea"/>
           <a:cs typeface="+mn-cs"/>
         </a:defRPr>
       </a:lvl6pPr>
-      <a:lvl7pPr marL="2971800" indent="-228600" algn="l" defTabSz="914400" rtl="0" eaLnBrk="1" latinLnBrk="0" hangingPunct="1">
+      <a:lvl7pPr marL="1300000" indent="-228600" algn="l" defTabSz="914400" rtl="0" eaLnBrk="1" latinLnBrk="0" hangingPunct="1">
+        <a:lnSpc>
+          <a:spcPct val="90000"/>
+        </a:lnSpc>
         <a:spcBef>
-          <a:spcPct val="20000"/>
+          <a:spcPts val="200"/>
         </a:spcBef>
+        <a:spcAft>
+          <a:spcPts val="400"/>
+        </a:spcAft>
         <a:buClr>
-          <a:schemeClr val="tx2"/>
+          <a:schemeClr val="accent1"/>
         </a:buClr>
-        <a:buFont typeface="Arial" pitchFamily="34" charset="0"/>
-        <a:buChar char="•"/>
-        <a:defRPr sz="1600" kern="1200">
+        <a:buFont typeface="Calibri" pitchFamily="34" charset="0"/>
+        <a:buChar char="◦"/>
+        <a:defRPr sz="1400" kern="1200">
           <a:solidFill>
-            <a:schemeClr val="tx1"/>
+            <a:schemeClr val="tx1">
+              <a:lumMod val="75000"/>
+              <a:lumOff val="25000"/>
+            </a:schemeClr>
           </a:solidFill>
           <a:latin typeface="+mn-lt"/>
           <a:ea typeface="+mn-ea"/>
           <a:cs typeface="+mn-cs"/>
         </a:defRPr>
       </a:lvl7pPr>
-      <a:lvl8pPr marL="3429000" indent="-228600" algn="l" defTabSz="914400" rtl="0" eaLnBrk="1" latinLnBrk="0" hangingPunct="1">
+      <a:lvl8pPr marL="1500000" indent="-228600" algn="l" defTabSz="914400" rtl="0" eaLnBrk="1" latinLnBrk="0" hangingPunct="1">
+        <a:lnSpc>
+          <a:spcPct val="90000"/>
+        </a:lnSpc>
         <a:spcBef>
-          <a:spcPct val="20000"/>
+          <a:spcPts val="200"/>
         </a:spcBef>
+        <a:spcAft>
+          <a:spcPts val="400"/>
+        </a:spcAft>
         <a:buClr>
-          <a:schemeClr val="tx2"/>
+          <a:schemeClr val="accent1"/>
         </a:buClr>
-        <a:buFont typeface="Arial" pitchFamily="34" charset="0"/>
-        <a:buChar char="•"/>
-        <a:defRPr sz="1600" kern="1200">
+        <a:buFont typeface="Calibri" pitchFamily="34" charset="0"/>
+        <a:buChar char="◦"/>
+        <a:defRPr sz="1400" kern="1200">
           <a:solidFill>
-            <a:schemeClr val="tx1"/>
+            <a:schemeClr val="tx1">
+              <a:lumMod val="75000"/>
+              <a:lumOff val="25000"/>
+            </a:schemeClr>
           </a:solidFill>
           <a:latin typeface="+mn-lt"/>
           <a:ea typeface="+mn-ea"/>
           <a:cs typeface="+mn-cs"/>
         </a:defRPr>
       </a:lvl8pPr>
-      <a:lvl9pPr marL="3886200" indent="-228600" algn="l" defTabSz="914400" rtl="0" eaLnBrk="1" latinLnBrk="0" hangingPunct="1">
+      <a:lvl9pPr marL="1700000" indent="-228600" algn="l" defTabSz="914400" rtl="0" eaLnBrk="1" latinLnBrk="0" hangingPunct="1">
+        <a:lnSpc>
+          <a:spcPct val="90000"/>
+        </a:lnSpc>
         <a:spcBef>
-          <a:spcPct val="20000"/>
+          <a:spcPts val="200"/>
         </a:spcBef>
+        <a:spcAft>
+          <a:spcPts val="400"/>
+        </a:spcAft>
         <a:buClr>
-          <a:schemeClr val="tx2"/>
+          <a:schemeClr val="accent1"/>
         </a:buClr>
-        <a:buFont typeface="Arial" pitchFamily="34" charset="0"/>
-        <a:buChar char="•"/>
-        <a:defRPr sz="1600" kern="1200">
+        <a:buFont typeface="Calibri" pitchFamily="34" charset="0"/>
+        <a:buChar char="◦"/>
+        <a:defRPr sz="1400" kern="1200">
           <a:solidFill>
-            <a:schemeClr val="tx1"/>
+            <a:schemeClr val="tx1">
+              <a:lumMod val="75000"/>
+              <a:lumOff val="25000"/>
+            </a:schemeClr>
           </a:solidFill>
           <a:latin typeface="+mn-lt"/>
           <a:ea typeface="+mn-ea"/>
@@ -4475,206 +4848,61 @@
             <p:ph type="ctrTitle"/>
           </p:nvPr>
         </p:nvSpPr>
-        <p:spPr>
-          <a:xfrm>
-            <a:off x="402305" y="311631"/>
-            <a:ext cx="4182799" cy="1923569"/>
-          </a:xfrm>
-        </p:spPr>
-        <p:txBody>
-          <a:bodyPr/>
-          <a:lstStyle/>
-          <a:p>
-            <a:pPr algn="ctr"/>
-            <a:r>
-              <a:rPr lang="en-US" sz="3200" dirty="0" smtClean="0"/>
-              <a:t>INTERMEDIATE PROGRAMMING</a:t>
-            </a:r>
-            <a:r>
-              <a:rPr lang="en-US" sz="4000" dirty="0" smtClean="0"/>
-              <a:t/>
-            </a:r>
-            <a:br>
-              <a:rPr lang="en-US" sz="4000" dirty="0" smtClean="0"/>
-            </a:br>
-            <a:r>
-              <a:rPr lang="en-US" sz="3200" dirty="0" smtClean="0"/>
-              <a:t>Lesson</a:t>
-            </a:r>
-            <a:endParaRPr lang="en-US" sz="3200" dirty="0"/>
-          </a:p>
-        </p:txBody>
-      </p:sp>
-      <p:sp>
-        <p:nvSpPr>
-          <p:cNvPr id="7" name="TextBox 6"/>
-          <p:cNvSpPr txBox="1"/>
-          <p:nvPr/>
-        </p:nvSpPr>
-        <p:spPr>
-          <a:xfrm>
-            <a:off x="1570861" y="6194052"/>
-            <a:ext cx="2778115" cy="400110"/>
-          </a:xfrm>
-          <a:prstGeom prst="rect">
-            <a:avLst/>
-          </a:prstGeom>
-          <a:noFill/>
-        </p:spPr>
-        <p:txBody>
-          <a:bodyPr wrap="square" rtlCol="0">
-            <a:spAutoFit/>
+        <p:spPr/>
+        <p:txBody>
+          <a:bodyPr>
+            <a:normAutofit fontScale="90000"/>
           </a:bodyPr>
           <a:lstStyle/>
           <a:p>
             <a:r>
-              <a:rPr lang="en-US" sz="2000" dirty="0" smtClean="0"/>
-              <a:t>By: </a:t>
-            </a:r>
-            <a:r>
-              <a:rPr lang="en-US" sz="2000" smtClean="0"/>
-              <a:t>Droids Robotics</a:t>
-            </a:r>
-            <a:endParaRPr lang="en-US" sz="2000" dirty="0" smtClean="0"/>
-          </a:p>
-        </p:txBody>
-      </p:sp>
-      <p:sp>
-        <p:nvSpPr>
-          <p:cNvPr id="4" name="TextBox 3"/>
-          <p:cNvSpPr txBox="1"/>
-          <p:nvPr/>
-        </p:nvSpPr>
-        <p:spPr>
-          <a:xfrm>
-            <a:off x="491348" y="3060197"/>
-            <a:ext cx="8187512" cy="1384995"/>
-          </a:xfrm>
-          <a:prstGeom prst="rect">
-            <a:avLst/>
-          </a:prstGeom>
-          <a:noFill/>
-        </p:spPr>
-        <p:txBody>
-          <a:bodyPr wrap="square" rtlCol="0">
-            <a:spAutoFit/>
+              <a:rPr lang="en-US" dirty="0" smtClean="0"/>
+              <a:t>INTERMEDIATE PROGRAMMING LESSON</a:t>
+            </a:r>
+            <a:endParaRPr lang="en-US" dirty="0"/>
+          </a:p>
+        </p:txBody>
+      </p:sp>
+      <p:sp>
+        <p:nvSpPr>
+          <p:cNvPr id="3" name="Subtitle 2"/>
+          <p:cNvSpPr>
+            <a:spLocks noGrp="1"/>
+          </p:cNvSpPr>
+          <p:nvPr>
+            <p:ph type="subTitle" idx="1"/>
+          </p:nvPr>
+        </p:nvSpPr>
+        <p:spPr>
+          <a:xfrm>
+            <a:off x="1597572" y="2921876"/>
+            <a:ext cx="6180083" cy="932429"/>
+          </a:xfrm>
+        </p:spPr>
+        <p:txBody>
+          <a:bodyPr>
+            <a:normAutofit fontScale="92500" lnSpcReduction="10000"/>
           </a:bodyPr>
           <a:lstStyle/>
           <a:p>
             <a:r>
-              <a:rPr lang="en-US" sz="2800" dirty="0" smtClean="0">
-                <a:solidFill>
-                  <a:srgbClr val="FF0000"/>
-                </a:solidFill>
-              </a:rPr>
-              <a:t>My Blocks Overview</a:t>
-            </a:r>
-            <a:endParaRPr lang="en-US" sz="2800" dirty="0">
-              <a:solidFill>
-                <a:srgbClr val="FF0000"/>
-              </a:solidFill>
-            </a:endParaRPr>
-          </a:p>
-          <a:p>
-            <a:r>
-              <a:rPr lang="en-US" sz="2800" dirty="0" smtClean="0">
-                <a:solidFill>
-                  <a:srgbClr val="FF0000"/>
-                </a:solidFill>
-              </a:rPr>
-              <a:t>Step-by-Step Visual Guide to Creating a My Block with Inputs with Outputs (Parameters)</a:t>
-            </a:r>
-          </a:p>
-        </p:txBody>
-      </p:sp>
-      <p:pic>
-        <p:nvPicPr>
-          <p:cNvPr id="1026" name="Picture 2" descr="EV3Lessons.com"/>
-          <p:cNvPicPr>
-            <a:picLocks noChangeAspect="1" noChangeArrowheads="1"/>
-          </p:cNvPicPr>
-          <p:nvPr/>
-        </p:nvPicPr>
-        <p:blipFill>
-          <a:blip r:embed="rId3">
-            <a:extLst>
-              <a:ext uri="{28A0092B-C50C-407E-A947-70E740481C1C}">
-                <a14:useLocalDpi xmlns:a14="http://schemas.microsoft.com/office/drawing/2010/main" val="0"/>
-              </a:ext>
-            </a:extLst>
-          </a:blip>
-          <a:srcRect/>
-          <a:stretch>
-            <a:fillRect/>
-          </a:stretch>
-        </p:blipFill>
-        <p:spPr bwMode="auto">
-          <a:xfrm>
-            <a:off x="4585105" y="436041"/>
-            <a:ext cx="4231698" cy="1571774"/>
-          </a:xfrm>
-          <a:prstGeom prst="rect">
-            <a:avLst/>
-          </a:prstGeom>
-          <a:noFill/>
-          <a:extLst>
-            <a:ext uri="{909E8E84-426E-40DD-AFC4-6F175D3DCCD1}">
-              <a14:hiddenFill xmlns:a14="http://schemas.microsoft.com/office/drawing/2010/main">
-                <a:solidFill>
-                  <a:srgbClr val="FFFFFF"/>
-                </a:solidFill>
-              </a14:hiddenFill>
-            </a:ext>
-          </a:extLst>
-        </p:spPr>
-      </p:pic>
-      <p:pic>
-        <p:nvPicPr>
-          <p:cNvPr id="6" name="Picture 5"/>
-          <p:cNvPicPr>
-            <a:picLocks noChangeAspect="1"/>
-          </p:cNvPicPr>
-          <p:nvPr/>
-        </p:nvPicPr>
-        <p:blipFill>
-          <a:blip r:embed="rId4">
-            <a:extLst>
-              <a:ext uri="{28A0092B-C50C-407E-A947-70E740481C1C}">
-                <a14:useLocalDpi xmlns:a14="http://schemas.microsoft.com/office/drawing/2010/main" val="0"/>
-              </a:ext>
-            </a:extLst>
-          </a:blip>
-          <a:stretch>
-            <a:fillRect/>
-          </a:stretch>
-        </p:blipFill>
-        <p:spPr>
-          <a:xfrm>
-            <a:off x="402305" y="5498994"/>
-            <a:ext cx="1168556" cy="1117919"/>
-          </a:xfrm>
-          <a:prstGeom prst="rect">
-            <a:avLst/>
-          </a:prstGeom>
-        </p:spPr>
-      </p:pic>
+              <a:rPr lang="en-US" dirty="0" smtClean="0"/>
+              <a:t>MY BLOCKS OVERVIEW: Step-by-step visual guide to creating My blocks with inputs &amp; outputs (parameters)</a:t>
+            </a:r>
+            <a:endParaRPr lang="en-US" dirty="0"/>
+          </a:p>
+        </p:txBody>
+      </p:sp>
     </p:spTree>
     <p:extLst>
       <p:ext uri="{BB962C8B-B14F-4D97-AF65-F5344CB8AC3E}">
-        <p14:creationId xmlns:p14="http://schemas.microsoft.com/office/powerpoint/2010/main" val="3965810906"/>
+        <p14:creationId xmlns:p14="http://schemas.microsoft.com/office/powerpoint/2010/main" val="74277744"/>
       </p:ext>
     </p:extLst>
   </p:cSld>
   <p:clrMapOvr>
     <a:masterClrMapping/>
   </p:clrMapOvr>
-  <p:timing>
-    <p:tnLst>
-      <p:par>
-        <p:cTn id="1" dur="indefinite" restart="never" nodeType="tmRoot"/>
-      </p:par>
-    </p:tnLst>
-  </p:timing>
 </p:sld>
 </file>
 
@@ -4711,8 +4939,8 @@
         </p:blipFill>
         <p:spPr>
           <a:xfrm>
-            <a:off x="4666043" y="3728906"/>
-            <a:ext cx="3279822" cy="2980143"/>
+            <a:off x="4666043" y="3728907"/>
+            <a:ext cx="2858461" cy="2597282"/>
           </a:xfrm>
           <a:prstGeom prst="rect">
             <a:avLst/>
@@ -4731,7 +4959,9 @@
         </p:nvSpPr>
         <p:spPr/>
         <p:txBody>
-          <a:bodyPr/>
+          <a:bodyPr>
+            <a:normAutofit/>
+          </a:bodyPr>
           <a:lstStyle/>
           <a:p>
             <a:r>
@@ -4744,7 +4974,11 @@
             </a:r>
             <a:r>
               <a:rPr lang="en-US" dirty="0" smtClean="0"/>
-              <a:t>: Add Inputs/outputs (parameters)</a:t>
+              <a:t>: Add </a:t>
+            </a:r>
+            <a:r>
+              <a:rPr lang="en-US" dirty="0" smtClean="0"/>
+              <a:t>Inputs/Outputs</a:t>
             </a:r>
             <a:endParaRPr lang="en-US" dirty="0"/>
           </a:p>
@@ -4878,7 +5112,7 @@
             <a:spLocks noGrp="1"/>
           </p:cNvSpPr>
           <p:nvPr>
-            <p:ph type="sldNum" sz="quarter" idx="4"/>
+            <p:ph type="sldNum" sz="quarter" idx="12"/>
           </p:nvPr>
         </p:nvSpPr>
         <p:spPr/>
@@ -4909,8 +5143,8 @@
         </p:blipFill>
         <p:spPr>
           <a:xfrm>
-            <a:off x="4492355" y="935372"/>
-            <a:ext cx="3115368" cy="2793534"/>
+            <a:off x="4877664" y="1342000"/>
+            <a:ext cx="2646840" cy="2373407"/>
           </a:xfrm>
           <a:prstGeom prst="rect">
             <a:avLst/>
@@ -4955,7 +5189,7 @@
         </p:nvSpPr>
         <p:spPr>
           <a:xfrm>
-            <a:off x="6179312" y="2021367"/>
+            <a:off x="6332541" y="2305336"/>
             <a:ext cx="1299137" cy="307777"/>
           </a:xfrm>
           <a:prstGeom prst="rect">
@@ -4985,7 +5219,7 @@
         </p:nvSpPr>
         <p:spPr>
           <a:xfrm>
-            <a:off x="6014962" y="1426433"/>
+            <a:off x="6168191" y="1710402"/>
             <a:ext cx="186122" cy="326168"/>
           </a:xfrm>
           <a:prstGeom prst="rect">
@@ -5031,7 +5265,7 @@
         </p:nvSpPr>
         <p:spPr>
           <a:xfrm>
-            <a:off x="5993190" y="3978561"/>
+            <a:off x="5825025" y="3978561"/>
             <a:ext cx="207894" cy="576943"/>
           </a:xfrm>
           <a:prstGeom prst="rect">
@@ -5077,7 +5311,7 @@
         </p:nvSpPr>
         <p:spPr>
           <a:xfrm>
-            <a:off x="5331751" y="5150439"/>
+            <a:off x="5211056" y="4979561"/>
             <a:ext cx="716104" cy="216219"/>
           </a:xfrm>
           <a:prstGeom prst="rect">
@@ -5123,7 +5357,7 @@
         </p:nvSpPr>
         <p:spPr>
           <a:xfrm>
-            <a:off x="6379902" y="1251501"/>
+            <a:off x="6533131" y="1535470"/>
             <a:ext cx="315685" cy="369332"/>
           </a:xfrm>
           <a:prstGeom prst="rect">
@@ -5161,7 +5395,7 @@
         </p:nvSpPr>
         <p:spPr>
           <a:xfrm flipH="1">
-            <a:off x="6883046" y="4082366"/>
+            <a:off x="5348541" y="4082366"/>
             <a:ext cx="293042" cy="369332"/>
           </a:xfrm>
           <a:prstGeom prst="rect">
@@ -5198,9 +5432,9 @@
           <p:nvPr/>
         </p:nvSpPr>
         <p:spPr>
-          <a:xfrm flipH="1">
-            <a:off x="6012912" y="4910988"/>
-            <a:ext cx="293042" cy="369332"/>
+          <a:xfrm>
+            <a:off x="5906140" y="4732317"/>
+            <a:ext cx="85752" cy="369332"/>
           </a:xfrm>
           <a:prstGeom prst="rect">
             <a:avLst/>
@@ -5283,7 +5517,19 @@
           <a:p>
             <a:r>
               <a:rPr lang="en-US" dirty="0" smtClean="0"/>
-              <a:t>Step 4: Setup parameter for power</a:t>
+              <a:t>Step 4: Setup </a:t>
+            </a:r>
+            <a:r>
+              <a:rPr lang="en-US" dirty="0" smtClean="0"/>
+              <a:t>Parameter </a:t>
+            </a:r>
+            <a:r>
+              <a:rPr lang="en-US" dirty="0" smtClean="0"/>
+              <a:t>for </a:t>
+            </a:r>
+            <a:r>
+              <a:rPr lang="en-US" dirty="0" smtClean="0"/>
+              <a:t>Power</a:t>
             </a:r>
             <a:endParaRPr lang="en-US" dirty="0"/>
           </a:p>
@@ -5319,7 +5565,7 @@
             <a:spLocks noGrp="1"/>
           </p:cNvSpPr>
           <p:nvPr>
-            <p:ph type="sldNum" sz="quarter" idx="4"/>
+            <p:ph type="sldNum" sz="quarter" idx="12"/>
           </p:nvPr>
         </p:nvSpPr>
         <p:spPr/>
@@ -5999,12 +6245,22 @@
         </p:nvSpPr>
         <p:spPr/>
         <p:txBody>
-          <a:bodyPr/>
+          <a:bodyPr>
+            <a:normAutofit fontScale="90000"/>
+          </a:bodyPr>
           <a:lstStyle/>
           <a:p>
             <a:r>
               <a:rPr lang="en-US" dirty="0" smtClean="0"/>
-              <a:t>Step 5: Setup parameter for Rotation</a:t>
+              <a:t>Step 5: Setup </a:t>
+            </a:r>
+            <a:r>
+              <a:rPr lang="en-US" dirty="0" smtClean="0"/>
+              <a:t>Parameter </a:t>
+            </a:r>
+            <a:r>
+              <a:rPr lang="en-US" dirty="0" smtClean="0"/>
+              <a:t>for Rotation</a:t>
             </a:r>
             <a:endParaRPr lang="en-US" dirty="0"/>
           </a:p>
@@ -6040,7 +6296,7 @@
             <a:spLocks noGrp="1"/>
           </p:cNvSpPr>
           <p:nvPr>
-            <p:ph type="sldNum" sz="quarter" idx="4"/>
+            <p:ph type="sldNum" sz="quarter" idx="12"/>
           </p:nvPr>
         </p:nvSpPr>
         <p:spPr/>
@@ -6674,8 +6930,8 @@
         </p:blipFill>
         <p:spPr>
           <a:xfrm>
-            <a:off x="2835273" y="1482361"/>
-            <a:ext cx="5514975" cy="5000625"/>
+            <a:off x="3089138" y="1502331"/>
+            <a:ext cx="5091082" cy="4616266"/>
           </a:xfrm>
           <a:prstGeom prst="rect">
             <a:avLst/>
@@ -6694,7 +6950,9 @@
         </p:nvSpPr>
         <p:spPr/>
         <p:txBody>
-          <a:bodyPr/>
+          <a:bodyPr>
+            <a:normAutofit fontScale="90000"/>
+          </a:bodyPr>
           <a:lstStyle/>
           <a:p>
             <a:r>
@@ -6735,7 +6993,7 @@
             <a:spLocks noGrp="1"/>
           </p:cNvSpPr>
           <p:nvPr>
-            <p:ph type="sldNum" sz="quarter" idx="4"/>
+            <p:ph type="sldNum" sz="quarter" idx="12"/>
           </p:nvPr>
         </p:nvSpPr>
         <p:spPr/>
@@ -6789,7 +7047,7 @@
         </p:nvSpPr>
         <p:spPr>
           <a:xfrm>
-            <a:off x="2826098" y="4301465"/>
+            <a:off x="2826098" y="4122790"/>
             <a:ext cx="316558" cy="369332"/>
           </a:xfrm>
           <a:prstGeom prst="rect">
@@ -6827,7 +7085,7 @@
         </p:nvSpPr>
         <p:spPr>
           <a:xfrm flipH="1">
-            <a:off x="2810542" y="4666152"/>
+            <a:off x="2810542" y="4487477"/>
             <a:ext cx="293852" cy="369332"/>
           </a:xfrm>
           <a:prstGeom prst="rect">
@@ -6865,7 +7123,7 @@
         </p:nvSpPr>
         <p:spPr>
           <a:xfrm flipH="1">
-            <a:off x="2810542" y="4996254"/>
+            <a:off x="2810542" y="4817579"/>
             <a:ext cx="293852" cy="369332"/>
           </a:xfrm>
           <a:prstGeom prst="rect">
@@ -7190,7 +7448,7 @@
             <a:spLocks noGrp="1"/>
           </p:cNvSpPr>
           <p:nvPr>
-            <p:ph type="sldNum" sz="quarter" idx="4"/>
+            <p:ph type="sldNum" sz="quarter" idx="12"/>
           </p:nvPr>
         </p:nvSpPr>
         <p:spPr/>
@@ -7223,7 +7481,7 @@
         <p:spPr>
           <a:xfrm>
             <a:off x="3774417" y="2328186"/>
-            <a:ext cx="4816474" cy="4227703"/>
+            <a:ext cx="4446947" cy="3903347"/>
           </a:xfrm>
           <a:prstGeom prst="rect">
             <a:avLst/>
@@ -7344,7 +7602,7 @@
         </p:nvSpPr>
         <p:spPr>
           <a:xfrm>
-            <a:off x="5729649" y="2750938"/>
+            <a:off x="5578068" y="2703881"/>
             <a:ext cx="303162" cy="639851"/>
           </a:xfrm>
           <a:prstGeom prst="rect">
@@ -7390,8 +7648,8 @@
         </p:nvSpPr>
         <p:spPr>
           <a:xfrm>
-            <a:off x="3774417" y="4679540"/>
-            <a:ext cx="4702609" cy="1645993"/>
+            <a:off x="3774417" y="4492464"/>
+            <a:ext cx="4329060" cy="1510913"/>
           </a:xfrm>
           <a:prstGeom prst="rect">
             <a:avLst/>
@@ -7436,7 +7694,7 @@
         </p:nvSpPr>
         <p:spPr>
           <a:xfrm>
-            <a:off x="7509488" y="6325534"/>
+            <a:off x="7206670" y="5997723"/>
             <a:ext cx="414429" cy="230356"/>
           </a:xfrm>
           <a:prstGeom prst="rect">
@@ -7482,7 +7740,7 @@
         </p:nvSpPr>
         <p:spPr>
           <a:xfrm flipH="1">
-            <a:off x="4985975" y="2954287"/>
+            <a:off x="4879455" y="2949865"/>
             <a:ext cx="381130" cy="369332"/>
           </a:xfrm>
           <a:prstGeom prst="rect">
@@ -7520,7 +7778,7 @@
         </p:nvSpPr>
         <p:spPr>
           <a:xfrm flipH="1">
-            <a:off x="6651612" y="4310207"/>
+            <a:off x="6493957" y="4123131"/>
             <a:ext cx="293852" cy="369332"/>
           </a:xfrm>
           <a:prstGeom prst="rect">
@@ -7558,7 +7816,7 @@
         </p:nvSpPr>
         <p:spPr>
           <a:xfrm>
-            <a:off x="7180714" y="6272398"/>
+            <a:off x="6897897" y="5974552"/>
             <a:ext cx="341333" cy="369332"/>
           </a:xfrm>
           <a:prstGeom prst="rect">
@@ -7828,7 +8086,15 @@
           <a:p>
             <a:r>
               <a:rPr lang="en-US" dirty="0" smtClean="0"/>
-              <a:t>Step 8: ADD Data Wires</a:t>
+              <a:t>Step 8: </a:t>
+            </a:r>
+            <a:r>
+              <a:rPr lang="en-US" dirty="0" smtClean="0"/>
+              <a:t>Add </a:t>
+            </a:r>
+            <a:r>
+              <a:rPr lang="en-US" dirty="0" smtClean="0"/>
+              <a:t>Data Wires</a:t>
             </a:r>
             <a:endParaRPr lang="en-US" dirty="0"/>
           </a:p>
@@ -7846,8 +8112,8 @@
         </p:nvSpPr>
         <p:spPr>
           <a:xfrm>
-            <a:off x="332414" y="1126274"/>
-            <a:ext cx="3678572" cy="5132664"/>
+            <a:off x="237824" y="1429407"/>
+            <a:ext cx="3678572" cy="4435366"/>
           </a:xfrm>
         </p:spPr>
         <p:txBody>
@@ -7860,7 +8126,7 @@
               <a:buAutoNum type="alphaUcPeriod"/>
             </a:pPr>
             <a:r>
-              <a:rPr lang="en-US" b="0" dirty="0" smtClean="0"/>
+              <a:rPr lang="en-US" sz="1800" b="0" dirty="0" smtClean="0"/>
               <a:t>When you click Finish (on previous slide) you will see this. </a:t>
             </a:r>
           </a:p>
@@ -7933,7 +8199,7 @@
             <a:spLocks noGrp="1"/>
           </p:cNvSpPr>
           <p:nvPr>
-            <p:ph type="sldNum" sz="quarter" idx="4"/>
+            <p:ph type="sldNum" sz="quarter" idx="12"/>
           </p:nvPr>
         </p:nvSpPr>
         <p:spPr/>
@@ -7981,8 +8247,8 @@
         </p:nvSpPr>
         <p:spPr>
           <a:xfrm>
-            <a:off x="4010987" y="1137241"/>
-            <a:ext cx="4380504" cy="923330"/>
+            <a:off x="4010987" y="1452549"/>
+            <a:ext cx="4380504" cy="523220"/>
           </a:xfrm>
           <a:prstGeom prst="rect">
             <a:avLst/>
@@ -7999,7 +8265,7 @@
           <a:p>
             <a:pPr algn="ctr"/>
             <a:r>
-              <a:rPr lang="en-US" dirty="0" smtClean="0">
+              <a:rPr lang="en-US" sz="1400" dirty="0" smtClean="0">
                 <a:solidFill>
                   <a:schemeClr val="bg1"/>
                 </a:solidFill>
@@ -8007,7 +8273,7 @@
               <a:t>These </a:t>
             </a:r>
             <a:r>
-              <a:rPr lang="en-US" dirty="0">
+              <a:rPr lang="en-US" sz="1400" dirty="0">
                 <a:solidFill>
                   <a:schemeClr val="bg1"/>
                 </a:solidFill>
@@ -8015,7 +8281,7 @@
               <a:t>grey blocks are our </a:t>
             </a:r>
             <a:r>
-              <a:rPr lang="en-US" dirty="0" smtClean="0">
+              <a:rPr lang="en-US" sz="1400" dirty="0" smtClean="0">
                 <a:solidFill>
                   <a:schemeClr val="bg1"/>
                 </a:solidFill>
@@ -8023,7 +8289,7 @@
               <a:t>inputs/outputs (parameters) that were set </a:t>
             </a:r>
             <a:r>
-              <a:rPr lang="en-US" dirty="0">
+              <a:rPr lang="en-US" sz="1400" dirty="0">
                 <a:solidFill>
                   <a:schemeClr val="bg1"/>
                 </a:solidFill>
@@ -8031,14 +8297,14 @@
               <a:t>up automatically by the My Block B</a:t>
             </a:r>
             <a:r>
-              <a:rPr lang="en-US" dirty="0" smtClean="0">
+              <a:rPr lang="en-US" sz="1400" dirty="0" smtClean="0">
                 <a:solidFill>
                   <a:schemeClr val="bg1"/>
                 </a:solidFill>
               </a:rPr>
               <a:t>uilder</a:t>
             </a:r>
-            <a:endParaRPr lang="en-US" dirty="0">
+            <a:endParaRPr lang="en-US" sz="1400" dirty="0">
               <a:solidFill>
                 <a:schemeClr val="bg1"/>
               </a:solidFill>
@@ -8173,8 +8439,8 @@
         </p:nvCxnSpPr>
         <p:spPr>
           <a:xfrm rot="5400000" flipH="1" flipV="1">
-            <a:off x="3706637" y="-97929"/>
-            <a:ext cx="336102" cy="4653102"/>
+            <a:off x="3664236" y="-140330"/>
+            <a:ext cx="420904" cy="4653102"/>
           </a:xfrm>
           <a:prstGeom prst="bentConnector3">
             <a:avLst/>
@@ -8211,8 +8477,8 @@
         </p:nvCxnSpPr>
         <p:spPr>
           <a:xfrm rot="16200000" flipV="1">
-            <a:off x="6824846" y="1436964"/>
-            <a:ext cx="336102" cy="1583316"/>
+            <a:off x="6782445" y="1394563"/>
+            <a:ext cx="420904" cy="1583316"/>
           </a:xfrm>
           <a:prstGeom prst="bentConnector3">
             <a:avLst/>
@@ -8292,9 +8558,82 @@
           <a:p>
             <a:r>
               <a:rPr lang="en-US" dirty="0" smtClean="0"/>
-              <a:t>WHERE is the My block?</a:t>
+              <a:t>Where </a:t>
+            </a:r>
+            <a:r>
+              <a:rPr lang="en-US" dirty="0" smtClean="0"/>
+              <a:t>is the My </a:t>
+            </a:r>
+            <a:r>
+              <a:rPr lang="en-US" dirty="0" smtClean="0"/>
+              <a:t>Block</a:t>
+            </a:r>
+            <a:r>
+              <a:rPr lang="en-US" dirty="0" smtClean="0"/>
+              <a:t>?</a:t>
             </a:r>
             <a:endParaRPr lang="en-US" dirty="0"/>
+          </a:p>
+        </p:txBody>
+      </p:sp>
+      <p:sp>
+        <p:nvSpPr>
+          <p:cNvPr id="6" name="Content Placeholder 2"/>
+          <p:cNvSpPr>
+            <a:spLocks noGrp="1"/>
+          </p:cNvSpPr>
+          <p:nvPr>
+            <p:ph idx="1"/>
+          </p:nvPr>
+        </p:nvSpPr>
+        <p:spPr>
+          <a:xfrm>
+            <a:off x="332413" y="1474696"/>
+            <a:ext cx="4239143" cy="4784242"/>
+          </a:xfrm>
+        </p:spPr>
+        <p:txBody>
+          <a:bodyPr>
+            <a:normAutofit/>
+          </a:bodyPr>
+          <a:lstStyle/>
+          <a:p>
+            <a:pPr marL="457200" indent="-457200">
+              <a:buAutoNum type="alphaUcPeriod"/>
+            </a:pPr>
+            <a:r>
+              <a:rPr lang="en-US" b="0" dirty="0">
+                <a:solidFill>
+                  <a:srgbClr val="00B050"/>
+                </a:solidFill>
+              </a:rPr>
+              <a:t>Your My Block will appear in the turquoise tab.  You can now use this block in any program.</a:t>
+            </a:r>
+          </a:p>
+          <a:p>
+            <a:pPr marL="457200" indent="-457200">
+              <a:buAutoNum type="alphaUcPeriod"/>
+            </a:pPr>
+            <a:endParaRPr lang="en-US" b="0" dirty="0" smtClean="0"/>
+          </a:p>
+          <a:p>
+            <a:pPr marL="457200" indent="-457200">
+              <a:buAutoNum type="alphaUcPeriod"/>
+            </a:pPr>
+            <a:r>
+              <a:rPr lang="en-US" b="0" dirty="0" smtClean="0">
+                <a:solidFill>
+                  <a:srgbClr val="7030A0"/>
+                </a:solidFill>
+              </a:rPr>
+              <a:t>Below, the same My Block is used twice. Once to move forward 2 rotations and then backwards 5 rotations.</a:t>
+            </a:r>
+          </a:p>
+          <a:p>
+            <a:pPr marL="457200" indent="-457200">
+              <a:buAutoNum type="alphaUcPeriod"/>
+            </a:pPr>
+            <a:endParaRPr lang="en-US" b="0" dirty="0"/>
           </a:p>
         </p:txBody>
       </p:sp>
@@ -8328,7 +8667,7 @@
             <a:spLocks noGrp="1"/>
           </p:cNvSpPr>
           <p:nvPr>
-            <p:ph type="sldNum" sz="quarter" idx="4"/>
+            <p:ph type="sldNum" sz="quarter" idx="12"/>
           </p:nvPr>
         </p:nvSpPr>
         <p:spPr/>
@@ -8341,67 +8680,6 @@
               <a:t>16</a:t>
             </a:fld>
             <a:endParaRPr lang="en-US"/>
-          </a:p>
-        </p:txBody>
-      </p:sp>
-      <p:sp>
-        <p:nvSpPr>
-          <p:cNvPr id="6" name="Content Placeholder 2"/>
-          <p:cNvSpPr>
-            <a:spLocks noGrp="1"/>
-          </p:cNvSpPr>
-          <p:nvPr>
-            <p:ph idx="1"/>
-          </p:nvPr>
-        </p:nvSpPr>
-        <p:spPr>
-          <a:xfrm>
-            <a:off x="332413" y="1126274"/>
-            <a:ext cx="4239143" cy="5132664"/>
-          </a:xfrm>
-        </p:spPr>
-        <p:txBody>
-          <a:bodyPr>
-            <a:normAutofit/>
-          </a:bodyPr>
-          <a:lstStyle/>
-          <a:p>
-            <a:pPr marL="457200" indent="-457200">
-              <a:buAutoNum type="alphaUcPeriod"/>
-            </a:pPr>
-            <a:r>
-              <a:rPr lang="en-US" b="0" dirty="0">
-                <a:solidFill>
-                  <a:srgbClr val="00B050"/>
-                </a:solidFill>
-              </a:rPr>
-              <a:t>Your My Block will appear in the turquoise tab.  You can now use this block in any program.</a:t>
-            </a:r>
-          </a:p>
-          <a:p>
-            <a:pPr marL="457200" indent="-457200">
-              <a:buAutoNum type="alphaUcPeriod"/>
-            </a:pPr>
-            <a:endParaRPr lang="en-US" b="0" dirty="0" smtClean="0"/>
-          </a:p>
-          <a:p>
-            <a:pPr marL="457200" indent="-457200">
-              <a:buAutoNum type="alphaUcPeriod"/>
-            </a:pPr>
-            <a:r>
-              <a:rPr lang="en-US" b="0" dirty="0" smtClean="0">
-                <a:solidFill>
-                  <a:srgbClr val="7030A0"/>
-                </a:solidFill>
-              </a:rPr>
-              <a:t>Below, the same My Block is used twice. Once to move forward 2 rotations and then backwards 5 rotations.</a:t>
-            </a:r>
-          </a:p>
-          <a:p>
-            <a:pPr marL="457200" indent="-457200">
-              <a:buAutoNum type="alphaUcPeriod"/>
-            </a:pPr>
-            <a:endParaRPr lang="en-US" b="0" dirty="0"/>
           </a:p>
         </p:txBody>
       </p:sp>
@@ -8421,7 +8699,7 @@
         </p:blipFill>
         <p:spPr>
           <a:xfrm>
-            <a:off x="4816884" y="1126274"/>
+            <a:off x="4917023" y="1552051"/>
             <a:ext cx="3341710" cy="1225016"/>
           </a:xfrm>
           <a:prstGeom prst="rect">
@@ -8437,7 +8715,7 @@
         </p:nvSpPr>
         <p:spPr>
           <a:xfrm>
-            <a:off x="7366858" y="1214260"/>
+            <a:off x="7466997" y="1640037"/>
             <a:ext cx="546409" cy="334538"/>
           </a:xfrm>
           <a:prstGeom prst="rect">
@@ -8579,19 +8857,14 @@
             <p:ph type="title"/>
           </p:nvPr>
         </p:nvSpPr>
-        <p:spPr>
-          <a:xfrm>
-            <a:off x="356665" y="439032"/>
-            <a:ext cx="8245475" cy="1371600"/>
-          </a:xfrm>
-        </p:spPr>
+        <p:spPr/>
         <p:txBody>
           <a:bodyPr/>
           <a:lstStyle/>
           <a:p>
             <a:r>
               <a:rPr lang="en-US" dirty="0" smtClean="0"/>
-              <a:t>CREDITS</a:t>
+              <a:t>Credits</a:t>
             </a:r>
             <a:endParaRPr lang="en-US" dirty="0"/>
           </a:p>
@@ -8607,60 +8880,41 @@
             <p:ph idx="1"/>
           </p:nvPr>
         </p:nvSpPr>
-        <p:spPr>
-          <a:xfrm>
-            <a:off x="457200" y="1124832"/>
-            <a:ext cx="8245474" cy="4963057"/>
-          </a:xfrm>
-        </p:spPr>
-        <p:txBody>
-          <a:bodyPr>
-            <a:noAutofit/>
-          </a:bodyPr>
-          <a:lstStyle/>
-          <a:p>
-            <a:pPr marL="342900" indent="-342900">
-              <a:buFont typeface="Arial"/>
-              <a:buChar char="•"/>
-            </a:pPr>
-            <a:r>
-              <a:rPr lang="en-US" sz="1800" dirty="0" smtClean="0"/>
+        <p:spPr/>
+        <p:txBody>
+          <a:bodyPr/>
+          <a:lstStyle/>
+          <a:p>
+            <a:r>
+              <a:rPr lang="en-US" smtClean="0"/>
               <a:t>This tutorial was created by Sanjay Seshan and Arvind Seshan from Droids Robotics.</a:t>
             </a:r>
           </a:p>
           <a:p>
-            <a:pPr marL="342900" indent="-342900">
-              <a:buFont typeface="Arial"/>
-              <a:buChar char="•"/>
-            </a:pPr>
-            <a:r>
-              <a:rPr lang="en-US" sz="1800" dirty="0" smtClean="0"/>
+            <a:r>
+              <a:rPr lang="en-US" smtClean="0"/>
               <a:t>More lessons are available at www.ev3lessons.com</a:t>
             </a:r>
           </a:p>
           <a:p>
-            <a:pPr marL="342900" indent="-342900">
-              <a:buFont typeface="Arial"/>
-              <a:buChar char="•"/>
-            </a:pPr>
-            <a:r>
-              <a:rPr lang="en-US" sz="1800" dirty="0" smtClean="0"/>
+            <a:r>
+              <a:rPr lang="en-US" smtClean="0"/>
               <a:t>Author’s Email: </a:t>
             </a:r>
             <a:r>
-              <a:rPr lang="en-US" sz="1800" dirty="0" smtClean="0">
+              <a:rPr lang="en-US" smtClean="0">
                 <a:hlinkClick r:id="rId3"/>
               </a:rPr>
               <a:t>team@droidsrobotics.org</a:t>
             </a:r>
             <a:r>
-              <a:rPr lang="en-US" sz="1800" b="0" dirty="0"/>
+              <a:rPr lang="en-US" smtClean="0"/>
               <a:t/>
             </a:r>
             <a:br>
-              <a:rPr lang="en-US" sz="1800" b="0" dirty="0"/>
+              <a:rPr lang="en-US" smtClean="0"/>
             </a:br>
-            <a:endParaRPr lang="en-US" sz="1800" dirty="0" smtClean="0"/>
+            <a:endParaRPr lang="en-US" dirty="0" smtClean="0"/>
           </a:p>
         </p:txBody>
       </p:sp>
@@ -8683,6 +8937,30 @@
               <a:rPr lang="sk-SK" smtClean="0"/>
               <a:t>© 2015 EV3Lessons.com (Last Edit 11/01/2015)</a:t>
             </a:r>
+            <a:endParaRPr lang="en-US" dirty="0"/>
+          </a:p>
+        </p:txBody>
+      </p:sp>
+      <p:sp>
+        <p:nvSpPr>
+          <p:cNvPr id="9" name="Slide Number Placeholder 8"/>
+          <p:cNvSpPr>
+            <a:spLocks noGrp="1"/>
+          </p:cNvSpPr>
+          <p:nvPr>
+            <p:ph type="sldNum" sz="quarter" idx="12"/>
+          </p:nvPr>
+        </p:nvSpPr>
+        <p:spPr/>
+        <p:txBody>
+          <a:bodyPr/>
+          <a:lstStyle/>
+          <a:p>
+            <a:fld id="{4DBC7FC8-25FB-FC45-8177-2B991DA6778C}" type="slidenum">
+              <a:rPr lang="en-US" smtClean="0"/>
+              <a:pPr/>
+              <a:t>17</a:t>
+            </a:fld>
             <a:endParaRPr lang="en-US" dirty="0"/>
           </a:p>
         </p:txBody>
@@ -9084,37 +9362,6 @@
           </a:extLst>
         </p:spPr>
       </p:pic>
-      <p:sp>
-        <p:nvSpPr>
-          <p:cNvPr id="9" name="Slide Number Placeholder 8"/>
-          <p:cNvSpPr>
-            <a:spLocks noGrp="1"/>
-          </p:cNvSpPr>
-          <p:nvPr>
-            <p:ph type="sldNum" sz="quarter" idx="4"/>
-          </p:nvPr>
-        </p:nvSpPr>
-        <p:spPr>
-          <a:xfrm>
-            <a:off x="8543544" y="6359496"/>
-            <a:ext cx="575832" cy="437053"/>
-          </a:xfrm>
-          <a:prstGeom prst="rect">
-            <a:avLst/>
-          </a:prstGeom>
-        </p:spPr>
-        <p:txBody>
-          <a:bodyPr/>
-          <a:lstStyle/>
-          <a:p>
-            <a:fld id="{4DBC7FC8-25FB-FC45-8177-2B991DA6778C}" type="slidenum">
-              <a:rPr lang="en-US" smtClean="0"/>
-              <a:t>17</a:t>
-            </a:fld>
-            <a:endParaRPr lang="en-US" dirty="0"/>
-          </a:p>
-        </p:txBody>
-      </p:sp>
     </p:spTree>
     <p:extLst>
       <p:ext uri="{BB962C8B-B14F-4D97-AF65-F5344CB8AC3E}">
@@ -9252,7 +9499,7 @@
             <a:spLocks noGrp="1"/>
           </p:cNvSpPr>
           <p:nvPr>
-            <p:ph type="sldNum" sz="quarter" idx="4"/>
+            <p:ph type="sldNum" sz="quarter" idx="12"/>
           </p:nvPr>
         </p:nvSpPr>
         <p:spPr/>
@@ -9340,13 +9587,13 @@
         </p:nvSpPr>
         <p:spPr>
           <a:xfrm>
-            <a:off x="457200" y="1109580"/>
-            <a:ext cx="4001535" cy="5016584"/>
+            <a:off x="227874" y="1494062"/>
+            <a:ext cx="4230861" cy="4632101"/>
           </a:xfrm>
         </p:spPr>
         <p:txBody>
           <a:bodyPr>
-            <a:normAutofit fontScale="92500" lnSpcReduction="10000"/>
+            <a:normAutofit lnSpcReduction="10000"/>
           </a:bodyPr>
           <a:lstStyle/>
           <a:p>
@@ -9458,7 +9705,7 @@
             <a:spLocks noGrp="1"/>
           </p:cNvSpPr>
           <p:nvPr>
-            <p:ph type="sldNum" sz="quarter" idx="4"/>
+            <p:ph type="sldNum" sz="quarter" idx="12"/>
           </p:nvPr>
         </p:nvSpPr>
         <p:spPr/>
@@ -9495,7 +9742,7 @@
         </p:blipFill>
         <p:spPr>
           <a:xfrm>
-            <a:off x="5052672" y="1266971"/>
+            <a:off x="5052672" y="1414114"/>
             <a:ext cx="3340214" cy="1530822"/>
           </a:xfrm>
           <a:prstGeom prst="rect">
@@ -9511,7 +9758,7 @@
         </p:nvSpPr>
         <p:spPr>
           <a:xfrm>
-            <a:off x="5038613" y="2789629"/>
+            <a:off x="5038613" y="2936772"/>
             <a:ext cx="3771900" cy="2862322"/>
           </a:xfrm>
           <a:prstGeom prst="rect">
@@ -9663,7 +9910,23 @@
           <a:p>
             <a:r>
               <a:rPr lang="en-US" dirty="0" smtClean="0"/>
-              <a:t>When do you use a my block</a:t>
+              <a:t>When do </a:t>
+            </a:r>
+            <a:r>
+              <a:rPr lang="en-US" dirty="0"/>
+              <a:t>Y</a:t>
+            </a:r>
+            <a:r>
+              <a:rPr lang="en-US" dirty="0" smtClean="0"/>
+              <a:t>ou Use </a:t>
+            </a:r>
+            <a:r>
+              <a:rPr lang="en-US" dirty="0" smtClean="0"/>
+              <a:t>a </a:t>
+            </a:r>
+            <a:r>
+              <a:rPr lang="en-US" dirty="0" smtClean="0"/>
+              <a:t>My block?</a:t>
             </a:r>
             <a:endParaRPr lang="en-US" dirty="0"/>
           </a:p>
@@ -9681,8 +9944,8 @@
         </p:nvSpPr>
         <p:spPr>
           <a:xfrm>
-            <a:off x="217846" y="1276736"/>
-            <a:ext cx="7336707" cy="4762584"/>
+            <a:off x="217846" y="1481958"/>
+            <a:ext cx="7336707" cy="4557361"/>
           </a:xfrm>
         </p:spPr>
         <p:txBody>
@@ -9775,6 +10038,29 @@
               <a:rPr lang="sk-SK" smtClean="0"/>
               <a:t>© 2015 EV3Lessons.com (Last Edit 11/01/2015)</a:t>
             </a:r>
+            <a:endParaRPr lang="en-US"/>
+          </a:p>
+        </p:txBody>
+      </p:sp>
+      <p:sp>
+        <p:nvSpPr>
+          <p:cNvPr id="6" name="Slide Number Placeholder 5"/>
+          <p:cNvSpPr>
+            <a:spLocks noGrp="1"/>
+          </p:cNvSpPr>
+          <p:nvPr>
+            <p:ph type="sldNum" sz="quarter" idx="12"/>
+          </p:nvPr>
+        </p:nvSpPr>
+        <p:spPr/>
+        <p:txBody>
+          <a:bodyPr/>
+          <a:lstStyle/>
+          <a:p>
+            <a:fld id="{4DBC7FC8-25FB-FC45-8177-2B991DA6778C}" type="slidenum">
+              <a:rPr lang="en-US" smtClean="0"/>
+              <a:t>4</a:t>
+            </a:fld>
             <a:endParaRPr lang="en-US"/>
           </a:p>
         </p:txBody>
@@ -9801,7 +10087,7 @@
         </p:blipFill>
         <p:spPr>
           <a:xfrm>
-            <a:off x="7272865" y="1009567"/>
+            <a:off x="7425344" y="1787332"/>
             <a:ext cx="1213540" cy="1285907"/>
           </a:xfrm>
           <a:prstGeom prst="rect">
@@ -9809,29 +10095,6 @@
           </a:prstGeom>
         </p:spPr>
       </p:pic>
-      <p:sp>
-        <p:nvSpPr>
-          <p:cNvPr id="6" name="Slide Number Placeholder 5"/>
-          <p:cNvSpPr>
-            <a:spLocks noGrp="1"/>
-          </p:cNvSpPr>
-          <p:nvPr>
-            <p:ph type="sldNum" sz="quarter" idx="4"/>
-          </p:nvPr>
-        </p:nvSpPr>
-        <p:spPr/>
-        <p:txBody>
-          <a:bodyPr/>
-          <a:lstStyle/>
-          <a:p>
-            <a:fld id="{4DBC7FC8-25FB-FC45-8177-2B991DA6778C}" type="slidenum">
-              <a:rPr lang="en-US" smtClean="0"/>
-              <a:t>4</a:t>
-            </a:fld>
-            <a:endParaRPr lang="en-US"/>
-          </a:p>
-        </p:txBody>
-      </p:sp>
     </p:spTree>
     <p:extLst>
       <p:ext uri="{BB962C8B-B14F-4D97-AF65-F5344CB8AC3E}">
@@ -9886,7 +10149,27 @@
           <a:p>
             <a:r>
               <a:rPr lang="en-US" dirty="0" smtClean="0"/>
-              <a:t>Why should you bother?</a:t>
+              <a:t>Why </a:t>
+            </a:r>
+            <a:r>
+              <a:rPr lang="en-US" dirty="0"/>
+              <a:t>S</a:t>
+            </a:r>
+            <a:r>
+              <a:rPr lang="en-US" dirty="0" smtClean="0"/>
+              <a:t>hould </a:t>
+            </a:r>
+            <a:r>
+              <a:rPr lang="en-US" dirty="0"/>
+              <a:t>Y</a:t>
+            </a:r>
+            <a:r>
+              <a:rPr lang="en-US" dirty="0" smtClean="0"/>
+              <a:t>ou Bother</a:t>
+            </a:r>
+            <a:r>
+              <a:rPr lang="en-US" dirty="0" smtClean="0"/>
+              <a:t>?</a:t>
             </a:r>
             <a:endParaRPr lang="en-US" dirty="0"/>
           </a:p>
@@ -9904,7 +10187,7 @@
         </p:nvSpPr>
         <p:spPr>
           <a:xfrm>
-            <a:off x="235140" y="1212528"/>
+            <a:off x="245341" y="1392135"/>
             <a:ext cx="8561878" cy="1110641"/>
           </a:xfrm>
         </p:spPr>
@@ -9928,6 +10211,52 @@
                 <a:srgbClr val="0000FF"/>
               </a:solidFill>
             </a:endParaRPr>
+          </a:p>
+        </p:txBody>
+      </p:sp>
+      <p:sp>
+        <p:nvSpPr>
+          <p:cNvPr id="8" name="Footer Placeholder 7"/>
+          <p:cNvSpPr>
+            <a:spLocks noGrp="1"/>
+          </p:cNvSpPr>
+          <p:nvPr>
+            <p:ph type="ftr" sz="quarter" idx="11"/>
+          </p:nvPr>
+        </p:nvSpPr>
+        <p:spPr/>
+        <p:txBody>
+          <a:bodyPr/>
+          <a:lstStyle/>
+          <a:p>
+            <a:r>
+              <a:rPr lang="sk-SK" smtClean="0"/>
+              <a:t>© 2015 EV3Lessons.com (Last Edit 11/01/2015)</a:t>
+            </a:r>
+            <a:endParaRPr lang="en-US"/>
+          </a:p>
+        </p:txBody>
+      </p:sp>
+      <p:sp>
+        <p:nvSpPr>
+          <p:cNvPr id="9" name="Slide Number Placeholder 8"/>
+          <p:cNvSpPr>
+            <a:spLocks noGrp="1"/>
+          </p:cNvSpPr>
+          <p:nvPr>
+            <p:ph type="sldNum" sz="quarter" idx="12"/>
+          </p:nvPr>
+        </p:nvSpPr>
+        <p:spPr/>
+        <p:txBody>
+          <a:bodyPr/>
+          <a:lstStyle/>
+          <a:p>
+            <a:fld id="{4DBC7FC8-25FB-FC45-8177-2B991DA6778C}" type="slidenum">
+              <a:rPr lang="en-US" smtClean="0"/>
+              <a:t>5</a:t>
+            </a:fld>
+            <a:endParaRPr lang="en-US"/>
           </a:p>
         </p:txBody>
       </p:sp>
@@ -10340,52 +10669,6 @@
           </a:prstGeom>
         </p:spPr>
       </p:pic>
-      <p:sp>
-        <p:nvSpPr>
-          <p:cNvPr id="8" name="Footer Placeholder 7"/>
-          <p:cNvSpPr>
-            <a:spLocks noGrp="1"/>
-          </p:cNvSpPr>
-          <p:nvPr>
-            <p:ph type="ftr" sz="quarter" idx="11"/>
-          </p:nvPr>
-        </p:nvSpPr>
-        <p:spPr/>
-        <p:txBody>
-          <a:bodyPr/>
-          <a:lstStyle/>
-          <a:p>
-            <a:r>
-              <a:rPr lang="sk-SK" smtClean="0"/>
-              <a:t>© 2015 EV3Lessons.com (Last Edit 11/01/2015)</a:t>
-            </a:r>
-            <a:endParaRPr lang="en-US"/>
-          </a:p>
-        </p:txBody>
-      </p:sp>
-      <p:sp>
-        <p:nvSpPr>
-          <p:cNvPr id="9" name="Slide Number Placeholder 8"/>
-          <p:cNvSpPr>
-            <a:spLocks noGrp="1"/>
-          </p:cNvSpPr>
-          <p:nvPr>
-            <p:ph type="sldNum" sz="quarter" idx="4"/>
-          </p:nvPr>
-        </p:nvSpPr>
-        <p:spPr/>
-        <p:txBody>
-          <a:bodyPr/>
-          <a:lstStyle/>
-          <a:p>
-            <a:fld id="{4DBC7FC8-25FB-FC45-8177-2B991DA6778C}" type="slidenum">
-              <a:rPr lang="en-US" smtClean="0"/>
-              <a:t>5</a:t>
-            </a:fld>
-            <a:endParaRPr lang="en-US"/>
-          </a:p>
-        </p:txBody>
-      </p:sp>
     </p:spTree>
     <p:extLst>
       <p:ext uri="{BB962C8B-B14F-4D97-AF65-F5344CB8AC3E}">
@@ -10443,12 +10726,46 @@
         </p:nvSpPr>
         <p:spPr/>
         <p:txBody>
-          <a:bodyPr/>
-          <a:lstStyle/>
-          <a:p>
-            <a:r>
-              <a:rPr lang="en-US" smtClean="0"/>
-              <a:t>DISCUSSION: What makes a useful my block</a:t>
+          <a:bodyPr>
+            <a:normAutofit/>
+          </a:bodyPr>
+          <a:lstStyle/>
+          <a:p>
+            <a:r>
+              <a:rPr lang="en-US" dirty="0" smtClean="0"/>
+              <a:t>What </a:t>
+            </a:r>
+            <a:r>
+              <a:rPr lang="en-US" dirty="0"/>
+              <a:t>M</a:t>
+            </a:r>
+            <a:r>
+              <a:rPr lang="en-US" dirty="0" smtClean="0"/>
+              <a:t>akes </a:t>
+            </a:r>
+            <a:r>
+              <a:rPr lang="en-US" dirty="0" smtClean="0"/>
+              <a:t>a </a:t>
+            </a:r>
+            <a:r>
+              <a:rPr lang="en-US" dirty="0" smtClean="0"/>
+              <a:t>Useful </a:t>
+            </a:r>
+            <a:r>
+              <a:rPr lang="en-US" dirty="0"/>
+              <a:t>M</a:t>
+            </a:r>
+            <a:r>
+              <a:rPr lang="en-US" dirty="0" smtClean="0"/>
+              <a:t>y </a:t>
+            </a:r>
+            <a:r>
+              <a:rPr lang="en-US" dirty="0"/>
+              <a:t>B</a:t>
+            </a:r>
+            <a:r>
+              <a:rPr lang="en-US" dirty="0" smtClean="0"/>
+              <a:t>lock</a:t>
             </a:r>
             <a:endParaRPr lang="en-US" dirty="0"/>
           </a:p>
@@ -10467,7 +10784,7 @@
         <p:spPr/>
         <p:txBody>
           <a:bodyPr>
-            <a:normAutofit fontScale="85000" lnSpcReduction="20000"/>
+            <a:normAutofit fontScale="92500" lnSpcReduction="10000"/>
           </a:bodyPr>
           <a:lstStyle/>
           <a:p>
@@ -10585,7 +10902,7 @@
             <a:spLocks noGrp="1"/>
           </p:cNvSpPr>
           <p:nvPr>
-            <p:ph type="sldNum" sz="quarter" idx="4"/>
+            <p:ph type="sldNum" sz="quarter" idx="12"/>
           </p:nvPr>
         </p:nvSpPr>
         <p:spPr/>
@@ -10789,7 +11106,7 @@
           <a:lstStyle/>
           <a:p>
             <a:r>
-              <a:rPr lang="en-US" dirty="0" smtClean="0"/>
+              <a:rPr lang="en-US" smtClean="0"/>
               <a:t>Step 1: Highlight Blocks</a:t>
             </a:r>
             <a:endParaRPr lang="en-US" dirty="0"/>
@@ -10826,7 +11143,7 @@
             <a:spLocks noGrp="1"/>
           </p:cNvSpPr>
           <p:nvPr>
-            <p:ph type="sldNum" sz="quarter" idx="4"/>
+            <p:ph type="sldNum" sz="quarter" idx="12"/>
           </p:nvPr>
         </p:nvSpPr>
         <p:spPr/>
@@ -10850,8 +11167,8 @@
         </p:nvSpPr>
         <p:spPr>
           <a:xfrm>
-            <a:off x="457199" y="1002794"/>
-            <a:ext cx="2890007" cy="5355312"/>
+            <a:off x="227875" y="1439916"/>
+            <a:ext cx="3119332" cy="4524315"/>
           </a:xfrm>
           <a:prstGeom prst="rect">
             <a:avLst/>
@@ -11105,7 +11422,7 @@
         </p:nvSpPr>
         <p:spPr>
           <a:xfrm>
-            <a:off x="3886200" y="1112584"/>
+            <a:off x="3981536" y="1639684"/>
             <a:ext cx="4354286" cy="1477328"/>
           </a:xfrm>
           <a:prstGeom prst="rect">
@@ -11321,7 +11638,15 @@
           <a:p>
             <a:r>
               <a:rPr lang="en-US" dirty="0" smtClean="0"/>
-              <a:t>Step 2: Launch My block builder</a:t>
+              <a:t>Step 2: Launch My </a:t>
+            </a:r>
+            <a:r>
+              <a:rPr lang="en-US" dirty="0" smtClean="0"/>
+              <a:t>Block </a:t>
+            </a:r>
+            <a:r>
+              <a:rPr lang="en-US" dirty="0" smtClean="0"/>
+              <a:t>builder</a:t>
             </a:r>
             <a:endParaRPr lang="en-US" dirty="0"/>
           </a:p>
@@ -11357,7 +11682,7 @@
             <a:spLocks noGrp="1"/>
           </p:cNvSpPr>
           <p:nvPr>
-            <p:ph type="sldNum" sz="quarter" idx="4"/>
+            <p:ph type="sldNum" sz="quarter" idx="12"/>
           </p:nvPr>
         </p:nvSpPr>
         <p:spPr/>
@@ -11381,7 +11706,7 @@
         </p:nvGrpSpPr>
         <p:grpSpPr>
           <a:xfrm>
-            <a:off x="4830533" y="1256669"/>
+            <a:off x="4999471" y="1560497"/>
             <a:ext cx="3231016" cy="1912177"/>
             <a:chOff x="180892" y="1764946"/>
             <a:chExt cx="3348996" cy="2211436"/>
@@ -11794,7 +12119,7 @@
         </p:nvSpPr>
         <p:spPr>
           <a:xfrm>
-            <a:off x="5566884" y="1471931"/>
+            <a:off x="5735822" y="1775759"/>
             <a:ext cx="316558" cy="369332"/>
           </a:xfrm>
           <a:prstGeom prst="rect">
@@ -11870,7 +12195,7 @@
         </p:nvSpPr>
         <p:spPr>
           <a:xfrm>
-            <a:off x="6058566" y="1178456"/>
+            <a:off x="6227504" y="1482284"/>
             <a:ext cx="1549372" cy="586790"/>
           </a:xfrm>
           <a:prstGeom prst="rect">
@@ -12184,12 +12509,14 @@
         </p:nvSpPr>
         <p:spPr/>
         <p:txBody>
-          <a:bodyPr/>
-          <a:lstStyle/>
-          <a:p>
-            <a:r>
-              <a:rPr lang="en-US" smtClean="0"/>
-              <a:t>COMMON ERROR MESSAGES in the MY Block BUilder</a:t>
+          <a:bodyPr>
+            <a:normAutofit/>
+          </a:bodyPr>
+          <a:lstStyle/>
+          <a:p>
+            <a:r>
+              <a:rPr lang="en-US" dirty="0" smtClean="0"/>
+              <a:t>Common Error Messages</a:t>
             </a:r>
             <a:endParaRPr lang="en-US" dirty="0"/>
           </a:p>
@@ -12208,7 +12535,7 @@
         <p:spPr/>
         <p:txBody>
           <a:bodyPr>
-            <a:normAutofit fontScale="85000" lnSpcReduction="10000"/>
+            <a:normAutofit/>
           </a:bodyPr>
           <a:lstStyle/>
           <a:p>
@@ -12307,7 +12634,7 @@
             <a:spLocks noGrp="1"/>
           </p:cNvSpPr>
           <p:nvPr>
-            <p:ph type="sldNum" sz="quarter" idx="4"/>
+            <p:ph type="sldNum" sz="quarter" idx="12"/>
           </p:nvPr>
         </p:nvSpPr>
         <p:spPr/>
@@ -12345,58 +12672,58 @@
 </file>
 
 <file path=ppt/theme/theme1.xml><?xml version="1.0" encoding="utf-8"?>
-<a:theme xmlns:a="http://schemas.openxmlformats.org/drawingml/2006/main" name="Essential">
+<a:theme xmlns:a="http://schemas.openxmlformats.org/drawingml/2006/main" name="Retrospect">
   <a:themeElements>
-    <a:clrScheme name="Essential">
+    <a:clrScheme name="Blue II">
       <a:dk1>
-        <a:srgbClr val="000000"/>
+        <a:sysClr val="windowText" lastClr="000000"/>
       </a:dk1>
       <a:lt1>
-        <a:srgbClr val="FFFFFF"/>
+        <a:sysClr val="window" lastClr="FFFFFF"/>
       </a:lt1>
       <a:dk2>
-        <a:srgbClr val="D1282E"/>
+        <a:srgbClr val="335B74"/>
       </a:dk2>
       <a:lt2>
-        <a:srgbClr val="C8C8B1"/>
+        <a:srgbClr val="DFE3E5"/>
       </a:lt2>
       <a:accent1>
-        <a:srgbClr val="7A7A7A"/>
+        <a:srgbClr val="1CADE4"/>
       </a:accent1>
       <a:accent2>
-        <a:srgbClr val="F5C201"/>
+        <a:srgbClr val="2683C6"/>
       </a:accent2>
       <a:accent3>
-        <a:srgbClr val="526DB0"/>
+        <a:srgbClr val="27CED7"/>
       </a:accent3>
       <a:accent4>
-        <a:srgbClr val="989AAC"/>
+        <a:srgbClr val="42BA97"/>
       </a:accent4>
       <a:accent5>
-        <a:srgbClr val="DC5924"/>
+        <a:srgbClr val="3E8853"/>
       </a:accent5>
       <a:accent6>
-        <a:srgbClr val="B4B392"/>
+        <a:srgbClr val="62A39F"/>
       </a:accent6>
       <a:hlink>
-        <a:srgbClr val="CC9900"/>
+        <a:srgbClr val="6EAC1C"/>
       </a:hlink>
       <a:folHlink>
-        <a:srgbClr val="969696"/>
+        <a:srgbClr val="B26B02"/>
       </a:folHlink>
     </a:clrScheme>
-    <a:fontScheme name="Essential">
+    <a:fontScheme name="Retrospect">
       <a:majorFont>
-        <a:latin typeface="Arial Black"/>
+        <a:latin typeface="Calibri Light" panose="020F0302020204030204"/>
         <a:ea typeface=""/>
         <a:cs typeface=""/>
         <a:font script="Jpan" typeface="ＭＳ Ｐゴシック"/>
-        <a:font script="Hang" typeface="HY견고딕"/>
-        <a:font script="Hans" typeface="微软雅黑"/>
-        <a:font script="Hant" typeface="微軟正黑體"/>
-        <a:font script="Arab" typeface="Tahoma"/>
-        <a:font script="Hebr" typeface="Tahoma"/>
-        <a:font script="Thai" typeface="Tahoma"/>
+        <a:font script="Hang" typeface="맑은 고딕"/>
+        <a:font script="Hans" typeface="宋体"/>
+        <a:font script="Hant" typeface="新細明體"/>
+        <a:font script="Arab" typeface="Times New Roman"/>
+        <a:font script="Hebr" typeface="Times New Roman"/>
+        <a:font script="Thai" typeface="Angsana New"/>
         <a:font script="Ethi" typeface="Nyala"/>
         <a:font script="Beng" typeface="Vrinda"/>
         <a:font script="Gujr" typeface="Shruti"/>
@@ -12422,13 +12749,13 @@
         <a:font script="Geor" typeface="Sylfaen"/>
       </a:majorFont>
       <a:minorFont>
-        <a:latin typeface="Arial"/>
+        <a:latin typeface="Calibri" panose="020F0502020204030204"/>
         <a:ea typeface=""/>
         <a:cs typeface=""/>
         <a:font script="Jpan" typeface="ＭＳ Ｐゴシック"/>
-        <a:font script="Hang" typeface="돋움"/>
-        <a:font script="Hans" typeface="黑体"/>
-        <a:font script="Hant" typeface="微軟正黑體"/>
+        <a:font script="Hang" typeface="맑은 고딕"/>
+        <a:font script="Hans" typeface="宋体"/>
+        <a:font script="Hant" typeface="新細明體"/>
         <a:font script="Arab" typeface="Arial"/>
         <a:font script="Hebr" typeface="Arial"/>
         <a:font script="Thai" typeface="Cordia New"/>
@@ -12457,7 +12784,7 @@
         <a:font script="Geor" typeface="Sylfaen"/>
       </a:minorFont>
     </a:fontScheme>
-    <a:fmtScheme name="Essential">
+    <a:fmtScheme name="Retrospect">
       <a:fillStyleLst>
         <a:solidFill>
           <a:schemeClr val="phClr"/>
@@ -12466,48 +12793,77 @@
           <a:gsLst>
             <a:gs pos="0">
               <a:schemeClr val="phClr">
-                <a:tint val="60000"/>
-                <a:satMod val="250000"/>
+                <a:tint val="65000"/>
+                <a:shade val="92000"/>
+                <a:satMod val="130000"/>
               </a:schemeClr>
             </a:gs>
-            <a:gs pos="35000">
+            <a:gs pos="45000">
               <a:schemeClr val="phClr">
-                <a:tint val="47000"/>
-                <a:satMod val="275000"/>
+                <a:tint val="60000"/>
+                <a:shade val="99000"/>
+                <a:satMod val="120000"/>
               </a:schemeClr>
             </a:gs>
             <a:gs pos="100000">
               <a:schemeClr val="phClr">
-                <a:tint val="25000"/>
-                <a:satMod val="300000"/>
+                <a:tint val="55000"/>
+                <a:satMod val="140000"/>
               </a:schemeClr>
             </a:gs>
           </a:gsLst>
-          <a:lin ang="16200000" scaled="1"/>
+          <a:path path="circle">
+            <a:fillToRect l="100000" t="100000" r="100000" b="100000"/>
+          </a:path>
         </a:gradFill>
-        <a:solidFill>
-          <a:schemeClr val="phClr">
-            <a:satMod val="110000"/>
-          </a:schemeClr>
-        </a:solidFill>
+        <a:gradFill rotWithShape="1">
+          <a:gsLst>
+            <a:gs pos="0">
+              <a:schemeClr val="phClr">
+                <a:shade val="85000"/>
+                <a:satMod val="130000"/>
+              </a:schemeClr>
+            </a:gs>
+            <a:gs pos="34000">
+              <a:schemeClr val="phClr">
+                <a:shade val="87000"/>
+                <a:satMod val="125000"/>
+              </a:schemeClr>
+            </a:gs>
+            <a:gs pos="70000">
+              <a:schemeClr val="phClr">
+                <a:tint val="100000"/>
+                <a:shade val="90000"/>
+                <a:satMod val="130000"/>
+              </a:schemeClr>
+            </a:gs>
+            <a:gs pos="100000">
+              <a:schemeClr val="phClr">
+                <a:tint val="100000"/>
+                <a:shade val="100000"/>
+                <a:satMod val="110000"/>
+              </a:schemeClr>
+            </a:gs>
+          </a:gsLst>
+          <a:path path="circle">
+            <a:fillToRect l="100000" t="100000" r="100000" b="100000"/>
+          </a:path>
+        </a:gradFill>
       </a:fillStyleLst>
       <a:lnStyleLst>
         <a:ln w="12700" cap="flat" cmpd="sng" algn="ctr">
-          <a:solidFill>
-            <a:schemeClr val="phClr">
-              <a:shade val="95000"/>
-              <a:satMod val="105000"/>
-            </a:schemeClr>
-          </a:solidFill>
-          <a:prstDash val="solid"/>
-        </a:ln>
-        <a:ln w="28575" cap="flat" cmpd="sng" algn="ctr">
           <a:solidFill>
             <a:schemeClr val="phClr"/>
           </a:solidFill>
           <a:prstDash val="solid"/>
         </a:ln>
-        <a:ln w="41275" cap="flat" cmpd="sng" algn="ctr">
+        <a:ln w="15875" cap="flat" cmpd="sng" algn="ctr">
+          <a:solidFill>
+            <a:schemeClr val="phClr"/>
+          </a:solidFill>
+          <a:prstDash val="solid"/>
+        </a:ln>
+        <a:ln w="25400" cap="flat" cmpd="sng" algn="ctr">
           <a:solidFill>
             <a:schemeClr val="phClr"/>
           </a:solidFill>
@@ -12520,16 +12876,16 @@
         </a:effectStyle>
         <a:effectStyle>
           <a:effectLst>
-            <a:outerShdw blurRad="39999" dist="23000" algn="bl" rotWithShape="0">
+            <a:outerShdw blurRad="38100" dist="25400" dir="2700000" algn="br" rotWithShape="0">
               <a:srgbClr val="000000">
-                <a:alpha val="40000"/>
+                <a:alpha val="60000"/>
               </a:srgbClr>
             </a:outerShdw>
           </a:effectLst>
         </a:effectStyle>
         <a:effectStyle>
           <a:effectLst>
-            <a:outerShdw blurRad="38100" dist="19050" algn="bl" rotWithShape="0">
+            <a:outerShdw blurRad="44450" dist="25400" dir="2700000" algn="br" rotWithShape="0">
               <a:srgbClr val="000000">
                 <a:alpha val="60000"/>
               </a:srgbClr>
@@ -12539,10 +12895,12 @@
             <a:camera prst="orthographicFront">
               <a:rot lat="0" lon="0" rev="0"/>
             </a:camera>
-            <a:lightRig rig="balanced" dir="l"/>
+            <a:lightRig rig="threePt" dir="t">
+              <a:rot lat="0" lon="0" rev="19800000"/>
+            </a:lightRig>
           </a:scene3d>
-          <a:sp3d prstMaterial="plastic">
-            <a:bevelT w="38100" h="31750"/>
+          <a:sp3d prstMaterial="flat">
+            <a:bevelT w="25400" h="31750"/>
           </a:sp3d>
         </a:effectStyle>
       </a:effectStyleLst>
@@ -12550,50 +12908,49 @@
         <a:solidFill>
           <a:schemeClr val="phClr"/>
         </a:solidFill>
-        <a:blipFill rotWithShape="1">
-          <a:blip xmlns:r="http://schemas.openxmlformats.org/officeDocument/2006/relationships" r:embed="rId1">
-            <a:duotone>
-              <a:schemeClr val="phClr">
-                <a:tint val="96000"/>
-              </a:schemeClr>
-              <a:schemeClr val="phClr">
-                <a:shade val="94000"/>
-              </a:schemeClr>
-            </a:duotone>
-          </a:blip>
-          <a:tile tx="0" ty="0" sx="100000" sy="100000" flip="none" algn="tl"/>
-        </a:blipFill>
+        <a:solidFill>
+          <a:schemeClr val="phClr">
+            <a:tint val="90000"/>
+            <a:shade val="97000"/>
+            <a:satMod val="130000"/>
+          </a:schemeClr>
+        </a:solidFill>
         <a:gradFill rotWithShape="1">
           <a:gsLst>
             <a:gs pos="0">
               <a:schemeClr val="phClr">
-                <a:tint val="84000"/>
-                <a:satMod val="110000"/>
+                <a:tint val="96000"/>
+                <a:shade val="99000"/>
+                <a:satMod val="140000"/>
               </a:schemeClr>
             </a:gs>
-            <a:gs pos="44000">
+            <a:gs pos="65000">
               <a:schemeClr val="phClr">
-                <a:tint val="93000"/>
-                <a:satMod val="115000"/>
+                <a:tint val="100000"/>
+                <a:shade val="80000"/>
+                <a:satMod val="130000"/>
               </a:schemeClr>
             </a:gs>
             <a:gs pos="100000">
               <a:schemeClr val="phClr">
                 <a:tint val="100000"/>
-                <a:shade val="59000"/>
+                <a:shade val="48000"/>
                 <a:satMod val="120000"/>
               </a:schemeClr>
             </a:gs>
           </a:gsLst>
-          <a:path path="circle">
-            <a:fillToRect l="40000" t="60000" r="60000" b="40000"/>
-          </a:path>
+          <a:lin ang="16200000" scaled="0"/>
         </a:gradFill>
       </a:bgFillStyleLst>
     </a:fmtScheme>
   </a:themeElements>
   <a:objectDefaults/>
   <a:extraClrSchemeLst/>
+  <a:extLst>
+    <a:ext uri="{05A4C25C-085E-4340-85A3-A5531E510DB2}">
+      <thm15:themeFamily xmlns:thm15="http://schemas.microsoft.com/office/thememl/2012/main" name="Retrospect" id="{5F128B03-DCCA-4EEB-AB3B-CF2899314A46}" vid="{3F1AAB62-24C6-49D2-8E01-B56FAC9A3DCD}"/>
+    </a:ext>
+  </a:extLst>
 </a:theme>
 </file>
 

--- a/translations/en-us/intermediate/MyBlocks.pptx
+++ b/translations/en-us/intermediate/MyBlocks.pptx
@@ -3,31 +3,32 @@
 <p:presentation xmlns:a="http://schemas.openxmlformats.org/drawingml/2006/main" xmlns:r="http://schemas.openxmlformats.org/officeDocument/2006/relationships" xmlns:p="http://schemas.openxmlformats.org/presentationml/2006/main" showSpecialPlsOnTitleSld="0" saveSubsetFonts="1" autoCompressPictures="0">
   <p:sldMasterIdLst>
     <p:sldMasterId id="2147483726" r:id="rId1"/>
+    <p:sldMasterId id="2147483738" r:id="rId2"/>
   </p:sldMasterIdLst>
   <p:notesMasterIdLst>
-    <p:notesMasterId r:id="rId19"/>
+    <p:notesMasterId r:id="rId20"/>
   </p:notesMasterIdLst>
   <p:handoutMasterIdLst>
-    <p:handoutMasterId r:id="rId20"/>
+    <p:handoutMasterId r:id="rId21"/>
   </p:handoutMasterIdLst>
   <p:sldIdLst>
-    <p:sldId id="380" r:id="rId2"/>
-    <p:sldId id="357" r:id="rId3"/>
-    <p:sldId id="341" r:id="rId4"/>
-    <p:sldId id="342" r:id="rId5"/>
-    <p:sldId id="339" r:id="rId6"/>
-    <p:sldId id="343" r:id="rId7"/>
-    <p:sldId id="370" r:id="rId8"/>
-    <p:sldId id="371" r:id="rId9"/>
-    <p:sldId id="378" r:id="rId10"/>
-    <p:sldId id="372" r:id="rId11"/>
-    <p:sldId id="373" r:id="rId12"/>
-    <p:sldId id="374" r:id="rId13"/>
-    <p:sldId id="375" r:id="rId14"/>
-    <p:sldId id="376" r:id="rId15"/>
-    <p:sldId id="377" r:id="rId16"/>
-    <p:sldId id="379" r:id="rId17"/>
-    <p:sldId id="355" r:id="rId18"/>
+    <p:sldId id="380" r:id="rId3"/>
+    <p:sldId id="357" r:id="rId4"/>
+    <p:sldId id="341" r:id="rId5"/>
+    <p:sldId id="342" r:id="rId6"/>
+    <p:sldId id="339" r:id="rId7"/>
+    <p:sldId id="343" r:id="rId8"/>
+    <p:sldId id="370" r:id="rId9"/>
+    <p:sldId id="371" r:id="rId10"/>
+    <p:sldId id="378" r:id="rId11"/>
+    <p:sldId id="372" r:id="rId12"/>
+    <p:sldId id="373" r:id="rId13"/>
+    <p:sldId id="374" r:id="rId14"/>
+    <p:sldId id="375" r:id="rId15"/>
+    <p:sldId id="376" r:id="rId16"/>
+    <p:sldId id="377" r:id="rId17"/>
+    <p:sldId id="379" r:id="rId18"/>
+    <p:sldId id="355" r:id="rId19"/>
   </p:sldIdLst>
   <p:sldSz cx="9144000" cy="6858000" type="screen4x3"/>
   <p:notesSz cx="6858000" cy="9144000"/>
@@ -227,7 +228,7 @@
           <a:p>
             <a:fld id="{E00FA3B4-5499-9244-86B5-B0871A9DDD84}" type="datetimeFigureOut">
               <a:rPr lang="en-US" smtClean="0"/>
-              <a:t>11/13/15</a:t>
+              <a:t>7/6/2016</a:t>
             </a:fld>
             <a:endParaRPr lang="en-US"/>
           </a:p>
@@ -393,7 +394,7 @@
           <a:p>
             <a:fld id="{FD3EFF1E-85A1-6640-AFB9-C38833E80A84}" type="datetimeFigureOut">
               <a:rPr lang="en-US" smtClean="0"/>
-              <a:t>11/13/15</a:t>
+              <a:t>7/6/2016</a:t>
             </a:fld>
             <a:endParaRPr lang="en-US"/>
           </a:p>
@@ -457,38 +458,37 @@
           <a:p>
             <a:pPr lvl="0"/>
             <a:r>
-              <a:rPr lang="en-US" smtClean="0"/>
+              <a:rPr lang="en-US"/>
               <a:t>Click to edit Master text styles</a:t>
             </a:r>
           </a:p>
           <a:p>
             <a:pPr lvl="1"/>
             <a:r>
-              <a:rPr lang="en-US" smtClean="0"/>
+              <a:rPr lang="en-US"/>
               <a:t>Second level</a:t>
             </a:r>
           </a:p>
           <a:p>
             <a:pPr lvl="2"/>
             <a:r>
-              <a:rPr lang="en-US" smtClean="0"/>
+              <a:rPr lang="en-US"/>
               <a:t>Third level</a:t>
             </a:r>
           </a:p>
           <a:p>
             <a:pPr lvl="3"/>
             <a:r>
-              <a:rPr lang="en-US" smtClean="0"/>
+              <a:rPr lang="en-US"/>
               <a:t>Fourth level</a:t>
             </a:r>
           </a:p>
           <a:p>
             <a:pPr lvl="4"/>
             <a:r>
-              <a:rPr lang="en-US" smtClean="0"/>
+              <a:rPr lang="en-US"/>
               <a:t>Fifth level</a:t>
             </a:r>
-            <a:endParaRPr lang="en-US"/>
           </a:p>
         </p:txBody>
       </p:sp>
@@ -1009,10 +1009,9 @@
           </a:lstStyle>
           <a:p>
             <a:r>
-              <a:rPr lang="en-US" dirty="0" smtClean="0"/>
+              <a:rPr lang="en-US" dirty="0"/>
               <a:t>INTERMEDIATE PROGRAMMING LESSON</a:t>
             </a:r>
-            <a:endParaRPr lang="en-US" dirty="0"/>
           </a:p>
         </p:txBody>
       </p:sp>
@@ -1081,10 +1080,9 @@
           </a:lstStyle>
           <a:p>
             <a:r>
-              <a:rPr lang="en-US" dirty="0" smtClean="0"/>
+              <a:rPr lang="en-US" dirty="0"/>
               <a:t>Click to edit Master subtitle style</a:t>
             </a:r>
-            <a:endParaRPr lang="en-US" dirty="0"/>
           </a:p>
         </p:txBody>
       </p:sp>
@@ -1103,9 +1101,9 @@
           <a:bodyPr/>
           <a:lstStyle/>
           <a:p>
-            <a:fld id="{6B13CFBD-0392-DF42-9C65-6D1DE0580181}" type="datetime1">
+            <a:fld id="{14DB81EB-E98C-482E-B9B0-C9021FFC223B}" type="datetime1">
               <a:rPr lang="en-US" smtClean="0"/>
-              <a:t>11/13/15</a:t>
+              <a:t>7/6/2016</a:t>
             </a:fld>
             <a:endParaRPr lang="en-US"/>
           </a:p>
@@ -1127,10 +1125,9 @@
           <a:lstStyle/>
           <a:p>
             <a:r>
-              <a:rPr lang="sk-SK" smtClean="0"/>
-              <a:t>© 2015 EV3Lessons.com, Last edit 11/13/2015</a:t>
-            </a:r>
-            <a:endParaRPr lang="en-US"/>
+              <a:rPr lang="en-US"/>
+              <a:t>© 2015 EV3Lessons.com (Last Edit 7/06/2016)</a:t>
+            </a:r>
           </a:p>
         </p:txBody>
       </p:sp>
@@ -1271,70 +1268,6 @@
           </a:fontRef>
         </p:style>
       </p:sp>
-      <p:sp>
-        <p:nvSpPr>
-          <p:cNvPr id="13" name="TextBox 12"/>
-          <p:cNvSpPr txBox="1"/>
-          <p:nvPr userDrawn="1"/>
-        </p:nvSpPr>
-        <p:spPr>
-          <a:xfrm>
-            <a:off x="1481621" y="5931894"/>
-            <a:ext cx="2391085" cy="369332"/>
-          </a:xfrm>
-          <a:prstGeom prst="rect">
-            <a:avLst/>
-          </a:prstGeom>
-          <a:noFill/>
-        </p:spPr>
-        <p:txBody>
-          <a:bodyPr wrap="square" rtlCol="0">
-            <a:spAutoFit/>
-          </a:bodyPr>
-          <a:lstStyle/>
-          <a:p>
-            <a:r>
-              <a:rPr lang="en-US" dirty="0" smtClean="0"/>
-              <a:t>By </a:t>
-            </a:r>
-            <a:r>
-              <a:rPr lang="en-US" smtClean="0"/>
-              <a:t>Droids Robotics</a:t>
-            </a:r>
-            <a:endParaRPr lang="en-US"/>
-          </a:p>
-        </p:txBody>
-      </p:sp>
-      <p:pic>
-        <p:nvPicPr>
-          <p:cNvPr id="14" name="Picture 13"/>
-          <p:cNvPicPr>
-            <a:picLocks noChangeAspect="1"/>
-          </p:cNvPicPr>
-          <p:nvPr userDrawn="1"/>
-        </p:nvPicPr>
-        <p:blipFill>
-          <a:blip r:embed="rId2">
-            <a:extLst>
-              <a:ext uri="{28A0092B-C50C-407E-A947-70E740481C1C}">
-                <a14:useLocalDpi xmlns:a14="http://schemas.microsoft.com/office/drawing/2010/main" val="0"/>
-              </a:ext>
-            </a:extLst>
-          </a:blip>
-          <a:stretch>
-            <a:fillRect/>
-          </a:stretch>
-        </p:blipFill>
-        <p:spPr>
-          <a:xfrm>
-            <a:off x="164036" y="4938756"/>
-            <a:ext cx="1317585" cy="1260490"/>
-          </a:xfrm>
-          <a:prstGeom prst="rect">
-            <a:avLst/>
-          </a:prstGeom>
-        </p:spPr>
-      </p:pic>
       <p:pic>
         <p:nvPicPr>
           <p:cNvPr id="15" name="Picture 14" descr="EV3Lessons.com"/>
@@ -1344,7 +1277,7 @@
           <p:nvPr userDrawn="1"/>
         </p:nvPicPr>
         <p:blipFill>
-          <a:blip r:embed="rId3" cstate="email">
+          <a:blip r:embed="rId2" cstate="email">
             <a:extLst>
               <a:ext uri="{28A0092B-C50C-407E-A947-70E740481C1C}">
                 <a14:useLocalDpi xmlns:a14="http://schemas.microsoft.com/office/drawing/2010/main" val="0"/>
@@ -1367,7 +1300,7 @@
           <a:noFill/>
           <a:extLst>
             <a:ext uri="{909E8E84-426E-40dd-AFC4-6F175D3DCCD1}">
-              <a14:hiddenFill xmlns:a14="http://schemas.microsoft.com/office/drawing/2010/main" xmlns="">
+              <a14:hiddenFill xmlns="" xmlns:a14="http://schemas.microsoft.com/office/drawing/2010/main">
                 <a:solidFill>
                   <a:srgbClr val="FFFFFF"/>
                 </a:solidFill>
@@ -1422,83 +1355,83 @@
           <a:lstStyle/>
           <a:p>
             <a:r>
+              <a:rPr lang="en-US"/>
+              <a:t>Click to edit Master title style</a:t>
+            </a:r>
+            <a:endParaRPr lang="en-US" dirty="0"/>
+          </a:p>
+        </p:txBody>
+      </p:sp>
+      <p:sp>
+        <p:nvSpPr>
+          <p:cNvPr id="3" name="Vertical Text Placeholder 2"/>
+          <p:cNvSpPr>
+            <a:spLocks noGrp="1"/>
+          </p:cNvSpPr>
+          <p:nvPr>
+            <p:ph type="body" orient="vert" idx="1"/>
+          </p:nvPr>
+        </p:nvSpPr>
+        <p:spPr/>
+        <p:txBody>
+          <a:bodyPr vert="eaVert" lIns="45720" tIns="0" rIns="45720" bIns="0"/>
+          <a:lstStyle/>
+          <a:p>
+            <a:pPr lvl="0"/>
+            <a:r>
+              <a:rPr lang="en-US"/>
+              <a:t>Click to edit Master text styles</a:t>
+            </a:r>
+          </a:p>
+          <a:p>
+            <a:pPr lvl="1"/>
+            <a:r>
+              <a:rPr lang="en-US"/>
+              <a:t>Second level</a:t>
+            </a:r>
+          </a:p>
+          <a:p>
+            <a:pPr lvl="2"/>
+            <a:r>
+              <a:rPr lang="en-US"/>
+              <a:t>Third level</a:t>
+            </a:r>
+          </a:p>
+          <a:p>
+            <a:pPr lvl="3"/>
+            <a:r>
+              <a:rPr lang="en-US"/>
+              <a:t>Fourth level</a:t>
+            </a:r>
+          </a:p>
+          <a:p>
+            <a:pPr lvl="4"/>
+            <a:r>
+              <a:rPr lang="en-US"/>
+              <a:t>Fifth level</a:t>
+            </a:r>
+            <a:endParaRPr lang="en-US" dirty="0"/>
+          </a:p>
+        </p:txBody>
+      </p:sp>
+      <p:sp>
+        <p:nvSpPr>
+          <p:cNvPr id="4" name="Date Placeholder 3"/>
+          <p:cNvSpPr>
+            <a:spLocks noGrp="1"/>
+          </p:cNvSpPr>
+          <p:nvPr>
+            <p:ph type="dt" sz="half" idx="10"/>
+          </p:nvPr>
+        </p:nvSpPr>
+        <p:spPr/>
+        <p:txBody>
+          <a:bodyPr/>
+          <a:lstStyle/>
+          <a:p>
+            <a:fld id="{F8E50F4A-5493-4BC2-A237-7FE4F4BB2A77}" type="datetime1">
               <a:rPr lang="en-US" smtClean="0"/>
-              <a:t>Click to edit Master title style</a:t>
-            </a:r>
-            <a:endParaRPr lang="en-US" dirty="0"/>
-          </a:p>
-        </p:txBody>
-      </p:sp>
-      <p:sp>
-        <p:nvSpPr>
-          <p:cNvPr id="3" name="Vertical Text Placeholder 2"/>
-          <p:cNvSpPr>
-            <a:spLocks noGrp="1"/>
-          </p:cNvSpPr>
-          <p:nvPr>
-            <p:ph type="body" orient="vert" idx="1"/>
-          </p:nvPr>
-        </p:nvSpPr>
-        <p:spPr/>
-        <p:txBody>
-          <a:bodyPr vert="eaVert" lIns="45720" tIns="0" rIns="45720" bIns="0"/>
-          <a:lstStyle/>
-          <a:p>
-            <a:pPr lvl="0"/>
-            <a:r>
-              <a:rPr lang="en-US" smtClean="0"/>
-              <a:t>Click to edit Master text styles</a:t>
-            </a:r>
-          </a:p>
-          <a:p>
-            <a:pPr lvl="1"/>
-            <a:r>
-              <a:rPr lang="en-US" smtClean="0"/>
-              <a:t>Second level</a:t>
-            </a:r>
-          </a:p>
-          <a:p>
-            <a:pPr lvl="2"/>
-            <a:r>
-              <a:rPr lang="en-US" smtClean="0"/>
-              <a:t>Third level</a:t>
-            </a:r>
-          </a:p>
-          <a:p>
-            <a:pPr lvl="3"/>
-            <a:r>
-              <a:rPr lang="en-US" smtClean="0"/>
-              <a:t>Fourth level</a:t>
-            </a:r>
-          </a:p>
-          <a:p>
-            <a:pPr lvl="4"/>
-            <a:r>
-              <a:rPr lang="en-US" smtClean="0"/>
-              <a:t>Fifth level</a:t>
-            </a:r>
-            <a:endParaRPr lang="en-US" dirty="0"/>
-          </a:p>
-        </p:txBody>
-      </p:sp>
-      <p:sp>
-        <p:nvSpPr>
-          <p:cNvPr id="4" name="Date Placeholder 3"/>
-          <p:cNvSpPr>
-            <a:spLocks noGrp="1"/>
-          </p:cNvSpPr>
-          <p:nvPr>
-            <p:ph type="dt" sz="half" idx="10"/>
-          </p:nvPr>
-        </p:nvSpPr>
-        <p:spPr/>
-        <p:txBody>
-          <a:bodyPr/>
-          <a:lstStyle/>
-          <a:p>
-            <a:fld id="{BF0F175E-9EAC-E14B-B7AC-8C8F25EC1DAA}" type="datetime1">
-              <a:rPr lang="en-US" smtClean="0"/>
-              <a:t>11/13/15</a:t>
+              <a:t>7/6/2016</a:t>
             </a:fld>
             <a:endParaRPr lang="en-US"/>
           </a:p>
@@ -1520,10 +1453,9 @@
           <a:lstStyle/>
           <a:p>
             <a:r>
-              <a:rPr lang="sk-SK" smtClean="0"/>
-              <a:t>© 2015 EV3Lessons.com, Last edit 11/13/2015</a:t>
-            </a:r>
-            <a:endParaRPr lang="en-US"/>
+              <a:rPr lang="en-US"/>
+              <a:t>© 2015 EV3Lessons.com (Last Edit 7/06/2016)</a:t>
+            </a:r>
           </a:p>
         </p:txBody>
       </p:sp>
@@ -1677,7 +1609,7 @@
           <a:lstStyle/>
           <a:p>
             <a:r>
-              <a:rPr lang="en-US" smtClean="0"/>
+              <a:rPr lang="en-US"/>
               <a:t>Click to edit Master title style</a:t>
             </a:r>
             <a:endParaRPr lang="en-US" dirty="0"/>
@@ -1706,59 +1638,59 @@
           <a:p>
             <a:pPr lvl="0"/>
             <a:r>
+              <a:rPr lang="en-US"/>
+              <a:t>Click to edit Master text styles</a:t>
+            </a:r>
+          </a:p>
+          <a:p>
+            <a:pPr lvl="1"/>
+            <a:r>
+              <a:rPr lang="en-US"/>
+              <a:t>Second level</a:t>
+            </a:r>
+          </a:p>
+          <a:p>
+            <a:pPr lvl="2"/>
+            <a:r>
+              <a:rPr lang="en-US"/>
+              <a:t>Third level</a:t>
+            </a:r>
+          </a:p>
+          <a:p>
+            <a:pPr lvl="3"/>
+            <a:r>
+              <a:rPr lang="en-US"/>
+              <a:t>Fourth level</a:t>
+            </a:r>
+          </a:p>
+          <a:p>
+            <a:pPr lvl="4"/>
+            <a:r>
+              <a:rPr lang="en-US"/>
+              <a:t>Fifth level</a:t>
+            </a:r>
+            <a:endParaRPr lang="en-US" dirty="0"/>
+          </a:p>
+        </p:txBody>
+      </p:sp>
+      <p:sp>
+        <p:nvSpPr>
+          <p:cNvPr id="4" name="Date Placeholder 3"/>
+          <p:cNvSpPr>
+            <a:spLocks noGrp="1"/>
+          </p:cNvSpPr>
+          <p:nvPr>
+            <p:ph type="dt" sz="half" idx="10"/>
+          </p:nvPr>
+        </p:nvSpPr>
+        <p:spPr/>
+        <p:txBody>
+          <a:bodyPr/>
+          <a:lstStyle/>
+          <a:p>
+            <a:fld id="{245230F5-9882-4D6B-A56F-3FF2135A9AA0}" type="datetime1">
               <a:rPr lang="en-US" smtClean="0"/>
-              <a:t>Click to edit Master text styles</a:t>
-            </a:r>
-          </a:p>
-          <a:p>
-            <a:pPr lvl="1"/>
-            <a:r>
-              <a:rPr lang="en-US" smtClean="0"/>
-              <a:t>Second level</a:t>
-            </a:r>
-          </a:p>
-          <a:p>
-            <a:pPr lvl="2"/>
-            <a:r>
-              <a:rPr lang="en-US" smtClean="0"/>
-              <a:t>Third level</a:t>
-            </a:r>
-          </a:p>
-          <a:p>
-            <a:pPr lvl="3"/>
-            <a:r>
-              <a:rPr lang="en-US" smtClean="0"/>
-              <a:t>Fourth level</a:t>
-            </a:r>
-          </a:p>
-          <a:p>
-            <a:pPr lvl="4"/>
-            <a:r>
-              <a:rPr lang="en-US" smtClean="0"/>
-              <a:t>Fifth level</a:t>
-            </a:r>
-            <a:endParaRPr lang="en-US" dirty="0"/>
-          </a:p>
-        </p:txBody>
-      </p:sp>
-      <p:sp>
-        <p:nvSpPr>
-          <p:cNvPr id="4" name="Date Placeholder 3"/>
-          <p:cNvSpPr>
-            <a:spLocks noGrp="1"/>
-          </p:cNvSpPr>
-          <p:nvPr>
-            <p:ph type="dt" sz="half" idx="10"/>
-          </p:nvPr>
-        </p:nvSpPr>
-        <p:spPr/>
-        <p:txBody>
-          <a:bodyPr/>
-          <a:lstStyle/>
-          <a:p>
-            <a:fld id="{ABE2FCFC-C57A-2442-884C-F5C58B3A2465}" type="datetime1">
-              <a:rPr lang="en-US" smtClean="0"/>
-              <a:t>11/13/15</a:t>
+              <a:t>7/6/2016</a:t>
             </a:fld>
             <a:endParaRPr lang="en-US"/>
           </a:p>
@@ -1780,10 +1712,9 @@
           <a:lstStyle/>
           <a:p>
             <a:r>
-              <a:rPr lang="sk-SK" smtClean="0"/>
-              <a:t>© 2015 EV3Lessons.com, Last edit 11/13/2015</a:t>
-            </a:r>
-            <a:endParaRPr lang="en-US"/>
+              <a:rPr lang="en-US"/>
+              <a:t>© 2015 EV3Lessons.com (Last Edit 7/06/2016)</a:t>
+            </a:r>
           </a:p>
         </p:txBody>
       </p:sp>
@@ -1823,7 +1754,533 @@
 </p:sldLayout>
 </file>
 
-<file path=ppt/slideLayouts/slideLayout2.xml><?xml version="1.0" encoding="utf-8"?>
+<file path=ppt/slideLayouts/slideLayout12.xml><?xml version="1.0" encoding="utf-8"?>
+<p:sldLayout xmlns:a="http://schemas.openxmlformats.org/drawingml/2006/main" xmlns:r="http://schemas.openxmlformats.org/officeDocument/2006/relationships" xmlns:p="http://schemas.openxmlformats.org/presentationml/2006/main" showMasterSp="0" type="title" preserve="1">
+  <p:cSld name="Title Slide">
+    <p:spTree>
+      <p:nvGrpSpPr>
+        <p:cNvPr id="1" name=""/>
+        <p:cNvGrpSpPr/>
+        <p:nvPr/>
+      </p:nvGrpSpPr>
+      <p:grpSpPr>
+        <a:xfrm>
+          <a:off x="0" y="0"/>
+          <a:ext cx="0" cy="0"/>
+          <a:chOff x="0" y="0"/>
+          <a:chExt cx="0" cy="0"/>
+        </a:xfrm>
+      </p:grpSpPr>
+      <p:sp>
+        <p:nvSpPr>
+          <p:cNvPr id="7" name="Rectangle 6"/>
+          <p:cNvSpPr/>
+          <p:nvPr/>
+        </p:nvSpPr>
+        <p:spPr>
+          <a:xfrm>
+            <a:off x="2382" y="6400800"/>
+            <a:ext cx="9141619" cy="457200"/>
+          </a:xfrm>
+          <a:prstGeom prst="rect">
+            <a:avLst/>
+          </a:prstGeom>
+          <a:solidFill>
+            <a:srgbClr val="0070C0"/>
+          </a:solidFill>
+          <a:ln>
+            <a:noFill/>
+          </a:ln>
+        </p:spPr>
+        <p:style>
+          <a:lnRef idx="2">
+            <a:schemeClr val="accent1">
+              <a:shade val="50000"/>
+            </a:schemeClr>
+          </a:lnRef>
+          <a:fillRef idx="1">
+            <a:schemeClr val="accent1"/>
+          </a:fillRef>
+          <a:effectRef idx="0">
+            <a:schemeClr val="accent1"/>
+          </a:effectRef>
+          <a:fontRef idx="minor">
+            <a:schemeClr val="lt1"/>
+          </a:fontRef>
+        </p:style>
+      </p:sp>
+      <p:sp>
+        <p:nvSpPr>
+          <p:cNvPr id="2" name="Title 1"/>
+          <p:cNvSpPr>
+            <a:spLocks noGrp="1"/>
+          </p:cNvSpPr>
+          <p:nvPr>
+            <p:ph type="ctrTitle" hasCustomPrompt="1"/>
+          </p:nvPr>
+        </p:nvSpPr>
+        <p:spPr>
+          <a:xfrm>
+            <a:off x="196279" y="154094"/>
+            <a:ext cx="3853207" cy="1870649"/>
+          </a:xfrm>
+          <a:ln>
+            <a:noFill/>
+          </a:ln>
+        </p:spPr>
+        <p:txBody>
+          <a:bodyPr anchor="ctr">
+            <a:normAutofit/>
+          </a:bodyPr>
+          <a:lstStyle>
+            <a:lvl1pPr algn="l">
+              <a:lnSpc>
+                <a:spcPct val="85000"/>
+              </a:lnSpc>
+              <a:defRPr sz="4000" spc="-50" baseline="0">
+                <a:solidFill>
+                  <a:schemeClr val="tx1">
+                    <a:lumMod val="85000"/>
+                    <a:lumOff val="15000"/>
+                  </a:schemeClr>
+                </a:solidFill>
+              </a:defRPr>
+            </a:lvl1pPr>
+          </a:lstStyle>
+          <a:p>
+            <a:r>
+              <a:rPr lang="en-US" dirty="0"/>
+              <a:t>INTERMEDIATE PROGRAMMING LESSON</a:t>
+            </a:r>
+          </a:p>
+        </p:txBody>
+      </p:sp>
+      <p:sp>
+        <p:nvSpPr>
+          <p:cNvPr id="3" name="Subtitle 2"/>
+          <p:cNvSpPr>
+            <a:spLocks noGrp="1"/>
+          </p:cNvSpPr>
+          <p:nvPr>
+            <p:ph type="subTitle" idx="1"/>
+          </p:nvPr>
+        </p:nvSpPr>
+        <p:spPr>
+          <a:xfrm>
+            <a:off x="1548051" y="3452894"/>
+            <a:ext cx="6004883" cy="401411"/>
+          </a:xfrm>
+        </p:spPr>
+        <p:txBody>
+          <a:bodyPr lIns="91440" rIns="91440">
+            <a:normAutofit/>
+          </a:bodyPr>
+          <a:lstStyle>
+            <a:lvl1pPr marL="0" indent="0" algn="ctr">
+              <a:buNone/>
+              <a:defRPr sz="2400" cap="all" spc="200" baseline="0">
+                <a:solidFill>
+                  <a:schemeClr val="tx2"/>
+                </a:solidFill>
+                <a:latin typeface="+mj-lt"/>
+              </a:defRPr>
+            </a:lvl1pPr>
+            <a:lvl2pPr marL="457200" indent="0" algn="ctr">
+              <a:buNone/>
+              <a:defRPr sz="2400"/>
+            </a:lvl2pPr>
+            <a:lvl3pPr marL="914400" indent="0" algn="ctr">
+              <a:buNone/>
+              <a:defRPr sz="2400"/>
+            </a:lvl3pPr>
+            <a:lvl4pPr marL="1371600" indent="0" algn="ctr">
+              <a:buNone/>
+              <a:defRPr sz="2000"/>
+            </a:lvl4pPr>
+            <a:lvl5pPr marL="1828800" indent="0" algn="ctr">
+              <a:buNone/>
+              <a:defRPr sz="2000"/>
+            </a:lvl5pPr>
+            <a:lvl6pPr marL="2286000" indent="0" algn="ctr">
+              <a:buNone/>
+              <a:defRPr sz="2000"/>
+            </a:lvl6pPr>
+            <a:lvl7pPr marL="2743200" indent="0" algn="ctr">
+              <a:buNone/>
+              <a:defRPr sz="2000"/>
+            </a:lvl7pPr>
+            <a:lvl8pPr marL="3200400" indent="0" algn="ctr">
+              <a:buNone/>
+              <a:defRPr sz="2000"/>
+            </a:lvl8pPr>
+            <a:lvl9pPr marL="3657600" indent="0" algn="ctr">
+              <a:buNone/>
+              <a:defRPr sz="2000"/>
+            </a:lvl9pPr>
+          </a:lstStyle>
+          <a:p>
+            <a:r>
+              <a:rPr lang="en-US"/>
+              <a:t>Click to edit Master subtitle style</a:t>
+            </a:r>
+            <a:endParaRPr lang="en-US" dirty="0"/>
+          </a:p>
+        </p:txBody>
+      </p:sp>
+      <p:sp>
+        <p:nvSpPr>
+          <p:cNvPr id="4" name="Date Placeholder 3"/>
+          <p:cNvSpPr>
+            <a:spLocks noGrp="1"/>
+          </p:cNvSpPr>
+          <p:nvPr>
+            <p:ph type="dt" sz="half" idx="10"/>
+          </p:nvPr>
+        </p:nvSpPr>
+        <p:spPr/>
+        <p:txBody>
+          <a:bodyPr/>
+          <a:lstStyle/>
+          <a:p>
+            <a:fld id="{3A908AAA-8106-411C-9E1A-39A2F4FF36DE}" type="datetime1">
+              <a:rPr lang="en-US" smtClean="0"/>
+              <a:t>7/6/2016</a:t>
+            </a:fld>
+            <a:endParaRPr lang="en-US"/>
+          </a:p>
+        </p:txBody>
+      </p:sp>
+      <p:sp>
+        <p:nvSpPr>
+          <p:cNvPr id="5" name="Footer Placeholder 4"/>
+          <p:cNvSpPr>
+            <a:spLocks noGrp="1"/>
+          </p:cNvSpPr>
+          <p:nvPr>
+            <p:ph type="ftr" sz="quarter" idx="11"/>
+          </p:nvPr>
+        </p:nvSpPr>
+        <p:spPr/>
+        <p:txBody>
+          <a:bodyPr/>
+          <a:lstStyle/>
+          <a:p>
+            <a:r>
+              <a:rPr lang="en-US"/>
+              <a:t>© 2015 EV3Lessons.com (Last Edit 7/06/2016)</a:t>
+            </a:r>
+          </a:p>
+        </p:txBody>
+      </p:sp>
+      <p:sp>
+        <p:nvSpPr>
+          <p:cNvPr id="6" name="Slide Number Placeholder 5"/>
+          <p:cNvSpPr>
+            <a:spLocks noGrp="1"/>
+          </p:cNvSpPr>
+          <p:nvPr>
+            <p:ph type="sldNum" sz="quarter" idx="12"/>
+          </p:nvPr>
+        </p:nvSpPr>
+        <p:spPr/>
+        <p:txBody>
+          <a:bodyPr/>
+          <a:lstStyle/>
+          <a:p>
+            <a:fld id="{7F5CE407-6216-4202-80E4-A30DC2F709B2}" type="slidenum">
+              <a:rPr lang="en-US" smtClean="0"/>
+              <a:t>‹#›</a:t>
+            </a:fld>
+            <a:endParaRPr lang="en-US"/>
+          </a:p>
+        </p:txBody>
+      </p:sp>
+      <p:cxnSp>
+        <p:nvCxnSpPr>
+          <p:cNvPr id="9" name="Straight Connector 8"/>
+          <p:cNvCxnSpPr/>
+          <p:nvPr/>
+        </p:nvCxnSpPr>
+        <p:spPr>
+          <a:xfrm>
+            <a:off x="905744" y="3854305"/>
+            <a:ext cx="7406640" cy="0"/>
+          </a:xfrm>
+          <a:prstGeom prst="line">
+            <a:avLst/>
+          </a:prstGeom>
+          <a:ln w="6350">
+            <a:solidFill>
+              <a:schemeClr val="tx1">
+                <a:lumMod val="50000"/>
+                <a:lumOff val="50000"/>
+              </a:schemeClr>
+            </a:solidFill>
+          </a:ln>
+        </p:spPr>
+        <p:style>
+          <a:lnRef idx="1">
+            <a:schemeClr val="accent1"/>
+          </a:lnRef>
+          <a:fillRef idx="0">
+            <a:schemeClr val="accent1"/>
+          </a:fillRef>
+          <a:effectRef idx="0">
+            <a:schemeClr val="accent1"/>
+          </a:effectRef>
+          <a:fontRef idx="minor">
+            <a:schemeClr val="tx1"/>
+          </a:fontRef>
+        </p:style>
+      </p:cxnSp>
+      <p:sp>
+        <p:nvSpPr>
+          <p:cNvPr id="10" name="Rectangle 9"/>
+          <p:cNvSpPr/>
+          <p:nvPr/>
+        </p:nvSpPr>
+        <p:spPr>
+          <a:xfrm>
+            <a:off x="0" y="6334315"/>
+            <a:ext cx="4487333" cy="92382"/>
+          </a:xfrm>
+          <a:prstGeom prst="rect">
+            <a:avLst/>
+          </a:prstGeom>
+          <a:solidFill>
+            <a:srgbClr val="00B050"/>
+          </a:solidFill>
+          <a:ln>
+            <a:noFill/>
+          </a:ln>
+        </p:spPr>
+        <p:style>
+          <a:lnRef idx="2">
+            <a:schemeClr val="accent1">
+              <a:shade val="50000"/>
+            </a:schemeClr>
+          </a:lnRef>
+          <a:fillRef idx="1">
+            <a:schemeClr val="accent1"/>
+          </a:fillRef>
+          <a:effectRef idx="0">
+            <a:schemeClr val="accent1"/>
+          </a:effectRef>
+          <a:fontRef idx="minor">
+            <a:schemeClr val="lt1"/>
+          </a:fontRef>
+        </p:style>
+      </p:sp>
+      <p:sp>
+        <p:nvSpPr>
+          <p:cNvPr id="11" name="Rectangle 10"/>
+          <p:cNvSpPr/>
+          <p:nvPr/>
+        </p:nvSpPr>
+        <p:spPr>
+          <a:xfrm>
+            <a:off x="4487333" y="6334315"/>
+            <a:ext cx="4656667" cy="92382"/>
+          </a:xfrm>
+          <a:prstGeom prst="rect">
+            <a:avLst/>
+          </a:prstGeom>
+          <a:solidFill>
+            <a:srgbClr val="7030A0"/>
+          </a:solidFill>
+          <a:ln>
+            <a:noFill/>
+          </a:ln>
+        </p:spPr>
+        <p:style>
+          <a:lnRef idx="2">
+            <a:schemeClr val="accent1">
+              <a:shade val="50000"/>
+            </a:schemeClr>
+          </a:lnRef>
+          <a:fillRef idx="1">
+            <a:schemeClr val="accent1"/>
+          </a:fillRef>
+          <a:effectRef idx="0">
+            <a:schemeClr val="accent1"/>
+          </a:effectRef>
+          <a:fontRef idx="minor">
+            <a:schemeClr val="lt1"/>
+          </a:fontRef>
+        </p:style>
+      </p:sp>
+      <p:sp>
+        <p:nvSpPr>
+          <p:cNvPr id="8" name="TextBox 7"/>
+          <p:cNvSpPr txBox="1"/>
+          <p:nvPr/>
+        </p:nvSpPr>
+        <p:spPr>
+          <a:xfrm>
+            <a:off x="2363695" y="3959525"/>
+            <a:ext cx="4373593" cy="369332"/>
+          </a:xfrm>
+          <a:prstGeom prst="rect">
+            <a:avLst/>
+          </a:prstGeom>
+          <a:noFill/>
+        </p:spPr>
+        <p:txBody>
+          <a:bodyPr wrap="square" rtlCol="0">
+            <a:spAutoFit/>
+          </a:bodyPr>
+          <a:lstStyle/>
+          <a:p>
+            <a:pPr algn="ctr"/>
+            <a:r>
+              <a:rPr lang="en-US" dirty="0">
+                <a:latin typeface="+mj-lt"/>
+              </a:rPr>
+              <a:t>By</a:t>
+            </a:r>
+            <a:r>
+              <a:rPr lang="en-US" baseline="0" dirty="0">
+                <a:latin typeface="+mj-lt"/>
+              </a:rPr>
+              <a:t> Sanjay and Arvind Seshan</a:t>
+            </a:r>
+            <a:endParaRPr lang="en-US" dirty="0">
+              <a:latin typeface="+mj-lt"/>
+            </a:endParaRPr>
+          </a:p>
+        </p:txBody>
+      </p:sp>
+      <p:pic>
+        <p:nvPicPr>
+          <p:cNvPr id="1026" name="Picture 2" descr="EV3Lessons.com"/>
+          <p:cNvPicPr>
+            <a:picLocks noChangeAspect="1" noChangeArrowheads="1"/>
+          </p:cNvPicPr>
+          <p:nvPr/>
+        </p:nvPicPr>
+        <p:blipFill>
+          <a:blip r:embed="rId2">
+            <a:extLst>
+              <a:ext uri="{28A0092B-C50C-407E-A947-70E740481C1C}">
+                <a14:useLocalDpi xmlns:a14="http://schemas.microsoft.com/office/drawing/2010/main" val="0"/>
+              </a:ext>
+            </a:extLst>
+          </a:blip>
+          <a:srcRect/>
+          <a:stretch>
+            <a:fillRect/>
+          </a:stretch>
+        </p:blipFill>
+        <p:spPr bwMode="auto">
+          <a:xfrm>
+            <a:off x="3955687" y="139554"/>
+            <a:ext cx="5075507" cy="1885189"/>
+          </a:xfrm>
+          <a:prstGeom prst="rect">
+            <a:avLst/>
+          </a:prstGeom>
+          <a:noFill/>
+          <a:extLst>
+            <a:ext uri="{909E8E84-426E-40DD-AFC4-6F175D3DCCD1}">
+              <a14:hiddenFill xmlns:a14="http://schemas.microsoft.com/office/drawing/2010/main">
+                <a:solidFill>
+                  <a:srgbClr val="FFFFFF"/>
+                </a:solidFill>
+              </a14:hiddenFill>
+            </a:ext>
+          </a:extLst>
+        </p:spPr>
+      </p:pic>
+      <p:sp>
+        <p:nvSpPr>
+          <p:cNvPr id="13" name="Rectangle 12"/>
+          <p:cNvSpPr/>
+          <p:nvPr userDrawn="1"/>
+        </p:nvSpPr>
+        <p:spPr>
+          <a:xfrm>
+            <a:off x="0" y="6334315"/>
+            <a:ext cx="4487333" cy="92382"/>
+          </a:xfrm>
+          <a:prstGeom prst="rect">
+            <a:avLst/>
+          </a:prstGeom>
+          <a:solidFill>
+            <a:srgbClr val="00B050"/>
+          </a:solidFill>
+          <a:ln>
+            <a:noFill/>
+          </a:ln>
+        </p:spPr>
+        <p:style>
+          <a:lnRef idx="2">
+            <a:schemeClr val="accent1">
+              <a:shade val="50000"/>
+            </a:schemeClr>
+          </a:lnRef>
+          <a:fillRef idx="1">
+            <a:schemeClr val="accent1"/>
+          </a:fillRef>
+          <a:effectRef idx="0">
+            <a:schemeClr val="accent1"/>
+          </a:effectRef>
+          <a:fontRef idx="minor">
+            <a:schemeClr val="lt1"/>
+          </a:fontRef>
+        </p:style>
+      </p:sp>
+      <p:sp>
+        <p:nvSpPr>
+          <p:cNvPr id="14" name="Rectangle 13"/>
+          <p:cNvSpPr/>
+          <p:nvPr userDrawn="1"/>
+        </p:nvSpPr>
+        <p:spPr>
+          <a:xfrm>
+            <a:off x="4487333" y="6334315"/>
+            <a:ext cx="4656667" cy="92382"/>
+          </a:xfrm>
+          <a:prstGeom prst="rect">
+            <a:avLst/>
+          </a:prstGeom>
+          <a:solidFill>
+            <a:srgbClr val="7030A0"/>
+          </a:solidFill>
+          <a:ln>
+            <a:noFill/>
+          </a:ln>
+        </p:spPr>
+        <p:style>
+          <a:lnRef idx="2">
+            <a:schemeClr val="accent1">
+              <a:shade val="50000"/>
+            </a:schemeClr>
+          </a:lnRef>
+          <a:fillRef idx="1">
+            <a:schemeClr val="accent1"/>
+          </a:fillRef>
+          <a:effectRef idx="0">
+            <a:schemeClr val="accent1"/>
+          </a:effectRef>
+          <a:fontRef idx="minor">
+            <a:schemeClr val="lt1"/>
+          </a:fontRef>
+        </p:style>
+      </p:sp>
+    </p:spTree>
+    <p:extLst>
+      <p:ext uri="{BB962C8B-B14F-4D97-AF65-F5344CB8AC3E}">
+        <p14:creationId xmlns:p14="http://schemas.microsoft.com/office/powerpoint/2010/main" val="1415162198"/>
+      </p:ext>
+    </p:extLst>
+  </p:cSld>
+  <p:clrMapOvr>
+    <a:masterClrMapping/>
+  </p:clrMapOvr>
+</p:sldLayout>
+</file>
+
+<file path=ppt/slideLayouts/slideLayout13.xml><?xml version="1.0" encoding="utf-8"?>
 <p:sldLayout xmlns:a="http://schemas.openxmlformats.org/drawingml/2006/main" xmlns:r="http://schemas.openxmlformats.org/officeDocument/2006/relationships" xmlns:p="http://schemas.openxmlformats.org/presentationml/2006/main" type="obj" preserve="1">
   <p:cSld name="Title and Content">
     <p:spTree>
@@ -1856,83 +2313,83 @@
           <a:lstStyle/>
           <a:p>
             <a:r>
+              <a:rPr lang="en-US"/>
+              <a:t>Click to edit Master title style</a:t>
+            </a:r>
+            <a:endParaRPr lang="en-US" dirty="0"/>
+          </a:p>
+        </p:txBody>
+      </p:sp>
+      <p:sp>
+        <p:nvSpPr>
+          <p:cNvPr id="3" name="Content Placeholder 2"/>
+          <p:cNvSpPr>
+            <a:spLocks noGrp="1"/>
+          </p:cNvSpPr>
+          <p:nvPr>
+            <p:ph idx="1"/>
+          </p:nvPr>
+        </p:nvSpPr>
+        <p:spPr/>
+        <p:txBody>
+          <a:bodyPr/>
+          <a:lstStyle/>
+          <a:p>
+            <a:pPr lvl="0"/>
+            <a:r>
+              <a:rPr lang="en-US"/>
+              <a:t>Edit Master text styles</a:t>
+            </a:r>
+          </a:p>
+          <a:p>
+            <a:pPr lvl="1"/>
+            <a:r>
+              <a:rPr lang="en-US"/>
+              <a:t>Second level</a:t>
+            </a:r>
+          </a:p>
+          <a:p>
+            <a:pPr lvl="2"/>
+            <a:r>
+              <a:rPr lang="en-US"/>
+              <a:t>Third level</a:t>
+            </a:r>
+          </a:p>
+          <a:p>
+            <a:pPr lvl="3"/>
+            <a:r>
+              <a:rPr lang="en-US"/>
+              <a:t>Fourth level</a:t>
+            </a:r>
+          </a:p>
+          <a:p>
+            <a:pPr lvl="4"/>
+            <a:r>
+              <a:rPr lang="en-US"/>
+              <a:t>Fifth level</a:t>
+            </a:r>
+            <a:endParaRPr lang="en-US" dirty="0"/>
+          </a:p>
+        </p:txBody>
+      </p:sp>
+      <p:sp>
+        <p:nvSpPr>
+          <p:cNvPr id="4" name="Date Placeholder 3"/>
+          <p:cNvSpPr>
+            <a:spLocks noGrp="1"/>
+          </p:cNvSpPr>
+          <p:nvPr>
+            <p:ph type="dt" sz="half" idx="10"/>
+          </p:nvPr>
+        </p:nvSpPr>
+        <p:spPr/>
+        <p:txBody>
+          <a:bodyPr/>
+          <a:lstStyle/>
+          <a:p>
+            <a:fld id="{57CDECD9-6E6E-4C4B-A7CF-9C3BB1612739}" type="datetime1">
               <a:rPr lang="en-US" smtClean="0"/>
-              <a:t>Click to edit Master title style</a:t>
-            </a:r>
-            <a:endParaRPr lang="en-US" dirty="0"/>
-          </a:p>
-        </p:txBody>
-      </p:sp>
-      <p:sp>
-        <p:nvSpPr>
-          <p:cNvPr id="3" name="Content Placeholder 2"/>
-          <p:cNvSpPr>
-            <a:spLocks noGrp="1"/>
-          </p:cNvSpPr>
-          <p:nvPr>
-            <p:ph idx="1"/>
-          </p:nvPr>
-        </p:nvSpPr>
-        <p:spPr/>
-        <p:txBody>
-          <a:bodyPr/>
-          <a:lstStyle/>
-          <a:p>
-            <a:pPr lvl="0"/>
-            <a:r>
-              <a:rPr lang="en-US" smtClean="0"/>
-              <a:t>Click to edit Master text styles</a:t>
-            </a:r>
-          </a:p>
-          <a:p>
-            <a:pPr lvl="1"/>
-            <a:r>
-              <a:rPr lang="en-US" smtClean="0"/>
-              <a:t>Second level</a:t>
-            </a:r>
-          </a:p>
-          <a:p>
-            <a:pPr lvl="2"/>
-            <a:r>
-              <a:rPr lang="en-US" smtClean="0"/>
-              <a:t>Third level</a:t>
-            </a:r>
-          </a:p>
-          <a:p>
-            <a:pPr lvl="3"/>
-            <a:r>
-              <a:rPr lang="en-US" smtClean="0"/>
-              <a:t>Fourth level</a:t>
-            </a:r>
-          </a:p>
-          <a:p>
-            <a:pPr lvl="4"/>
-            <a:r>
-              <a:rPr lang="en-US" smtClean="0"/>
-              <a:t>Fifth level</a:t>
-            </a:r>
-            <a:endParaRPr lang="en-US" dirty="0"/>
-          </a:p>
-        </p:txBody>
-      </p:sp>
-      <p:sp>
-        <p:nvSpPr>
-          <p:cNvPr id="4" name="Date Placeholder 3"/>
-          <p:cNvSpPr>
-            <a:spLocks noGrp="1"/>
-          </p:cNvSpPr>
-          <p:nvPr>
-            <p:ph type="dt" sz="half" idx="10"/>
-          </p:nvPr>
-        </p:nvSpPr>
-        <p:spPr/>
-        <p:txBody>
-          <a:bodyPr/>
-          <a:lstStyle/>
-          <a:p>
-            <a:fld id="{6964D4EB-A2A3-5D46-A2E3-B082D53C11C5}" type="datetime1">
-              <a:rPr lang="en-US" smtClean="0"/>
-              <a:t>11/13/15</a:t>
+              <a:t>7/6/2016</a:t>
             </a:fld>
             <a:endParaRPr lang="en-US"/>
           </a:p>
@@ -1954,10 +2411,9 @@
           <a:lstStyle/>
           <a:p>
             <a:r>
-              <a:rPr lang="sk-SK" smtClean="0"/>
-              <a:t>© 2015 EV3Lessons.com, Last edit 11/13/2015</a:t>
-            </a:r>
-            <a:endParaRPr lang="en-US"/>
+              <a:rPr lang="en-US"/>
+              <a:t>© 2015 EV3Lessons.com (Last Edit 7/06/2016)</a:t>
+            </a:r>
           </a:p>
         </p:txBody>
       </p:sp>
@@ -1987,7 +2443,7 @@
     </p:spTree>
     <p:extLst>
       <p:ext uri="{BB962C8B-B14F-4D97-AF65-F5344CB8AC3E}">
-        <p14:creationId xmlns:p14="http://schemas.microsoft.com/office/powerpoint/2010/main" val="835402660"/>
+        <p14:creationId xmlns:p14="http://schemas.microsoft.com/office/powerpoint/2010/main" val="583731766"/>
       </p:ext>
     </p:extLst>
   </p:cSld>
@@ -1997,7 +2453,7 @@
 </p:sldLayout>
 </file>
 
-<file path=ppt/slideLayouts/slideLayout3.xml><?xml version="1.0" encoding="utf-8"?>
+<file path=ppt/slideLayouts/slideLayout14.xml><?xml version="1.0" encoding="utf-8"?>
 <p:sldLayout xmlns:a="http://schemas.openxmlformats.org/drawingml/2006/main" xmlns:r="http://schemas.openxmlformats.org/officeDocument/2006/relationships" xmlns:p="http://schemas.openxmlformats.org/presentationml/2006/main" showMasterSp="0" type="secHead" preserve="1">
   <p:cSld name="Section Header">
     <p:bg>
@@ -2135,7 +2591,7 @@
           </a:lstStyle>
           <a:p>
             <a:r>
-              <a:rPr lang="en-US" smtClean="0"/>
+              <a:rPr lang="en-US"/>
               <a:t>Click to edit Master title style</a:t>
             </a:r>
             <a:endParaRPr lang="en-US" dirty="0"/>
@@ -2256,30 +2712,30 @@
           <a:p>
             <a:pPr lvl="0"/>
             <a:r>
+              <a:rPr lang="en-US"/>
+              <a:t>Edit Master text styles</a:t>
+            </a:r>
+          </a:p>
+        </p:txBody>
+      </p:sp>
+      <p:sp>
+        <p:nvSpPr>
+          <p:cNvPr id="4" name="Date Placeholder 3"/>
+          <p:cNvSpPr>
+            <a:spLocks noGrp="1"/>
+          </p:cNvSpPr>
+          <p:nvPr>
+            <p:ph type="dt" sz="half" idx="10"/>
+          </p:nvPr>
+        </p:nvSpPr>
+        <p:spPr/>
+        <p:txBody>
+          <a:bodyPr/>
+          <a:lstStyle/>
+          <a:p>
+            <a:fld id="{74FA8327-00B6-4223-B878-51ED661C155D}" type="datetime1">
               <a:rPr lang="en-US" smtClean="0"/>
-              <a:t>Click to edit Master text styles</a:t>
-            </a:r>
-          </a:p>
-        </p:txBody>
-      </p:sp>
-      <p:sp>
-        <p:nvSpPr>
-          <p:cNvPr id="4" name="Date Placeholder 3"/>
-          <p:cNvSpPr>
-            <a:spLocks noGrp="1"/>
-          </p:cNvSpPr>
-          <p:nvPr>
-            <p:ph type="dt" sz="half" idx="10"/>
-          </p:nvPr>
-        </p:nvSpPr>
-        <p:spPr/>
-        <p:txBody>
-          <a:bodyPr/>
-          <a:lstStyle/>
-          <a:p>
-            <a:fld id="{719062A6-538C-914A-A4D7-9D77EAAE33AB}" type="datetime1">
-              <a:rPr lang="en-US" smtClean="0"/>
-              <a:t>11/13/15</a:t>
+              <a:t>7/6/2016</a:t>
             </a:fld>
             <a:endParaRPr lang="en-US"/>
           </a:p>
@@ -2301,10 +2757,9 @@
           <a:lstStyle/>
           <a:p>
             <a:r>
-              <a:rPr lang="sk-SK" smtClean="0"/>
-              <a:t>© 2015 EV3Lessons.com, Last edit 11/13/2015</a:t>
-            </a:r>
-            <a:endParaRPr lang="en-US"/>
+              <a:rPr lang="en-US"/>
+              <a:t>© 2015 EV3Lessons.com (Last Edit 7/06/2016)</a:t>
+            </a:r>
           </a:p>
         </p:txBody>
       </p:sp>
@@ -2372,7 +2827,7 @@
     </p:spTree>
     <p:extLst>
       <p:ext uri="{BB962C8B-B14F-4D97-AF65-F5344CB8AC3E}">
-        <p14:creationId xmlns:p14="http://schemas.microsoft.com/office/powerpoint/2010/main" val="226167694"/>
+        <p14:creationId xmlns:p14="http://schemas.microsoft.com/office/powerpoint/2010/main" val="309020199"/>
       </p:ext>
     </p:extLst>
   </p:cSld>
@@ -2382,7 +2837,7 @@
 </p:sldLayout>
 </file>
 
-<file path=ppt/slideLayouts/slideLayout4.xml><?xml version="1.0" encoding="utf-8"?>
+<file path=ppt/slideLayouts/slideLayout15.xml><?xml version="1.0" encoding="utf-8"?>
 <p:sldLayout xmlns:a="http://schemas.openxmlformats.org/drawingml/2006/main" xmlns:r="http://schemas.openxmlformats.org/officeDocument/2006/relationships" xmlns:p="http://schemas.openxmlformats.org/presentationml/2006/main" type="twoObj" preserve="1">
   <p:cSld name="Two Content">
     <p:spTree>
@@ -2420,7 +2875,7 @@
           <a:lstStyle/>
           <a:p>
             <a:r>
-              <a:rPr lang="en-US" smtClean="0"/>
+              <a:rPr lang="en-US"/>
               <a:t>Click to edit Master title style</a:t>
             </a:r>
             <a:endParaRPr lang="en-US" dirty="0"/>
@@ -2449,35 +2904,35 @@
           <a:p>
             <a:pPr lvl="0"/>
             <a:r>
-              <a:rPr lang="en-US" smtClean="0"/>
-              <a:t>Click to edit Master text styles</a:t>
+              <a:rPr lang="en-US"/>
+              <a:t>Edit Master text styles</a:t>
             </a:r>
           </a:p>
           <a:p>
             <a:pPr lvl="1"/>
             <a:r>
-              <a:rPr lang="en-US" smtClean="0"/>
+              <a:rPr lang="en-US"/>
               <a:t>Second level</a:t>
             </a:r>
           </a:p>
           <a:p>
             <a:pPr lvl="2"/>
             <a:r>
-              <a:rPr lang="en-US" smtClean="0"/>
+              <a:rPr lang="en-US"/>
               <a:t>Third level</a:t>
             </a:r>
           </a:p>
           <a:p>
             <a:pPr lvl="3"/>
             <a:r>
-              <a:rPr lang="en-US" smtClean="0"/>
+              <a:rPr lang="en-US"/>
               <a:t>Fourth level</a:t>
             </a:r>
           </a:p>
           <a:p>
             <a:pPr lvl="4"/>
             <a:r>
-              <a:rPr lang="en-US" smtClean="0"/>
+              <a:rPr lang="en-US"/>
               <a:t>Fifth level</a:t>
             </a:r>
             <a:endParaRPr lang="en-US" dirty="0"/>
@@ -2506,59 +2961,59 @@
           <a:p>
             <a:pPr lvl="0"/>
             <a:r>
+              <a:rPr lang="en-US"/>
+              <a:t>Edit Master text styles</a:t>
+            </a:r>
+          </a:p>
+          <a:p>
+            <a:pPr lvl="1"/>
+            <a:r>
+              <a:rPr lang="en-US"/>
+              <a:t>Second level</a:t>
+            </a:r>
+          </a:p>
+          <a:p>
+            <a:pPr lvl="2"/>
+            <a:r>
+              <a:rPr lang="en-US"/>
+              <a:t>Third level</a:t>
+            </a:r>
+          </a:p>
+          <a:p>
+            <a:pPr lvl="3"/>
+            <a:r>
+              <a:rPr lang="en-US"/>
+              <a:t>Fourth level</a:t>
+            </a:r>
+          </a:p>
+          <a:p>
+            <a:pPr lvl="4"/>
+            <a:r>
+              <a:rPr lang="en-US"/>
+              <a:t>Fifth level</a:t>
+            </a:r>
+            <a:endParaRPr lang="en-US" dirty="0"/>
+          </a:p>
+        </p:txBody>
+      </p:sp>
+      <p:sp>
+        <p:nvSpPr>
+          <p:cNvPr id="5" name="Date Placeholder 4"/>
+          <p:cNvSpPr>
+            <a:spLocks noGrp="1"/>
+          </p:cNvSpPr>
+          <p:nvPr>
+            <p:ph type="dt" sz="half" idx="10"/>
+          </p:nvPr>
+        </p:nvSpPr>
+        <p:spPr/>
+        <p:txBody>
+          <a:bodyPr/>
+          <a:lstStyle/>
+          <a:p>
+            <a:fld id="{0C3A58B4-7A29-4B54-A2CC-E914726E6AB5}" type="datetime1">
               <a:rPr lang="en-US" smtClean="0"/>
-              <a:t>Click to edit Master text styles</a:t>
-            </a:r>
-          </a:p>
-          <a:p>
-            <a:pPr lvl="1"/>
-            <a:r>
-              <a:rPr lang="en-US" smtClean="0"/>
-              <a:t>Second level</a:t>
-            </a:r>
-          </a:p>
-          <a:p>
-            <a:pPr lvl="2"/>
-            <a:r>
-              <a:rPr lang="en-US" smtClean="0"/>
-              <a:t>Third level</a:t>
-            </a:r>
-          </a:p>
-          <a:p>
-            <a:pPr lvl="3"/>
-            <a:r>
-              <a:rPr lang="en-US" smtClean="0"/>
-              <a:t>Fourth level</a:t>
-            </a:r>
-          </a:p>
-          <a:p>
-            <a:pPr lvl="4"/>
-            <a:r>
-              <a:rPr lang="en-US" smtClean="0"/>
-              <a:t>Fifth level</a:t>
-            </a:r>
-            <a:endParaRPr lang="en-US" dirty="0"/>
-          </a:p>
-        </p:txBody>
-      </p:sp>
-      <p:sp>
-        <p:nvSpPr>
-          <p:cNvPr id="5" name="Date Placeholder 4"/>
-          <p:cNvSpPr>
-            <a:spLocks noGrp="1"/>
-          </p:cNvSpPr>
-          <p:nvPr>
-            <p:ph type="dt" sz="half" idx="10"/>
-          </p:nvPr>
-        </p:nvSpPr>
-        <p:spPr/>
-        <p:txBody>
-          <a:bodyPr/>
-          <a:lstStyle/>
-          <a:p>
-            <a:fld id="{FBA86DE5-4727-3C44-A125-458AC819E1C1}" type="datetime1">
-              <a:rPr lang="en-US" smtClean="0"/>
-              <a:t>11/13/15</a:t>
+              <a:t>7/6/2016</a:t>
             </a:fld>
             <a:endParaRPr lang="en-US"/>
           </a:p>
@@ -2579,6 +3034,10 @@
           <a:bodyPr/>
           <a:lstStyle/>
           <a:p>
+            <a:r>
+              <a:rPr lang="en-US"/>
+              <a:t>© 2015 EV3Lessons.com (Last Edit 7/06/2016)</a:t>
+            </a:r>
             <a:endParaRPr lang="en-US" dirty="0"/>
           </a:p>
         </p:txBody>
@@ -2609,7 +3068,7 @@
     </p:spTree>
     <p:extLst>
       <p:ext uri="{BB962C8B-B14F-4D97-AF65-F5344CB8AC3E}">
-        <p14:creationId xmlns:p14="http://schemas.microsoft.com/office/powerpoint/2010/main" val="468581900"/>
+        <p14:creationId xmlns:p14="http://schemas.microsoft.com/office/powerpoint/2010/main" val="4114061297"/>
       </p:ext>
     </p:extLst>
   </p:cSld>
@@ -2619,7 +3078,7 @@
 </p:sldLayout>
 </file>
 
-<file path=ppt/slideLayouts/slideLayout5.xml><?xml version="1.0" encoding="utf-8"?>
+<file path=ppt/slideLayouts/slideLayout16.xml><?xml version="1.0" encoding="utf-8"?>
 <p:sldLayout xmlns:a="http://schemas.openxmlformats.org/drawingml/2006/main" xmlns:r="http://schemas.openxmlformats.org/officeDocument/2006/relationships" xmlns:p="http://schemas.openxmlformats.org/presentationml/2006/main" type="twoTxTwoObj" preserve="1">
   <p:cSld name="Comparison">
     <p:spTree>
@@ -2657,7 +3116,7 @@
           <a:lstStyle/>
           <a:p>
             <a:r>
-              <a:rPr lang="en-US" smtClean="0"/>
+              <a:rPr lang="en-US"/>
               <a:t>Click to edit Master title style</a:t>
             </a:r>
             <a:endParaRPr lang="en-US" dirty="0"/>
@@ -2729,8 +3188,8 @@
           <a:p>
             <a:pPr lvl="0"/>
             <a:r>
-              <a:rPr lang="en-US" smtClean="0"/>
-              <a:t>Click to edit Master text styles</a:t>
+              <a:rPr lang="en-US"/>
+              <a:t>Edit Master text styles</a:t>
             </a:r>
           </a:p>
         </p:txBody>
@@ -2757,35 +3216,35 @@
           <a:p>
             <a:pPr lvl="0"/>
             <a:r>
-              <a:rPr lang="en-US" smtClean="0"/>
-              <a:t>Click to edit Master text styles</a:t>
+              <a:rPr lang="en-US"/>
+              <a:t>Edit Master text styles</a:t>
             </a:r>
           </a:p>
           <a:p>
             <a:pPr lvl="1"/>
             <a:r>
-              <a:rPr lang="en-US" smtClean="0"/>
+              <a:rPr lang="en-US"/>
               <a:t>Second level</a:t>
             </a:r>
           </a:p>
           <a:p>
             <a:pPr lvl="2"/>
             <a:r>
-              <a:rPr lang="en-US" smtClean="0"/>
+              <a:rPr lang="en-US"/>
               <a:t>Third level</a:t>
             </a:r>
           </a:p>
           <a:p>
             <a:pPr lvl="3"/>
             <a:r>
-              <a:rPr lang="en-US" smtClean="0"/>
+              <a:rPr lang="en-US"/>
               <a:t>Fourth level</a:t>
             </a:r>
           </a:p>
           <a:p>
             <a:pPr lvl="4"/>
             <a:r>
-              <a:rPr lang="en-US" smtClean="0"/>
+              <a:rPr lang="en-US"/>
               <a:t>Fifth level</a:t>
             </a:r>
             <a:endParaRPr lang="en-US" dirty="0"/>
@@ -2857,8 +3316,8 @@
           <a:p>
             <a:pPr lvl="0"/>
             <a:r>
-              <a:rPr lang="en-US" smtClean="0"/>
-              <a:t>Click to edit Master text styles</a:t>
+              <a:rPr lang="en-US"/>
+              <a:t>Edit Master text styles</a:t>
             </a:r>
           </a:p>
         </p:txBody>
@@ -2885,59 +3344,59 @@
           <a:p>
             <a:pPr lvl="0"/>
             <a:r>
+              <a:rPr lang="en-US"/>
+              <a:t>Edit Master text styles</a:t>
+            </a:r>
+          </a:p>
+          <a:p>
+            <a:pPr lvl="1"/>
+            <a:r>
+              <a:rPr lang="en-US"/>
+              <a:t>Second level</a:t>
+            </a:r>
+          </a:p>
+          <a:p>
+            <a:pPr lvl="2"/>
+            <a:r>
+              <a:rPr lang="en-US"/>
+              <a:t>Third level</a:t>
+            </a:r>
+          </a:p>
+          <a:p>
+            <a:pPr lvl="3"/>
+            <a:r>
+              <a:rPr lang="en-US"/>
+              <a:t>Fourth level</a:t>
+            </a:r>
+          </a:p>
+          <a:p>
+            <a:pPr lvl="4"/>
+            <a:r>
+              <a:rPr lang="en-US"/>
+              <a:t>Fifth level</a:t>
+            </a:r>
+            <a:endParaRPr lang="en-US" dirty="0"/>
+          </a:p>
+        </p:txBody>
+      </p:sp>
+      <p:sp>
+        <p:nvSpPr>
+          <p:cNvPr id="7" name="Date Placeholder 6"/>
+          <p:cNvSpPr>
+            <a:spLocks noGrp="1"/>
+          </p:cNvSpPr>
+          <p:nvPr>
+            <p:ph type="dt" sz="half" idx="10"/>
+          </p:nvPr>
+        </p:nvSpPr>
+        <p:spPr/>
+        <p:txBody>
+          <a:bodyPr/>
+          <a:lstStyle/>
+          <a:p>
+            <a:fld id="{5A1A5AC9-02EA-4E84-BFAA-DA76ADEF7994}" type="datetime1">
               <a:rPr lang="en-US" smtClean="0"/>
-              <a:t>Click to edit Master text styles</a:t>
-            </a:r>
-          </a:p>
-          <a:p>
-            <a:pPr lvl="1"/>
-            <a:r>
-              <a:rPr lang="en-US" smtClean="0"/>
-              <a:t>Second level</a:t>
-            </a:r>
-          </a:p>
-          <a:p>
-            <a:pPr lvl="2"/>
-            <a:r>
-              <a:rPr lang="en-US" smtClean="0"/>
-              <a:t>Third level</a:t>
-            </a:r>
-          </a:p>
-          <a:p>
-            <a:pPr lvl="3"/>
-            <a:r>
-              <a:rPr lang="en-US" smtClean="0"/>
-              <a:t>Fourth level</a:t>
-            </a:r>
-          </a:p>
-          <a:p>
-            <a:pPr lvl="4"/>
-            <a:r>
-              <a:rPr lang="en-US" smtClean="0"/>
-              <a:t>Fifth level</a:t>
-            </a:r>
-            <a:endParaRPr lang="en-US" dirty="0"/>
-          </a:p>
-        </p:txBody>
-      </p:sp>
-      <p:sp>
-        <p:nvSpPr>
-          <p:cNvPr id="7" name="Date Placeholder 6"/>
-          <p:cNvSpPr>
-            <a:spLocks noGrp="1"/>
-          </p:cNvSpPr>
-          <p:nvPr>
-            <p:ph type="dt" sz="half" idx="10"/>
-          </p:nvPr>
-        </p:nvSpPr>
-        <p:spPr/>
-        <p:txBody>
-          <a:bodyPr/>
-          <a:lstStyle/>
-          <a:p>
-            <a:fld id="{18F252B0-687D-184F-B682-0021640A5D63}" type="datetime1">
-              <a:rPr lang="en-US" smtClean="0"/>
-              <a:t>11/13/15</a:t>
+              <a:t>7/6/2016</a:t>
             </a:fld>
             <a:endParaRPr lang="en-US"/>
           </a:p>
@@ -2959,10 +3418,9 @@
           <a:lstStyle/>
           <a:p>
             <a:r>
-              <a:rPr lang="sk-SK" smtClean="0"/>
-              <a:t>© 2015 EV3Lessons.com, Last edit 11/13/2015</a:t>
-            </a:r>
-            <a:endParaRPr lang="en-US"/>
+              <a:rPr lang="en-US"/>
+              <a:t>© 2015 EV3Lessons.com (Last Edit 7/06/2016)</a:t>
+            </a:r>
           </a:p>
         </p:txBody>
       </p:sp>
@@ -2992,7 +3450,7 @@
     </p:spTree>
     <p:extLst>
       <p:ext uri="{BB962C8B-B14F-4D97-AF65-F5344CB8AC3E}">
-        <p14:creationId xmlns:p14="http://schemas.microsoft.com/office/powerpoint/2010/main" val="1481596878"/>
+        <p14:creationId xmlns:p14="http://schemas.microsoft.com/office/powerpoint/2010/main" val="2621902142"/>
       </p:ext>
     </p:extLst>
   </p:cSld>
@@ -3002,7 +3460,7 @@
 </p:sldLayout>
 </file>
 
-<file path=ppt/slideLayouts/slideLayout6.xml><?xml version="1.0" encoding="utf-8"?>
+<file path=ppt/slideLayouts/slideLayout17.xml><?xml version="1.0" encoding="utf-8"?>
 <p:sldLayout xmlns:a="http://schemas.openxmlformats.org/drawingml/2006/main" xmlns:r="http://schemas.openxmlformats.org/officeDocument/2006/relationships" xmlns:p="http://schemas.openxmlformats.org/presentationml/2006/main" type="titleOnly" preserve="1">
   <p:cSld name="Title Only">
     <p:spTree>
@@ -3035,31 +3493,31 @@
           <a:lstStyle/>
           <a:p>
             <a:r>
+              <a:rPr lang="en-US"/>
+              <a:t>Click to edit Master title style</a:t>
+            </a:r>
+            <a:endParaRPr lang="en-US" dirty="0"/>
+          </a:p>
+        </p:txBody>
+      </p:sp>
+      <p:sp>
+        <p:nvSpPr>
+          <p:cNvPr id="3" name="Date Placeholder 2"/>
+          <p:cNvSpPr>
+            <a:spLocks noGrp="1"/>
+          </p:cNvSpPr>
+          <p:nvPr>
+            <p:ph type="dt" sz="half" idx="10"/>
+          </p:nvPr>
+        </p:nvSpPr>
+        <p:spPr/>
+        <p:txBody>
+          <a:bodyPr/>
+          <a:lstStyle/>
+          <a:p>
+            <a:fld id="{33C07938-1598-4533-8526-2C98F329A897}" type="datetime1">
               <a:rPr lang="en-US" smtClean="0"/>
-              <a:t>Click to edit Master title style</a:t>
-            </a:r>
-            <a:endParaRPr lang="en-US" dirty="0"/>
-          </a:p>
-        </p:txBody>
-      </p:sp>
-      <p:sp>
-        <p:nvSpPr>
-          <p:cNvPr id="3" name="Date Placeholder 2"/>
-          <p:cNvSpPr>
-            <a:spLocks noGrp="1"/>
-          </p:cNvSpPr>
-          <p:nvPr>
-            <p:ph type="dt" sz="half" idx="10"/>
-          </p:nvPr>
-        </p:nvSpPr>
-        <p:spPr/>
-        <p:txBody>
-          <a:bodyPr/>
-          <a:lstStyle/>
-          <a:p>
-            <a:fld id="{3457AD7A-12C8-EA48-9011-B2F46261DD98}" type="datetime1">
-              <a:rPr lang="en-US" smtClean="0"/>
-              <a:t>11/13/15</a:t>
+              <a:t>7/6/2016</a:t>
             </a:fld>
             <a:endParaRPr lang="en-US"/>
           </a:p>
@@ -3081,10 +3539,9 @@
           <a:lstStyle/>
           <a:p>
             <a:r>
-              <a:rPr lang="sk-SK" smtClean="0"/>
-              <a:t>© 2015 EV3Lessons.com, Last edit 11/13/2015</a:t>
-            </a:r>
-            <a:endParaRPr lang="en-US"/>
+              <a:rPr lang="en-US"/>
+              <a:t>© 2015 EV3Lessons.com (Last Edit 7/06/2016)</a:t>
+            </a:r>
           </a:p>
         </p:txBody>
       </p:sp>
@@ -3114,7 +3571,7 @@
     </p:spTree>
     <p:extLst>
       <p:ext uri="{BB962C8B-B14F-4D97-AF65-F5344CB8AC3E}">
-        <p14:creationId xmlns:p14="http://schemas.microsoft.com/office/powerpoint/2010/main" val="541038150"/>
+        <p14:creationId xmlns:p14="http://schemas.microsoft.com/office/powerpoint/2010/main" val="3379724801"/>
       </p:ext>
     </p:extLst>
   </p:cSld>
@@ -3124,7 +3581,7 @@
 </p:sldLayout>
 </file>
 
-<file path=ppt/slideLayouts/slideLayout7.xml><?xml version="1.0" encoding="utf-8"?>
+<file path=ppt/slideLayouts/slideLayout18.xml><?xml version="1.0" encoding="utf-8"?>
 <p:sldLayout xmlns:a="http://schemas.openxmlformats.org/drawingml/2006/main" xmlns:r="http://schemas.openxmlformats.org/officeDocument/2006/relationships" xmlns:p="http://schemas.openxmlformats.org/presentationml/2006/main" showMasterSp="0" type="blank" preserve="1">
   <p:cSld name="Blank">
     <p:spTree>
@@ -3232,9 +3689,9 @@
           <a:bodyPr/>
           <a:lstStyle/>
           <a:p>
-            <a:fld id="{77D3C5C7-2346-9A49-8660-921460E2744B}" type="datetime1">
+            <a:fld id="{80B3B06E-9D9C-4D85-ABAA-F31BEE5D6AFC}" type="datetime1">
               <a:rPr lang="en-US" smtClean="0"/>
-              <a:t>11/13/15</a:t>
+              <a:t>7/6/2016</a:t>
             </a:fld>
             <a:endParaRPr lang="en-US"/>
           </a:p>
@@ -3264,10 +3721,9 @@
           </a:lstStyle>
           <a:p>
             <a:r>
-              <a:rPr lang="sk-SK" smtClean="0"/>
-              <a:t>© 2015 EV3Lessons.com, Last edit 11/13/2015</a:t>
-            </a:r>
-            <a:endParaRPr lang="en-US"/>
+              <a:rPr lang="en-US"/>
+              <a:t>© 2015 EV3Lessons.com (Last Edit 7/06/2016)</a:t>
+            </a:r>
           </a:p>
         </p:txBody>
       </p:sp>
@@ -3297,7 +3753,7 @@
     </p:spTree>
     <p:extLst>
       <p:ext uri="{BB962C8B-B14F-4D97-AF65-F5344CB8AC3E}">
-        <p14:creationId xmlns:p14="http://schemas.microsoft.com/office/powerpoint/2010/main" val="1185562583"/>
+        <p14:creationId xmlns:p14="http://schemas.microsoft.com/office/powerpoint/2010/main" val="1942728464"/>
       </p:ext>
     </p:extLst>
   </p:cSld>
@@ -3307,7 +3763,7 @@
 </p:sldLayout>
 </file>
 
-<file path=ppt/slideLayouts/slideLayout8.xml><?xml version="1.0" encoding="utf-8"?>
+<file path=ppt/slideLayouts/slideLayout19.xml><?xml version="1.0" encoding="utf-8"?>
 <p:sldLayout xmlns:a="http://schemas.openxmlformats.org/drawingml/2006/main" xmlns:r="http://schemas.openxmlformats.org/officeDocument/2006/relationships" xmlns:p="http://schemas.openxmlformats.org/presentationml/2006/main" showMasterSp="0" type="objTx" preserve="1">
   <p:cSld name="Content with Caption">
     <p:spTree>
@@ -3431,7 +3887,7 @@
           </a:lstStyle>
           <a:p>
             <a:r>
-              <a:rPr lang="en-US" smtClean="0"/>
+              <a:rPr lang="en-US"/>
               <a:t>Click to edit Master title style</a:t>
             </a:r>
             <a:endParaRPr lang="en-US" dirty="0"/>
@@ -3460,35 +3916,35 @@
           <a:p>
             <a:pPr lvl="0"/>
             <a:r>
-              <a:rPr lang="en-US" smtClean="0"/>
-              <a:t>Click to edit Master text styles</a:t>
+              <a:rPr lang="en-US"/>
+              <a:t>Edit Master text styles</a:t>
             </a:r>
           </a:p>
           <a:p>
             <a:pPr lvl="1"/>
             <a:r>
-              <a:rPr lang="en-US" smtClean="0"/>
+              <a:rPr lang="en-US"/>
               <a:t>Second level</a:t>
             </a:r>
           </a:p>
           <a:p>
             <a:pPr lvl="2"/>
             <a:r>
-              <a:rPr lang="en-US" smtClean="0"/>
+              <a:rPr lang="en-US"/>
               <a:t>Third level</a:t>
             </a:r>
           </a:p>
           <a:p>
             <a:pPr lvl="3"/>
             <a:r>
-              <a:rPr lang="en-US" smtClean="0"/>
+              <a:rPr lang="en-US"/>
               <a:t>Fourth level</a:t>
             </a:r>
           </a:p>
           <a:p>
             <a:pPr lvl="4"/>
             <a:r>
-              <a:rPr lang="en-US" smtClean="0"/>
+              <a:rPr lang="en-US"/>
               <a:t>Fifth level</a:t>
             </a:r>
             <a:endParaRPr lang="en-US" dirty="0"/>
@@ -3560,8 +4016,8 @@
           <a:p>
             <a:pPr lvl="0"/>
             <a:r>
-              <a:rPr lang="en-US" smtClean="0"/>
-              <a:t>Click to edit Master text styles</a:t>
+              <a:rPr lang="en-US"/>
+              <a:t>Edit Master text styles</a:t>
             </a:r>
           </a:p>
         </p:txBody>
@@ -3590,9 +4046,9 @@
             </a:lvl1pPr>
           </a:lstStyle>
           <a:p>
-            <a:fld id="{E5A27797-1683-ED47-A74A-6DEBEDA39DC8}" type="datetime1">
+            <a:fld id="{0C5BAF6F-72B3-4AB8-B169-1EB5276B79E7}" type="datetime1">
               <a:rPr lang="en-US" smtClean="0"/>
-              <a:t>11/13/15</a:t>
+              <a:t>7/6/2016</a:t>
             </a:fld>
             <a:endParaRPr lang="en-US"/>
           </a:p>
@@ -3627,10 +4083,9 @@
           </a:lstStyle>
           <a:p>
             <a:r>
-              <a:rPr lang="sk-SK" smtClean="0"/>
-              <a:t>© 2015 EV3Lessons.com, Last edit 11/13/2015</a:t>
-            </a:r>
-            <a:endParaRPr lang="en-US"/>
+              <a:rPr lang="en-US"/>
+              <a:t>© 2015 EV3Lessons.com (Last Edit 7/06/2016)</a:t>
+            </a:r>
           </a:p>
         </p:txBody>
       </p:sp>
@@ -3668,7 +4123,7 @@
     </p:spTree>
     <p:extLst>
       <p:ext uri="{BB962C8B-B14F-4D97-AF65-F5344CB8AC3E}">
-        <p14:creationId xmlns:p14="http://schemas.microsoft.com/office/powerpoint/2010/main" val="1875008654"/>
+        <p14:creationId xmlns:p14="http://schemas.microsoft.com/office/powerpoint/2010/main" val="3251504458"/>
       </p:ext>
     </p:extLst>
   </p:cSld>
@@ -3678,7 +4133,180 @@
 </p:sldLayout>
 </file>
 
-<file path=ppt/slideLayouts/slideLayout9.xml><?xml version="1.0" encoding="utf-8"?>
+<file path=ppt/slideLayouts/slideLayout2.xml><?xml version="1.0" encoding="utf-8"?>
+<p:sldLayout xmlns:a="http://schemas.openxmlformats.org/drawingml/2006/main" xmlns:r="http://schemas.openxmlformats.org/officeDocument/2006/relationships" xmlns:p="http://schemas.openxmlformats.org/presentationml/2006/main" type="obj" preserve="1">
+  <p:cSld name="Title and Content">
+    <p:spTree>
+      <p:nvGrpSpPr>
+        <p:cNvPr id="1" name=""/>
+        <p:cNvGrpSpPr/>
+        <p:nvPr/>
+      </p:nvGrpSpPr>
+      <p:grpSpPr>
+        <a:xfrm>
+          <a:off x="0" y="0"/>
+          <a:ext cx="0" cy="0"/>
+          <a:chOff x="0" y="0"/>
+          <a:chExt cx="0" cy="0"/>
+        </a:xfrm>
+      </p:grpSpPr>
+      <p:sp>
+        <p:nvSpPr>
+          <p:cNvPr id="2" name="Title 1"/>
+          <p:cNvSpPr>
+            <a:spLocks noGrp="1"/>
+          </p:cNvSpPr>
+          <p:nvPr>
+            <p:ph type="title"/>
+          </p:nvPr>
+        </p:nvSpPr>
+        <p:spPr/>
+        <p:txBody>
+          <a:bodyPr/>
+          <a:lstStyle/>
+          <a:p>
+            <a:r>
+              <a:rPr lang="en-US"/>
+              <a:t>Click to edit Master title style</a:t>
+            </a:r>
+            <a:endParaRPr lang="en-US" dirty="0"/>
+          </a:p>
+        </p:txBody>
+      </p:sp>
+      <p:sp>
+        <p:nvSpPr>
+          <p:cNvPr id="3" name="Content Placeholder 2"/>
+          <p:cNvSpPr>
+            <a:spLocks noGrp="1"/>
+          </p:cNvSpPr>
+          <p:nvPr>
+            <p:ph idx="1"/>
+          </p:nvPr>
+        </p:nvSpPr>
+        <p:spPr/>
+        <p:txBody>
+          <a:bodyPr/>
+          <a:lstStyle/>
+          <a:p>
+            <a:pPr lvl="0"/>
+            <a:r>
+              <a:rPr lang="en-US"/>
+              <a:t>Click to edit Master text styles</a:t>
+            </a:r>
+          </a:p>
+          <a:p>
+            <a:pPr lvl="1"/>
+            <a:r>
+              <a:rPr lang="en-US"/>
+              <a:t>Second level</a:t>
+            </a:r>
+          </a:p>
+          <a:p>
+            <a:pPr lvl="2"/>
+            <a:r>
+              <a:rPr lang="en-US"/>
+              <a:t>Third level</a:t>
+            </a:r>
+          </a:p>
+          <a:p>
+            <a:pPr lvl="3"/>
+            <a:r>
+              <a:rPr lang="en-US"/>
+              <a:t>Fourth level</a:t>
+            </a:r>
+          </a:p>
+          <a:p>
+            <a:pPr lvl="4"/>
+            <a:r>
+              <a:rPr lang="en-US"/>
+              <a:t>Fifth level</a:t>
+            </a:r>
+            <a:endParaRPr lang="en-US" dirty="0"/>
+          </a:p>
+        </p:txBody>
+      </p:sp>
+      <p:sp>
+        <p:nvSpPr>
+          <p:cNvPr id="4" name="Date Placeholder 3"/>
+          <p:cNvSpPr>
+            <a:spLocks noGrp="1"/>
+          </p:cNvSpPr>
+          <p:nvPr>
+            <p:ph type="dt" sz="half" idx="10"/>
+          </p:nvPr>
+        </p:nvSpPr>
+        <p:spPr/>
+        <p:txBody>
+          <a:bodyPr/>
+          <a:lstStyle/>
+          <a:p>
+            <a:fld id="{2AD6CDF4-A0C8-4051-9758-2B4E969149B8}" type="datetime1">
+              <a:rPr lang="en-US" smtClean="0"/>
+              <a:t>7/6/2016</a:t>
+            </a:fld>
+            <a:endParaRPr lang="en-US"/>
+          </a:p>
+        </p:txBody>
+      </p:sp>
+      <p:sp>
+        <p:nvSpPr>
+          <p:cNvPr id="5" name="Footer Placeholder 4"/>
+          <p:cNvSpPr>
+            <a:spLocks noGrp="1"/>
+          </p:cNvSpPr>
+          <p:nvPr>
+            <p:ph type="ftr" sz="quarter" idx="11"/>
+          </p:nvPr>
+        </p:nvSpPr>
+        <p:spPr/>
+        <p:txBody>
+          <a:bodyPr/>
+          <a:lstStyle/>
+          <a:p>
+            <a:r>
+              <a:rPr lang="en-US"/>
+              <a:t>© 2015 EV3Lessons.com (Last Edit 7/06/2016)</a:t>
+            </a:r>
+          </a:p>
+        </p:txBody>
+      </p:sp>
+      <p:sp>
+        <p:nvSpPr>
+          <p:cNvPr id="6" name="Slide Number Placeholder 5"/>
+          <p:cNvSpPr>
+            <a:spLocks noGrp="1"/>
+          </p:cNvSpPr>
+          <p:nvPr>
+            <p:ph type="sldNum" sz="quarter" idx="12"/>
+          </p:nvPr>
+        </p:nvSpPr>
+        <p:spPr/>
+        <p:txBody>
+          <a:bodyPr/>
+          <a:lstStyle/>
+          <a:p>
+            <a:fld id="{4382A7F7-08BF-4252-8141-63FB96055BBB}" type="slidenum">
+              <a:rPr lang="en-US" smtClean="0"/>
+              <a:t>‹#›</a:t>
+            </a:fld>
+            <a:endParaRPr lang="en-US"/>
+          </a:p>
+        </p:txBody>
+      </p:sp>
+    </p:spTree>
+    <p:extLst>
+      <p:ext uri="{BB962C8B-B14F-4D97-AF65-F5344CB8AC3E}">
+        <p14:creationId xmlns:p14="http://schemas.microsoft.com/office/powerpoint/2010/main" val="835402660"/>
+      </p:ext>
+    </p:extLst>
+  </p:cSld>
+  <p:clrMapOvr>
+    <a:masterClrMapping/>
+  </p:clrMapOvr>
+</p:sldLayout>
+</file>
+
+<file path=ppt/slideLayouts/slideLayout20.xml><?xml version="1.0" encoding="utf-8"?>
 <p:sldLayout xmlns:a="http://schemas.openxmlformats.org/drawingml/2006/main" xmlns:r="http://schemas.openxmlformats.org/officeDocument/2006/relationships" xmlns:p="http://schemas.openxmlformats.org/presentationml/2006/main" showMasterSp="0" type="picTx" preserve="1">
   <p:cSld name="Picture with Caption">
     <p:spTree>
@@ -3802,7 +4430,7 @@
           </a:lstStyle>
           <a:p>
             <a:r>
-              <a:rPr lang="en-US" smtClean="0"/>
+              <a:rPr lang="en-US"/>
               <a:t>Click to edit Master title style</a:t>
             </a:r>
             <a:endParaRPr lang="en-US" dirty="0"/>
@@ -3877,8 +4505,8 @@
           </a:lstStyle>
           <a:p>
             <a:r>
-              <a:rPr lang="en-US" smtClean="0"/>
-              <a:t>Drag picture to placeholder or click icon to add</a:t>
+              <a:rPr lang="en-US"/>
+              <a:t>Click icon to add picture</a:t>
             </a:r>
             <a:endParaRPr lang="en-US" dirty="0"/>
           </a:p>
@@ -3955,30 +4583,30 @@
           <a:p>
             <a:pPr lvl="0"/>
             <a:r>
+              <a:rPr lang="en-US"/>
+              <a:t>Edit Master text styles</a:t>
+            </a:r>
+          </a:p>
+        </p:txBody>
+      </p:sp>
+      <p:sp>
+        <p:nvSpPr>
+          <p:cNvPr id="5" name="Date Placeholder 4"/>
+          <p:cNvSpPr>
+            <a:spLocks noGrp="1"/>
+          </p:cNvSpPr>
+          <p:nvPr>
+            <p:ph type="dt" sz="half" idx="10"/>
+          </p:nvPr>
+        </p:nvSpPr>
+        <p:spPr/>
+        <p:txBody>
+          <a:bodyPr/>
+          <a:lstStyle/>
+          <a:p>
+            <a:fld id="{9064160A-16A5-4130-BE75-85D1901355A9}" type="datetime1">
               <a:rPr lang="en-US" smtClean="0"/>
-              <a:t>Click to edit Master text styles</a:t>
-            </a:r>
-          </a:p>
-        </p:txBody>
-      </p:sp>
-      <p:sp>
-        <p:nvSpPr>
-          <p:cNvPr id="5" name="Date Placeholder 4"/>
-          <p:cNvSpPr>
-            <a:spLocks noGrp="1"/>
-          </p:cNvSpPr>
-          <p:nvPr>
-            <p:ph type="dt" sz="half" idx="10"/>
-          </p:nvPr>
-        </p:nvSpPr>
-        <p:spPr/>
-        <p:txBody>
-          <a:bodyPr/>
-          <a:lstStyle/>
-          <a:p>
-            <a:fld id="{9F9CFCDA-76FF-C942-8304-6FF0EF7EF019}" type="datetime1">
-              <a:rPr lang="en-US" smtClean="0"/>
-              <a:t>11/13/15</a:t>
+              <a:t>7/6/2016</a:t>
             </a:fld>
             <a:endParaRPr lang="en-US"/>
           </a:p>
@@ -4000,10 +4628,2485 @@
           <a:lstStyle/>
           <a:p>
             <a:r>
-              <a:rPr lang="sk-SK" smtClean="0"/>
-              <a:t>© 2015 EV3Lessons.com, Last edit 11/13/2015</a:t>
-            </a:r>
+              <a:rPr lang="en-US"/>
+              <a:t>© 2015 EV3Lessons.com (Last Edit 7/06/2016)</a:t>
+            </a:r>
+          </a:p>
+        </p:txBody>
+      </p:sp>
+      <p:sp>
+        <p:nvSpPr>
+          <p:cNvPr id="7" name="Slide Number Placeholder 6"/>
+          <p:cNvSpPr>
+            <a:spLocks noGrp="1"/>
+          </p:cNvSpPr>
+          <p:nvPr>
+            <p:ph type="sldNum" sz="quarter" idx="12"/>
+          </p:nvPr>
+        </p:nvSpPr>
+        <p:spPr/>
+        <p:txBody>
+          <a:bodyPr/>
+          <a:lstStyle/>
+          <a:p>
+            <a:fld id="{4382A7F7-08BF-4252-8141-63FB96055BBB}" type="slidenum">
+              <a:rPr lang="en-US" smtClean="0"/>
+              <a:t>‹#›</a:t>
+            </a:fld>
             <a:endParaRPr lang="en-US"/>
+          </a:p>
+        </p:txBody>
+      </p:sp>
+    </p:spTree>
+    <p:extLst>
+      <p:ext uri="{BB962C8B-B14F-4D97-AF65-F5344CB8AC3E}">
+        <p14:creationId xmlns:p14="http://schemas.microsoft.com/office/powerpoint/2010/main" val="1179944817"/>
+      </p:ext>
+    </p:extLst>
+  </p:cSld>
+  <p:clrMapOvr>
+    <a:masterClrMapping/>
+  </p:clrMapOvr>
+</p:sldLayout>
+</file>
+
+<file path=ppt/slideLayouts/slideLayout21.xml><?xml version="1.0" encoding="utf-8"?>
+<p:sldLayout xmlns:a="http://schemas.openxmlformats.org/drawingml/2006/main" xmlns:r="http://schemas.openxmlformats.org/officeDocument/2006/relationships" xmlns:p="http://schemas.openxmlformats.org/presentationml/2006/main" type="vertTx" preserve="1">
+  <p:cSld name="Title and Vertical Text">
+    <p:spTree>
+      <p:nvGrpSpPr>
+        <p:cNvPr id="1" name=""/>
+        <p:cNvGrpSpPr/>
+        <p:nvPr/>
+      </p:nvGrpSpPr>
+      <p:grpSpPr>
+        <a:xfrm>
+          <a:off x="0" y="0"/>
+          <a:ext cx="0" cy="0"/>
+          <a:chOff x="0" y="0"/>
+          <a:chExt cx="0" cy="0"/>
+        </a:xfrm>
+      </p:grpSpPr>
+      <p:sp>
+        <p:nvSpPr>
+          <p:cNvPr id="2" name="Title 1"/>
+          <p:cNvSpPr>
+            <a:spLocks noGrp="1"/>
+          </p:cNvSpPr>
+          <p:nvPr>
+            <p:ph type="title"/>
+          </p:nvPr>
+        </p:nvSpPr>
+        <p:spPr/>
+        <p:txBody>
+          <a:bodyPr/>
+          <a:lstStyle/>
+          <a:p>
+            <a:r>
+              <a:rPr lang="en-US"/>
+              <a:t>Click to edit Master title style</a:t>
+            </a:r>
+            <a:endParaRPr lang="en-US" dirty="0"/>
+          </a:p>
+        </p:txBody>
+      </p:sp>
+      <p:sp>
+        <p:nvSpPr>
+          <p:cNvPr id="3" name="Vertical Text Placeholder 2"/>
+          <p:cNvSpPr>
+            <a:spLocks noGrp="1"/>
+          </p:cNvSpPr>
+          <p:nvPr>
+            <p:ph type="body" orient="vert" idx="1"/>
+          </p:nvPr>
+        </p:nvSpPr>
+        <p:spPr/>
+        <p:txBody>
+          <a:bodyPr vert="eaVert" lIns="45720" tIns="0" rIns="45720" bIns="0"/>
+          <a:lstStyle/>
+          <a:p>
+            <a:pPr lvl="0"/>
+            <a:r>
+              <a:rPr lang="en-US"/>
+              <a:t>Edit Master text styles</a:t>
+            </a:r>
+          </a:p>
+          <a:p>
+            <a:pPr lvl="1"/>
+            <a:r>
+              <a:rPr lang="en-US"/>
+              <a:t>Second level</a:t>
+            </a:r>
+          </a:p>
+          <a:p>
+            <a:pPr lvl="2"/>
+            <a:r>
+              <a:rPr lang="en-US"/>
+              <a:t>Third level</a:t>
+            </a:r>
+          </a:p>
+          <a:p>
+            <a:pPr lvl="3"/>
+            <a:r>
+              <a:rPr lang="en-US"/>
+              <a:t>Fourth level</a:t>
+            </a:r>
+          </a:p>
+          <a:p>
+            <a:pPr lvl="4"/>
+            <a:r>
+              <a:rPr lang="en-US"/>
+              <a:t>Fifth level</a:t>
+            </a:r>
+            <a:endParaRPr lang="en-US" dirty="0"/>
+          </a:p>
+        </p:txBody>
+      </p:sp>
+      <p:sp>
+        <p:nvSpPr>
+          <p:cNvPr id="4" name="Date Placeholder 3"/>
+          <p:cNvSpPr>
+            <a:spLocks noGrp="1"/>
+          </p:cNvSpPr>
+          <p:nvPr>
+            <p:ph type="dt" sz="half" idx="10"/>
+          </p:nvPr>
+        </p:nvSpPr>
+        <p:spPr/>
+        <p:txBody>
+          <a:bodyPr/>
+          <a:lstStyle/>
+          <a:p>
+            <a:fld id="{E1A536AD-A92B-480E-8FA0-5895E391AD18}" type="datetime1">
+              <a:rPr lang="en-US" smtClean="0"/>
+              <a:t>7/6/2016</a:t>
+            </a:fld>
+            <a:endParaRPr lang="en-US"/>
+          </a:p>
+        </p:txBody>
+      </p:sp>
+      <p:sp>
+        <p:nvSpPr>
+          <p:cNvPr id="5" name="Footer Placeholder 4"/>
+          <p:cNvSpPr>
+            <a:spLocks noGrp="1"/>
+          </p:cNvSpPr>
+          <p:nvPr>
+            <p:ph type="ftr" sz="quarter" idx="11"/>
+          </p:nvPr>
+        </p:nvSpPr>
+        <p:spPr/>
+        <p:txBody>
+          <a:bodyPr/>
+          <a:lstStyle/>
+          <a:p>
+            <a:r>
+              <a:rPr lang="en-US"/>
+              <a:t>© 2015 EV3Lessons.com (Last Edit 7/06/2016)</a:t>
+            </a:r>
+          </a:p>
+        </p:txBody>
+      </p:sp>
+      <p:sp>
+        <p:nvSpPr>
+          <p:cNvPr id="6" name="Slide Number Placeholder 5"/>
+          <p:cNvSpPr>
+            <a:spLocks noGrp="1"/>
+          </p:cNvSpPr>
+          <p:nvPr>
+            <p:ph type="sldNum" sz="quarter" idx="12"/>
+          </p:nvPr>
+        </p:nvSpPr>
+        <p:spPr/>
+        <p:txBody>
+          <a:bodyPr/>
+          <a:lstStyle/>
+          <a:p>
+            <a:fld id="{4382A7F7-08BF-4252-8141-63FB96055BBB}" type="slidenum">
+              <a:rPr lang="en-US" smtClean="0"/>
+              <a:t>‹#›</a:t>
+            </a:fld>
+            <a:endParaRPr lang="en-US"/>
+          </a:p>
+        </p:txBody>
+      </p:sp>
+    </p:spTree>
+    <p:extLst>
+      <p:ext uri="{BB962C8B-B14F-4D97-AF65-F5344CB8AC3E}">
+        <p14:creationId xmlns:p14="http://schemas.microsoft.com/office/powerpoint/2010/main" val="1660116755"/>
+      </p:ext>
+    </p:extLst>
+  </p:cSld>
+  <p:clrMapOvr>
+    <a:masterClrMapping/>
+  </p:clrMapOvr>
+</p:sldLayout>
+</file>
+
+<file path=ppt/slideLayouts/slideLayout22.xml><?xml version="1.0" encoding="utf-8"?>
+<p:sldLayout xmlns:a="http://schemas.openxmlformats.org/drawingml/2006/main" xmlns:r="http://schemas.openxmlformats.org/officeDocument/2006/relationships" xmlns:p="http://schemas.openxmlformats.org/presentationml/2006/main" showMasterSp="0" type="vertTitleAndTx" preserve="1">
+  <p:cSld name="Vertical Title and Text">
+    <p:spTree>
+      <p:nvGrpSpPr>
+        <p:cNvPr id="1" name=""/>
+        <p:cNvGrpSpPr/>
+        <p:nvPr/>
+      </p:nvGrpSpPr>
+      <p:grpSpPr>
+        <a:xfrm>
+          <a:off x="0" y="0"/>
+          <a:ext cx="0" cy="0"/>
+          <a:chOff x="0" y="0"/>
+          <a:chExt cx="0" cy="0"/>
+        </a:xfrm>
+      </p:grpSpPr>
+      <p:sp>
+        <p:nvSpPr>
+          <p:cNvPr id="7" name="Rectangle 6"/>
+          <p:cNvSpPr/>
+          <p:nvPr/>
+        </p:nvSpPr>
+        <p:spPr>
+          <a:xfrm>
+            <a:off x="2382" y="6400800"/>
+            <a:ext cx="9141619" cy="457200"/>
+          </a:xfrm>
+          <a:prstGeom prst="rect">
+            <a:avLst/>
+          </a:prstGeom>
+          <a:solidFill>
+            <a:schemeClr val="accent2"/>
+          </a:solidFill>
+          <a:ln>
+            <a:noFill/>
+          </a:ln>
+        </p:spPr>
+        <p:style>
+          <a:lnRef idx="2">
+            <a:schemeClr val="accent1">
+              <a:shade val="50000"/>
+            </a:schemeClr>
+          </a:lnRef>
+          <a:fillRef idx="1">
+            <a:schemeClr val="accent1"/>
+          </a:fillRef>
+          <a:effectRef idx="0">
+            <a:schemeClr val="accent1"/>
+          </a:effectRef>
+          <a:fontRef idx="minor">
+            <a:schemeClr val="lt1"/>
+          </a:fontRef>
+        </p:style>
+      </p:sp>
+      <p:sp>
+        <p:nvSpPr>
+          <p:cNvPr id="8" name="Rectangle 7"/>
+          <p:cNvSpPr/>
+          <p:nvPr/>
+        </p:nvSpPr>
+        <p:spPr>
+          <a:xfrm>
+            <a:off x="12" y="6334316"/>
+            <a:ext cx="9141619" cy="64008"/>
+          </a:xfrm>
+          <a:prstGeom prst="rect">
+            <a:avLst/>
+          </a:prstGeom>
+          <a:solidFill>
+            <a:schemeClr val="accent1"/>
+          </a:solidFill>
+          <a:ln>
+            <a:noFill/>
+          </a:ln>
+        </p:spPr>
+        <p:style>
+          <a:lnRef idx="2">
+            <a:schemeClr val="accent1">
+              <a:shade val="50000"/>
+            </a:schemeClr>
+          </a:lnRef>
+          <a:fillRef idx="1">
+            <a:schemeClr val="accent1"/>
+          </a:fillRef>
+          <a:effectRef idx="0">
+            <a:schemeClr val="accent1"/>
+          </a:effectRef>
+          <a:fontRef idx="minor">
+            <a:schemeClr val="lt1"/>
+          </a:fontRef>
+        </p:style>
+      </p:sp>
+      <p:sp>
+        <p:nvSpPr>
+          <p:cNvPr id="2" name="Vertical Title 1"/>
+          <p:cNvSpPr>
+            <a:spLocks noGrp="1"/>
+          </p:cNvSpPr>
+          <p:nvPr>
+            <p:ph type="title" orient="vert"/>
+          </p:nvPr>
+        </p:nvSpPr>
+        <p:spPr>
+          <a:xfrm>
+            <a:off x="6543675" y="414779"/>
+            <a:ext cx="1971675" cy="5757421"/>
+          </a:xfrm>
+        </p:spPr>
+        <p:txBody>
+          <a:bodyPr vert="eaVert"/>
+          <a:lstStyle/>
+          <a:p>
+            <a:r>
+              <a:rPr lang="en-US"/>
+              <a:t>Click to edit Master title style</a:t>
+            </a:r>
+            <a:endParaRPr lang="en-US" dirty="0"/>
+          </a:p>
+        </p:txBody>
+      </p:sp>
+      <p:sp>
+        <p:nvSpPr>
+          <p:cNvPr id="3" name="Vertical Text Placeholder 2"/>
+          <p:cNvSpPr>
+            <a:spLocks noGrp="1"/>
+          </p:cNvSpPr>
+          <p:nvPr>
+            <p:ph type="body" orient="vert" idx="1"/>
+          </p:nvPr>
+        </p:nvSpPr>
+        <p:spPr>
+          <a:xfrm>
+            <a:off x="628650" y="414779"/>
+            <a:ext cx="5800725" cy="5757420"/>
+          </a:xfrm>
+        </p:spPr>
+        <p:txBody>
+          <a:bodyPr vert="eaVert" lIns="45720" tIns="0" rIns="45720" bIns="0"/>
+          <a:lstStyle/>
+          <a:p>
+            <a:pPr lvl="0"/>
+            <a:r>
+              <a:rPr lang="en-US"/>
+              <a:t>Edit Master text styles</a:t>
+            </a:r>
+          </a:p>
+          <a:p>
+            <a:pPr lvl="1"/>
+            <a:r>
+              <a:rPr lang="en-US"/>
+              <a:t>Second level</a:t>
+            </a:r>
+          </a:p>
+          <a:p>
+            <a:pPr lvl="2"/>
+            <a:r>
+              <a:rPr lang="en-US"/>
+              <a:t>Third level</a:t>
+            </a:r>
+          </a:p>
+          <a:p>
+            <a:pPr lvl="3"/>
+            <a:r>
+              <a:rPr lang="en-US"/>
+              <a:t>Fourth level</a:t>
+            </a:r>
+          </a:p>
+          <a:p>
+            <a:pPr lvl="4"/>
+            <a:r>
+              <a:rPr lang="en-US"/>
+              <a:t>Fifth level</a:t>
+            </a:r>
+            <a:endParaRPr lang="en-US" dirty="0"/>
+          </a:p>
+        </p:txBody>
+      </p:sp>
+      <p:sp>
+        <p:nvSpPr>
+          <p:cNvPr id="4" name="Date Placeholder 3"/>
+          <p:cNvSpPr>
+            <a:spLocks noGrp="1"/>
+          </p:cNvSpPr>
+          <p:nvPr>
+            <p:ph type="dt" sz="half" idx="10"/>
+          </p:nvPr>
+        </p:nvSpPr>
+        <p:spPr/>
+        <p:txBody>
+          <a:bodyPr/>
+          <a:lstStyle/>
+          <a:p>
+            <a:fld id="{1166B3EC-80DC-4650-BC09-4F3EE3C32A84}" type="datetime1">
+              <a:rPr lang="en-US" smtClean="0"/>
+              <a:t>7/6/2016</a:t>
+            </a:fld>
+            <a:endParaRPr lang="en-US"/>
+          </a:p>
+        </p:txBody>
+      </p:sp>
+      <p:sp>
+        <p:nvSpPr>
+          <p:cNvPr id="5" name="Footer Placeholder 4"/>
+          <p:cNvSpPr>
+            <a:spLocks noGrp="1"/>
+          </p:cNvSpPr>
+          <p:nvPr>
+            <p:ph type="ftr" sz="quarter" idx="11"/>
+          </p:nvPr>
+        </p:nvSpPr>
+        <p:spPr/>
+        <p:txBody>
+          <a:bodyPr/>
+          <a:lstStyle/>
+          <a:p>
+            <a:r>
+              <a:rPr lang="en-US"/>
+              <a:t>© 2015 EV3Lessons.com (Last Edit 7/06/2016)</a:t>
+            </a:r>
+          </a:p>
+        </p:txBody>
+      </p:sp>
+      <p:sp>
+        <p:nvSpPr>
+          <p:cNvPr id="6" name="Slide Number Placeholder 5"/>
+          <p:cNvSpPr>
+            <a:spLocks noGrp="1"/>
+          </p:cNvSpPr>
+          <p:nvPr>
+            <p:ph type="sldNum" sz="quarter" idx="12"/>
+          </p:nvPr>
+        </p:nvSpPr>
+        <p:spPr/>
+        <p:txBody>
+          <a:bodyPr/>
+          <a:lstStyle/>
+          <a:p>
+            <a:fld id="{4382A7F7-08BF-4252-8141-63FB96055BBB}" type="slidenum">
+              <a:rPr lang="en-US" smtClean="0"/>
+              <a:t>‹#›</a:t>
+            </a:fld>
+            <a:endParaRPr lang="en-US"/>
+          </a:p>
+        </p:txBody>
+      </p:sp>
+    </p:spTree>
+    <p:extLst>
+      <p:ext uri="{BB962C8B-B14F-4D97-AF65-F5344CB8AC3E}">
+        <p14:creationId xmlns:p14="http://schemas.microsoft.com/office/powerpoint/2010/main" val="1673011092"/>
+      </p:ext>
+    </p:extLst>
+  </p:cSld>
+  <p:clrMapOvr>
+    <a:masterClrMapping/>
+  </p:clrMapOvr>
+</p:sldLayout>
+</file>
+
+<file path=ppt/slideLayouts/slideLayout3.xml><?xml version="1.0" encoding="utf-8"?>
+<p:sldLayout xmlns:a="http://schemas.openxmlformats.org/drawingml/2006/main" xmlns:r="http://schemas.openxmlformats.org/officeDocument/2006/relationships" xmlns:p="http://schemas.openxmlformats.org/presentationml/2006/main" showMasterSp="0" type="secHead" preserve="1">
+  <p:cSld name="Section Header">
+    <p:bg>
+      <p:bgPr>
+        <a:solidFill>
+          <a:schemeClr val="bg1"/>
+        </a:solidFill>
+        <a:effectLst/>
+      </p:bgPr>
+    </p:bg>
+    <p:spTree>
+      <p:nvGrpSpPr>
+        <p:cNvPr id="1" name=""/>
+        <p:cNvGrpSpPr/>
+        <p:nvPr/>
+      </p:nvGrpSpPr>
+      <p:grpSpPr>
+        <a:xfrm>
+          <a:off x="0" y="0"/>
+          <a:ext cx="0" cy="0"/>
+          <a:chOff x="0" y="0"/>
+          <a:chExt cx="0" cy="0"/>
+        </a:xfrm>
+      </p:grpSpPr>
+      <p:sp>
+        <p:nvSpPr>
+          <p:cNvPr id="7" name="Rectangle 6"/>
+          <p:cNvSpPr/>
+          <p:nvPr/>
+        </p:nvSpPr>
+        <p:spPr>
+          <a:xfrm>
+            <a:off x="2382" y="6400800"/>
+            <a:ext cx="9141619" cy="457200"/>
+          </a:xfrm>
+          <a:prstGeom prst="rect">
+            <a:avLst/>
+          </a:prstGeom>
+          <a:solidFill>
+            <a:schemeClr val="accent2"/>
+          </a:solidFill>
+          <a:ln>
+            <a:noFill/>
+          </a:ln>
+        </p:spPr>
+        <p:style>
+          <a:lnRef idx="2">
+            <a:schemeClr val="accent1">
+              <a:shade val="50000"/>
+            </a:schemeClr>
+          </a:lnRef>
+          <a:fillRef idx="1">
+            <a:schemeClr val="accent1"/>
+          </a:fillRef>
+          <a:effectRef idx="0">
+            <a:schemeClr val="accent1"/>
+          </a:effectRef>
+          <a:fontRef idx="minor">
+            <a:schemeClr val="lt1"/>
+          </a:fontRef>
+        </p:style>
+      </p:sp>
+      <p:sp>
+        <p:nvSpPr>
+          <p:cNvPr id="8" name="Rectangle 7"/>
+          <p:cNvSpPr/>
+          <p:nvPr/>
+        </p:nvSpPr>
+        <p:spPr>
+          <a:xfrm>
+            <a:off x="12" y="6334316"/>
+            <a:ext cx="9141619" cy="64008"/>
+          </a:xfrm>
+          <a:prstGeom prst="rect">
+            <a:avLst/>
+          </a:prstGeom>
+          <a:solidFill>
+            <a:schemeClr val="accent1"/>
+          </a:solidFill>
+          <a:ln>
+            <a:noFill/>
+          </a:ln>
+        </p:spPr>
+        <p:style>
+          <a:lnRef idx="2">
+            <a:schemeClr val="accent1">
+              <a:shade val="50000"/>
+            </a:schemeClr>
+          </a:lnRef>
+          <a:fillRef idx="1">
+            <a:schemeClr val="accent1"/>
+          </a:fillRef>
+          <a:effectRef idx="0">
+            <a:schemeClr val="accent1"/>
+          </a:effectRef>
+          <a:fontRef idx="minor">
+            <a:schemeClr val="lt1"/>
+          </a:fontRef>
+        </p:style>
+      </p:sp>
+      <p:sp>
+        <p:nvSpPr>
+          <p:cNvPr id="2" name="Title 1"/>
+          <p:cNvSpPr>
+            <a:spLocks noGrp="1"/>
+          </p:cNvSpPr>
+          <p:nvPr>
+            <p:ph type="title"/>
+          </p:nvPr>
+        </p:nvSpPr>
+        <p:spPr>
+          <a:xfrm>
+            <a:off x="822960" y="758952"/>
+            <a:ext cx="7543800" cy="3566160"/>
+          </a:xfrm>
+        </p:spPr>
+        <p:txBody>
+          <a:bodyPr anchor="b" anchorCtr="0">
+            <a:normAutofit/>
+          </a:bodyPr>
+          <a:lstStyle>
+            <a:lvl1pPr>
+              <a:lnSpc>
+                <a:spcPct val="85000"/>
+              </a:lnSpc>
+              <a:defRPr sz="8000" b="0">
+                <a:solidFill>
+                  <a:schemeClr val="tx1">
+                    <a:lumMod val="85000"/>
+                    <a:lumOff val="15000"/>
+                  </a:schemeClr>
+                </a:solidFill>
+              </a:defRPr>
+            </a:lvl1pPr>
+          </a:lstStyle>
+          <a:p>
+            <a:r>
+              <a:rPr lang="en-US"/>
+              <a:t>Click to edit Master title style</a:t>
+            </a:r>
+            <a:endParaRPr lang="en-US" dirty="0"/>
+          </a:p>
+        </p:txBody>
+      </p:sp>
+      <p:sp>
+        <p:nvSpPr>
+          <p:cNvPr id="3" name="Text Placeholder 2"/>
+          <p:cNvSpPr>
+            <a:spLocks noGrp="1"/>
+          </p:cNvSpPr>
+          <p:nvPr>
+            <p:ph type="body" idx="1"/>
+          </p:nvPr>
+        </p:nvSpPr>
+        <p:spPr>
+          <a:xfrm>
+            <a:off x="822960" y="4453128"/>
+            <a:ext cx="7543800" cy="1143000"/>
+          </a:xfrm>
+        </p:spPr>
+        <p:txBody>
+          <a:bodyPr lIns="91440" rIns="91440" anchor="t" anchorCtr="0">
+            <a:normAutofit/>
+          </a:bodyPr>
+          <a:lstStyle>
+            <a:lvl1pPr marL="0" indent="0">
+              <a:buNone/>
+              <a:defRPr sz="2400" cap="all" spc="200" baseline="0">
+                <a:solidFill>
+                  <a:schemeClr val="tx2"/>
+                </a:solidFill>
+                <a:latin typeface="+mj-lt"/>
+              </a:defRPr>
+            </a:lvl1pPr>
+            <a:lvl2pPr marL="457200" indent="0">
+              <a:buNone/>
+              <a:defRPr sz="1800">
+                <a:solidFill>
+                  <a:schemeClr val="tx1">
+                    <a:tint val="75000"/>
+                  </a:schemeClr>
+                </a:solidFill>
+              </a:defRPr>
+            </a:lvl2pPr>
+            <a:lvl3pPr marL="914400" indent="0">
+              <a:buNone/>
+              <a:defRPr sz="1600">
+                <a:solidFill>
+                  <a:schemeClr val="tx1">
+                    <a:tint val="75000"/>
+                  </a:schemeClr>
+                </a:solidFill>
+              </a:defRPr>
+            </a:lvl3pPr>
+            <a:lvl4pPr marL="1371600" indent="0">
+              <a:buNone/>
+              <a:defRPr sz="1400">
+                <a:solidFill>
+                  <a:schemeClr val="tx1">
+                    <a:tint val="75000"/>
+                  </a:schemeClr>
+                </a:solidFill>
+              </a:defRPr>
+            </a:lvl4pPr>
+            <a:lvl5pPr marL="1828800" indent="0">
+              <a:buNone/>
+              <a:defRPr sz="1400">
+                <a:solidFill>
+                  <a:schemeClr val="tx1">
+                    <a:tint val="75000"/>
+                  </a:schemeClr>
+                </a:solidFill>
+              </a:defRPr>
+            </a:lvl5pPr>
+            <a:lvl6pPr marL="2286000" indent="0">
+              <a:buNone/>
+              <a:defRPr sz="1400">
+                <a:solidFill>
+                  <a:schemeClr val="tx1">
+                    <a:tint val="75000"/>
+                  </a:schemeClr>
+                </a:solidFill>
+              </a:defRPr>
+            </a:lvl6pPr>
+            <a:lvl7pPr marL="2743200" indent="0">
+              <a:buNone/>
+              <a:defRPr sz="1400">
+                <a:solidFill>
+                  <a:schemeClr val="tx1">
+                    <a:tint val="75000"/>
+                  </a:schemeClr>
+                </a:solidFill>
+              </a:defRPr>
+            </a:lvl7pPr>
+            <a:lvl8pPr marL="3200400" indent="0">
+              <a:buNone/>
+              <a:defRPr sz="1400">
+                <a:solidFill>
+                  <a:schemeClr val="tx1">
+                    <a:tint val="75000"/>
+                  </a:schemeClr>
+                </a:solidFill>
+              </a:defRPr>
+            </a:lvl8pPr>
+            <a:lvl9pPr marL="3657600" indent="0">
+              <a:buNone/>
+              <a:defRPr sz="1400">
+                <a:solidFill>
+                  <a:schemeClr val="tx1">
+                    <a:tint val="75000"/>
+                  </a:schemeClr>
+                </a:solidFill>
+              </a:defRPr>
+            </a:lvl9pPr>
+          </a:lstStyle>
+          <a:p>
+            <a:pPr lvl="0"/>
+            <a:r>
+              <a:rPr lang="en-US"/>
+              <a:t>Click to edit Master text styles</a:t>
+            </a:r>
+          </a:p>
+        </p:txBody>
+      </p:sp>
+      <p:sp>
+        <p:nvSpPr>
+          <p:cNvPr id="4" name="Date Placeholder 3"/>
+          <p:cNvSpPr>
+            <a:spLocks noGrp="1"/>
+          </p:cNvSpPr>
+          <p:nvPr>
+            <p:ph type="dt" sz="half" idx="10"/>
+          </p:nvPr>
+        </p:nvSpPr>
+        <p:spPr/>
+        <p:txBody>
+          <a:bodyPr/>
+          <a:lstStyle/>
+          <a:p>
+            <a:fld id="{E24661E6-1DCE-4A1F-A46E-163C15BEDDC0}" type="datetime1">
+              <a:rPr lang="en-US" smtClean="0"/>
+              <a:t>7/6/2016</a:t>
+            </a:fld>
+            <a:endParaRPr lang="en-US"/>
+          </a:p>
+        </p:txBody>
+      </p:sp>
+      <p:sp>
+        <p:nvSpPr>
+          <p:cNvPr id="5" name="Footer Placeholder 4"/>
+          <p:cNvSpPr>
+            <a:spLocks noGrp="1"/>
+          </p:cNvSpPr>
+          <p:nvPr>
+            <p:ph type="ftr" sz="quarter" idx="11"/>
+          </p:nvPr>
+        </p:nvSpPr>
+        <p:spPr/>
+        <p:txBody>
+          <a:bodyPr/>
+          <a:lstStyle/>
+          <a:p>
+            <a:r>
+              <a:rPr lang="en-US"/>
+              <a:t>© 2015 EV3Lessons.com (Last Edit 7/06/2016)</a:t>
+            </a:r>
+          </a:p>
+        </p:txBody>
+      </p:sp>
+      <p:sp>
+        <p:nvSpPr>
+          <p:cNvPr id="6" name="Slide Number Placeholder 5"/>
+          <p:cNvSpPr>
+            <a:spLocks noGrp="1"/>
+          </p:cNvSpPr>
+          <p:nvPr>
+            <p:ph type="sldNum" sz="quarter" idx="12"/>
+          </p:nvPr>
+        </p:nvSpPr>
+        <p:spPr/>
+        <p:txBody>
+          <a:bodyPr/>
+          <a:lstStyle/>
+          <a:p>
+            <a:fld id="{162F1D00-BD13-4404-86B0-79703945A0A7}" type="slidenum">
+              <a:rPr lang="en-US" smtClean="0"/>
+              <a:t>‹#›</a:t>
+            </a:fld>
+            <a:endParaRPr lang="en-US"/>
+          </a:p>
+        </p:txBody>
+      </p:sp>
+      <p:cxnSp>
+        <p:nvCxnSpPr>
+          <p:cNvPr id="9" name="Straight Connector 8"/>
+          <p:cNvCxnSpPr/>
+          <p:nvPr/>
+        </p:nvCxnSpPr>
+        <p:spPr>
+          <a:xfrm>
+            <a:off x="905744" y="4343400"/>
+            <a:ext cx="7406640" cy="0"/>
+          </a:xfrm>
+          <a:prstGeom prst="line">
+            <a:avLst/>
+          </a:prstGeom>
+          <a:ln w="6350">
+            <a:solidFill>
+              <a:schemeClr val="tx1">
+                <a:lumMod val="50000"/>
+                <a:lumOff val="50000"/>
+              </a:schemeClr>
+            </a:solidFill>
+          </a:ln>
+        </p:spPr>
+        <p:style>
+          <a:lnRef idx="1">
+            <a:schemeClr val="accent1"/>
+          </a:lnRef>
+          <a:fillRef idx="0">
+            <a:schemeClr val="accent1"/>
+          </a:fillRef>
+          <a:effectRef idx="0">
+            <a:schemeClr val="accent1"/>
+          </a:effectRef>
+          <a:fontRef idx="minor">
+            <a:schemeClr val="tx1"/>
+          </a:fontRef>
+        </p:style>
+      </p:cxnSp>
+    </p:spTree>
+    <p:extLst>
+      <p:ext uri="{BB962C8B-B14F-4D97-AF65-F5344CB8AC3E}">
+        <p14:creationId xmlns:p14="http://schemas.microsoft.com/office/powerpoint/2010/main" val="226167694"/>
+      </p:ext>
+    </p:extLst>
+  </p:cSld>
+  <p:clrMapOvr>
+    <a:masterClrMapping/>
+  </p:clrMapOvr>
+</p:sldLayout>
+</file>
+
+<file path=ppt/slideLayouts/slideLayout4.xml><?xml version="1.0" encoding="utf-8"?>
+<p:sldLayout xmlns:a="http://schemas.openxmlformats.org/drawingml/2006/main" xmlns:r="http://schemas.openxmlformats.org/officeDocument/2006/relationships" xmlns:p="http://schemas.openxmlformats.org/presentationml/2006/main" type="twoObj" preserve="1">
+  <p:cSld name="Two Content">
+    <p:spTree>
+      <p:nvGrpSpPr>
+        <p:cNvPr id="1" name=""/>
+        <p:cNvGrpSpPr/>
+        <p:nvPr/>
+      </p:nvGrpSpPr>
+      <p:grpSpPr>
+        <a:xfrm>
+          <a:off x="0" y="0"/>
+          <a:ext cx="0" cy="0"/>
+          <a:chOff x="0" y="0"/>
+          <a:chExt cx="0" cy="0"/>
+        </a:xfrm>
+      </p:grpSpPr>
+      <p:sp>
+        <p:nvSpPr>
+          <p:cNvPr id="8" name="Title 7"/>
+          <p:cNvSpPr>
+            <a:spLocks noGrp="1"/>
+          </p:cNvSpPr>
+          <p:nvPr>
+            <p:ph type="title"/>
+          </p:nvPr>
+        </p:nvSpPr>
+        <p:spPr>
+          <a:xfrm>
+            <a:off x="822960" y="286604"/>
+            <a:ext cx="7543800" cy="1450757"/>
+          </a:xfrm>
+        </p:spPr>
+        <p:txBody>
+          <a:bodyPr/>
+          <a:lstStyle/>
+          <a:p>
+            <a:r>
+              <a:rPr lang="en-US"/>
+              <a:t>Click to edit Master title style</a:t>
+            </a:r>
+            <a:endParaRPr lang="en-US" dirty="0"/>
+          </a:p>
+        </p:txBody>
+      </p:sp>
+      <p:sp>
+        <p:nvSpPr>
+          <p:cNvPr id="3" name="Content Placeholder 2"/>
+          <p:cNvSpPr>
+            <a:spLocks noGrp="1"/>
+          </p:cNvSpPr>
+          <p:nvPr>
+            <p:ph sz="half" idx="1"/>
+          </p:nvPr>
+        </p:nvSpPr>
+        <p:spPr>
+          <a:xfrm>
+            <a:off x="822960" y="1845734"/>
+            <a:ext cx="3703320" cy="4023360"/>
+          </a:xfrm>
+        </p:spPr>
+        <p:txBody>
+          <a:bodyPr/>
+          <a:lstStyle/>
+          <a:p>
+            <a:pPr lvl="0"/>
+            <a:r>
+              <a:rPr lang="en-US"/>
+              <a:t>Click to edit Master text styles</a:t>
+            </a:r>
+          </a:p>
+          <a:p>
+            <a:pPr lvl="1"/>
+            <a:r>
+              <a:rPr lang="en-US"/>
+              <a:t>Second level</a:t>
+            </a:r>
+          </a:p>
+          <a:p>
+            <a:pPr lvl="2"/>
+            <a:r>
+              <a:rPr lang="en-US"/>
+              <a:t>Third level</a:t>
+            </a:r>
+          </a:p>
+          <a:p>
+            <a:pPr lvl="3"/>
+            <a:r>
+              <a:rPr lang="en-US"/>
+              <a:t>Fourth level</a:t>
+            </a:r>
+          </a:p>
+          <a:p>
+            <a:pPr lvl="4"/>
+            <a:r>
+              <a:rPr lang="en-US"/>
+              <a:t>Fifth level</a:t>
+            </a:r>
+            <a:endParaRPr lang="en-US" dirty="0"/>
+          </a:p>
+        </p:txBody>
+      </p:sp>
+      <p:sp>
+        <p:nvSpPr>
+          <p:cNvPr id="4" name="Content Placeholder 3"/>
+          <p:cNvSpPr>
+            <a:spLocks noGrp="1"/>
+          </p:cNvSpPr>
+          <p:nvPr>
+            <p:ph sz="half" idx="2"/>
+          </p:nvPr>
+        </p:nvSpPr>
+        <p:spPr>
+          <a:xfrm>
+            <a:off x="4663440" y="1845736"/>
+            <a:ext cx="3703320" cy="4023359"/>
+          </a:xfrm>
+        </p:spPr>
+        <p:txBody>
+          <a:bodyPr/>
+          <a:lstStyle/>
+          <a:p>
+            <a:pPr lvl="0"/>
+            <a:r>
+              <a:rPr lang="en-US"/>
+              <a:t>Click to edit Master text styles</a:t>
+            </a:r>
+          </a:p>
+          <a:p>
+            <a:pPr lvl="1"/>
+            <a:r>
+              <a:rPr lang="en-US"/>
+              <a:t>Second level</a:t>
+            </a:r>
+          </a:p>
+          <a:p>
+            <a:pPr lvl="2"/>
+            <a:r>
+              <a:rPr lang="en-US"/>
+              <a:t>Third level</a:t>
+            </a:r>
+          </a:p>
+          <a:p>
+            <a:pPr lvl="3"/>
+            <a:r>
+              <a:rPr lang="en-US"/>
+              <a:t>Fourth level</a:t>
+            </a:r>
+          </a:p>
+          <a:p>
+            <a:pPr lvl="4"/>
+            <a:r>
+              <a:rPr lang="en-US"/>
+              <a:t>Fifth level</a:t>
+            </a:r>
+            <a:endParaRPr lang="en-US" dirty="0"/>
+          </a:p>
+        </p:txBody>
+      </p:sp>
+      <p:sp>
+        <p:nvSpPr>
+          <p:cNvPr id="5" name="Date Placeholder 4"/>
+          <p:cNvSpPr>
+            <a:spLocks noGrp="1"/>
+          </p:cNvSpPr>
+          <p:nvPr>
+            <p:ph type="dt" sz="half" idx="10"/>
+          </p:nvPr>
+        </p:nvSpPr>
+        <p:spPr/>
+        <p:txBody>
+          <a:bodyPr/>
+          <a:lstStyle/>
+          <a:p>
+            <a:fld id="{FD5A8FA5-67A5-437B-8FF3-7198EBBF0C10}" type="datetime1">
+              <a:rPr lang="en-US" smtClean="0"/>
+              <a:t>7/6/2016</a:t>
+            </a:fld>
+            <a:endParaRPr lang="en-US"/>
+          </a:p>
+        </p:txBody>
+      </p:sp>
+      <p:sp>
+        <p:nvSpPr>
+          <p:cNvPr id="6" name="Footer Placeholder 5"/>
+          <p:cNvSpPr>
+            <a:spLocks noGrp="1"/>
+          </p:cNvSpPr>
+          <p:nvPr>
+            <p:ph type="ftr" sz="quarter" idx="11"/>
+          </p:nvPr>
+        </p:nvSpPr>
+        <p:spPr/>
+        <p:txBody>
+          <a:bodyPr/>
+          <a:lstStyle/>
+          <a:p>
+            <a:r>
+              <a:rPr lang="en-US"/>
+              <a:t>© 2015 EV3Lessons.com (Last Edit 7/06/2016)</a:t>
+            </a:r>
+            <a:endParaRPr lang="en-US" dirty="0"/>
+          </a:p>
+        </p:txBody>
+      </p:sp>
+      <p:sp>
+        <p:nvSpPr>
+          <p:cNvPr id="7" name="Slide Number Placeholder 6"/>
+          <p:cNvSpPr>
+            <a:spLocks noGrp="1"/>
+          </p:cNvSpPr>
+          <p:nvPr>
+            <p:ph type="sldNum" sz="quarter" idx="12"/>
+          </p:nvPr>
+        </p:nvSpPr>
+        <p:spPr/>
+        <p:txBody>
+          <a:bodyPr/>
+          <a:lstStyle/>
+          <a:p>
+            <a:fld id="{4382A7F7-08BF-4252-8141-63FB96055BBB}" type="slidenum">
+              <a:rPr lang="en-US" smtClean="0"/>
+              <a:t>‹#›</a:t>
+            </a:fld>
+            <a:endParaRPr lang="en-US"/>
+          </a:p>
+        </p:txBody>
+      </p:sp>
+    </p:spTree>
+    <p:extLst>
+      <p:ext uri="{BB962C8B-B14F-4D97-AF65-F5344CB8AC3E}">
+        <p14:creationId xmlns:p14="http://schemas.microsoft.com/office/powerpoint/2010/main" val="468581900"/>
+      </p:ext>
+    </p:extLst>
+  </p:cSld>
+  <p:clrMapOvr>
+    <a:masterClrMapping/>
+  </p:clrMapOvr>
+</p:sldLayout>
+</file>
+
+<file path=ppt/slideLayouts/slideLayout5.xml><?xml version="1.0" encoding="utf-8"?>
+<p:sldLayout xmlns:a="http://schemas.openxmlformats.org/drawingml/2006/main" xmlns:r="http://schemas.openxmlformats.org/officeDocument/2006/relationships" xmlns:p="http://schemas.openxmlformats.org/presentationml/2006/main" type="twoTxTwoObj" preserve="1">
+  <p:cSld name="Comparison">
+    <p:spTree>
+      <p:nvGrpSpPr>
+        <p:cNvPr id="1" name=""/>
+        <p:cNvGrpSpPr/>
+        <p:nvPr/>
+      </p:nvGrpSpPr>
+      <p:grpSpPr>
+        <a:xfrm>
+          <a:off x="0" y="0"/>
+          <a:ext cx="0" cy="0"/>
+          <a:chOff x="0" y="0"/>
+          <a:chExt cx="0" cy="0"/>
+        </a:xfrm>
+      </p:grpSpPr>
+      <p:sp>
+        <p:nvSpPr>
+          <p:cNvPr id="10" name="Title 9"/>
+          <p:cNvSpPr>
+            <a:spLocks noGrp="1"/>
+          </p:cNvSpPr>
+          <p:nvPr>
+            <p:ph type="title"/>
+          </p:nvPr>
+        </p:nvSpPr>
+        <p:spPr>
+          <a:xfrm>
+            <a:off x="822960" y="286604"/>
+            <a:ext cx="7543800" cy="1450757"/>
+          </a:xfrm>
+        </p:spPr>
+        <p:txBody>
+          <a:bodyPr/>
+          <a:lstStyle/>
+          <a:p>
+            <a:r>
+              <a:rPr lang="en-US"/>
+              <a:t>Click to edit Master title style</a:t>
+            </a:r>
+            <a:endParaRPr lang="en-US" dirty="0"/>
+          </a:p>
+        </p:txBody>
+      </p:sp>
+      <p:sp>
+        <p:nvSpPr>
+          <p:cNvPr id="3" name="Text Placeholder 2"/>
+          <p:cNvSpPr>
+            <a:spLocks noGrp="1"/>
+          </p:cNvSpPr>
+          <p:nvPr>
+            <p:ph type="body" idx="1"/>
+          </p:nvPr>
+        </p:nvSpPr>
+        <p:spPr>
+          <a:xfrm>
+            <a:off x="822960" y="1846052"/>
+            <a:ext cx="3703320" cy="736282"/>
+          </a:xfrm>
+        </p:spPr>
+        <p:txBody>
+          <a:bodyPr lIns="91440" rIns="91440" anchor="ctr">
+            <a:normAutofit/>
+          </a:bodyPr>
+          <a:lstStyle>
+            <a:lvl1pPr marL="0" indent="0">
+              <a:buNone/>
+              <a:defRPr sz="2000" b="0" cap="all" baseline="0">
+                <a:solidFill>
+                  <a:schemeClr val="tx2"/>
+                </a:solidFill>
+              </a:defRPr>
+            </a:lvl1pPr>
+            <a:lvl2pPr marL="457200" indent="0">
+              <a:buNone/>
+              <a:defRPr sz="2000" b="1"/>
+            </a:lvl2pPr>
+            <a:lvl3pPr marL="914400" indent="0">
+              <a:buNone/>
+              <a:defRPr sz="1800" b="1"/>
+            </a:lvl3pPr>
+            <a:lvl4pPr marL="1371600" indent="0">
+              <a:buNone/>
+              <a:defRPr sz="1600" b="1"/>
+            </a:lvl4pPr>
+            <a:lvl5pPr marL="1828800" indent="0">
+              <a:buNone/>
+              <a:defRPr sz="1600" b="1"/>
+            </a:lvl5pPr>
+            <a:lvl6pPr marL="2286000" indent="0">
+              <a:buNone/>
+              <a:defRPr sz="1600" b="1"/>
+            </a:lvl6pPr>
+            <a:lvl7pPr marL="2743200" indent="0">
+              <a:buNone/>
+              <a:defRPr sz="1600" b="1"/>
+            </a:lvl7pPr>
+            <a:lvl8pPr marL="3200400" indent="0">
+              <a:buNone/>
+              <a:defRPr sz="1600" b="1"/>
+            </a:lvl8pPr>
+            <a:lvl9pPr marL="3657600" indent="0">
+              <a:buNone/>
+              <a:defRPr sz="1600" b="1"/>
+            </a:lvl9pPr>
+          </a:lstStyle>
+          <a:p>
+            <a:pPr lvl="0"/>
+            <a:r>
+              <a:rPr lang="en-US"/>
+              <a:t>Click to edit Master text styles</a:t>
+            </a:r>
+          </a:p>
+        </p:txBody>
+      </p:sp>
+      <p:sp>
+        <p:nvSpPr>
+          <p:cNvPr id="4" name="Content Placeholder 3"/>
+          <p:cNvSpPr>
+            <a:spLocks noGrp="1"/>
+          </p:cNvSpPr>
+          <p:nvPr>
+            <p:ph sz="half" idx="2"/>
+          </p:nvPr>
+        </p:nvSpPr>
+        <p:spPr>
+          <a:xfrm>
+            <a:off x="822960" y="2582334"/>
+            <a:ext cx="3703320" cy="3286760"/>
+          </a:xfrm>
+        </p:spPr>
+        <p:txBody>
+          <a:bodyPr/>
+          <a:lstStyle/>
+          <a:p>
+            <a:pPr lvl="0"/>
+            <a:r>
+              <a:rPr lang="en-US"/>
+              <a:t>Click to edit Master text styles</a:t>
+            </a:r>
+          </a:p>
+          <a:p>
+            <a:pPr lvl="1"/>
+            <a:r>
+              <a:rPr lang="en-US"/>
+              <a:t>Second level</a:t>
+            </a:r>
+          </a:p>
+          <a:p>
+            <a:pPr lvl="2"/>
+            <a:r>
+              <a:rPr lang="en-US"/>
+              <a:t>Third level</a:t>
+            </a:r>
+          </a:p>
+          <a:p>
+            <a:pPr lvl="3"/>
+            <a:r>
+              <a:rPr lang="en-US"/>
+              <a:t>Fourth level</a:t>
+            </a:r>
+          </a:p>
+          <a:p>
+            <a:pPr lvl="4"/>
+            <a:r>
+              <a:rPr lang="en-US"/>
+              <a:t>Fifth level</a:t>
+            </a:r>
+            <a:endParaRPr lang="en-US" dirty="0"/>
+          </a:p>
+        </p:txBody>
+      </p:sp>
+      <p:sp>
+        <p:nvSpPr>
+          <p:cNvPr id="5" name="Text Placeholder 4"/>
+          <p:cNvSpPr>
+            <a:spLocks noGrp="1"/>
+          </p:cNvSpPr>
+          <p:nvPr>
+            <p:ph type="body" sz="quarter" idx="3"/>
+          </p:nvPr>
+        </p:nvSpPr>
+        <p:spPr>
+          <a:xfrm>
+            <a:off x="4663440" y="1846052"/>
+            <a:ext cx="3703320" cy="736282"/>
+          </a:xfrm>
+        </p:spPr>
+        <p:txBody>
+          <a:bodyPr lIns="91440" rIns="91440" anchor="ctr">
+            <a:normAutofit/>
+          </a:bodyPr>
+          <a:lstStyle>
+            <a:lvl1pPr marL="0" indent="0">
+              <a:buNone/>
+              <a:defRPr sz="2000" b="0" cap="all" baseline="0">
+                <a:solidFill>
+                  <a:schemeClr val="tx2"/>
+                </a:solidFill>
+              </a:defRPr>
+            </a:lvl1pPr>
+            <a:lvl2pPr marL="457200" indent="0">
+              <a:buNone/>
+              <a:defRPr sz="2000" b="1"/>
+            </a:lvl2pPr>
+            <a:lvl3pPr marL="914400" indent="0">
+              <a:buNone/>
+              <a:defRPr sz="1800" b="1"/>
+            </a:lvl3pPr>
+            <a:lvl4pPr marL="1371600" indent="0">
+              <a:buNone/>
+              <a:defRPr sz="1600" b="1"/>
+            </a:lvl4pPr>
+            <a:lvl5pPr marL="1828800" indent="0">
+              <a:buNone/>
+              <a:defRPr sz="1600" b="1"/>
+            </a:lvl5pPr>
+            <a:lvl6pPr marL="2286000" indent="0">
+              <a:buNone/>
+              <a:defRPr sz="1600" b="1"/>
+            </a:lvl6pPr>
+            <a:lvl7pPr marL="2743200" indent="0">
+              <a:buNone/>
+              <a:defRPr sz="1600" b="1"/>
+            </a:lvl7pPr>
+            <a:lvl8pPr marL="3200400" indent="0">
+              <a:buNone/>
+              <a:defRPr sz="1600" b="1"/>
+            </a:lvl8pPr>
+            <a:lvl9pPr marL="3657600" indent="0">
+              <a:buNone/>
+              <a:defRPr sz="1600" b="1"/>
+            </a:lvl9pPr>
+          </a:lstStyle>
+          <a:p>
+            <a:pPr lvl="0"/>
+            <a:r>
+              <a:rPr lang="en-US"/>
+              <a:t>Click to edit Master text styles</a:t>
+            </a:r>
+          </a:p>
+        </p:txBody>
+      </p:sp>
+      <p:sp>
+        <p:nvSpPr>
+          <p:cNvPr id="6" name="Content Placeholder 5"/>
+          <p:cNvSpPr>
+            <a:spLocks noGrp="1"/>
+          </p:cNvSpPr>
+          <p:nvPr>
+            <p:ph sz="quarter" idx="4"/>
+          </p:nvPr>
+        </p:nvSpPr>
+        <p:spPr>
+          <a:xfrm>
+            <a:off x="4663440" y="2582334"/>
+            <a:ext cx="3703320" cy="3286760"/>
+          </a:xfrm>
+        </p:spPr>
+        <p:txBody>
+          <a:bodyPr/>
+          <a:lstStyle/>
+          <a:p>
+            <a:pPr lvl="0"/>
+            <a:r>
+              <a:rPr lang="en-US"/>
+              <a:t>Click to edit Master text styles</a:t>
+            </a:r>
+          </a:p>
+          <a:p>
+            <a:pPr lvl="1"/>
+            <a:r>
+              <a:rPr lang="en-US"/>
+              <a:t>Second level</a:t>
+            </a:r>
+          </a:p>
+          <a:p>
+            <a:pPr lvl="2"/>
+            <a:r>
+              <a:rPr lang="en-US"/>
+              <a:t>Third level</a:t>
+            </a:r>
+          </a:p>
+          <a:p>
+            <a:pPr lvl="3"/>
+            <a:r>
+              <a:rPr lang="en-US"/>
+              <a:t>Fourth level</a:t>
+            </a:r>
+          </a:p>
+          <a:p>
+            <a:pPr lvl="4"/>
+            <a:r>
+              <a:rPr lang="en-US"/>
+              <a:t>Fifth level</a:t>
+            </a:r>
+            <a:endParaRPr lang="en-US" dirty="0"/>
+          </a:p>
+        </p:txBody>
+      </p:sp>
+      <p:sp>
+        <p:nvSpPr>
+          <p:cNvPr id="7" name="Date Placeholder 6"/>
+          <p:cNvSpPr>
+            <a:spLocks noGrp="1"/>
+          </p:cNvSpPr>
+          <p:nvPr>
+            <p:ph type="dt" sz="half" idx="10"/>
+          </p:nvPr>
+        </p:nvSpPr>
+        <p:spPr/>
+        <p:txBody>
+          <a:bodyPr/>
+          <a:lstStyle/>
+          <a:p>
+            <a:fld id="{6B60AA1B-53D8-4883-A9B6-A9CD3443BF0D}" type="datetime1">
+              <a:rPr lang="en-US" smtClean="0"/>
+              <a:t>7/6/2016</a:t>
+            </a:fld>
+            <a:endParaRPr lang="en-US"/>
+          </a:p>
+        </p:txBody>
+      </p:sp>
+      <p:sp>
+        <p:nvSpPr>
+          <p:cNvPr id="8" name="Footer Placeholder 7"/>
+          <p:cNvSpPr>
+            <a:spLocks noGrp="1"/>
+          </p:cNvSpPr>
+          <p:nvPr>
+            <p:ph type="ftr" sz="quarter" idx="11"/>
+          </p:nvPr>
+        </p:nvSpPr>
+        <p:spPr/>
+        <p:txBody>
+          <a:bodyPr/>
+          <a:lstStyle/>
+          <a:p>
+            <a:r>
+              <a:rPr lang="en-US"/>
+              <a:t>© 2015 EV3Lessons.com (Last Edit 7/06/2016)</a:t>
+            </a:r>
+          </a:p>
+        </p:txBody>
+      </p:sp>
+      <p:sp>
+        <p:nvSpPr>
+          <p:cNvPr id="9" name="Slide Number Placeholder 8"/>
+          <p:cNvSpPr>
+            <a:spLocks noGrp="1"/>
+          </p:cNvSpPr>
+          <p:nvPr>
+            <p:ph type="sldNum" sz="quarter" idx="12"/>
+          </p:nvPr>
+        </p:nvSpPr>
+        <p:spPr/>
+        <p:txBody>
+          <a:bodyPr/>
+          <a:lstStyle/>
+          <a:p>
+            <a:fld id="{4382A7F7-08BF-4252-8141-63FB96055BBB}" type="slidenum">
+              <a:rPr lang="en-US" smtClean="0"/>
+              <a:t>‹#›</a:t>
+            </a:fld>
+            <a:endParaRPr lang="en-US"/>
+          </a:p>
+        </p:txBody>
+      </p:sp>
+    </p:spTree>
+    <p:extLst>
+      <p:ext uri="{BB962C8B-B14F-4D97-AF65-F5344CB8AC3E}">
+        <p14:creationId xmlns:p14="http://schemas.microsoft.com/office/powerpoint/2010/main" val="1481596878"/>
+      </p:ext>
+    </p:extLst>
+  </p:cSld>
+  <p:clrMapOvr>
+    <a:masterClrMapping/>
+  </p:clrMapOvr>
+</p:sldLayout>
+</file>
+
+<file path=ppt/slideLayouts/slideLayout6.xml><?xml version="1.0" encoding="utf-8"?>
+<p:sldLayout xmlns:a="http://schemas.openxmlformats.org/drawingml/2006/main" xmlns:r="http://schemas.openxmlformats.org/officeDocument/2006/relationships" xmlns:p="http://schemas.openxmlformats.org/presentationml/2006/main" type="titleOnly" preserve="1">
+  <p:cSld name="Title Only">
+    <p:spTree>
+      <p:nvGrpSpPr>
+        <p:cNvPr id="1" name=""/>
+        <p:cNvGrpSpPr/>
+        <p:nvPr/>
+      </p:nvGrpSpPr>
+      <p:grpSpPr>
+        <a:xfrm>
+          <a:off x="0" y="0"/>
+          <a:ext cx="0" cy="0"/>
+          <a:chOff x="0" y="0"/>
+          <a:chExt cx="0" cy="0"/>
+        </a:xfrm>
+      </p:grpSpPr>
+      <p:sp>
+        <p:nvSpPr>
+          <p:cNvPr id="2" name="Title 1"/>
+          <p:cNvSpPr>
+            <a:spLocks noGrp="1"/>
+          </p:cNvSpPr>
+          <p:nvPr>
+            <p:ph type="title"/>
+          </p:nvPr>
+        </p:nvSpPr>
+        <p:spPr/>
+        <p:txBody>
+          <a:bodyPr/>
+          <a:lstStyle/>
+          <a:p>
+            <a:r>
+              <a:rPr lang="en-US"/>
+              <a:t>Click to edit Master title style</a:t>
+            </a:r>
+            <a:endParaRPr lang="en-US" dirty="0"/>
+          </a:p>
+        </p:txBody>
+      </p:sp>
+      <p:sp>
+        <p:nvSpPr>
+          <p:cNvPr id="3" name="Date Placeholder 2"/>
+          <p:cNvSpPr>
+            <a:spLocks noGrp="1"/>
+          </p:cNvSpPr>
+          <p:nvPr>
+            <p:ph type="dt" sz="half" idx="10"/>
+          </p:nvPr>
+        </p:nvSpPr>
+        <p:spPr/>
+        <p:txBody>
+          <a:bodyPr/>
+          <a:lstStyle/>
+          <a:p>
+            <a:fld id="{FAC0B086-BC37-4EB9-8203-52C605F830E7}" type="datetime1">
+              <a:rPr lang="en-US" smtClean="0"/>
+              <a:t>7/6/2016</a:t>
+            </a:fld>
+            <a:endParaRPr lang="en-US"/>
+          </a:p>
+        </p:txBody>
+      </p:sp>
+      <p:sp>
+        <p:nvSpPr>
+          <p:cNvPr id="4" name="Footer Placeholder 3"/>
+          <p:cNvSpPr>
+            <a:spLocks noGrp="1"/>
+          </p:cNvSpPr>
+          <p:nvPr>
+            <p:ph type="ftr" sz="quarter" idx="11"/>
+          </p:nvPr>
+        </p:nvSpPr>
+        <p:spPr/>
+        <p:txBody>
+          <a:bodyPr/>
+          <a:lstStyle/>
+          <a:p>
+            <a:r>
+              <a:rPr lang="en-US"/>
+              <a:t>© 2015 EV3Lessons.com (Last Edit 7/06/2016)</a:t>
+            </a:r>
+          </a:p>
+        </p:txBody>
+      </p:sp>
+      <p:sp>
+        <p:nvSpPr>
+          <p:cNvPr id="5" name="Slide Number Placeholder 4"/>
+          <p:cNvSpPr>
+            <a:spLocks noGrp="1"/>
+          </p:cNvSpPr>
+          <p:nvPr>
+            <p:ph type="sldNum" sz="quarter" idx="12"/>
+          </p:nvPr>
+        </p:nvSpPr>
+        <p:spPr/>
+        <p:txBody>
+          <a:bodyPr/>
+          <a:lstStyle/>
+          <a:p>
+            <a:fld id="{4382A7F7-08BF-4252-8141-63FB96055BBB}" type="slidenum">
+              <a:rPr lang="en-US" smtClean="0"/>
+              <a:t>‹#›</a:t>
+            </a:fld>
+            <a:endParaRPr lang="en-US"/>
+          </a:p>
+        </p:txBody>
+      </p:sp>
+    </p:spTree>
+    <p:extLst>
+      <p:ext uri="{BB962C8B-B14F-4D97-AF65-F5344CB8AC3E}">
+        <p14:creationId xmlns:p14="http://schemas.microsoft.com/office/powerpoint/2010/main" val="541038150"/>
+      </p:ext>
+    </p:extLst>
+  </p:cSld>
+  <p:clrMapOvr>
+    <a:masterClrMapping/>
+  </p:clrMapOvr>
+</p:sldLayout>
+</file>
+
+<file path=ppt/slideLayouts/slideLayout7.xml><?xml version="1.0" encoding="utf-8"?>
+<p:sldLayout xmlns:a="http://schemas.openxmlformats.org/drawingml/2006/main" xmlns:r="http://schemas.openxmlformats.org/officeDocument/2006/relationships" xmlns:p="http://schemas.openxmlformats.org/presentationml/2006/main" showMasterSp="0" type="blank" preserve="1">
+  <p:cSld name="Blank">
+    <p:spTree>
+      <p:nvGrpSpPr>
+        <p:cNvPr id="1" name=""/>
+        <p:cNvGrpSpPr/>
+        <p:nvPr/>
+      </p:nvGrpSpPr>
+      <p:grpSpPr>
+        <a:xfrm>
+          <a:off x="0" y="0"/>
+          <a:ext cx="0" cy="0"/>
+          <a:chOff x="0" y="0"/>
+          <a:chExt cx="0" cy="0"/>
+        </a:xfrm>
+      </p:grpSpPr>
+      <p:sp>
+        <p:nvSpPr>
+          <p:cNvPr id="5" name="Rectangle 4"/>
+          <p:cNvSpPr/>
+          <p:nvPr/>
+        </p:nvSpPr>
+        <p:spPr>
+          <a:xfrm>
+            <a:off x="2382" y="6400800"/>
+            <a:ext cx="9141619" cy="457200"/>
+          </a:xfrm>
+          <a:prstGeom prst="rect">
+            <a:avLst/>
+          </a:prstGeom>
+          <a:solidFill>
+            <a:schemeClr val="accent2"/>
+          </a:solidFill>
+          <a:ln>
+            <a:noFill/>
+          </a:ln>
+        </p:spPr>
+        <p:style>
+          <a:lnRef idx="2">
+            <a:schemeClr val="accent1">
+              <a:shade val="50000"/>
+            </a:schemeClr>
+          </a:lnRef>
+          <a:fillRef idx="1">
+            <a:schemeClr val="accent1"/>
+          </a:fillRef>
+          <a:effectRef idx="0">
+            <a:schemeClr val="accent1"/>
+          </a:effectRef>
+          <a:fontRef idx="minor">
+            <a:schemeClr val="lt1"/>
+          </a:fontRef>
+        </p:style>
+      </p:sp>
+      <p:sp>
+        <p:nvSpPr>
+          <p:cNvPr id="6" name="Rectangle 5"/>
+          <p:cNvSpPr/>
+          <p:nvPr/>
+        </p:nvSpPr>
+        <p:spPr>
+          <a:xfrm>
+            <a:off x="12" y="6334316"/>
+            <a:ext cx="9141619" cy="64008"/>
+          </a:xfrm>
+          <a:prstGeom prst="rect">
+            <a:avLst/>
+          </a:prstGeom>
+          <a:solidFill>
+            <a:schemeClr val="accent1"/>
+          </a:solidFill>
+          <a:ln>
+            <a:noFill/>
+          </a:ln>
+        </p:spPr>
+        <p:style>
+          <a:lnRef idx="2">
+            <a:schemeClr val="accent1">
+              <a:shade val="50000"/>
+            </a:schemeClr>
+          </a:lnRef>
+          <a:fillRef idx="1">
+            <a:schemeClr val="accent1"/>
+          </a:fillRef>
+          <a:effectRef idx="0">
+            <a:schemeClr val="accent1"/>
+          </a:effectRef>
+          <a:fontRef idx="minor">
+            <a:schemeClr val="lt1"/>
+          </a:fontRef>
+        </p:style>
+      </p:sp>
+      <p:sp>
+        <p:nvSpPr>
+          <p:cNvPr id="7" name="Date Placeholder 6"/>
+          <p:cNvSpPr>
+            <a:spLocks noGrp="1"/>
+          </p:cNvSpPr>
+          <p:nvPr>
+            <p:ph type="dt" sz="half" idx="10"/>
+          </p:nvPr>
+        </p:nvSpPr>
+        <p:spPr/>
+        <p:txBody>
+          <a:bodyPr/>
+          <a:lstStyle/>
+          <a:p>
+            <a:fld id="{4BADEFF7-9F45-4849-B824-08CE5E3805C7}" type="datetime1">
+              <a:rPr lang="en-US" smtClean="0"/>
+              <a:t>7/6/2016</a:t>
+            </a:fld>
+            <a:endParaRPr lang="en-US"/>
+          </a:p>
+        </p:txBody>
+      </p:sp>
+      <p:sp>
+        <p:nvSpPr>
+          <p:cNvPr id="8" name="Footer Placeholder 7"/>
+          <p:cNvSpPr>
+            <a:spLocks noGrp="1"/>
+          </p:cNvSpPr>
+          <p:nvPr>
+            <p:ph type="ftr" sz="quarter" idx="11"/>
+          </p:nvPr>
+        </p:nvSpPr>
+        <p:spPr/>
+        <p:txBody>
+          <a:bodyPr/>
+          <a:lstStyle>
+            <a:lvl1pPr>
+              <a:defRPr>
+                <a:solidFill>
+                  <a:srgbClr val="FFFFFF"/>
+                </a:solidFill>
+              </a:defRPr>
+            </a:lvl1pPr>
+          </a:lstStyle>
+          <a:p>
+            <a:r>
+              <a:rPr lang="en-US"/>
+              <a:t>© 2015 EV3Lessons.com (Last Edit 7/06/2016)</a:t>
+            </a:r>
+          </a:p>
+        </p:txBody>
+      </p:sp>
+      <p:sp>
+        <p:nvSpPr>
+          <p:cNvPr id="9" name="Slide Number Placeholder 8"/>
+          <p:cNvSpPr>
+            <a:spLocks noGrp="1"/>
+          </p:cNvSpPr>
+          <p:nvPr>
+            <p:ph type="sldNum" sz="quarter" idx="12"/>
+          </p:nvPr>
+        </p:nvSpPr>
+        <p:spPr/>
+        <p:txBody>
+          <a:bodyPr/>
+          <a:lstStyle/>
+          <a:p>
+            <a:fld id="{4382A7F7-08BF-4252-8141-63FB96055BBB}" type="slidenum">
+              <a:rPr lang="en-US" smtClean="0"/>
+              <a:t>‹#›</a:t>
+            </a:fld>
+            <a:endParaRPr lang="en-US"/>
+          </a:p>
+        </p:txBody>
+      </p:sp>
+    </p:spTree>
+    <p:extLst>
+      <p:ext uri="{BB962C8B-B14F-4D97-AF65-F5344CB8AC3E}">
+        <p14:creationId xmlns:p14="http://schemas.microsoft.com/office/powerpoint/2010/main" val="1185562583"/>
+      </p:ext>
+    </p:extLst>
+  </p:cSld>
+  <p:clrMapOvr>
+    <a:masterClrMapping/>
+  </p:clrMapOvr>
+</p:sldLayout>
+</file>
+
+<file path=ppt/slideLayouts/slideLayout8.xml><?xml version="1.0" encoding="utf-8"?>
+<p:sldLayout xmlns:a="http://schemas.openxmlformats.org/drawingml/2006/main" xmlns:r="http://schemas.openxmlformats.org/officeDocument/2006/relationships" xmlns:p="http://schemas.openxmlformats.org/presentationml/2006/main" showMasterSp="0" type="objTx" preserve="1">
+  <p:cSld name="Content with Caption">
+    <p:spTree>
+      <p:nvGrpSpPr>
+        <p:cNvPr id="1" name=""/>
+        <p:cNvGrpSpPr/>
+        <p:nvPr/>
+      </p:nvGrpSpPr>
+      <p:grpSpPr>
+        <a:xfrm>
+          <a:off x="0" y="0"/>
+          <a:ext cx="0" cy="0"/>
+          <a:chOff x="0" y="0"/>
+          <a:chExt cx="0" cy="0"/>
+        </a:xfrm>
+      </p:grpSpPr>
+      <p:sp>
+        <p:nvSpPr>
+          <p:cNvPr id="8" name="Rectangle 7"/>
+          <p:cNvSpPr/>
+          <p:nvPr/>
+        </p:nvSpPr>
+        <p:spPr>
+          <a:xfrm>
+            <a:off x="13" y="0"/>
+            <a:ext cx="3038093" cy="6858000"/>
+          </a:xfrm>
+          <a:prstGeom prst="rect">
+            <a:avLst/>
+          </a:prstGeom>
+          <a:solidFill>
+            <a:schemeClr val="accent2"/>
+          </a:solidFill>
+          <a:ln>
+            <a:noFill/>
+          </a:ln>
+        </p:spPr>
+        <p:style>
+          <a:lnRef idx="2">
+            <a:schemeClr val="accent1">
+              <a:shade val="50000"/>
+            </a:schemeClr>
+          </a:lnRef>
+          <a:fillRef idx="1">
+            <a:schemeClr val="accent1"/>
+          </a:fillRef>
+          <a:effectRef idx="0">
+            <a:schemeClr val="accent1"/>
+          </a:effectRef>
+          <a:fontRef idx="minor">
+            <a:schemeClr val="lt1"/>
+          </a:fontRef>
+        </p:style>
+      </p:sp>
+      <p:sp>
+        <p:nvSpPr>
+          <p:cNvPr id="9" name="Rectangle 8"/>
+          <p:cNvSpPr/>
+          <p:nvPr/>
+        </p:nvSpPr>
+        <p:spPr>
+          <a:xfrm>
+            <a:off x="3030053" y="0"/>
+            <a:ext cx="48006" cy="6858000"/>
+          </a:xfrm>
+          <a:prstGeom prst="rect">
+            <a:avLst/>
+          </a:prstGeom>
+          <a:solidFill>
+            <a:schemeClr val="accent1"/>
+          </a:solidFill>
+          <a:ln>
+            <a:noFill/>
+          </a:ln>
+        </p:spPr>
+        <p:style>
+          <a:lnRef idx="2">
+            <a:schemeClr val="accent1">
+              <a:shade val="50000"/>
+            </a:schemeClr>
+          </a:lnRef>
+          <a:fillRef idx="1">
+            <a:schemeClr val="accent1"/>
+          </a:fillRef>
+          <a:effectRef idx="0">
+            <a:schemeClr val="accent1"/>
+          </a:effectRef>
+          <a:fontRef idx="minor">
+            <a:schemeClr val="lt1"/>
+          </a:fontRef>
+        </p:style>
+      </p:sp>
+      <p:sp>
+        <p:nvSpPr>
+          <p:cNvPr id="2" name="Title 1"/>
+          <p:cNvSpPr>
+            <a:spLocks noGrp="1"/>
+          </p:cNvSpPr>
+          <p:nvPr>
+            <p:ph type="title"/>
+          </p:nvPr>
+        </p:nvSpPr>
+        <p:spPr>
+          <a:xfrm>
+            <a:off x="342900" y="594359"/>
+            <a:ext cx="2400300" cy="2286000"/>
+          </a:xfrm>
+        </p:spPr>
+        <p:txBody>
+          <a:bodyPr anchor="b">
+            <a:normAutofit/>
+          </a:bodyPr>
+          <a:lstStyle>
+            <a:lvl1pPr>
+              <a:defRPr sz="3600" b="0">
+                <a:solidFill>
+                  <a:srgbClr val="FFFFFF"/>
+                </a:solidFill>
+              </a:defRPr>
+            </a:lvl1pPr>
+          </a:lstStyle>
+          <a:p>
+            <a:r>
+              <a:rPr lang="en-US"/>
+              <a:t>Click to edit Master title style</a:t>
+            </a:r>
+            <a:endParaRPr lang="en-US" dirty="0"/>
+          </a:p>
+        </p:txBody>
+      </p:sp>
+      <p:sp>
+        <p:nvSpPr>
+          <p:cNvPr id="3" name="Content Placeholder 2"/>
+          <p:cNvSpPr>
+            <a:spLocks noGrp="1"/>
+          </p:cNvSpPr>
+          <p:nvPr>
+            <p:ph idx="1"/>
+          </p:nvPr>
+        </p:nvSpPr>
+        <p:spPr>
+          <a:xfrm>
+            <a:off x="3460237" y="731520"/>
+            <a:ext cx="5009393" cy="5257800"/>
+          </a:xfrm>
+        </p:spPr>
+        <p:txBody>
+          <a:bodyPr/>
+          <a:lstStyle/>
+          <a:p>
+            <a:pPr lvl="0"/>
+            <a:r>
+              <a:rPr lang="en-US"/>
+              <a:t>Click to edit Master text styles</a:t>
+            </a:r>
+          </a:p>
+          <a:p>
+            <a:pPr lvl="1"/>
+            <a:r>
+              <a:rPr lang="en-US"/>
+              <a:t>Second level</a:t>
+            </a:r>
+          </a:p>
+          <a:p>
+            <a:pPr lvl="2"/>
+            <a:r>
+              <a:rPr lang="en-US"/>
+              <a:t>Third level</a:t>
+            </a:r>
+          </a:p>
+          <a:p>
+            <a:pPr lvl="3"/>
+            <a:r>
+              <a:rPr lang="en-US"/>
+              <a:t>Fourth level</a:t>
+            </a:r>
+          </a:p>
+          <a:p>
+            <a:pPr lvl="4"/>
+            <a:r>
+              <a:rPr lang="en-US"/>
+              <a:t>Fifth level</a:t>
+            </a:r>
+            <a:endParaRPr lang="en-US" dirty="0"/>
+          </a:p>
+        </p:txBody>
+      </p:sp>
+      <p:sp>
+        <p:nvSpPr>
+          <p:cNvPr id="4" name="Text Placeholder 3"/>
+          <p:cNvSpPr>
+            <a:spLocks noGrp="1"/>
+          </p:cNvSpPr>
+          <p:nvPr>
+            <p:ph type="body" sz="half" idx="2"/>
+          </p:nvPr>
+        </p:nvSpPr>
+        <p:spPr>
+          <a:xfrm>
+            <a:off x="342900" y="2926080"/>
+            <a:ext cx="2400300" cy="3379124"/>
+          </a:xfrm>
+        </p:spPr>
+        <p:txBody>
+          <a:bodyPr lIns="91440" rIns="91440">
+            <a:normAutofit/>
+          </a:bodyPr>
+          <a:lstStyle>
+            <a:lvl1pPr marL="0" indent="0">
+              <a:buNone/>
+              <a:defRPr sz="1500">
+                <a:solidFill>
+                  <a:srgbClr val="FFFFFF"/>
+                </a:solidFill>
+              </a:defRPr>
+            </a:lvl1pPr>
+            <a:lvl2pPr marL="457200" indent="0">
+              <a:buNone/>
+              <a:defRPr sz="1200"/>
+            </a:lvl2pPr>
+            <a:lvl3pPr marL="914400" indent="0">
+              <a:buNone/>
+              <a:defRPr sz="1000"/>
+            </a:lvl3pPr>
+            <a:lvl4pPr marL="1371600" indent="0">
+              <a:buNone/>
+              <a:defRPr sz="900"/>
+            </a:lvl4pPr>
+            <a:lvl5pPr marL="1828800" indent="0">
+              <a:buNone/>
+              <a:defRPr sz="900"/>
+            </a:lvl5pPr>
+            <a:lvl6pPr marL="2286000" indent="0">
+              <a:buNone/>
+              <a:defRPr sz="900"/>
+            </a:lvl6pPr>
+            <a:lvl7pPr marL="2743200" indent="0">
+              <a:buNone/>
+              <a:defRPr sz="900"/>
+            </a:lvl7pPr>
+            <a:lvl8pPr marL="3200400" indent="0">
+              <a:buNone/>
+              <a:defRPr sz="900"/>
+            </a:lvl8pPr>
+            <a:lvl9pPr marL="3657600" indent="0">
+              <a:buNone/>
+              <a:defRPr sz="900"/>
+            </a:lvl9pPr>
+          </a:lstStyle>
+          <a:p>
+            <a:pPr lvl="0"/>
+            <a:r>
+              <a:rPr lang="en-US"/>
+              <a:t>Click to edit Master text styles</a:t>
+            </a:r>
+          </a:p>
+        </p:txBody>
+      </p:sp>
+      <p:sp>
+        <p:nvSpPr>
+          <p:cNvPr id="5" name="Date Placeholder 4"/>
+          <p:cNvSpPr>
+            <a:spLocks noGrp="1"/>
+          </p:cNvSpPr>
+          <p:nvPr>
+            <p:ph type="dt" sz="half" idx="10"/>
+          </p:nvPr>
+        </p:nvSpPr>
+        <p:spPr>
+          <a:xfrm>
+            <a:off x="349134" y="6459786"/>
+            <a:ext cx="1963883" cy="365125"/>
+          </a:xfrm>
+        </p:spPr>
+        <p:txBody>
+          <a:bodyPr/>
+          <a:lstStyle>
+            <a:lvl1pPr algn="l">
+              <a:defRPr/>
+            </a:lvl1pPr>
+          </a:lstStyle>
+          <a:p>
+            <a:fld id="{C0862655-67C3-4001-96DC-CC14F7CE8BF1}" type="datetime1">
+              <a:rPr lang="en-US" smtClean="0"/>
+              <a:t>7/6/2016</a:t>
+            </a:fld>
+            <a:endParaRPr lang="en-US"/>
+          </a:p>
+        </p:txBody>
+      </p:sp>
+      <p:sp>
+        <p:nvSpPr>
+          <p:cNvPr id="6" name="Footer Placeholder 5"/>
+          <p:cNvSpPr>
+            <a:spLocks noGrp="1"/>
+          </p:cNvSpPr>
+          <p:nvPr>
+            <p:ph type="ftr" sz="quarter" idx="11"/>
+          </p:nvPr>
+        </p:nvSpPr>
+        <p:spPr>
+          <a:xfrm>
+            <a:off x="3600450" y="6459786"/>
+            <a:ext cx="3486150" cy="365125"/>
+          </a:xfrm>
+        </p:spPr>
+        <p:txBody>
+          <a:bodyPr/>
+          <a:lstStyle>
+            <a:lvl1pPr algn="l">
+              <a:defRPr>
+                <a:solidFill>
+                  <a:schemeClr val="tx2"/>
+                </a:solidFill>
+              </a:defRPr>
+            </a:lvl1pPr>
+          </a:lstStyle>
+          <a:p>
+            <a:r>
+              <a:rPr lang="en-US"/>
+              <a:t>© 2015 EV3Lessons.com (Last Edit 7/06/2016)</a:t>
+            </a:r>
+          </a:p>
+        </p:txBody>
+      </p:sp>
+      <p:sp>
+        <p:nvSpPr>
+          <p:cNvPr id="7" name="Slide Number Placeholder 6"/>
+          <p:cNvSpPr>
+            <a:spLocks noGrp="1"/>
+          </p:cNvSpPr>
+          <p:nvPr>
+            <p:ph type="sldNum" sz="quarter" idx="12"/>
+          </p:nvPr>
+        </p:nvSpPr>
+        <p:spPr/>
+        <p:txBody>
+          <a:bodyPr/>
+          <a:lstStyle>
+            <a:lvl1pPr>
+              <a:defRPr>
+                <a:solidFill>
+                  <a:schemeClr val="tx2"/>
+                </a:solidFill>
+              </a:defRPr>
+            </a:lvl1pPr>
+          </a:lstStyle>
+          <a:p>
+            <a:fld id="{7F5CE407-6216-4202-80E4-A30DC2F709B2}" type="slidenum">
+              <a:rPr lang="en-US" smtClean="0"/>
+              <a:t>‹#›</a:t>
+            </a:fld>
+            <a:endParaRPr lang="en-US"/>
+          </a:p>
+        </p:txBody>
+      </p:sp>
+    </p:spTree>
+    <p:extLst>
+      <p:ext uri="{BB962C8B-B14F-4D97-AF65-F5344CB8AC3E}">
+        <p14:creationId xmlns:p14="http://schemas.microsoft.com/office/powerpoint/2010/main" val="1875008654"/>
+      </p:ext>
+    </p:extLst>
+  </p:cSld>
+  <p:clrMapOvr>
+    <a:masterClrMapping/>
+  </p:clrMapOvr>
+</p:sldLayout>
+</file>
+
+<file path=ppt/slideLayouts/slideLayout9.xml><?xml version="1.0" encoding="utf-8"?>
+<p:sldLayout xmlns:a="http://schemas.openxmlformats.org/drawingml/2006/main" xmlns:r="http://schemas.openxmlformats.org/officeDocument/2006/relationships" xmlns:p="http://schemas.openxmlformats.org/presentationml/2006/main" showMasterSp="0" type="picTx" preserve="1">
+  <p:cSld name="Picture with Caption">
+    <p:spTree>
+      <p:nvGrpSpPr>
+        <p:cNvPr id="1" name=""/>
+        <p:cNvGrpSpPr/>
+        <p:nvPr/>
+      </p:nvGrpSpPr>
+      <p:grpSpPr>
+        <a:xfrm>
+          <a:off x="0" y="0"/>
+          <a:ext cx="0" cy="0"/>
+          <a:chOff x="0" y="0"/>
+          <a:chExt cx="0" cy="0"/>
+        </a:xfrm>
+      </p:grpSpPr>
+      <p:sp>
+        <p:nvSpPr>
+          <p:cNvPr id="8" name="Rectangle 7"/>
+          <p:cNvSpPr/>
+          <p:nvPr/>
+        </p:nvSpPr>
+        <p:spPr>
+          <a:xfrm>
+            <a:off x="0" y="4953000"/>
+            <a:ext cx="9141619" cy="1905000"/>
+          </a:xfrm>
+          <a:prstGeom prst="rect">
+            <a:avLst/>
+          </a:prstGeom>
+          <a:solidFill>
+            <a:schemeClr val="accent2"/>
+          </a:solidFill>
+          <a:ln>
+            <a:noFill/>
+          </a:ln>
+        </p:spPr>
+        <p:style>
+          <a:lnRef idx="2">
+            <a:schemeClr val="accent1">
+              <a:shade val="50000"/>
+            </a:schemeClr>
+          </a:lnRef>
+          <a:fillRef idx="1">
+            <a:schemeClr val="accent1"/>
+          </a:fillRef>
+          <a:effectRef idx="0">
+            <a:schemeClr val="accent1"/>
+          </a:effectRef>
+          <a:fontRef idx="minor">
+            <a:schemeClr val="lt1"/>
+          </a:fontRef>
+        </p:style>
+      </p:sp>
+      <p:sp>
+        <p:nvSpPr>
+          <p:cNvPr id="9" name="Rectangle 8"/>
+          <p:cNvSpPr/>
+          <p:nvPr/>
+        </p:nvSpPr>
+        <p:spPr>
+          <a:xfrm>
+            <a:off x="12" y="4915076"/>
+            <a:ext cx="9141619" cy="64008"/>
+          </a:xfrm>
+          <a:prstGeom prst="rect">
+            <a:avLst/>
+          </a:prstGeom>
+          <a:solidFill>
+            <a:schemeClr val="accent1"/>
+          </a:solidFill>
+          <a:ln>
+            <a:noFill/>
+          </a:ln>
+        </p:spPr>
+        <p:style>
+          <a:lnRef idx="2">
+            <a:schemeClr val="accent1">
+              <a:shade val="50000"/>
+            </a:schemeClr>
+          </a:lnRef>
+          <a:fillRef idx="1">
+            <a:schemeClr val="accent1"/>
+          </a:fillRef>
+          <a:effectRef idx="0">
+            <a:schemeClr val="accent1"/>
+          </a:effectRef>
+          <a:fontRef idx="minor">
+            <a:schemeClr val="lt1"/>
+          </a:fontRef>
+        </p:style>
+      </p:sp>
+      <p:sp>
+        <p:nvSpPr>
+          <p:cNvPr id="2" name="Title 1"/>
+          <p:cNvSpPr>
+            <a:spLocks noGrp="1"/>
+          </p:cNvSpPr>
+          <p:nvPr>
+            <p:ph type="title"/>
+          </p:nvPr>
+        </p:nvSpPr>
+        <p:spPr>
+          <a:xfrm>
+            <a:off x="822960" y="5074920"/>
+            <a:ext cx="7589520" cy="822960"/>
+          </a:xfrm>
+        </p:spPr>
+        <p:txBody>
+          <a:bodyPr tIns="0" bIns="0" anchor="b">
+            <a:noAutofit/>
+          </a:bodyPr>
+          <a:lstStyle>
+            <a:lvl1pPr>
+              <a:defRPr sz="3600" b="0">
+                <a:solidFill>
+                  <a:srgbClr val="FFFFFF"/>
+                </a:solidFill>
+              </a:defRPr>
+            </a:lvl1pPr>
+          </a:lstStyle>
+          <a:p>
+            <a:r>
+              <a:rPr lang="en-US"/>
+              <a:t>Click to edit Master title style</a:t>
+            </a:r>
+            <a:endParaRPr lang="en-US" dirty="0"/>
+          </a:p>
+        </p:txBody>
+      </p:sp>
+      <p:sp>
+        <p:nvSpPr>
+          <p:cNvPr id="3" name="Picture Placeholder 2"/>
+          <p:cNvSpPr>
+            <a:spLocks noGrp="1" noChangeAspect="1"/>
+          </p:cNvSpPr>
+          <p:nvPr>
+            <p:ph type="pic" idx="1"/>
+          </p:nvPr>
+        </p:nvSpPr>
+        <p:spPr>
+          <a:xfrm>
+            <a:off x="12" y="0"/>
+            <a:ext cx="9143989" cy="4915076"/>
+          </a:xfrm>
+          <a:blipFill>
+            <a:blip r:embed="rId2"/>
+            <a:stretch>
+              <a:fillRect/>
+            </a:stretch>
+          </a:blipFill>
+        </p:spPr>
+        <p:txBody>
+          <a:bodyPr lIns="457200" tIns="457200" anchor="t"/>
+          <a:lstStyle>
+            <a:lvl1pPr marL="0" indent="0">
+              <a:buNone/>
+              <a:defRPr sz="3200">
+                <a:solidFill>
+                  <a:schemeClr val="bg1"/>
+                </a:solidFill>
+              </a:defRPr>
+            </a:lvl1pPr>
+            <a:lvl2pPr marL="457200" indent="0">
+              <a:buNone/>
+              <a:defRPr sz="2800"/>
+            </a:lvl2pPr>
+            <a:lvl3pPr marL="914400" indent="0">
+              <a:buNone/>
+              <a:defRPr sz="2400"/>
+            </a:lvl3pPr>
+            <a:lvl4pPr marL="1371600" indent="0">
+              <a:buNone/>
+              <a:defRPr sz="2000"/>
+            </a:lvl4pPr>
+            <a:lvl5pPr marL="1828800" indent="0">
+              <a:buNone/>
+              <a:defRPr sz="2000"/>
+            </a:lvl5pPr>
+            <a:lvl6pPr marL="2286000" indent="0">
+              <a:buNone/>
+              <a:defRPr sz="2000"/>
+            </a:lvl6pPr>
+            <a:lvl7pPr marL="2743200" indent="0">
+              <a:buNone/>
+              <a:defRPr sz="2000"/>
+            </a:lvl7pPr>
+            <a:lvl8pPr marL="3200400" indent="0">
+              <a:buNone/>
+              <a:defRPr sz="2000"/>
+            </a:lvl8pPr>
+            <a:lvl9pPr marL="3657600" indent="0">
+              <a:buNone/>
+              <a:defRPr sz="2000"/>
+            </a:lvl9pPr>
+          </a:lstStyle>
+          <a:p>
+            <a:r>
+              <a:rPr lang="en-US"/>
+              <a:t>Drag picture to placeholder or click icon to add</a:t>
+            </a:r>
+            <a:endParaRPr lang="en-US" dirty="0"/>
+          </a:p>
+        </p:txBody>
+      </p:sp>
+      <p:sp>
+        <p:nvSpPr>
+          <p:cNvPr id="4" name="Text Placeholder 3"/>
+          <p:cNvSpPr>
+            <a:spLocks noGrp="1"/>
+          </p:cNvSpPr>
+          <p:nvPr>
+            <p:ph type="body" sz="half" idx="2"/>
+          </p:nvPr>
+        </p:nvSpPr>
+        <p:spPr>
+          <a:xfrm>
+            <a:off x="822959" y="5907024"/>
+            <a:ext cx="7589520" cy="594360"/>
+          </a:xfrm>
+        </p:spPr>
+        <p:txBody>
+          <a:bodyPr lIns="91440" tIns="0" rIns="91440" bIns="0">
+            <a:normAutofit/>
+          </a:bodyPr>
+          <a:lstStyle>
+            <a:lvl1pPr marL="0" indent="0">
+              <a:spcBef>
+                <a:spcPts val="0"/>
+              </a:spcBef>
+              <a:spcAft>
+                <a:spcPts val="600"/>
+              </a:spcAft>
+              <a:buNone/>
+              <a:defRPr sz="1500">
+                <a:solidFill>
+                  <a:srgbClr val="FFFFFF"/>
+                </a:solidFill>
+              </a:defRPr>
+            </a:lvl1pPr>
+            <a:lvl2pPr marL="457200" indent="0">
+              <a:buNone/>
+              <a:defRPr sz="1200"/>
+            </a:lvl2pPr>
+            <a:lvl3pPr marL="914400" indent="0">
+              <a:buNone/>
+              <a:defRPr sz="1000"/>
+            </a:lvl3pPr>
+            <a:lvl4pPr marL="1371600" indent="0">
+              <a:buNone/>
+              <a:defRPr sz="900"/>
+            </a:lvl4pPr>
+            <a:lvl5pPr marL="1828800" indent="0">
+              <a:buNone/>
+              <a:defRPr sz="900"/>
+            </a:lvl5pPr>
+            <a:lvl6pPr marL="2286000" indent="0">
+              <a:buNone/>
+              <a:defRPr sz="900"/>
+            </a:lvl6pPr>
+            <a:lvl7pPr marL="2743200" indent="0">
+              <a:buNone/>
+              <a:defRPr sz="900"/>
+            </a:lvl7pPr>
+            <a:lvl8pPr marL="3200400" indent="0">
+              <a:buNone/>
+              <a:defRPr sz="900"/>
+            </a:lvl8pPr>
+            <a:lvl9pPr marL="3657600" indent="0">
+              <a:buNone/>
+              <a:defRPr sz="900"/>
+            </a:lvl9pPr>
+          </a:lstStyle>
+          <a:p>
+            <a:pPr lvl="0"/>
+            <a:r>
+              <a:rPr lang="en-US"/>
+              <a:t>Click to edit Master text styles</a:t>
+            </a:r>
+          </a:p>
+        </p:txBody>
+      </p:sp>
+      <p:sp>
+        <p:nvSpPr>
+          <p:cNvPr id="5" name="Date Placeholder 4"/>
+          <p:cNvSpPr>
+            <a:spLocks noGrp="1"/>
+          </p:cNvSpPr>
+          <p:nvPr>
+            <p:ph type="dt" sz="half" idx="10"/>
+          </p:nvPr>
+        </p:nvSpPr>
+        <p:spPr/>
+        <p:txBody>
+          <a:bodyPr/>
+          <a:lstStyle/>
+          <a:p>
+            <a:fld id="{877CE50F-1B08-4305-B7E2-05DF6892A66F}" type="datetime1">
+              <a:rPr lang="en-US" smtClean="0"/>
+              <a:t>7/6/2016</a:t>
+            </a:fld>
+            <a:endParaRPr lang="en-US"/>
+          </a:p>
+        </p:txBody>
+      </p:sp>
+      <p:sp>
+        <p:nvSpPr>
+          <p:cNvPr id="6" name="Footer Placeholder 5"/>
+          <p:cNvSpPr>
+            <a:spLocks noGrp="1"/>
+          </p:cNvSpPr>
+          <p:nvPr>
+            <p:ph type="ftr" sz="quarter" idx="11"/>
+          </p:nvPr>
+        </p:nvSpPr>
+        <p:spPr/>
+        <p:txBody>
+          <a:bodyPr/>
+          <a:lstStyle/>
+          <a:p>
+            <a:r>
+              <a:rPr lang="en-US"/>
+              <a:t>© 2015 EV3Lessons.com (Last Edit 7/06/2016)</a:t>
+            </a:r>
           </a:p>
         </p:txBody>
       </p:sp>
@@ -4169,7 +7272,7 @@
           <a:lstStyle/>
           <a:p>
             <a:r>
-              <a:rPr lang="en-US" smtClean="0"/>
+              <a:rPr lang="en-US"/>
               <a:t>Click to edit Master title style</a:t>
             </a:r>
             <a:endParaRPr lang="en-US" dirty="0"/>
@@ -4203,35 +7306,35 @@
           <a:p>
             <a:pPr lvl="0"/>
             <a:r>
-              <a:rPr lang="en-US" smtClean="0"/>
+              <a:rPr lang="en-US"/>
               <a:t>Click to edit Master text styles</a:t>
             </a:r>
           </a:p>
           <a:p>
             <a:pPr lvl="1"/>
             <a:r>
-              <a:rPr lang="en-US" smtClean="0"/>
+              <a:rPr lang="en-US"/>
               <a:t>Second level</a:t>
             </a:r>
           </a:p>
           <a:p>
             <a:pPr lvl="2"/>
             <a:r>
-              <a:rPr lang="en-US" smtClean="0"/>
+              <a:rPr lang="en-US"/>
               <a:t>Third level</a:t>
             </a:r>
           </a:p>
           <a:p>
             <a:pPr lvl="3"/>
             <a:r>
-              <a:rPr lang="en-US" smtClean="0"/>
+              <a:rPr lang="en-US"/>
               <a:t>Fourth level</a:t>
             </a:r>
           </a:p>
           <a:p>
             <a:pPr lvl="4"/>
             <a:r>
-              <a:rPr lang="en-US" smtClean="0"/>
+              <a:rPr lang="en-US"/>
               <a:t>Fifth level</a:t>
             </a:r>
             <a:endParaRPr lang="en-US" dirty="0"/>
@@ -4269,9 +7372,9 @@
             </a:lvl1pPr>
           </a:lstStyle>
           <a:p>
-            <a:fld id="{0604F77D-FCB8-A946-86A9-D14BD65D0D3D}" type="datetime1">
+            <a:fld id="{04816109-C326-4942-A42C-69FB3C1E09B7}" type="datetime1">
               <a:rPr lang="en-US" smtClean="0"/>
-              <a:t>11/13/15</a:t>
+              <a:t>7/6/2016</a:t>
             </a:fld>
             <a:endParaRPr lang="en-US" dirty="0"/>
           </a:p>
@@ -4309,8 +7412,8 @@
           </a:lstStyle>
           <a:p>
             <a:r>
-              <a:rPr lang="sk-SK" smtClean="0"/>
-              <a:t>© 2015 EV3Lessons.com, Last edit 11/13/2015</a:t>
+              <a:rPr lang="en-US"/>
+              <a:t>© 2015 EV3Lessons.com (Last Edit 7/06/2016)</a:t>
             </a:r>
             <a:endParaRPr lang="en-US" dirty="0"/>
           </a:p>
@@ -4821,6 +7924,822 @@
 </p:sldMaster>
 </file>
 
+<file path=ppt/slideMasters/slideMaster2.xml><?xml version="1.0" encoding="utf-8"?>
+<p:sldMaster xmlns:a="http://schemas.openxmlformats.org/drawingml/2006/main" xmlns:r="http://schemas.openxmlformats.org/officeDocument/2006/relationships" xmlns:p="http://schemas.openxmlformats.org/presentationml/2006/main" preserve="1">
+  <p:cSld>
+    <p:bg>
+      <p:bgRef idx="1001">
+        <a:schemeClr val="bg1"/>
+      </p:bgRef>
+    </p:bg>
+    <p:spTree>
+      <p:nvGrpSpPr>
+        <p:cNvPr id="1" name=""/>
+        <p:cNvGrpSpPr/>
+        <p:nvPr/>
+      </p:nvGrpSpPr>
+      <p:grpSpPr>
+        <a:xfrm>
+          <a:off x="0" y="0"/>
+          <a:ext cx="0" cy="0"/>
+          <a:chOff x="0" y="0"/>
+          <a:chExt cx="0" cy="0"/>
+        </a:xfrm>
+      </p:grpSpPr>
+      <p:sp>
+        <p:nvSpPr>
+          <p:cNvPr id="7" name="Rectangle 6"/>
+          <p:cNvSpPr/>
+          <p:nvPr/>
+        </p:nvSpPr>
+        <p:spPr>
+          <a:xfrm>
+            <a:off x="0" y="6400800"/>
+            <a:ext cx="9144001" cy="457200"/>
+          </a:xfrm>
+          <a:prstGeom prst="rect">
+            <a:avLst/>
+          </a:prstGeom>
+          <a:solidFill>
+            <a:srgbClr val="0070C0"/>
+          </a:solidFill>
+          <a:ln>
+            <a:solidFill>
+              <a:srgbClr val="0070C0"/>
+            </a:solidFill>
+          </a:ln>
+        </p:spPr>
+        <p:style>
+          <a:lnRef idx="2">
+            <a:schemeClr val="accent1">
+              <a:shade val="50000"/>
+            </a:schemeClr>
+          </a:lnRef>
+          <a:fillRef idx="1">
+            <a:schemeClr val="accent1"/>
+          </a:fillRef>
+          <a:effectRef idx="0">
+            <a:schemeClr val="accent1"/>
+          </a:effectRef>
+          <a:fontRef idx="minor">
+            <a:schemeClr val="lt1"/>
+          </a:fontRef>
+        </p:style>
+      </p:sp>
+      <p:sp>
+        <p:nvSpPr>
+          <p:cNvPr id="9" name="Rectangle 8"/>
+          <p:cNvSpPr/>
+          <p:nvPr/>
+        </p:nvSpPr>
+        <p:spPr>
+          <a:xfrm>
+            <a:off x="0" y="6334315"/>
+            <a:ext cx="4487333" cy="92382"/>
+          </a:xfrm>
+          <a:prstGeom prst="rect">
+            <a:avLst/>
+          </a:prstGeom>
+          <a:solidFill>
+            <a:srgbClr val="00B050"/>
+          </a:solidFill>
+          <a:ln>
+            <a:noFill/>
+          </a:ln>
+        </p:spPr>
+        <p:style>
+          <a:lnRef idx="2">
+            <a:schemeClr val="accent1">
+              <a:shade val="50000"/>
+            </a:schemeClr>
+          </a:lnRef>
+          <a:fillRef idx="1">
+            <a:schemeClr val="accent1"/>
+          </a:fillRef>
+          <a:effectRef idx="0">
+            <a:schemeClr val="accent1"/>
+          </a:effectRef>
+          <a:fontRef idx="minor">
+            <a:schemeClr val="lt1"/>
+          </a:fontRef>
+        </p:style>
+      </p:sp>
+      <p:sp>
+        <p:nvSpPr>
+          <p:cNvPr id="2" name="Title Placeholder 1"/>
+          <p:cNvSpPr>
+            <a:spLocks noGrp="1"/>
+          </p:cNvSpPr>
+          <p:nvPr>
+            <p:ph type="title"/>
+          </p:nvPr>
+        </p:nvSpPr>
+        <p:spPr>
+          <a:xfrm>
+            <a:off x="227874" y="287088"/>
+            <a:ext cx="8596812" cy="874055"/>
+          </a:xfrm>
+          <a:prstGeom prst="rect">
+            <a:avLst/>
+          </a:prstGeom>
+        </p:spPr>
+        <p:txBody>
+          <a:bodyPr vert="horz" lIns="91440" tIns="45720" rIns="91440" bIns="45720" rtlCol="0" anchor="b">
+            <a:normAutofit/>
+          </a:bodyPr>
+          <a:lstStyle/>
+          <a:p>
+            <a:r>
+              <a:rPr lang="en-US"/>
+              <a:t>Click to edit Master title style</a:t>
+            </a:r>
+            <a:endParaRPr lang="en-US" dirty="0"/>
+          </a:p>
+        </p:txBody>
+      </p:sp>
+      <p:sp>
+        <p:nvSpPr>
+          <p:cNvPr id="3" name="Text Placeholder 2"/>
+          <p:cNvSpPr>
+            <a:spLocks noGrp="1"/>
+          </p:cNvSpPr>
+          <p:nvPr>
+            <p:ph type="body" idx="1"/>
+          </p:nvPr>
+        </p:nvSpPr>
+        <p:spPr>
+          <a:xfrm>
+            <a:off x="227874" y="1505616"/>
+            <a:ext cx="8596811" cy="4654528"/>
+          </a:xfrm>
+          <a:prstGeom prst="rect">
+            <a:avLst/>
+          </a:prstGeom>
+        </p:spPr>
+        <p:txBody>
+          <a:bodyPr vert="horz" lIns="0" tIns="45720" rIns="0" bIns="45720" rtlCol="0">
+            <a:normAutofit/>
+          </a:bodyPr>
+          <a:lstStyle/>
+          <a:p>
+            <a:pPr lvl="0"/>
+            <a:r>
+              <a:rPr lang="en-US"/>
+              <a:t>Edit Master text styles</a:t>
+            </a:r>
+          </a:p>
+          <a:p>
+            <a:pPr lvl="1"/>
+            <a:r>
+              <a:rPr lang="en-US"/>
+              <a:t>Second level</a:t>
+            </a:r>
+          </a:p>
+          <a:p>
+            <a:pPr lvl="2"/>
+            <a:r>
+              <a:rPr lang="en-US"/>
+              <a:t>Third level</a:t>
+            </a:r>
+          </a:p>
+          <a:p>
+            <a:pPr lvl="3"/>
+            <a:r>
+              <a:rPr lang="en-US"/>
+              <a:t>Fourth level</a:t>
+            </a:r>
+          </a:p>
+          <a:p>
+            <a:pPr lvl="4"/>
+            <a:r>
+              <a:rPr lang="en-US"/>
+              <a:t>Fifth level</a:t>
+            </a:r>
+            <a:endParaRPr lang="en-US" dirty="0"/>
+          </a:p>
+        </p:txBody>
+      </p:sp>
+      <p:sp>
+        <p:nvSpPr>
+          <p:cNvPr id="4" name="Date Placeholder 3"/>
+          <p:cNvSpPr>
+            <a:spLocks noGrp="1"/>
+          </p:cNvSpPr>
+          <p:nvPr>
+            <p:ph type="dt" sz="half" idx="2"/>
+          </p:nvPr>
+        </p:nvSpPr>
+        <p:spPr>
+          <a:xfrm>
+            <a:off x="822961" y="6459786"/>
+            <a:ext cx="1854203" cy="365125"/>
+          </a:xfrm>
+          <a:prstGeom prst="rect">
+            <a:avLst/>
+          </a:prstGeom>
+        </p:spPr>
+        <p:txBody>
+          <a:bodyPr vert="horz" lIns="91440" tIns="45720" rIns="91440" bIns="45720" rtlCol="0" anchor="ctr"/>
+          <a:lstStyle>
+            <a:lvl1pPr algn="l">
+              <a:defRPr sz="900">
+                <a:solidFill>
+                  <a:srgbClr val="FFFFFF"/>
+                </a:solidFill>
+              </a:defRPr>
+            </a:lvl1pPr>
+          </a:lstStyle>
+          <a:p>
+            <a:fld id="{5CC9EED0-DD12-401D-A7A2-ECC0E7DF6240}" type="datetime1">
+              <a:rPr lang="en-US" smtClean="0"/>
+              <a:t>7/6/2016</a:t>
+            </a:fld>
+            <a:endParaRPr lang="en-US" dirty="0"/>
+          </a:p>
+        </p:txBody>
+      </p:sp>
+      <p:sp>
+        <p:nvSpPr>
+          <p:cNvPr id="5" name="Footer Placeholder 4"/>
+          <p:cNvSpPr>
+            <a:spLocks noGrp="1"/>
+          </p:cNvSpPr>
+          <p:nvPr>
+            <p:ph type="ftr" sz="quarter" idx="3"/>
+          </p:nvPr>
+        </p:nvSpPr>
+        <p:spPr>
+          <a:xfrm>
+            <a:off x="2764639" y="6459786"/>
+            <a:ext cx="3617103" cy="365125"/>
+          </a:xfrm>
+          <a:prstGeom prst="rect">
+            <a:avLst/>
+          </a:prstGeom>
+        </p:spPr>
+        <p:txBody>
+          <a:bodyPr vert="horz" lIns="91440" tIns="45720" rIns="91440" bIns="45720" rtlCol="0" anchor="ctr"/>
+          <a:lstStyle>
+            <a:lvl1pPr algn="ctr">
+              <a:defRPr sz="900" cap="all" baseline="0">
+                <a:solidFill>
+                  <a:srgbClr val="FFFFFF"/>
+                </a:solidFill>
+              </a:defRPr>
+            </a:lvl1pPr>
+          </a:lstStyle>
+          <a:p>
+            <a:r>
+              <a:rPr lang="en-US"/>
+              <a:t>© 2015 EV3Lessons.com (Last Edit 7/06/2016)</a:t>
+            </a:r>
+            <a:endParaRPr lang="en-US" dirty="0"/>
+          </a:p>
+        </p:txBody>
+      </p:sp>
+      <p:sp>
+        <p:nvSpPr>
+          <p:cNvPr id="6" name="Slide Number Placeholder 5"/>
+          <p:cNvSpPr>
+            <a:spLocks noGrp="1"/>
+          </p:cNvSpPr>
+          <p:nvPr>
+            <p:ph type="sldNum" sz="quarter" idx="4"/>
+          </p:nvPr>
+        </p:nvSpPr>
+        <p:spPr>
+          <a:xfrm>
+            <a:off x="7425344" y="6459786"/>
+            <a:ext cx="984019" cy="365125"/>
+          </a:xfrm>
+          <a:prstGeom prst="rect">
+            <a:avLst/>
+          </a:prstGeom>
+        </p:spPr>
+        <p:txBody>
+          <a:bodyPr vert="horz" lIns="91440" tIns="45720" rIns="91440" bIns="45720" rtlCol="0" anchor="ctr"/>
+          <a:lstStyle>
+            <a:lvl1pPr algn="r">
+              <a:defRPr sz="1050">
+                <a:solidFill>
+                  <a:srgbClr val="FFFFFF"/>
+                </a:solidFill>
+              </a:defRPr>
+            </a:lvl1pPr>
+          </a:lstStyle>
+          <a:p>
+            <a:fld id="{4382A7F7-08BF-4252-8141-63FB96055BBB}" type="slidenum">
+              <a:rPr lang="en-US" smtClean="0"/>
+              <a:t>‹#›</a:t>
+            </a:fld>
+            <a:endParaRPr lang="en-US"/>
+          </a:p>
+        </p:txBody>
+      </p:sp>
+      <p:cxnSp>
+        <p:nvCxnSpPr>
+          <p:cNvPr id="10" name="Straight Connector 9"/>
+          <p:cNvCxnSpPr/>
+          <p:nvPr/>
+        </p:nvCxnSpPr>
+        <p:spPr>
+          <a:xfrm flipV="1">
+            <a:off x="227874" y="1335314"/>
+            <a:ext cx="8596811" cy="1"/>
+          </a:xfrm>
+          <a:prstGeom prst="line">
+            <a:avLst/>
+          </a:prstGeom>
+          <a:ln w="6350">
+            <a:solidFill>
+              <a:schemeClr val="tx1">
+                <a:lumMod val="50000"/>
+                <a:lumOff val="50000"/>
+              </a:schemeClr>
+            </a:solidFill>
+          </a:ln>
+        </p:spPr>
+        <p:style>
+          <a:lnRef idx="1">
+            <a:schemeClr val="accent1"/>
+          </a:lnRef>
+          <a:fillRef idx="0">
+            <a:schemeClr val="accent1"/>
+          </a:fillRef>
+          <a:effectRef idx="0">
+            <a:schemeClr val="accent1"/>
+          </a:effectRef>
+          <a:fontRef idx="minor">
+            <a:schemeClr val="tx1"/>
+          </a:fontRef>
+        </p:style>
+      </p:cxnSp>
+      <p:sp>
+        <p:nvSpPr>
+          <p:cNvPr id="11" name="Rectangle 10"/>
+          <p:cNvSpPr/>
+          <p:nvPr/>
+        </p:nvSpPr>
+        <p:spPr>
+          <a:xfrm>
+            <a:off x="4487333" y="6334315"/>
+            <a:ext cx="4656667" cy="92382"/>
+          </a:xfrm>
+          <a:prstGeom prst="rect">
+            <a:avLst/>
+          </a:prstGeom>
+          <a:solidFill>
+            <a:srgbClr val="7030A0"/>
+          </a:solidFill>
+          <a:ln>
+            <a:noFill/>
+          </a:ln>
+        </p:spPr>
+        <p:style>
+          <a:lnRef idx="2">
+            <a:schemeClr val="accent1">
+              <a:shade val="50000"/>
+            </a:schemeClr>
+          </a:lnRef>
+          <a:fillRef idx="1">
+            <a:schemeClr val="accent1"/>
+          </a:fillRef>
+          <a:effectRef idx="0">
+            <a:schemeClr val="accent1"/>
+          </a:effectRef>
+          <a:fontRef idx="minor">
+            <a:schemeClr val="lt1"/>
+          </a:fontRef>
+        </p:style>
+      </p:sp>
+      <p:sp>
+        <p:nvSpPr>
+          <p:cNvPr id="12" name="Rectangle 11"/>
+          <p:cNvSpPr/>
+          <p:nvPr userDrawn="1"/>
+        </p:nvSpPr>
+        <p:spPr>
+          <a:xfrm>
+            <a:off x="4487333" y="6334315"/>
+            <a:ext cx="4656667" cy="92382"/>
+          </a:xfrm>
+          <a:prstGeom prst="rect">
+            <a:avLst/>
+          </a:prstGeom>
+          <a:solidFill>
+            <a:srgbClr val="7030A0"/>
+          </a:solidFill>
+          <a:ln>
+            <a:noFill/>
+          </a:ln>
+        </p:spPr>
+        <p:style>
+          <a:lnRef idx="2">
+            <a:schemeClr val="accent1">
+              <a:shade val="50000"/>
+            </a:schemeClr>
+          </a:lnRef>
+          <a:fillRef idx="1">
+            <a:schemeClr val="accent1"/>
+          </a:fillRef>
+          <a:effectRef idx="0">
+            <a:schemeClr val="accent1"/>
+          </a:effectRef>
+          <a:fontRef idx="minor">
+            <a:schemeClr val="lt1"/>
+          </a:fontRef>
+        </p:style>
+      </p:sp>
+    </p:spTree>
+    <p:extLst>
+      <p:ext uri="{BB962C8B-B14F-4D97-AF65-F5344CB8AC3E}">
+        <p14:creationId xmlns:p14="http://schemas.microsoft.com/office/powerpoint/2010/main" val="3685886335"/>
+      </p:ext>
+    </p:extLst>
+  </p:cSld>
+  <p:clrMap bg1="lt1" tx1="dk1" bg2="lt2" tx2="dk2" accent1="accent1" accent2="accent2" accent3="accent3" accent4="accent4" accent5="accent5" accent6="accent6" hlink="hlink" folHlink="folHlink"/>
+  <p:sldLayoutIdLst>
+    <p:sldLayoutId id="2147483739" r:id="rId1"/>
+    <p:sldLayoutId id="2147483740" r:id="rId2"/>
+    <p:sldLayoutId id="2147483741" r:id="rId3"/>
+    <p:sldLayoutId id="2147483742" r:id="rId4"/>
+    <p:sldLayoutId id="2147483743" r:id="rId5"/>
+    <p:sldLayoutId id="2147483744" r:id="rId6"/>
+    <p:sldLayoutId id="2147483745" r:id="rId7"/>
+    <p:sldLayoutId id="2147483746" r:id="rId8"/>
+    <p:sldLayoutId id="2147483747" r:id="rId9"/>
+    <p:sldLayoutId id="2147483748" r:id="rId10"/>
+    <p:sldLayoutId id="2147483749" r:id="rId11"/>
+  </p:sldLayoutIdLst>
+  <p:hf hdr="0" dt="0"/>
+  <p:txStyles>
+    <p:titleStyle>
+      <a:lvl1pPr algn="l" defTabSz="914400" rtl="0" eaLnBrk="1" latinLnBrk="0" hangingPunct="1">
+        <a:lnSpc>
+          <a:spcPct val="85000"/>
+        </a:lnSpc>
+        <a:spcBef>
+          <a:spcPct val="0"/>
+        </a:spcBef>
+        <a:buNone/>
+        <a:defRPr sz="4800" kern="1200" spc="-50" baseline="0">
+          <a:solidFill>
+            <a:schemeClr val="tx1">
+              <a:lumMod val="75000"/>
+              <a:lumOff val="25000"/>
+            </a:schemeClr>
+          </a:solidFill>
+          <a:latin typeface="+mj-lt"/>
+          <a:ea typeface="+mj-ea"/>
+          <a:cs typeface="+mj-cs"/>
+        </a:defRPr>
+      </a:lvl1pPr>
+    </p:titleStyle>
+    <p:bodyStyle>
+      <a:lvl1pPr marL="91440" indent="-91440" algn="l" defTabSz="914400" rtl="0" eaLnBrk="1" latinLnBrk="0" hangingPunct="1">
+        <a:lnSpc>
+          <a:spcPct val="90000"/>
+        </a:lnSpc>
+        <a:spcBef>
+          <a:spcPts val="1200"/>
+        </a:spcBef>
+        <a:spcAft>
+          <a:spcPts val="200"/>
+        </a:spcAft>
+        <a:buClr>
+          <a:schemeClr val="accent1"/>
+        </a:buClr>
+        <a:buSzPct val="100000"/>
+        <a:buFont typeface="Calibri" panose="020F0502020204030204" pitchFamily="34" charset="0"/>
+        <a:buChar char=" "/>
+        <a:defRPr sz="2000" kern="1200">
+          <a:solidFill>
+            <a:schemeClr val="tx1">
+              <a:lumMod val="75000"/>
+              <a:lumOff val="25000"/>
+            </a:schemeClr>
+          </a:solidFill>
+          <a:latin typeface="+mn-lt"/>
+          <a:ea typeface="+mn-ea"/>
+          <a:cs typeface="+mn-cs"/>
+        </a:defRPr>
+      </a:lvl1pPr>
+      <a:lvl2pPr marL="384048" indent="-182880" algn="l" defTabSz="914400" rtl="0" eaLnBrk="1" latinLnBrk="0" hangingPunct="1">
+        <a:lnSpc>
+          <a:spcPct val="90000"/>
+        </a:lnSpc>
+        <a:spcBef>
+          <a:spcPts val="200"/>
+        </a:spcBef>
+        <a:spcAft>
+          <a:spcPts val="400"/>
+        </a:spcAft>
+        <a:buClr>
+          <a:schemeClr val="accent1"/>
+        </a:buClr>
+        <a:buFont typeface="Calibri" pitchFamily="34" charset="0"/>
+        <a:buChar char="◦"/>
+        <a:defRPr sz="1800" kern="1200">
+          <a:solidFill>
+            <a:schemeClr val="tx1">
+              <a:lumMod val="75000"/>
+              <a:lumOff val="25000"/>
+            </a:schemeClr>
+          </a:solidFill>
+          <a:latin typeface="+mn-lt"/>
+          <a:ea typeface="+mn-ea"/>
+          <a:cs typeface="+mn-cs"/>
+        </a:defRPr>
+      </a:lvl2pPr>
+      <a:lvl3pPr marL="566928" indent="-182880" algn="l" defTabSz="914400" rtl="0" eaLnBrk="1" latinLnBrk="0" hangingPunct="1">
+        <a:lnSpc>
+          <a:spcPct val="90000"/>
+        </a:lnSpc>
+        <a:spcBef>
+          <a:spcPts val="200"/>
+        </a:spcBef>
+        <a:spcAft>
+          <a:spcPts val="400"/>
+        </a:spcAft>
+        <a:buClr>
+          <a:schemeClr val="accent1"/>
+        </a:buClr>
+        <a:buFont typeface="Calibri" pitchFamily="34" charset="0"/>
+        <a:buChar char="◦"/>
+        <a:defRPr sz="1400" kern="1200">
+          <a:solidFill>
+            <a:schemeClr val="tx1">
+              <a:lumMod val="75000"/>
+              <a:lumOff val="25000"/>
+            </a:schemeClr>
+          </a:solidFill>
+          <a:latin typeface="+mn-lt"/>
+          <a:ea typeface="+mn-ea"/>
+          <a:cs typeface="+mn-cs"/>
+        </a:defRPr>
+      </a:lvl3pPr>
+      <a:lvl4pPr marL="749808" indent="-182880" algn="l" defTabSz="914400" rtl="0" eaLnBrk="1" latinLnBrk="0" hangingPunct="1">
+        <a:lnSpc>
+          <a:spcPct val="90000"/>
+        </a:lnSpc>
+        <a:spcBef>
+          <a:spcPts val="200"/>
+        </a:spcBef>
+        <a:spcAft>
+          <a:spcPts val="400"/>
+        </a:spcAft>
+        <a:buClr>
+          <a:schemeClr val="accent1"/>
+        </a:buClr>
+        <a:buFont typeface="Calibri" pitchFamily="34" charset="0"/>
+        <a:buChar char="◦"/>
+        <a:defRPr sz="1400" kern="1200">
+          <a:solidFill>
+            <a:schemeClr val="tx1">
+              <a:lumMod val="75000"/>
+              <a:lumOff val="25000"/>
+            </a:schemeClr>
+          </a:solidFill>
+          <a:latin typeface="+mn-lt"/>
+          <a:ea typeface="+mn-ea"/>
+          <a:cs typeface="+mn-cs"/>
+        </a:defRPr>
+      </a:lvl4pPr>
+      <a:lvl5pPr marL="932688" indent="-182880" algn="l" defTabSz="914400" rtl="0" eaLnBrk="1" latinLnBrk="0" hangingPunct="1">
+        <a:lnSpc>
+          <a:spcPct val="90000"/>
+        </a:lnSpc>
+        <a:spcBef>
+          <a:spcPts val="200"/>
+        </a:spcBef>
+        <a:spcAft>
+          <a:spcPts val="400"/>
+        </a:spcAft>
+        <a:buClr>
+          <a:schemeClr val="accent1"/>
+        </a:buClr>
+        <a:buFont typeface="Calibri" pitchFamily="34" charset="0"/>
+        <a:buChar char="◦"/>
+        <a:defRPr sz="1400" kern="1200">
+          <a:solidFill>
+            <a:schemeClr val="tx1">
+              <a:lumMod val="75000"/>
+              <a:lumOff val="25000"/>
+            </a:schemeClr>
+          </a:solidFill>
+          <a:latin typeface="+mn-lt"/>
+          <a:ea typeface="+mn-ea"/>
+          <a:cs typeface="+mn-cs"/>
+        </a:defRPr>
+      </a:lvl5pPr>
+      <a:lvl6pPr marL="1100000" indent="-228600" algn="l" defTabSz="914400" rtl="0" eaLnBrk="1" latinLnBrk="0" hangingPunct="1">
+        <a:lnSpc>
+          <a:spcPct val="90000"/>
+        </a:lnSpc>
+        <a:spcBef>
+          <a:spcPts val="200"/>
+        </a:spcBef>
+        <a:spcAft>
+          <a:spcPts val="400"/>
+        </a:spcAft>
+        <a:buClr>
+          <a:schemeClr val="accent1"/>
+        </a:buClr>
+        <a:buFont typeface="Calibri" pitchFamily="34" charset="0"/>
+        <a:buChar char="◦"/>
+        <a:defRPr sz="1400" kern="1200">
+          <a:solidFill>
+            <a:schemeClr val="tx1">
+              <a:lumMod val="75000"/>
+              <a:lumOff val="25000"/>
+            </a:schemeClr>
+          </a:solidFill>
+          <a:latin typeface="+mn-lt"/>
+          <a:ea typeface="+mn-ea"/>
+          <a:cs typeface="+mn-cs"/>
+        </a:defRPr>
+      </a:lvl6pPr>
+      <a:lvl7pPr marL="1300000" indent="-228600" algn="l" defTabSz="914400" rtl="0" eaLnBrk="1" latinLnBrk="0" hangingPunct="1">
+        <a:lnSpc>
+          <a:spcPct val="90000"/>
+        </a:lnSpc>
+        <a:spcBef>
+          <a:spcPts val="200"/>
+        </a:spcBef>
+        <a:spcAft>
+          <a:spcPts val="400"/>
+        </a:spcAft>
+        <a:buClr>
+          <a:schemeClr val="accent1"/>
+        </a:buClr>
+        <a:buFont typeface="Calibri" pitchFamily="34" charset="0"/>
+        <a:buChar char="◦"/>
+        <a:defRPr sz="1400" kern="1200">
+          <a:solidFill>
+            <a:schemeClr val="tx1">
+              <a:lumMod val="75000"/>
+              <a:lumOff val="25000"/>
+            </a:schemeClr>
+          </a:solidFill>
+          <a:latin typeface="+mn-lt"/>
+          <a:ea typeface="+mn-ea"/>
+          <a:cs typeface="+mn-cs"/>
+        </a:defRPr>
+      </a:lvl7pPr>
+      <a:lvl8pPr marL="1500000" indent="-228600" algn="l" defTabSz="914400" rtl="0" eaLnBrk="1" latinLnBrk="0" hangingPunct="1">
+        <a:lnSpc>
+          <a:spcPct val="90000"/>
+        </a:lnSpc>
+        <a:spcBef>
+          <a:spcPts val="200"/>
+        </a:spcBef>
+        <a:spcAft>
+          <a:spcPts val="400"/>
+        </a:spcAft>
+        <a:buClr>
+          <a:schemeClr val="accent1"/>
+        </a:buClr>
+        <a:buFont typeface="Calibri" pitchFamily="34" charset="0"/>
+        <a:buChar char="◦"/>
+        <a:defRPr sz="1400" kern="1200">
+          <a:solidFill>
+            <a:schemeClr val="tx1">
+              <a:lumMod val="75000"/>
+              <a:lumOff val="25000"/>
+            </a:schemeClr>
+          </a:solidFill>
+          <a:latin typeface="+mn-lt"/>
+          <a:ea typeface="+mn-ea"/>
+          <a:cs typeface="+mn-cs"/>
+        </a:defRPr>
+      </a:lvl8pPr>
+      <a:lvl9pPr marL="1700000" indent="-228600" algn="l" defTabSz="914400" rtl="0" eaLnBrk="1" latinLnBrk="0" hangingPunct="1">
+        <a:lnSpc>
+          <a:spcPct val="90000"/>
+        </a:lnSpc>
+        <a:spcBef>
+          <a:spcPts val="200"/>
+        </a:spcBef>
+        <a:spcAft>
+          <a:spcPts val="400"/>
+        </a:spcAft>
+        <a:buClr>
+          <a:schemeClr val="accent1"/>
+        </a:buClr>
+        <a:buFont typeface="Calibri" pitchFamily="34" charset="0"/>
+        <a:buChar char="◦"/>
+        <a:defRPr sz="1400" kern="1200">
+          <a:solidFill>
+            <a:schemeClr val="tx1">
+              <a:lumMod val="75000"/>
+              <a:lumOff val="25000"/>
+            </a:schemeClr>
+          </a:solidFill>
+          <a:latin typeface="+mn-lt"/>
+          <a:ea typeface="+mn-ea"/>
+          <a:cs typeface="+mn-cs"/>
+        </a:defRPr>
+      </a:lvl9pPr>
+    </p:bodyStyle>
+    <p:otherStyle>
+      <a:defPPr>
+        <a:defRPr lang="en-US"/>
+      </a:defPPr>
+      <a:lvl1pPr marL="0" algn="l" defTabSz="914400" rtl="0" eaLnBrk="1" latinLnBrk="0" hangingPunct="1">
+        <a:defRPr sz="1800" kern="1200">
+          <a:solidFill>
+            <a:schemeClr val="tx1"/>
+          </a:solidFill>
+          <a:latin typeface="+mn-lt"/>
+          <a:ea typeface="+mn-ea"/>
+          <a:cs typeface="+mn-cs"/>
+        </a:defRPr>
+      </a:lvl1pPr>
+      <a:lvl2pPr marL="457200" algn="l" defTabSz="914400" rtl="0" eaLnBrk="1" latinLnBrk="0" hangingPunct="1">
+        <a:defRPr sz="1800" kern="1200">
+          <a:solidFill>
+            <a:schemeClr val="tx1"/>
+          </a:solidFill>
+          <a:latin typeface="+mn-lt"/>
+          <a:ea typeface="+mn-ea"/>
+          <a:cs typeface="+mn-cs"/>
+        </a:defRPr>
+      </a:lvl2pPr>
+      <a:lvl3pPr marL="914400" algn="l" defTabSz="914400" rtl="0" eaLnBrk="1" latinLnBrk="0" hangingPunct="1">
+        <a:defRPr sz="1800" kern="1200">
+          <a:solidFill>
+            <a:schemeClr val="tx1"/>
+          </a:solidFill>
+          <a:latin typeface="+mn-lt"/>
+          <a:ea typeface="+mn-ea"/>
+          <a:cs typeface="+mn-cs"/>
+        </a:defRPr>
+      </a:lvl3pPr>
+      <a:lvl4pPr marL="1371600" algn="l" defTabSz="914400" rtl="0" eaLnBrk="1" latinLnBrk="0" hangingPunct="1">
+        <a:defRPr sz="1800" kern="1200">
+          <a:solidFill>
+            <a:schemeClr val="tx1"/>
+          </a:solidFill>
+          <a:latin typeface="+mn-lt"/>
+          <a:ea typeface="+mn-ea"/>
+          <a:cs typeface="+mn-cs"/>
+        </a:defRPr>
+      </a:lvl4pPr>
+      <a:lvl5pPr marL="1828800" algn="l" defTabSz="914400" rtl="0" eaLnBrk="1" latinLnBrk="0" hangingPunct="1">
+        <a:defRPr sz="1800" kern="1200">
+          <a:solidFill>
+            <a:schemeClr val="tx1"/>
+          </a:solidFill>
+          <a:latin typeface="+mn-lt"/>
+          <a:ea typeface="+mn-ea"/>
+          <a:cs typeface="+mn-cs"/>
+        </a:defRPr>
+      </a:lvl5pPr>
+      <a:lvl6pPr marL="2286000" algn="l" defTabSz="914400" rtl="0" eaLnBrk="1" latinLnBrk="0" hangingPunct="1">
+        <a:defRPr sz="1800" kern="1200">
+          <a:solidFill>
+            <a:schemeClr val="tx1"/>
+          </a:solidFill>
+          <a:latin typeface="+mn-lt"/>
+          <a:ea typeface="+mn-ea"/>
+          <a:cs typeface="+mn-cs"/>
+        </a:defRPr>
+      </a:lvl6pPr>
+      <a:lvl7pPr marL="2743200" algn="l" defTabSz="914400" rtl="0" eaLnBrk="1" latinLnBrk="0" hangingPunct="1">
+        <a:defRPr sz="1800" kern="1200">
+          <a:solidFill>
+            <a:schemeClr val="tx1"/>
+          </a:solidFill>
+          <a:latin typeface="+mn-lt"/>
+          <a:ea typeface="+mn-ea"/>
+          <a:cs typeface="+mn-cs"/>
+        </a:defRPr>
+      </a:lvl7pPr>
+      <a:lvl8pPr marL="3200400" algn="l" defTabSz="914400" rtl="0" eaLnBrk="1" latinLnBrk="0" hangingPunct="1">
+        <a:defRPr sz="1800" kern="1200">
+          <a:solidFill>
+            <a:schemeClr val="tx1"/>
+          </a:solidFill>
+          <a:latin typeface="+mn-lt"/>
+          <a:ea typeface="+mn-ea"/>
+          <a:cs typeface="+mn-cs"/>
+        </a:defRPr>
+      </a:lvl8pPr>
+      <a:lvl9pPr marL="3657600" algn="l" defTabSz="914400" rtl="0" eaLnBrk="1" latinLnBrk="0" hangingPunct="1">
+        <a:defRPr sz="1800" kern="1200">
+          <a:solidFill>
+            <a:schemeClr val="tx1"/>
+          </a:solidFill>
+          <a:latin typeface="+mn-lt"/>
+          <a:ea typeface="+mn-ea"/>
+          <a:cs typeface="+mn-cs"/>
+        </a:defRPr>
+      </a:lvl9pPr>
+    </p:otherStyle>
+  </p:txStyles>
+</p:sldMaster>
+</file>
+
 <file path=ppt/slides/slide1.xml><?xml version="1.0" encoding="utf-8"?>
 <p:sld xmlns:a="http://schemas.openxmlformats.org/drawingml/2006/main" xmlns:r="http://schemas.openxmlformats.org/officeDocument/2006/relationships" xmlns:p="http://schemas.openxmlformats.org/presentationml/2006/main">
   <p:cSld>
@@ -4851,15 +8770,14 @@
         <p:spPr/>
         <p:txBody>
           <a:bodyPr>
-            <a:normAutofit fontScale="90000"/>
+            <a:normAutofit/>
           </a:bodyPr>
           <a:lstStyle/>
           <a:p>
             <a:r>
-              <a:rPr lang="en-US" dirty="0" smtClean="0"/>
+              <a:rPr lang="en-US" dirty="0"/>
               <a:t>INTERMEDIATE PROGRAMMING LESSON</a:t>
             </a:r>
-            <a:endParaRPr lang="en-US" dirty="0"/>
           </a:p>
         </p:txBody>
       </p:sp>
@@ -4875,21 +8793,20 @@
         </p:nvSpPr>
         <p:spPr>
           <a:xfrm>
-            <a:off x="1597572" y="2921876"/>
-            <a:ext cx="6180083" cy="932429"/>
+            <a:off x="1597572" y="3346315"/>
+            <a:ext cx="6180083" cy="507990"/>
           </a:xfrm>
         </p:spPr>
         <p:txBody>
           <a:bodyPr>
-            <a:normAutofit fontScale="92500" lnSpcReduction="10000"/>
+            <a:normAutofit/>
           </a:bodyPr>
           <a:lstStyle/>
           <a:p>
             <a:r>
-              <a:rPr lang="en-US" dirty="0" smtClean="0"/>
-              <a:t>MY BLOCKS OVERVIEW: Step-by-step visual guide to creating My blocks with inputs &amp; outputs (parameters)</a:t>
-            </a:r>
-            <a:endParaRPr lang="en-US" dirty="0"/>
+              <a:rPr lang="en-US" dirty="0"/>
+              <a:t>Introduction to MY BLOCKs</a:t>
+            </a:r>
           </a:p>
         </p:txBody>
       </p:sp>
@@ -4965,22 +8882,9 @@
           <a:lstStyle/>
           <a:p>
             <a:r>
-              <a:rPr lang="en-US" dirty="0" smtClean="0"/>
-              <a:t>Step </a:t>
-            </a:r>
-            <a:r>
               <a:rPr lang="en-US" dirty="0"/>
-              <a:t>3</a:t>
-            </a:r>
-            <a:r>
-              <a:rPr lang="en-US" dirty="0" smtClean="0"/>
-              <a:t>: Add </a:t>
-            </a:r>
-            <a:r>
-              <a:rPr lang="en-US" dirty="0" smtClean="0"/>
-              <a:t>Inputs/Outputs</a:t>
-            </a:r>
-            <a:endParaRPr lang="en-US" dirty="0"/>
+              <a:t>Step 3: Add Inputs/Outputs</a:t>
+            </a:r>
           </a:p>
         </p:txBody>
       </p:sp>
@@ -5007,7 +8911,7 @@
           <a:lstStyle/>
           <a:p>
             <a:r>
-              <a:rPr lang="en-US" b="0" dirty="0" smtClean="0">
+              <a:rPr lang="en-US" b="0" dirty="0">
                 <a:solidFill>
                   <a:srgbClr val="00B050"/>
                 </a:solidFill>
@@ -5020,7 +8924,7 @@
               <a:buFont typeface="+mj-lt"/>
               <a:buAutoNum type="arabicPeriod"/>
             </a:pPr>
-            <a:endParaRPr lang="en-US" b="0" dirty="0" smtClean="0"/>
+            <a:endParaRPr lang="en-US" b="0" dirty="0"/>
           </a:p>
           <a:p>
             <a:pPr marL="457200" indent="-457200">
@@ -5031,50 +8935,29 @@
           </a:p>
           <a:p>
             <a:r>
-              <a:rPr lang="en-US" b="0" dirty="0" smtClean="0">
+              <a:rPr lang="en-US" b="0" dirty="0">
                 <a:solidFill>
                   <a:srgbClr val="7030A0"/>
                 </a:solidFill>
               </a:rPr>
               <a:t>B. Go back to the first parameter</a:t>
             </a:r>
-            <a:endParaRPr lang="en-US" b="0" dirty="0">
-              <a:solidFill>
-                <a:srgbClr val="7030A0"/>
-              </a:solidFill>
-            </a:endParaRPr>
           </a:p>
           <a:p>
             <a:pPr marL="457200" indent="-457200">
               <a:buFont typeface="+mj-lt"/>
               <a:buAutoNum type="arabicPeriod"/>
             </a:pPr>
-            <a:endParaRPr lang="en-US" b="0" dirty="0" smtClean="0"/>
-          </a:p>
-          <a:p>
-            <a:r>
-              <a:rPr lang="en-US" b="0" dirty="0" smtClean="0">
-                <a:solidFill>
-                  <a:srgbClr val="00B0F0"/>
-                </a:solidFill>
-              </a:rPr>
-              <a:t>C. Go to Parameter </a:t>
-            </a:r>
+            <a:endParaRPr lang="en-US" b="0" dirty="0"/>
+          </a:p>
+          <a:p>
             <a:r>
               <a:rPr lang="en-US" b="0" dirty="0">
                 <a:solidFill>
                   <a:srgbClr val="00B0F0"/>
                 </a:solidFill>
               </a:rPr>
-              <a:t>S</a:t>
-            </a:r>
-            <a:r>
-              <a:rPr lang="en-US" b="0" dirty="0" smtClean="0">
-                <a:solidFill>
-                  <a:srgbClr val="00B0F0"/>
-                </a:solidFill>
-              </a:rPr>
-              <a:t>etup</a:t>
+              <a:t>C. Go to Parameter Setup</a:t>
             </a:r>
           </a:p>
           <a:p>
@@ -5098,10 +8981,9 @@
           <a:lstStyle/>
           <a:p>
             <a:r>
-              <a:rPr lang="sk-SK" smtClean="0"/>
-              <a:t>© 2015 EV3Lessons.com (Last Edit 11/01/2015)</a:t>
-            </a:r>
-            <a:endParaRPr lang="en-US"/>
+              <a:rPr lang="en-US"/>
+              <a:t>© 2015 EV3Lessons.com (Last Edit 7/06/2016)</a:t>
+            </a:r>
           </a:p>
         </p:txBody>
       </p:sp>
@@ -5174,10 +9056,9 @@
           <a:lstStyle/>
           <a:p>
             <a:r>
-              <a:rPr lang="en-US" sz="800" dirty="0" smtClean="0"/>
+              <a:rPr lang="en-US" sz="800" dirty="0"/>
               <a:t>Move Rotations and output Ultrasonic</a:t>
             </a:r>
-            <a:endParaRPr lang="en-US" sz="800" dirty="0"/>
           </a:p>
         </p:txBody>
       </p:sp>
@@ -5204,10 +9085,9 @@
           <a:lstStyle/>
           <a:p>
             <a:r>
-              <a:rPr lang="en-US" sz="700" dirty="0" smtClean="0"/>
+              <a:rPr lang="en-US" sz="700" dirty="0"/>
               <a:t>Move Rotations and output Ultrasonic</a:t>
             </a:r>
-            <a:endParaRPr lang="en-US" sz="700" dirty="0"/>
           </a:p>
         </p:txBody>
       </p:sp>
@@ -5372,18 +9252,13 @@
           <a:lstStyle/>
           <a:p>
             <a:r>
-              <a:rPr lang="en-US" b="1" dirty="0" smtClean="0">
+              <a:rPr lang="en-US" b="1" dirty="0">
                 <a:solidFill>
                   <a:srgbClr val="00B050"/>
                 </a:solidFill>
               </a:rPr>
               <a:t>A</a:t>
             </a:r>
-            <a:endParaRPr lang="en-US" b="1" dirty="0">
-              <a:solidFill>
-                <a:srgbClr val="00B050"/>
-              </a:solidFill>
-            </a:endParaRPr>
           </a:p>
         </p:txBody>
       </p:sp>
@@ -5410,18 +9285,13 @@
           <a:lstStyle/>
           <a:p>
             <a:r>
-              <a:rPr lang="en-US" b="1" dirty="0" smtClean="0">
+              <a:rPr lang="en-US" b="1" dirty="0">
                 <a:solidFill>
                   <a:srgbClr val="7030A0"/>
                 </a:solidFill>
               </a:rPr>
               <a:t>B</a:t>
             </a:r>
-            <a:endParaRPr lang="en-US" b="1" dirty="0">
-              <a:solidFill>
-                <a:srgbClr val="7030A0"/>
-              </a:solidFill>
-            </a:endParaRPr>
           </a:p>
         </p:txBody>
       </p:sp>
@@ -5448,18 +9318,13 @@
           <a:lstStyle/>
           <a:p>
             <a:r>
-              <a:rPr lang="en-US" b="1" dirty="0" smtClean="0">
+              <a:rPr lang="en-US" b="1" dirty="0">
                 <a:solidFill>
                   <a:srgbClr val="00B0F0"/>
                 </a:solidFill>
               </a:rPr>
               <a:t>C</a:t>
             </a:r>
-            <a:endParaRPr lang="en-US" b="1" dirty="0">
-              <a:solidFill>
-                <a:srgbClr val="00B0F0"/>
-              </a:solidFill>
-            </a:endParaRPr>
           </a:p>
         </p:txBody>
       </p:sp>
@@ -5473,13 +9338,6 @@
   <p:clrMapOvr>
     <a:masterClrMapping/>
   </p:clrMapOvr>
-  <p:timing>
-    <p:tnLst>
-      <p:par>
-        <p:cTn id="1" dur="indefinite" restart="never" nodeType="tmRoot"/>
-      </p:par>
-    </p:tnLst>
-  </p:timing>
 </p:sld>
 </file>
 
@@ -5516,22 +9374,9 @@
           <a:lstStyle/>
           <a:p>
             <a:r>
-              <a:rPr lang="en-US" dirty="0" smtClean="0"/>
-              <a:t>Step 4: Setup </a:t>
-            </a:r>
-            <a:r>
-              <a:rPr lang="en-US" dirty="0" smtClean="0"/>
-              <a:t>Parameter </a:t>
-            </a:r>
-            <a:r>
-              <a:rPr lang="en-US" dirty="0" smtClean="0"/>
-              <a:t>for </a:t>
-            </a:r>
-            <a:r>
-              <a:rPr lang="en-US" dirty="0" smtClean="0"/>
-              <a:t>Power</a:t>
-            </a:r>
-            <a:endParaRPr lang="en-US" dirty="0"/>
+              <a:rPr lang="en-US" dirty="0"/>
+              <a:t>Step 4: Setup Parameter for Power</a:t>
+            </a:r>
           </a:p>
         </p:txBody>
       </p:sp>
@@ -5551,10 +9396,9 @@
           <a:lstStyle/>
           <a:p>
             <a:r>
-              <a:rPr lang="sk-SK" smtClean="0"/>
-              <a:t>© 2015 EV3Lessons.com (Last Edit 11/01/2015)</a:t>
-            </a:r>
-            <a:endParaRPr lang="en-US"/>
+              <a:rPr lang="en-US"/>
+              <a:t>© 2015 EV3Lessons.com (Last Edit 7/06/2016)</a:t>
+            </a:r>
           </a:p>
         </p:txBody>
       </p:sp>
@@ -5668,18 +9512,13 @@
           <a:lstStyle/>
           <a:p>
             <a:r>
-              <a:rPr lang="en-US" dirty="0" smtClean="0">
+              <a:rPr lang="en-US" dirty="0">
                 <a:solidFill>
                   <a:srgbClr val="7030A0"/>
                 </a:solidFill>
               </a:rPr>
               <a:t>B. Select Input</a:t>
             </a:r>
-            <a:endParaRPr lang="en-US" dirty="0">
-              <a:solidFill>
-                <a:srgbClr val="7030A0"/>
-              </a:solidFill>
-            </a:endParaRPr>
           </a:p>
         </p:txBody>
       </p:sp>
@@ -5706,18 +9545,13 @@
           <a:lstStyle/>
           <a:p>
             <a:r>
-              <a:rPr lang="en-US" dirty="0" smtClean="0">
+              <a:rPr lang="en-US" dirty="0">
                 <a:solidFill>
                   <a:srgbClr val="00B050"/>
                 </a:solidFill>
               </a:rPr>
               <a:t>A. Pick a Name</a:t>
             </a:r>
-            <a:endParaRPr lang="en-US" dirty="0">
-              <a:solidFill>
-                <a:srgbClr val="00B050"/>
-              </a:solidFill>
-            </a:endParaRPr>
           </a:p>
         </p:txBody>
       </p:sp>
@@ -5744,18 +9578,13 @@
           <a:lstStyle/>
           <a:p>
             <a:r>
-              <a:rPr lang="en-US" dirty="0" smtClean="0">
+              <a:rPr lang="en-US" dirty="0">
                 <a:solidFill>
                   <a:srgbClr val="FFC000"/>
                 </a:solidFill>
               </a:rPr>
               <a:t>D. Choose a default value</a:t>
             </a:r>
-            <a:endParaRPr lang="en-US" dirty="0">
-              <a:solidFill>
-                <a:srgbClr val="FFC000"/>
-              </a:solidFill>
-            </a:endParaRPr>
           </a:p>
         </p:txBody>
       </p:sp>
@@ -5782,10 +9611,9 @@
           <a:lstStyle/>
           <a:p>
             <a:r>
-              <a:rPr lang="en-US" sz="1200" dirty="0" smtClean="0"/>
+              <a:rPr lang="en-US" sz="1200" dirty="0"/>
               <a:t>Move Rotations and output Ultrasonic</a:t>
             </a:r>
-            <a:endParaRPr lang="en-US" sz="1200" dirty="0"/>
           </a:p>
         </p:txBody>
       </p:sp>
@@ -5829,18 +9657,17 @@
           <a:p>
             <a:pPr algn="ctr"/>
             <a:r>
-              <a:rPr lang="en-US" sz="1200" dirty="0" smtClean="0"/>
+              <a:rPr lang="en-US" sz="1200" dirty="0"/>
               <a:t>Set min &amp; </a:t>
             </a:r>
             <a:r>
-              <a:rPr lang="en-US" sz="1200" smtClean="0"/>
+              <a:rPr lang="en-US" sz="1200"/>
               <a:t>max values (only </a:t>
             </a:r>
             <a:r>
-              <a:rPr lang="en-US" sz="1200" dirty="0" smtClean="0"/>
+              <a:rPr lang="en-US" sz="1200" dirty="0"/>
               <a:t>available with slider)</a:t>
             </a:r>
-            <a:endParaRPr lang="en-US" sz="1200" dirty="0"/>
           </a:p>
         </p:txBody>
       </p:sp>
@@ -5872,21 +9699,8 @@
                   <a:srgbClr val="00B0F0"/>
                 </a:solidFill>
               </a:rPr>
-              <a:t>C</a:t>
-            </a:r>
-            <a:r>
-              <a:rPr lang="en-US" dirty="0" smtClean="0">
-                <a:solidFill>
-                  <a:srgbClr val="00B0F0"/>
-                </a:solidFill>
-              </a:rPr>
-              <a:t>. Power is a Number</a:t>
-            </a:r>
-            <a:endParaRPr lang="en-US" dirty="0">
-              <a:solidFill>
-                <a:srgbClr val="00B0F0"/>
-              </a:solidFill>
-            </a:endParaRPr>
+              <a:t>C. Power is a Number</a:t>
+            </a:r>
           </a:p>
         </p:txBody>
       </p:sp>
@@ -5918,21 +9732,8 @@
                   <a:srgbClr val="0070C0"/>
                 </a:solidFill>
               </a:rPr>
-              <a:t>E</a:t>
-            </a:r>
-            <a:r>
-              <a:rPr lang="en-US" dirty="0" smtClean="0">
-                <a:solidFill>
-                  <a:srgbClr val="0070C0"/>
-                </a:solidFill>
-              </a:rPr>
-              <a:t>. Choose button Style</a:t>
-            </a:r>
-            <a:endParaRPr lang="en-US" dirty="0">
-              <a:solidFill>
-                <a:srgbClr val="0070C0"/>
-              </a:solidFill>
-            </a:endParaRPr>
+              <a:t>E. Choose button Style</a:t>
+            </a:r>
           </a:p>
         </p:txBody>
       </p:sp>
@@ -5959,18 +9760,13 @@
           <a:lstStyle/>
           <a:p>
             <a:r>
-              <a:rPr lang="en-US" b="1" dirty="0" smtClean="0">
+              <a:rPr lang="en-US" b="1" dirty="0">
                 <a:solidFill>
                   <a:srgbClr val="00B050"/>
                 </a:solidFill>
               </a:rPr>
               <a:t>A</a:t>
             </a:r>
-            <a:endParaRPr lang="en-US" b="1" dirty="0">
-              <a:solidFill>
-                <a:srgbClr val="00B050"/>
-              </a:solidFill>
-            </a:endParaRPr>
           </a:p>
         </p:txBody>
       </p:sp>
@@ -5997,18 +9793,13 @@
           <a:lstStyle/>
           <a:p>
             <a:r>
-              <a:rPr lang="en-US" b="1" dirty="0" smtClean="0">
+              <a:rPr lang="en-US" b="1" dirty="0">
                 <a:solidFill>
                   <a:srgbClr val="7030A0"/>
                 </a:solidFill>
               </a:rPr>
               <a:t>B</a:t>
             </a:r>
-            <a:endParaRPr lang="en-US" b="1" dirty="0">
-              <a:solidFill>
-                <a:srgbClr val="7030A0"/>
-              </a:solidFill>
-            </a:endParaRPr>
           </a:p>
         </p:txBody>
       </p:sp>
@@ -6035,18 +9826,13 @@
           <a:lstStyle/>
           <a:p>
             <a:r>
-              <a:rPr lang="en-US" b="1" dirty="0" smtClean="0">
+              <a:rPr lang="en-US" b="1" dirty="0">
                 <a:solidFill>
                   <a:srgbClr val="00B0F0"/>
                 </a:solidFill>
               </a:rPr>
               <a:t>C</a:t>
             </a:r>
-            <a:endParaRPr lang="en-US" b="1" dirty="0">
-              <a:solidFill>
-                <a:srgbClr val="00B0F0"/>
-              </a:solidFill>
-            </a:endParaRPr>
           </a:p>
         </p:txBody>
       </p:sp>
@@ -6073,18 +9859,13 @@
           <a:lstStyle/>
           <a:p>
             <a:r>
-              <a:rPr lang="en-US" b="1" dirty="0" smtClean="0">
+              <a:rPr lang="en-US" b="1" dirty="0">
                 <a:solidFill>
                   <a:srgbClr val="FFC000"/>
                 </a:solidFill>
               </a:rPr>
               <a:t>D</a:t>
             </a:r>
-            <a:endParaRPr lang="en-US" b="1" dirty="0">
-              <a:solidFill>
-                <a:srgbClr val="FFC000"/>
-              </a:solidFill>
-            </a:endParaRPr>
           </a:p>
         </p:txBody>
       </p:sp>
@@ -6111,18 +9892,13 @@
           <a:lstStyle/>
           <a:p>
             <a:r>
-              <a:rPr lang="en-US" b="1" dirty="0" smtClean="0">
+              <a:rPr lang="en-US" b="1" dirty="0">
                 <a:solidFill>
                   <a:srgbClr val="0070C0"/>
                 </a:solidFill>
               </a:rPr>
               <a:t>E</a:t>
             </a:r>
-            <a:endParaRPr lang="en-US" b="1" dirty="0">
-              <a:solidFill>
-                <a:srgbClr val="0070C0"/>
-              </a:solidFill>
-            </a:endParaRPr>
           </a:p>
         </p:txBody>
       </p:sp>
@@ -6182,13 +9958,6 @@
   <p:clrMapOvr>
     <a:masterClrMapping/>
   </p:clrMapOvr>
-  <p:timing>
-    <p:tnLst>
-      <p:par>
-        <p:cTn id="1" dur="indefinite" restart="never" nodeType="tmRoot"/>
-      </p:par>
-    </p:tnLst>
-  </p:timing>
 </p:sld>
 </file>
 
@@ -6225,7 +9994,7 @@
         </p:blipFill>
         <p:spPr>
           <a:xfrm>
-            <a:off x="2875963" y="1470184"/>
+            <a:off x="3401256" y="1197809"/>
             <a:ext cx="5591175" cy="5076825"/>
           </a:xfrm>
           <a:prstGeom prst="rect">
@@ -6246,23 +10015,14 @@
         <p:spPr/>
         <p:txBody>
           <a:bodyPr>
-            <a:normAutofit fontScale="90000"/>
+            <a:noAutofit/>
           </a:bodyPr>
           <a:lstStyle/>
           <a:p>
             <a:r>
-              <a:rPr lang="en-US" dirty="0" smtClean="0"/>
-              <a:t>Step 5: Setup </a:t>
-            </a:r>
-            <a:r>
-              <a:rPr lang="en-US" dirty="0" smtClean="0"/>
-              <a:t>Parameter </a:t>
-            </a:r>
-            <a:r>
-              <a:rPr lang="en-US" dirty="0" smtClean="0"/>
-              <a:t>for Rotation</a:t>
-            </a:r>
-            <a:endParaRPr lang="en-US" dirty="0"/>
+              <a:rPr lang="en-US" sz="4400" dirty="0"/>
+              <a:t>Step 5: Setup Parameter for Rotation</a:t>
+            </a:r>
           </a:p>
         </p:txBody>
       </p:sp>
@@ -6282,10 +10042,9 @@
           <a:lstStyle/>
           <a:p>
             <a:r>
-              <a:rPr lang="sk-SK" smtClean="0"/>
-              <a:t>© 2015 EV3Lessons.com (Last Edit 11/01/2015)</a:t>
-            </a:r>
-            <a:endParaRPr lang="en-US"/>
+              <a:rPr lang="en-US"/>
+              <a:t>© 2015 EV3Lessons.com (Last Edit 7/06/2016)</a:t>
+            </a:r>
           </a:p>
         </p:txBody>
       </p:sp>
@@ -6320,7 +10079,7 @@
         </p:nvSpPr>
         <p:spPr>
           <a:xfrm>
-            <a:off x="5734393" y="4352600"/>
+            <a:off x="6259686" y="4080225"/>
             <a:ext cx="2604064" cy="1728654"/>
           </a:xfrm>
           <a:prstGeom prst="rect">
@@ -6360,7 +10119,7 @@
         </p:nvSpPr>
         <p:spPr>
           <a:xfrm>
-            <a:off x="5957441" y="3414378"/>
+            <a:off x="6482734" y="3142003"/>
             <a:ext cx="2332140" cy="461665"/>
           </a:xfrm>
           <a:prstGeom prst="rect">
@@ -6375,10 +10134,9 @@
           <a:lstStyle/>
           <a:p>
             <a:r>
-              <a:rPr lang="en-US" sz="1200" dirty="0" smtClean="0"/>
+              <a:rPr lang="en-US" sz="1200" dirty="0"/>
               <a:t>Move Rotations and output Ultrasonic</a:t>
             </a:r>
-            <a:endParaRPr lang="en-US" sz="1200" dirty="0"/>
           </a:p>
         </p:txBody>
       </p:sp>
@@ -6404,18 +10162,13 @@
           <a:lstStyle/>
           <a:p>
             <a:r>
-              <a:rPr lang="en-US" dirty="0" smtClean="0">
+              <a:rPr lang="en-US" dirty="0">
                 <a:solidFill>
                   <a:srgbClr val="7030A0"/>
                 </a:solidFill>
               </a:rPr>
               <a:t>Now click on the second  parameter</a:t>
             </a:r>
-            <a:endParaRPr lang="en-US" dirty="0">
-              <a:solidFill>
-                <a:srgbClr val="7030A0"/>
-              </a:solidFill>
-            </a:endParaRPr>
           </a:p>
         </p:txBody>
       </p:sp>
@@ -6427,7 +10180,7 @@
         </p:nvSpPr>
         <p:spPr>
           <a:xfrm>
-            <a:off x="2902301" y="4290573"/>
+            <a:off x="3427594" y="4018198"/>
             <a:ext cx="316558" cy="369332"/>
           </a:xfrm>
           <a:prstGeom prst="rect">
@@ -6442,18 +10195,13 @@
           <a:lstStyle/>
           <a:p>
             <a:r>
-              <a:rPr lang="en-US" b="1" dirty="0" smtClean="0">
+              <a:rPr lang="en-US" b="1" dirty="0">
                 <a:solidFill>
                   <a:srgbClr val="00B050"/>
                 </a:solidFill>
               </a:rPr>
               <a:t>A</a:t>
             </a:r>
-            <a:endParaRPr lang="en-US" b="1" dirty="0">
-              <a:solidFill>
-                <a:srgbClr val="00B050"/>
-              </a:solidFill>
-            </a:endParaRPr>
           </a:p>
         </p:txBody>
       </p:sp>
@@ -6465,7 +10213,7 @@
         </p:nvSpPr>
         <p:spPr>
           <a:xfrm flipH="1">
-            <a:off x="2886745" y="4655260"/>
+            <a:off x="3412038" y="4382885"/>
             <a:ext cx="293852" cy="369332"/>
           </a:xfrm>
           <a:prstGeom prst="rect">
@@ -6480,18 +10228,13 @@
           <a:lstStyle/>
           <a:p>
             <a:r>
-              <a:rPr lang="en-US" b="1" dirty="0" smtClean="0">
+              <a:rPr lang="en-US" b="1" dirty="0">
                 <a:solidFill>
                   <a:srgbClr val="7030A0"/>
                 </a:solidFill>
               </a:rPr>
               <a:t>B</a:t>
             </a:r>
-            <a:endParaRPr lang="en-US" b="1" dirty="0">
-              <a:solidFill>
-                <a:srgbClr val="7030A0"/>
-              </a:solidFill>
-            </a:endParaRPr>
           </a:p>
         </p:txBody>
       </p:sp>
@@ -6503,7 +10246,7 @@
         </p:nvSpPr>
         <p:spPr>
           <a:xfrm flipH="1">
-            <a:off x="2886745" y="4985362"/>
+            <a:off x="3412038" y="4712987"/>
             <a:ext cx="293852" cy="369332"/>
           </a:xfrm>
           <a:prstGeom prst="rect">
@@ -6518,18 +10261,13 @@
           <a:lstStyle/>
           <a:p>
             <a:r>
-              <a:rPr lang="en-US" b="1" dirty="0" smtClean="0">
+              <a:rPr lang="en-US" b="1" dirty="0">
                 <a:solidFill>
                   <a:srgbClr val="00B0F0"/>
                 </a:solidFill>
               </a:rPr>
               <a:t>C</a:t>
             </a:r>
-            <a:endParaRPr lang="en-US" b="1" dirty="0">
-              <a:solidFill>
-                <a:srgbClr val="00B0F0"/>
-              </a:solidFill>
-            </a:endParaRPr>
           </a:p>
         </p:txBody>
       </p:sp>
@@ -6541,7 +10279,7 @@
         </p:nvSpPr>
         <p:spPr>
           <a:xfrm flipH="1">
-            <a:off x="2897627" y="5311933"/>
+            <a:off x="3422920" y="5039558"/>
             <a:ext cx="293852" cy="369332"/>
           </a:xfrm>
           <a:prstGeom prst="rect">
@@ -6556,18 +10294,13 @@
           <a:lstStyle/>
           <a:p>
             <a:r>
-              <a:rPr lang="en-US" b="1" dirty="0" smtClean="0">
+              <a:rPr lang="en-US" b="1" dirty="0">
                 <a:solidFill>
                   <a:srgbClr val="FFC000"/>
                 </a:solidFill>
               </a:rPr>
               <a:t>D</a:t>
             </a:r>
-            <a:endParaRPr lang="en-US" b="1" dirty="0">
-              <a:solidFill>
-                <a:srgbClr val="FFC000"/>
-              </a:solidFill>
-            </a:endParaRPr>
           </a:p>
         </p:txBody>
       </p:sp>
@@ -6579,7 +10312,7 @@
         </p:nvSpPr>
         <p:spPr>
           <a:xfrm flipH="1">
-            <a:off x="6685852" y="4319662"/>
+            <a:off x="7211145" y="4047287"/>
             <a:ext cx="293852" cy="369332"/>
           </a:xfrm>
           <a:prstGeom prst="rect">
@@ -6594,18 +10327,13 @@
           <a:lstStyle/>
           <a:p>
             <a:r>
-              <a:rPr lang="en-US" b="1" dirty="0" smtClean="0">
+              <a:rPr lang="en-US" b="1" dirty="0">
                 <a:solidFill>
                   <a:srgbClr val="0070C0"/>
                 </a:solidFill>
               </a:rPr>
               <a:t>E</a:t>
             </a:r>
-            <a:endParaRPr lang="en-US" b="1" dirty="0">
-              <a:solidFill>
-                <a:srgbClr val="0070C0"/>
-              </a:solidFill>
-            </a:endParaRPr>
           </a:p>
         </p:txBody>
       </p:sp>
@@ -6617,7 +10345,7 @@
         </p:nvSpPr>
         <p:spPr>
           <a:xfrm>
-            <a:off x="5471024" y="2035230"/>
+            <a:off x="5996317" y="1762855"/>
             <a:ext cx="320779" cy="834740"/>
           </a:xfrm>
           <a:prstGeom prst="rect">
@@ -6678,18 +10406,13 @@
           <a:lstStyle/>
           <a:p>
             <a:r>
-              <a:rPr lang="en-US" dirty="0" smtClean="0">
+              <a:rPr lang="en-US" dirty="0">
                 <a:solidFill>
                   <a:srgbClr val="7030A0"/>
                 </a:solidFill>
               </a:rPr>
               <a:t>B. Select Input</a:t>
             </a:r>
-            <a:endParaRPr lang="en-US" dirty="0">
-              <a:solidFill>
-                <a:srgbClr val="7030A0"/>
-              </a:solidFill>
-            </a:endParaRPr>
           </a:p>
         </p:txBody>
       </p:sp>
@@ -6716,18 +10439,13 @@
           <a:lstStyle/>
           <a:p>
             <a:r>
-              <a:rPr lang="en-US" dirty="0" smtClean="0">
+              <a:rPr lang="en-US" dirty="0">
                 <a:solidFill>
                   <a:srgbClr val="00B050"/>
                 </a:solidFill>
               </a:rPr>
               <a:t>A. Pick a Name</a:t>
             </a:r>
-            <a:endParaRPr lang="en-US" dirty="0">
-              <a:solidFill>
-                <a:srgbClr val="00B050"/>
-              </a:solidFill>
-            </a:endParaRPr>
           </a:p>
         </p:txBody>
       </p:sp>
@@ -6754,18 +10472,13 @@
           <a:lstStyle/>
           <a:p>
             <a:r>
-              <a:rPr lang="en-US" dirty="0" smtClean="0">
+              <a:rPr lang="en-US" dirty="0">
                 <a:solidFill>
                   <a:srgbClr val="FFC000"/>
                 </a:solidFill>
               </a:rPr>
               <a:t>D. Choose a default value</a:t>
             </a:r>
-            <a:endParaRPr lang="en-US" dirty="0">
-              <a:solidFill>
-                <a:srgbClr val="FFC000"/>
-              </a:solidFill>
-            </a:endParaRPr>
           </a:p>
         </p:txBody>
       </p:sp>
@@ -6797,37 +10510,8 @@
                   <a:srgbClr val="00B0F0"/>
                 </a:solidFill>
               </a:rPr>
-              <a:t>C</a:t>
-            </a:r>
-            <a:r>
-              <a:rPr lang="en-US" dirty="0" smtClean="0">
-                <a:solidFill>
-                  <a:srgbClr val="00B0F0"/>
-                </a:solidFill>
-              </a:rPr>
-              <a:t>. Rotation is </a:t>
-            </a:r>
-            <a:r>
-              <a:rPr lang="en-US" dirty="0">
-                <a:solidFill>
-                  <a:srgbClr val="00B0F0"/>
-                </a:solidFill>
-              </a:rPr>
-              <a:t>a</a:t>
-            </a:r>
-            <a:r>
-              <a:rPr lang="en-US" dirty="0" smtClean="0">
-                <a:solidFill>
-                  <a:srgbClr val="00B0F0"/>
-                </a:solidFill>
-              </a:rPr>
-              <a:t> Number</a:t>
-            </a:r>
-            <a:endParaRPr lang="en-US" dirty="0">
-              <a:solidFill>
-                <a:srgbClr val="00B0F0"/>
-              </a:solidFill>
-            </a:endParaRPr>
+              <a:t>C. Rotation is a Number</a:t>
+            </a:r>
           </a:p>
         </p:txBody>
       </p:sp>
@@ -6859,21 +10543,8 @@
                   <a:srgbClr val="0070C0"/>
                 </a:solidFill>
               </a:rPr>
-              <a:t>E</a:t>
-            </a:r>
-            <a:r>
-              <a:rPr lang="en-US" dirty="0" smtClean="0">
-                <a:solidFill>
-                  <a:srgbClr val="0070C0"/>
-                </a:solidFill>
-              </a:rPr>
-              <a:t>. Choose button Style</a:t>
-            </a:r>
-            <a:endParaRPr lang="en-US" dirty="0">
-              <a:solidFill>
-                <a:srgbClr val="0070C0"/>
-              </a:solidFill>
-            </a:endParaRPr>
+              <a:t>E. Choose button Style</a:t>
+            </a:r>
           </a:p>
         </p:txBody>
       </p:sp>
@@ -6887,13 +10558,6 @@
   <p:clrMapOvr>
     <a:masterClrMapping/>
   </p:clrMapOvr>
-  <p:timing>
-    <p:tnLst>
-      <p:par>
-        <p:cTn id="1" dur="indefinite" restart="never" nodeType="tmRoot"/>
-      </p:par>
-    </p:tnLst>
-  </p:timing>
 </p:sld>
 </file>
 
@@ -6956,10 +10620,9 @@
           <a:lstStyle/>
           <a:p>
             <a:r>
-              <a:rPr lang="en-US" dirty="0" smtClean="0"/>
-              <a:t>Step 6: Setup parameter for Ultrasonic</a:t>
-            </a:r>
-            <a:endParaRPr lang="en-US" dirty="0"/>
+              <a:rPr lang="en-US" dirty="0"/>
+              <a:t>Step 6: Setup Parameter for Ultrasonic</a:t>
+            </a:r>
           </a:p>
         </p:txBody>
       </p:sp>
@@ -6979,10 +10642,9 @@
           <a:lstStyle/>
           <a:p>
             <a:r>
-              <a:rPr lang="sk-SK" smtClean="0"/>
-              <a:t>© 2015 EV3Lessons.com (Last Edit 11/01/2015)</a:t>
-            </a:r>
-            <a:endParaRPr lang="en-US"/>
+              <a:rPr lang="en-US"/>
+              <a:t>© 2015 EV3Lessons.com (Last Edit 7/06/2016)</a:t>
+            </a:r>
           </a:p>
         </p:txBody>
       </p:sp>
@@ -7032,10 +10694,9 @@
           <a:lstStyle/>
           <a:p>
             <a:r>
-              <a:rPr lang="en-US" sz="1200" dirty="0" smtClean="0"/>
+              <a:rPr lang="en-US" sz="1200" dirty="0"/>
               <a:t>Move Rotations and output Ultrasonic</a:t>
             </a:r>
-            <a:endParaRPr lang="en-US" sz="1200" dirty="0"/>
           </a:p>
         </p:txBody>
       </p:sp>
@@ -7062,18 +10723,13 @@
           <a:lstStyle/>
           <a:p>
             <a:r>
-              <a:rPr lang="en-US" b="1" dirty="0" smtClean="0">
+              <a:rPr lang="en-US" b="1" dirty="0">
                 <a:solidFill>
                   <a:srgbClr val="00B050"/>
                 </a:solidFill>
               </a:rPr>
               <a:t>A</a:t>
             </a:r>
-            <a:endParaRPr lang="en-US" b="1" dirty="0">
-              <a:solidFill>
-                <a:srgbClr val="00B050"/>
-              </a:solidFill>
-            </a:endParaRPr>
           </a:p>
         </p:txBody>
       </p:sp>
@@ -7100,18 +10756,13 @@
           <a:lstStyle/>
           <a:p>
             <a:r>
-              <a:rPr lang="en-US" b="1" dirty="0" smtClean="0">
+              <a:rPr lang="en-US" b="1" dirty="0">
                 <a:solidFill>
                   <a:srgbClr val="7030A0"/>
                 </a:solidFill>
               </a:rPr>
               <a:t>B</a:t>
             </a:r>
-            <a:endParaRPr lang="en-US" b="1" dirty="0">
-              <a:solidFill>
-                <a:srgbClr val="7030A0"/>
-              </a:solidFill>
-            </a:endParaRPr>
           </a:p>
         </p:txBody>
       </p:sp>
@@ -7138,18 +10789,13 @@
           <a:lstStyle/>
           <a:p>
             <a:r>
-              <a:rPr lang="en-US" b="1" dirty="0" smtClean="0">
+              <a:rPr lang="en-US" b="1" dirty="0">
                 <a:solidFill>
                   <a:srgbClr val="00B0F0"/>
                 </a:solidFill>
               </a:rPr>
               <a:t>C</a:t>
             </a:r>
-            <a:endParaRPr lang="en-US" b="1" dirty="0">
-              <a:solidFill>
-                <a:srgbClr val="00B0F0"/>
-              </a:solidFill>
-            </a:endParaRPr>
           </a:p>
         </p:txBody>
       </p:sp>
@@ -7221,18 +10867,13 @@
           <a:lstStyle/>
           <a:p>
             <a:r>
-              <a:rPr lang="en-US" dirty="0" smtClean="0">
+              <a:rPr lang="en-US" dirty="0">
                 <a:solidFill>
                   <a:srgbClr val="7030A0"/>
                 </a:solidFill>
               </a:rPr>
               <a:t>Now click on the third parameter</a:t>
             </a:r>
-            <a:endParaRPr lang="en-US" dirty="0">
-              <a:solidFill>
-                <a:srgbClr val="7030A0"/>
-              </a:solidFill>
-            </a:endParaRPr>
           </a:p>
         </p:txBody>
       </p:sp>
@@ -7259,18 +10900,13 @@
           <a:lstStyle/>
           <a:p>
             <a:r>
-              <a:rPr lang="en-US" dirty="0" smtClean="0">
+              <a:rPr lang="en-US" dirty="0">
                 <a:solidFill>
                   <a:srgbClr val="7030A0"/>
                 </a:solidFill>
               </a:rPr>
               <a:t>B. Select Output</a:t>
             </a:r>
-            <a:endParaRPr lang="en-US" dirty="0">
-              <a:solidFill>
-                <a:srgbClr val="7030A0"/>
-              </a:solidFill>
-            </a:endParaRPr>
           </a:p>
         </p:txBody>
       </p:sp>
@@ -7297,18 +10933,13 @@
           <a:lstStyle/>
           <a:p>
             <a:r>
-              <a:rPr lang="en-US" dirty="0" smtClean="0">
+              <a:rPr lang="en-US" dirty="0">
                 <a:solidFill>
                   <a:srgbClr val="00B050"/>
                 </a:solidFill>
               </a:rPr>
               <a:t>A. Pick a Name</a:t>
             </a:r>
-            <a:endParaRPr lang="en-US" dirty="0">
-              <a:solidFill>
-                <a:srgbClr val="00B050"/>
-              </a:solidFill>
-            </a:endParaRPr>
           </a:p>
         </p:txBody>
       </p:sp>
@@ -7340,21 +10971,8 @@
                   <a:srgbClr val="00B0F0"/>
                 </a:solidFill>
               </a:rPr>
-              <a:t>C</a:t>
-            </a:r>
-            <a:r>
-              <a:rPr lang="en-US" dirty="0" smtClean="0">
-                <a:solidFill>
-                  <a:srgbClr val="00B0F0"/>
-                </a:solidFill>
-              </a:rPr>
-              <a:t>. Ultrasonic output is a Number</a:t>
-            </a:r>
-            <a:endParaRPr lang="en-US" dirty="0">
-              <a:solidFill>
-                <a:srgbClr val="00B0F0"/>
-              </a:solidFill>
-            </a:endParaRPr>
+              <a:t>C. Ultrasonic output is a Number</a:t>
+            </a:r>
           </a:p>
         </p:txBody>
       </p:sp>
@@ -7368,13 +10986,6 @@
   <p:clrMapOvr>
     <a:masterClrMapping/>
   </p:clrMapOvr>
-  <p:timing>
-    <p:tnLst>
-      <p:par>
-        <p:cTn id="1" dur="indefinite" restart="never" nodeType="tmRoot"/>
-      </p:par>
-    </p:tnLst>
-  </p:timing>
 </p:sld>
 </file>
 
@@ -7411,10 +11022,9 @@
           <a:lstStyle/>
           <a:p>
             <a:r>
-              <a:rPr lang="en-US" dirty="0" smtClean="0"/>
-              <a:t>Step 7: Setup Parameter icons</a:t>
-            </a:r>
-            <a:endParaRPr lang="en-US" dirty="0"/>
+              <a:rPr lang="en-US" dirty="0"/>
+              <a:t>Step 7: Setup Parameter Icons</a:t>
+            </a:r>
           </a:p>
         </p:txBody>
       </p:sp>
@@ -7434,8 +11044,8 @@
           <a:lstStyle/>
           <a:p>
             <a:r>
-              <a:rPr lang="sk-SK" smtClean="0"/>
-              <a:t>© 2015 EV3Lessons.com (Last Edit 11/01/2015)</a:t>
+              <a:rPr lang="en-US"/>
+              <a:t>© 2015 EV3Lessons.com (Last Edit 7/06/2016)</a:t>
             </a:r>
             <a:endParaRPr lang="en-US" dirty="0"/>
           </a:p>
@@ -7511,7 +11121,7 @@
           <a:lstStyle/>
           <a:p>
             <a:r>
-              <a:rPr lang="en-US" dirty="0" smtClean="0"/>
+              <a:rPr lang="en-US" dirty="0"/>
               <a:t>In this step, we will change the icons for the parameters from “a” to an image of your choice.</a:t>
             </a:r>
           </a:p>
@@ -7527,14 +11137,14 @@
               <a:buAutoNum type="alphaUcPeriod"/>
             </a:pPr>
             <a:r>
-              <a:rPr lang="en-US" dirty="0" smtClean="0">
+              <a:rPr lang="en-US" dirty="0">
                 <a:solidFill>
                   <a:srgbClr val="00B050"/>
                 </a:solidFill>
               </a:rPr>
               <a:t>Click on a parameter</a:t>
             </a:r>
-            <a:endParaRPr lang="en-US" dirty="0" smtClean="0"/>
+            <a:endParaRPr lang="en-US" dirty="0"/>
           </a:p>
           <a:p>
             <a:pPr marL="342900" indent="-342900">
@@ -7549,7 +11159,7 @@
           </a:p>
           <a:p>
             <a:r>
-              <a:rPr lang="en-US" dirty="0" smtClean="0">
+              <a:rPr lang="en-US" dirty="0">
                 <a:solidFill>
                   <a:srgbClr val="7030A0"/>
                 </a:solidFill>
@@ -7566,7 +11176,7 @@
           </a:p>
           <a:p>
             <a:r>
-              <a:rPr lang="en-US" dirty="0" smtClean="0"/>
+              <a:rPr lang="en-US" dirty="0"/>
               <a:t>C. Repeat steps A and B for each parameter</a:t>
             </a:r>
           </a:p>
@@ -7579,18 +11189,13 @@
           </a:p>
           <a:p>
             <a:r>
-              <a:rPr lang="en-US" dirty="0" smtClean="0">
+              <a:rPr lang="en-US" dirty="0">
                 <a:solidFill>
                   <a:srgbClr val="00B0F0"/>
                 </a:solidFill>
               </a:rPr>
               <a:t>D. Press Finish when you are done.</a:t>
             </a:r>
-            <a:endParaRPr lang="en-US" dirty="0">
-              <a:solidFill>
-                <a:srgbClr val="00B0F0"/>
-              </a:solidFill>
-            </a:endParaRPr>
           </a:p>
         </p:txBody>
       </p:sp>
@@ -7755,18 +11360,13 @@
           <a:lstStyle/>
           <a:p>
             <a:r>
-              <a:rPr lang="en-US" b="1" dirty="0" smtClean="0">
+              <a:rPr lang="en-US" b="1" dirty="0">
                 <a:solidFill>
                   <a:srgbClr val="00B050"/>
                 </a:solidFill>
               </a:rPr>
               <a:t>A</a:t>
             </a:r>
-            <a:endParaRPr lang="en-US" b="1" dirty="0">
-              <a:solidFill>
-                <a:srgbClr val="00B050"/>
-              </a:solidFill>
-            </a:endParaRPr>
           </a:p>
         </p:txBody>
       </p:sp>
@@ -7793,18 +11393,13 @@
           <a:lstStyle/>
           <a:p>
             <a:r>
-              <a:rPr lang="en-US" b="1" dirty="0" smtClean="0">
+              <a:rPr lang="en-US" b="1" dirty="0">
                 <a:solidFill>
                   <a:srgbClr val="7030A0"/>
                 </a:solidFill>
               </a:rPr>
               <a:t>B</a:t>
             </a:r>
-            <a:endParaRPr lang="en-US" b="1" dirty="0">
-              <a:solidFill>
-                <a:srgbClr val="7030A0"/>
-              </a:solidFill>
-            </a:endParaRPr>
           </a:p>
         </p:txBody>
       </p:sp>
@@ -7831,18 +11426,13 @@
           <a:lstStyle/>
           <a:p>
             <a:r>
-              <a:rPr lang="en-US" b="1" dirty="0" smtClean="0">
+              <a:rPr lang="en-US" b="1" dirty="0">
                 <a:solidFill>
                   <a:srgbClr val="00B0F0"/>
                 </a:solidFill>
               </a:rPr>
               <a:t>C</a:t>
             </a:r>
-            <a:endParaRPr lang="en-US" b="1" dirty="0">
-              <a:solidFill>
-                <a:srgbClr val="00B0F0"/>
-              </a:solidFill>
-            </a:endParaRPr>
           </a:p>
         </p:txBody>
       </p:sp>
@@ -8042,13 +11632,6 @@
   <p:clrMapOvr>
     <a:masterClrMapping/>
   </p:clrMapOvr>
-  <p:timing>
-    <p:tnLst>
-      <p:par>
-        <p:cTn id="1" dur="indefinite" restart="never" nodeType="tmRoot"/>
-      </p:par>
-    </p:tnLst>
-  </p:timing>
 </p:sld>
 </file>
 
@@ -8085,18 +11668,9 @@
           <a:lstStyle/>
           <a:p>
             <a:r>
-              <a:rPr lang="en-US" dirty="0" smtClean="0"/>
-              <a:t>Step 8: </a:t>
-            </a:r>
-            <a:r>
-              <a:rPr lang="en-US" dirty="0" smtClean="0"/>
-              <a:t>Add </a:t>
-            </a:r>
-            <a:r>
-              <a:rPr lang="en-US" dirty="0" smtClean="0"/>
-              <a:t>Data Wires</a:t>
-            </a:r>
-            <a:endParaRPr lang="en-US" dirty="0"/>
+              <a:rPr lang="en-US" dirty="0"/>
+              <a:t>Step 8: Add Data Wires</a:t>
+            </a:r>
           </a:p>
         </p:txBody>
       </p:sp>
@@ -8126,21 +11700,9 @@
               <a:buAutoNum type="alphaUcPeriod"/>
             </a:pPr>
             <a:r>
-              <a:rPr lang="en-US" sz="1800" b="0" dirty="0" smtClean="0"/>
+              <a:rPr lang="en-US" sz="1800" b="0" dirty="0"/>
               <a:t>When you click Finish (on previous slide) you will see this. </a:t>
             </a:r>
-          </a:p>
-          <a:p>
-            <a:pPr marL="457200" indent="-457200">
-              <a:buAutoNum type="alphaUcPeriod"/>
-            </a:pPr>
-            <a:endParaRPr lang="en-US" b="0" dirty="0" smtClean="0"/>
-          </a:p>
-          <a:p>
-            <a:pPr marL="457200" indent="-457200">
-              <a:buAutoNum type="alphaUcPeriod"/>
-            </a:pPr>
-            <a:endParaRPr lang="en-US" b="0" dirty="0" smtClean="0"/>
           </a:p>
           <a:p>
             <a:pPr marL="457200" indent="-457200">
@@ -8152,14 +11714,26 @@
             <a:pPr marL="457200" indent="-457200">
               <a:buAutoNum type="alphaUcPeriod"/>
             </a:pPr>
-            <a:endParaRPr lang="en-US" b="0" dirty="0" smtClean="0"/>
+            <a:endParaRPr lang="en-US" b="0" dirty="0"/>
           </a:p>
           <a:p>
             <a:pPr marL="457200" indent="-457200">
               <a:buAutoNum type="alphaUcPeriod"/>
             </a:pPr>
-            <a:r>
-              <a:rPr lang="en-US" b="0" dirty="0" smtClean="0">
+            <a:endParaRPr lang="en-US" b="0" dirty="0"/>
+          </a:p>
+          <a:p>
+            <a:pPr marL="457200" indent="-457200">
+              <a:buAutoNum type="alphaUcPeriod"/>
+            </a:pPr>
+            <a:endParaRPr lang="en-US" b="0" dirty="0"/>
+          </a:p>
+          <a:p>
+            <a:pPr marL="457200" indent="-457200">
+              <a:buAutoNum type="alphaUcPeriod"/>
+            </a:pPr>
+            <a:r>
+              <a:rPr lang="en-US" b="0" dirty="0">
                 <a:solidFill>
                   <a:srgbClr val="00B050"/>
                 </a:solidFill>
@@ -8185,10 +11759,9 @@
           <a:lstStyle/>
           <a:p>
             <a:r>
-              <a:rPr lang="sk-SK" smtClean="0"/>
-              <a:t>© 2015 EV3Lessons.com (Last Edit 11/01/2015)</a:t>
-            </a:r>
-            <a:endParaRPr lang="en-US"/>
+              <a:rPr lang="en-US"/>
+              <a:t>© 2015 EV3Lessons.com (Last Edit 7/06/2016)</a:t>
+            </a:r>
           </a:p>
         </p:txBody>
       </p:sp>
@@ -8265,50 +11838,13 @@
           <a:p>
             <a:pPr algn="ctr"/>
             <a:r>
-              <a:rPr lang="en-US" sz="1400" dirty="0" smtClean="0">
-                <a:solidFill>
-                  <a:schemeClr val="bg1"/>
-                </a:solidFill>
-              </a:rPr>
-              <a:t>These </a:t>
-            </a:r>
-            <a:r>
               <a:rPr lang="en-US" sz="1400" dirty="0">
                 <a:solidFill>
                   <a:schemeClr val="bg1"/>
                 </a:solidFill>
               </a:rPr>
-              <a:t>grey blocks are our </a:t>
-            </a:r>
-            <a:r>
-              <a:rPr lang="en-US" sz="1400" dirty="0" smtClean="0">
-                <a:solidFill>
-                  <a:schemeClr val="bg1"/>
-                </a:solidFill>
-              </a:rPr>
-              <a:t>inputs/outputs (parameters) that were set </a:t>
-            </a:r>
-            <a:r>
-              <a:rPr lang="en-US" sz="1400" dirty="0">
-                <a:solidFill>
-                  <a:schemeClr val="bg1"/>
-                </a:solidFill>
-              </a:rPr>
-              <a:t>up automatically by the My Block B</a:t>
-            </a:r>
-            <a:r>
-              <a:rPr lang="en-US" sz="1400" dirty="0" smtClean="0">
-                <a:solidFill>
-                  <a:schemeClr val="bg1"/>
-                </a:solidFill>
-              </a:rPr>
-              <a:t>uilder</a:t>
-            </a:r>
-            <a:endParaRPr lang="en-US" sz="1400" dirty="0">
-              <a:solidFill>
-                <a:schemeClr val="bg1"/>
-              </a:solidFill>
-            </a:endParaRPr>
+              <a:t>These grey blocks are our inputs/outputs (parameters) that were set up automatically by the My Block Builder</a:t>
+            </a:r>
           </a:p>
         </p:txBody>
       </p:sp>
@@ -8514,13 +12050,6 @@
   <p:clrMapOvr>
     <a:masterClrMapping/>
   </p:clrMapOvr>
-  <p:timing>
-    <p:tnLst>
-      <p:par>
-        <p:cTn id="1" dur="indefinite" restart="never" nodeType="tmRoot"/>
-      </p:par>
-    </p:tnLst>
-  </p:timing>
 </p:sld>
 </file>
 
@@ -8557,22 +12086,9 @@
           <a:lstStyle/>
           <a:p>
             <a:r>
-              <a:rPr lang="en-US" dirty="0" smtClean="0"/>
-              <a:t>Where </a:t>
-            </a:r>
-            <a:r>
-              <a:rPr lang="en-US" dirty="0" smtClean="0"/>
-              <a:t>is the My </a:t>
-            </a:r>
-            <a:r>
-              <a:rPr lang="en-US" dirty="0" smtClean="0"/>
-              <a:t>Block</a:t>
-            </a:r>
-            <a:r>
-              <a:rPr lang="en-US" dirty="0" smtClean="0"/>
-              <a:t>?</a:t>
-            </a:r>
-            <a:endParaRPr lang="en-US" dirty="0"/>
+              <a:rPr lang="en-US" dirty="0"/>
+              <a:t>Where is the My Block?</a:t>
+            </a:r>
           </a:p>
         </p:txBody>
       </p:sp>
@@ -8614,14 +12130,14 @@
             <a:pPr marL="457200" indent="-457200">
               <a:buAutoNum type="alphaUcPeriod"/>
             </a:pPr>
-            <a:endParaRPr lang="en-US" b="0" dirty="0" smtClean="0"/>
+            <a:endParaRPr lang="en-US" b="0" dirty="0"/>
           </a:p>
           <a:p>
             <a:pPr marL="457200" indent="-457200">
               <a:buAutoNum type="alphaUcPeriod"/>
             </a:pPr>
             <a:r>
-              <a:rPr lang="en-US" b="0" dirty="0" smtClean="0">
+              <a:rPr lang="en-US" b="0" dirty="0">
                 <a:solidFill>
                   <a:srgbClr val="7030A0"/>
                 </a:solidFill>
@@ -8653,10 +12169,9 @@
           <a:lstStyle/>
           <a:p>
             <a:r>
-              <a:rPr lang="sk-SK" smtClean="0"/>
-              <a:t>© 2015 EV3Lessons.com (Last Edit 11/01/2015)</a:t>
-            </a:r>
-            <a:endParaRPr lang="en-US"/>
+              <a:rPr lang="en-US"/>
+              <a:t>© 2015 EV3Lessons.com (Last Edit 7/06/2016)</a:t>
+            </a:r>
           </a:p>
         </p:txBody>
       </p:sp>
@@ -8802,18 +12317,13 @@
           <a:p>
             <a:pPr algn="ctr"/>
             <a:r>
-              <a:rPr lang="en-US" dirty="0" smtClean="0">
+              <a:rPr lang="en-US" dirty="0">
                 <a:solidFill>
                   <a:schemeClr val="bg1"/>
                 </a:solidFill>
               </a:rPr>
               <a:t>Note: The same My Block can be used with different input values.</a:t>
             </a:r>
-            <a:endParaRPr lang="en-US" dirty="0">
-              <a:solidFill>
-                <a:schemeClr val="bg1"/>
-              </a:solidFill>
-            </a:endParaRPr>
           </a:p>
         </p:txBody>
       </p:sp>
@@ -8863,10 +12373,9 @@
           <a:lstStyle/>
           <a:p>
             <a:r>
-              <a:rPr lang="en-US" dirty="0" smtClean="0"/>
+              <a:rPr lang="en-US" dirty="0"/>
               <a:t>Credits</a:t>
             </a:r>
-            <a:endParaRPr lang="en-US" dirty="0"/>
           </a:p>
         </p:txBody>
       </p:sp>
@@ -8886,36 +12395,16 @@
           <a:lstStyle/>
           <a:p>
             <a:r>
-              <a:rPr lang="en-US" smtClean="0"/>
-              <a:t>This tutorial was created by Sanjay Seshan and Arvind Seshan from Droids Robotics.</a:t>
-            </a:r>
-          </a:p>
-          <a:p>
-            <a:r>
-              <a:rPr lang="en-US" smtClean="0"/>
+              <a:rPr lang="en-US" dirty="0"/>
+              <a:t>This tutorial was created by Sanjay Seshan and Arvind Seshan</a:t>
+            </a:r>
+          </a:p>
+          <a:p>
+            <a:r>
+              <a:rPr lang="en-US" dirty="0"/>
               <a:t>More lessons are available at www.ev3lessons.com</a:t>
             </a:r>
           </a:p>
-          <a:p>
-            <a:r>
-              <a:rPr lang="en-US" smtClean="0"/>
-              <a:t>Author’s Email: </a:t>
-            </a:r>
-            <a:r>
-              <a:rPr lang="en-US" smtClean="0">
-                <a:hlinkClick r:id="rId3"/>
-              </a:rPr>
-              <a:t>team@droidsrobotics.org</a:t>
-            </a:r>
-            <a:r>
-              <a:rPr lang="en-US" smtClean="0"/>
-              <a:t/>
-            </a:r>
-            <a:br>
-              <a:rPr lang="en-US" smtClean="0"/>
-            </a:br>
-            <a:endParaRPr lang="en-US" dirty="0" smtClean="0"/>
-          </a:p>
         </p:txBody>
       </p:sp>
       <p:sp>
@@ -8934,8 +12423,8 @@
           <a:lstStyle/>
           <a:p>
             <a:r>
-              <a:rPr lang="sk-SK" smtClean="0"/>
-              <a:t>© 2015 EV3Lessons.com (Last Edit 11/01/2015)</a:t>
+              <a:rPr lang="en-US"/>
+              <a:t>© 2015 EV3Lessons.com (Last Edit 7/06/2016)</a:t>
             </a:r>
             <a:endParaRPr lang="en-US" dirty="0"/>
           </a:p>
@@ -9163,7 +12652,7 @@
               <a:tabLst/>
             </a:pPr>
             <a:r>
-              <a:rPr kumimoji="0" lang="en-US" altLang="en-US" sz="2000" b="0" i="0" u="none" strike="noStrike" cap="none" normalizeH="0" baseline="0" dirty="0" smtClean="0">
+              <a:rPr kumimoji="0" lang="en-US" altLang="en-US" sz="2000" b="0" i="0" u="none" strike="noStrike" cap="none" normalizeH="0" baseline="0" dirty="0">
                 <a:ln>
                   <a:noFill/>
                 </a:ln>
@@ -9175,20 +12664,8 @@
               </a:rPr>
               <a:t>                         </a:t>
             </a:r>
-            <a:r>
-              <a:rPr kumimoji="0" lang="en-US" altLang="en-US" sz="1600" b="0" i="0" u="none" strike="noStrike" cap="none" normalizeH="0" baseline="0" dirty="0" smtClean="0">
-                <a:ln>
-                  <a:noFill/>
-                </a:ln>
-                <a:solidFill>
-                  <a:schemeClr val="tx1"/>
-                </a:solidFill>
-                <a:effectLst/>
-              </a:rPr>
-              <a:t/>
-            </a:r>
             <a:br>
-              <a:rPr kumimoji="0" lang="en-US" altLang="en-US" sz="1600" b="0" i="0" u="none" strike="noStrike" cap="none" normalizeH="0" baseline="0" dirty="0" smtClean="0">
+              <a:rPr kumimoji="0" lang="en-US" altLang="en-US" sz="1600" b="0" i="0" u="none" strike="noStrike" cap="none" normalizeH="0" baseline="0" dirty="0">
                 <a:ln>
                   <a:noFill/>
                 </a:ln>
@@ -9199,7 +12676,7 @@
               </a:rPr>
             </a:br>
             <a:r>
-              <a:rPr kumimoji="0" lang="en-US" altLang="en-US" sz="2000" b="0" i="0" u="none" strike="noStrike" cap="none" normalizeH="0" baseline="0" dirty="0" smtClean="0">
+              <a:rPr kumimoji="0" lang="en-US" altLang="en-US" sz="2000" b="0" i="0" u="none" strike="noStrike" cap="none" normalizeH="0" baseline="0" dirty="0">
                 <a:ln>
                   <a:noFill/>
                 </a:ln>
@@ -9212,7 +12689,7 @@
               <a:t>This work is licensed under a </a:t>
             </a:r>
             <a:r>
-              <a:rPr kumimoji="0" lang="en-US" altLang="en-US" sz="2000" b="0" i="0" u="none" strike="noStrike" cap="none" normalizeH="0" baseline="0" dirty="0" smtClean="0">
+              <a:rPr kumimoji="0" lang="en-US" altLang="en-US" sz="2000" b="0" i="0" u="none" strike="noStrike" cap="none" normalizeH="0" baseline="0" dirty="0">
                 <a:ln>
                   <a:noFill/>
                 </a:ln>
@@ -9221,12 +12698,12 @@
                 </a:solidFill>
                 <a:effectLst/>
                 <a:latin typeface="Helvetica Neue"/>
-                <a:hlinkClick r:id="rId4"/>
+                <a:hlinkClick r:id="rId3"/>
               </a:rPr>
               <a:t>Creative Commons Attribution-</a:t>
             </a:r>
             <a:r>
-              <a:rPr kumimoji="0" lang="en-US" altLang="en-US" sz="2000" b="0" i="0" u="none" strike="noStrike" cap="none" normalizeH="0" baseline="0" dirty="0" err="1" smtClean="0">
+              <a:rPr kumimoji="0" lang="en-US" altLang="en-US" sz="2000" b="0" i="0" u="none" strike="noStrike" cap="none" normalizeH="0" baseline="0" dirty="0" err="1">
                 <a:ln>
                   <a:noFill/>
                 </a:ln>
@@ -9235,12 +12712,12 @@
                 </a:solidFill>
                 <a:effectLst/>
                 <a:latin typeface="Helvetica Neue"/>
-                <a:hlinkClick r:id="rId4"/>
+                <a:hlinkClick r:id="rId3"/>
               </a:rPr>
               <a:t>NonCommercial</a:t>
             </a:r>
             <a:r>
-              <a:rPr kumimoji="0" lang="en-US" altLang="en-US" sz="2000" b="0" i="0" u="none" strike="noStrike" cap="none" normalizeH="0" baseline="0" dirty="0" smtClean="0">
+              <a:rPr kumimoji="0" lang="en-US" altLang="en-US" sz="2000" b="0" i="0" u="none" strike="noStrike" cap="none" normalizeH="0" baseline="0" dirty="0">
                 <a:ln>
                   <a:noFill/>
                 </a:ln>
@@ -9249,12 +12726,12 @@
                 </a:solidFill>
                 <a:effectLst/>
                 <a:latin typeface="Helvetica Neue"/>
-                <a:hlinkClick r:id="rId4"/>
+                <a:hlinkClick r:id="rId3"/>
               </a:rPr>
               <a:t>-</a:t>
             </a:r>
             <a:r>
-              <a:rPr kumimoji="0" lang="en-US" altLang="en-US" sz="2000" b="0" i="0" u="none" strike="noStrike" cap="none" normalizeH="0" baseline="0" dirty="0" err="1" smtClean="0">
+              <a:rPr kumimoji="0" lang="en-US" altLang="en-US" sz="2000" b="0" i="0" u="none" strike="noStrike" cap="none" normalizeH="0" baseline="0" dirty="0" err="1">
                 <a:ln>
                   <a:noFill/>
                 </a:ln>
@@ -9263,12 +12740,12 @@
                 </a:solidFill>
                 <a:effectLst/>
                 <a:latin typeface="Helvetica Neue"/>
-                <a:hlinkClick r:id="rId4"/>
+                <a:hlinkClick r:id="rId3"/>
               </a:rPr>
               <a:t>ShareAlike</a:t>
             </a:r>
             <a:r>
-              <a:rPr kumimoji="0" lang="en-US" altLang="en-US" sz="2000" b="0" i="0" u="none" strike="noStrike" cap="none" normalizeH="0" baseline="0" dirty="0" smtClean="0">
+              <a:rPr kumimoji="0" lang="en-US" altLang="en-US" sz="2000" b="0" i="0" u="none" strike="noStrike" cap="none" normalizeH="0" baseline="0" dirty="0">
                 <a:ln>
                   <a:noFill/>
                 </a:ln>
@@ -9277,12 +12754,12 @@
                 </a:solidFill>
                 <a:effectLst/>
                 <a:latin typeface="Helvetica Neue"/>
-                <a:hlinkClick r:id="rId4"/>
+                <a:hlinkClick r:id="rId3"/>
               </a:rPr>
               <a:t> 4.0 International License</a:t>
             </a:r>
             <a:r>
-              <a:rPr kumimoji="0" lang="en-US" altLang="en-US" sz="2000" b="0" i="0" u="none" strike="noStrike" cap="none" normalizeH="0" baseline="0" dirty="0" smtClean="0">
+              <a:rPr kumimoji="0" lang="en-US" altLang="en-US" sz="2000" b="0" i="0" u="none" strike="noStrike" cap="none" normalizeH="0" baseline="0" dirty="0">
                 <a:ln>
                   <a:noFill/>
                 </a:ln>
@@ -9295,7 +12772,7 @@
               <a:t>.</a:t>
             </a:r>
             <a:r>
-              <a:rPr kumimoji="0" lang="en-US" altLang="en-US" sz="1600" b="0" i="0" u="none" strike="noStrike" cap="none" normalizeH="0" baseline="0" dirty="0" smtClean="0">
+              <a:rPr kumimoji="0" lang="en-US" altLang="en-US" sz="1600" b="0" i="0" u="none" strike="noStrike" cap="none" normalizeH="0" baseline="0" dirty="0">
                 <a:ln>
                   <a:noFill/>
                 </a:ln>
@@ -9306,7 +12783,7 @@
               </a:rPr>
               <a:t> </a:t>
             </a:r>
-            <a:endParaRPr kumimoji="0" lang="en-US" altLang="en-US" sz="2000" b="0" i="0" u="none" strike="noStrike" cap="none" normalizeH="0" baseline="0" dirty="0" smtClean="0">
+            <a:endParaRPr kumimoji="0" lang="en-US" altLang="en-US" sz="2000" b="0" i="0" u="none" strike="noStrike" cap="none" normalizeH="0" baseline="0" dirty="0">
               <a:ln>
                 <a:noFill/>
               </a:ln>
@@ -9322,7 +12799,7 @@
       <p:pic>
         <p:nvPicPr>
           <p:cNvPr id="2050" name="Picture 2" descr="Creative Commons License">
-            <a:hlinkClick r:id="rId4"/>
+            <a:hlinkClick r:id="rId3"/>
           </p:cNvPr>
           <p:cNvPicPr>
             <a:picLocks noChangeAspect="1" noChangeArrowheads="1"/>
@@ -9330,7 +12807,7 @@
           <p:nvPr/>
         </p:nvPicPr>
         <p:blipFill>
-          <a:blip r:embed="rId5">
+          <a:blip r:embed="rId4">
             <a:extLst>
               <a:ext uri="{28A0092B-C50C-407E-A947-70E740481C1C}">
                 <a14:useLocalDpi xmlns:a14="http://schemas.microsoft.com/office/drawing/2010/main" val="0"/>
@@ -9372,13 +12849,6 @@
   <p:clrMapOvr>
     <a:masterClrMapping/>
   </p:clrMapOvr>
-  <p:timing>
-    <p:tnLst>
-      <p:par>
-        <p:cTn id="1" dur="indefinite" restart="never" nodeType="tmRoot"/>
-      </p:par>
-    </p:tnLst>
-  </p:timing>
 </p:sld>
 </file>
 
@@ -9415,10 +12885,9 @@
           <a:lstStyle/>
           <a:p>
             <a:r>
-              <a:rPr lang="en-US" dirty="0" smtClean="0"/>
+              <a:rPr lang="en-US" dirty="0"/>
               <a:t>Lesson Objectives</a:t>
             </a:r>
-            <a:endParaRPr lang="en-US" dirty="0"/>
           </a:p>
         </p:txBody>
       </p:sp>
@@ -9437,35 +12906,22 @@
           <a:bodyPr/>
           <a:lstStyle/>
           <a:p>
-            <a:pPr marL="457200" indent="-457200">
-              <a:buFont typeface="+mj-lt"/>
-              <a:buAutoNum type="arabicPeriod"/>
-            </a:pPr>
-            <a:r>
-              <a:rPr lang="en-US" dirty="0" smtClean="0"/>
+            <a:r>
+              <a:rPr lang="en-US" dirty="0"/>
               <a:t>Learn how to make custom blocks in the EV3 Software (My Blocks)</a:t>
             </a:r>
           </a:p>
           <a:p>
-            <a:pPr marL="457200" indent="-457200">
-              <a:buFont typeface="+mj-lt"/>
-              <a:buAutoNum type="arabicPeriod"/>
-            </a:pPr>
-            <a:r>
-              <a:rPr lang="en-US" dirty="0" smtClean="0"/>
+            <a:r>
+              <a:rPr lang="en-US" dirty="0"/>
               <a:t>Learn why a My Block is useful</a:t>
             </a:r>
           </a:p>
           <a:p>
-            <a:pPr marL="457200" indent="-457200">
-              <a:buFont typeface="+mj-lt"/>
-              <a:buAutoNum type="arabicPeriod"/>
-            </a:pPr>
-            <a:r>
-              <a:rPr lang="en-US" dirty="0" smtClean="0"/>
+            <a:r>
+              <a:rPr lang="en-US" dirty="0"/>
               <a:t>Learn to construct a My Block with Inputs and Outputs (Parameters)</a:t>
             </a:r>
-            <a:endParaRPr lang="en-US" dirty="0"/>
           </a:p>
         </p:txBody>
       </p:sp>
@@ -9485,10 +12941,9 @@
           <a:lstStyle/>
           <a:p>
             <a:r>
-              <a:rPr lang="sk-SK" smtClean="0"/>
-              <a:t>© 2015 EV3Lessons.com (Last Edit 11/01/2015)</a:t>
-            </a:r>
-            <a:endParaRPr lang="en-US"/>
+              <a:rPr lang="en-US"/>
+              <a:t>© 2015 EV3Lessons.com (Last Edit 7/06/2016)</a:t>
+            </a:r>
           </a:p>
         </p:txBody>
       </p:sp>
@@ -9525,13 +12980,6 @@
   <p:clrMapOvr>
     <a:masterClrMapping/>
   </p:clrMapOvr>
-  <p:timing>
-    <p:tnLst>
-      <p:par>
-        <p:cTn id="1" dur="indefinite" restart="never" nodeType="tmRoot"/>
-      </p:par>
-    </p:tnLst>
-  </p:timing>
 </p:sld>
 </file>
 
@@ -9568,10 +13016,9 @@
           <a:lstStyle/>
           <a:p>
             <a:r>
-              <a:rPr lang="en-US" dirty="0" smtClean="0"/>
+              <a:rPr lang="en-US" dirty="0"/>
               <a:t>What is a My Block?</a:t>
             </a:r>
-            <a:endParaRPr lang="en-US" dirty="0"/>
           </a:p>
         </p:txBody>
       </p:sp>
@@ -9603,11 +13050,7 @@
             </a:pPr>
             <a:r>
               <a:rPr lang="en-US" sz="2400" b="0" dirty="0"/>
-              <a:t>A My Block is a combination of one or more blocks that you create that can be grouped into a single </a:t>
-            </a:r>
-            <a:r>
-              <a:rPr lang="en-US" sz="2400" b="0" dirty="0" smtClean="0"/>
-              <a:t>block  </a:t>
+              <a:t>A My Block is a combination of one or more blocks that you create that can be grouped into a single block  </a:t>
             </a:r>
           </a:p>
           <a:p>
@@ -9616,16 +13059,8 @@
               <a:buChar char="•"/>
             </a:pPr>
             <a:r>
-              <a:rPr lang="en-US" sz="2400" b="0" dirty="0" smtClean="0"/>
-              <a:t>My </a:t>
-            </a:r>
-            <a:r>
               <a:rPr lang="en-US" sz="2400" b="0" dirty="0"/>
-              <a:t>Blocks are basically your own custom </a:t>
-            </a:r>
-            <a:r>
-              <a:rPr lang="en-US" sz="2400" b="0" dirty="0" smtClean="0"/>
-              <a:t>blocks</a:t>
+              <a:t>My Blocks are basically your own custom blocks</a:t>
             </a:r>
           </a:p>
           <a:p>
@@ -9634,16 +13069,8 @@
               <a:buChar char="•"/>
             </a:pPr>
             <a:r>
-              <a:rPr lang="en-US" sz="2400" b="0" dirty="0" smtClean="0"/>
-              <a:t>Once </a:t>
-            </a:r>
-            <a:r>
               <a:rPr lang="en-US" sz="2400" b="0" dirty="0"/>
-              <a:t>a My Block is created, you can use it in multiple </a:t>
-            </a:r>
-            <a:r>
-              <a:rPr lang="en-US" sz="2400" b="0" dirty="0" smtClean="0"/>
-              <a:t>programs</a:t>
+              <a:t>Once a My Block is created, you can use it in multiple programs</a:t>
             </a:r>
           </a:p>
           <a:p>
@@ -9652,26 +13079,9 @@
               <a:buChar char="•"/>
             </a:pPr>
             <a:r>
-              <a:rPr lang="en-US" sz="2400" b="0" dirty="0" smtClean="0"/>
-              <a:t>Just </a:t>
-            </a:r>
-            <a:r>
               <a:rPr lang="en-US" sz="2400" b="0" dirty="0"/>
-              <a:t>like any other block in </a:t>
-            </a:r>
-            <a:r>
-              <a:rPr lang="en-US" sz="2400" b="0" dirty="0" smtClean="0"/>
-              <a:t>EV3</a:t>
-            </a:r>
-            <a:r>
-              <a:rPr lang="en-US" sz="2400" b="0" dirty="0"/>
-              <a:t>, My Blocks can have both inputs and </a:t>
-            </a:r>
-            <a:r>
-              <a:rPr lang="en-US" sz="2400" b="0" dirty="0" smtClean="0"/>
-              <a:t>outputs (parameters)</a:t>
-            </a:r>
-            <a:endParaRPr lang="en-US" sz="2400" b="0" dirty="0"/>
+              <a:t>Just like any other block in EV3, My Blocks can have both inputs and outputs (parameters)</a:t>
+            </a:r>
           </a:p>
         </p:txBody>
       </p:sp>
@@ -9691,10 +13101,9 @@
           <a:lstStyle/>
           <a:p>
             <a:r>
-              <a:rPr lang="sk-SK" smtClean="0"/>
-              <a:t>© 2015 EV3Lessons.com (Last Edit 11/01/2015)</a:t>
-            </a:r>
-            <a:endParaRPr lang="en-US"/>
+              <a:rPr lang="en-US"/>
+              <a:t>© 2015 EV3Lessons.com (Last Edit 7/06/2016)</a:t>
+            </a:r>
           </a:p>
         </p:txBody>
       </p:sp>
@@ -9773,7 +13182,7 @@
           <a:lstStyle/>
           <a:p>
             <a:r>
-              <a:rPr lang="en-US" dirty="0" smtClean="0"/>
+              <a:rPr lang="en-US" dirty="0"/>
               <a:t>The two blocks above are examples of My Blocks: </a:t>
             </a:r>
           </a:p>
@@ -9783,11 +13192,11 @@
               <a:buChar char="•"/>
             </a:pPr>
             <a:r>
-              <a:rPr lang="en-US" dirty="0" err="1" smtClean="0"/>
+              <a:rPr lang="en-US" dirty="0" err="1"/>
               <a:t>Move_Inches</a:t>
             </a:r>
             <a:r>
-              <a:rPr lang="en-US" dirty="0" smtClean="0"/>
+              <a:rPr lang="en-US" dirty="0"/>
               <a:t> tells the robot to move the number of inches we input</a:t>
             </a:r>
           </a:p>
@@ -9797,11 +13206,11 @@
               <a:buChar char="•"/>
             </a:pPr>
             <a:r>
-              <a:rPr lang="en-US" dirty="0" err="1" smtClean="0"/>
+              <a:rPr lang="en-US" dirty="0" err="1"/>
               <a:t>Turn_Degrees</a:t>
             </a:r>
             <a:r>
-              <a:rPr lang="en-US" dirty="0" smtClean="0"/>
+              <a:rPr lang="en-US" dirty="0"/>
               <a:t> tells the robot to turn the amount we input</a:t>
             </a:r>
           </a:p>
@@ -9818,7 +13227,7 @@
               <a:buChar char="•"/>
             </a:pPr>
             <a:r>
-              <a:rPr lang="en-US" dirty="0" smtClean="0"/>
+              <a:rPr lang="en-US" dirty="0"/>
               <a:t>These My Blocks will be taught in separate lessons.</a:t>
             </a:r>
           </a:p>
@@ -9854,6 +13263,54 @@
           </a:fontRef>
         </p:style>
       </p:cxnSp>
+      <p:sp>
+        <p:nvSpPr>
+          <p:cNvPr id="8" name="Rectangle 7"/>
+          <p:cNvSpPr/>
+          <p:nvPr/>
+        </p:nvSpPr>
+        <p:spPr>
+          <a:xfrm>
+            <a:off x="6126480" y="1700784"/>
+            <a:ext cx="493776" cy="121051"/>
+          </a:xfrm>
+          <a:prstGeom prst="rect">
+            <a:avLst/>
+          </a:prstGeom>
+          <a:solidFill>
+            <a:srgbClr val="39524E"/>
+          </a:solidFill>
+          <a:ln>
+            <a:noFill/>
+          </a:ln>
+        </p:spPr>
+        <p:style>
+          <a:lnRef idx="2">
+            <a:schemeClr val="accent1">
+              <a:shade val="50000"/>
+            </a:schemeClr>
+          </a:lnRef>
+          <a:fillRef idx="1">
+            <a:schemeClr val="accent1"/>
+          </a:fillRef>
+          <a:effectRef idx="0">
+            <a:schemeClr val="accent1"/>
+          </a:effectRef>
+          <a:fontRef idx="minor">
+            <a:schemeClr val="lt1"/>
+          </a:fontRef>
+        </p:style>
+        <p:txBody>
+          <a:bodyPr rtlCol="0" anchor="ctr"/>
+          <a:lstStyle/>
+          <a:p>
+            <a:r>
+              <a:rPr lang="en-US" sz="900" dirty="0"/>
+              <a:t>CM</a:t>
+            </a:r>
+          </a:p>
+        </p:txBody>
+      </p:sp>
     </p:spTree>
     <p:extLst>
       <p:ext uri="{BB962C8B-B14F-4D97-AF65-F5344CB8AC3E}">
@@ -9864,13 +13321,6 @@
   <p:clrMapOvr>
     <a:masterClrMapping/>
   </p:clrMapOvr>
-  <p:timing>
-    <p:tnLst>
-      <p:par>
-        <p:cTn id="1" dur="indefinite" restart="never" nodeType="tmRoot"/>
-      </p:par>
-    </p:tnLst>
-  </p:timing>
 </p:sld>
 </file>
 
@@ -9909,26 +13359,9 @@
           <a:lstStyle/>
           <a:p>
             <a:r>
-              <a:rPr lang="en-US" dirty="0" smtClean="0"/>
-              <a:t>When do </a:t>
-            </a:r>
-            <a:r>
               <a:rPr lang="en-US" dirty="0"/>
-              <a:t>Y</a:t>
-            </a:r>
-            <a:r>
-              <a:rPr lang="en-US" dirty="0" smtClean="0"/>
-              <a:t>ou Use </a:t>
-            </a:r>
-            <a:r>
-              <a:rPr lang="en-US" dirty="0" smtClean="0"/>
-              <a:t>a </a:t>
-            </a:r>
-            <a:r>
-              <a:rPr lang="en-US" dirty="0" smtClean="0"/>
-              <a:t>My block?</a:t>
-            </a:r>
-            <a:endParaRPr lang="en-US" dirty="0"/>
+              <a:t>When do You Use a My block?</a:t>
+            </a:r>
           </a:p>
         </p:txBody>
       </p:sp>
@@ -9959,16 +13392,8 @@
               <a:buChar char="•"/>
             </a:pPr>
             <a:r>
-              <a:rPr lang="en-US" sz="2400" dirty="0" smtClean="0"/>
-              <a:t>Whenever the </a:t>
-            </a:r>
-            <a:r>
               <a:rPr lang="en-US" sz="2400" dirty="0"/>
-              <a:t>robot is going to repeat an action inside your </a:t>
-            </a:r>
-            <a:r>
-              <a:rPr lang="en-US" sz="2400" dirty="0" smtClean="0"/>
-              <a:t>program</a:t>
+              <a:t>Whenever the robot is going to repeat an action inside your program</a:t>
             </a:r>
           </a:p>
           <a:p>
@@ -9977,12 +13402,8 @@
               <a:buChar char="•"/>
             </a:pPr>
             <a:r>
-              <a:rPr lang="en-US" sz="2400" dirty="0" smtClean="0"/>
-              <a:t>When code is repeated in a </a:t>
-            </a:r>
-            <a:r>
               <a:rPr lang="en-US" sz="2400" dirty="0"/>
-              <a:t>different program </a:t>
+              <a:t>When code is repeated in a different program </a:t>
             </a:r>
           </a:p>
           <a:p>
@@ -9991,32 +13412,16 @@
               <a:buChar char="•"/>
             </a:pPr>
             <a:r>
-              <a:rPr lang="en-US" sz="2400" dirty="0" smtClean="0"/>
+              <a:rPr lang="en-US" sz="2400" dirty="0"/>
               <a:t>Organize and simplify your code </a:t>
             </a:r>
+          </a:p>
+          <a:p>
+            <a:pPr marL="0" indent="0">
+              <a:buNone/>
+            </a:pPr>
             <a:endParaRPr lang="en-US" sz="2400" dirty="0"/>
           </a:p>
-          <a:p>
-            <a:pPr marL="800100" lvl="1" indent="-342900">
-              <a:buFont typeface="Arial"/>
-              <a:buChar char="•"/>
-            </a:pPr>
-            <a:r>
-              <a:rPr lang="en-US" sz="2400" dirty="0" smtClean="0"/>
-              <a:t>Example: You have </a:t>
-            </a:r>
-            <a:r>
-              <a:rPr lang="en-US" sz="2400" dirty="0"/>
-              <a:t>2 different versions of a robot run in FLL and the first half of both of them are identical, then making the first half of the code into a My Block allows you to “clean up your code” in both programs</a:t>
-            </a:r>
-            <a:r>
-              <a:rPr lang="en-US" sz="2400" dirty="0" smtClean="0"/>
-              <a:t>.</a:t>
-            </a:r>
-          </a:p>
-          <a:p>
-            <a:endParaRPr lang="en-US" sz="2400" dirty="0"/>
-          </a:p>
         </p:txBody>
       </p:sp>
       <p:sp>
@@ -10035,10 +13440,9 @@
           <a:lstStyle/>
           <a:p>
             <a:r>
-              <a:rPr lang="sk-SK" smtClean="0"/>
-              <a:t>© 2015 EV3Lessons.com (Last Edit 11/01/2015)</a:t>
-            </a:r>
-            <a:endParaRPr lang="en-US"/>
+              <a:rPr lang="en-US"/>
+              <a:t>© 2015 EV3Lessons.com (Last Edit 7/06/2016)</a:t>
+            </a:r>
           </a:p>
         </p:txBody>
       </p:sp>
@@ -10105,13 +13509,6 @@
   <p:clrMapOvr>
     <a:masterClrMapping/>
   </p:clrMapOvr>
-  <p:timing>
-    <p:tnLst>
-      <p:par>
-        <p:cTn id="1" dur="indefinite" restart="never" nodeType="tmRoot"/>
-      </p:par>
-    </p:tnLst>
-  </p:timing>
 </p:sld>
 </file>
 
@@ -10148,30 +13545,9 @@
           <a:lstStyle/>
           <a:p>
             <a:r>
-              <a:rPr lang="en-US" dirty="0" smtClean="0"/>
-              <a:t>Why </a:t>
-            </a:r>
-            <a:r>
               <a:rPr lang="en-US" dirty="0"/>
-              <a:t>S</a:t>
-            </a:r>
-            <a:r>
-              <a:rPr lang="en-US" dirty="0" smtClean="0"/>
-              <a:t>hould </a:t>
-            </a:r>
-            <a:r>
-              <a:rPr lang="en-US" dirty="0"/>
-              <a:t>Y</a:t>
-            </a:r>
-            <a:r>
-              <a:rPr lang="en-US" dirty="0" smtClean="0"/>
-              <a:t>ou Bother</a:t>
-            </a:r>
-            <a:r>
-              <a:rPr lang="en-US" dirty="0" smtClean="0"/>
-              <a:t>?</a:t>
-            </a:r>
-            <a:endParaRPr lang="en-US" dirty="0"/>
+              <a:t>Why Should You Bother?</a:t>
+            </a:r>
           </a:p>
         </p:txBody>
       </p:sp>
@@ -10199,18 +13575,13 @@
               <a:buNone/>
             </a:pPr>
             <a:r>
-              <a:rPr lang="en-US" sz="2400" b="0" dirty="0" smtClean="0">
+              <a:rPr lang="en-US" sz="2400" b="0" dirty="0">
                 <a:solidFill>
                   <a:srgbClr val="0000FF"/>
                 </a:solidFill>
               </a:rPr>
               <a:t>Because of My Blocks, your missions will look like this…</a:t>
             </a:r>
-            <a:endParaRPr lang="en-US" sz="2400" b="0" dirty="0">
-              <a:solidFill>
-                <a:srgbClr val="0000FF"/>
-              </a:solidFill>
-            </a:endParaRPr>
           </a:p>
         </p:txBody>
       </p:sp>
@@ -10230,10 +13601,9 @@
           <a:lstStyle/>
           <a:p>
             <a:r>
-              <a:rPr lang="sk-SK" smtClean="0"/>
-              <a:t>© 2015 EV3Lessons.com (Last Edit 11/01/2015)</a:t>
-            </a:r>
-            <a:endParaRPr lang="en-US"/>
+              <a:rPr lang="en-US"/>
+              <a:t>© 2015 EV3Lessons.com (Last Edit 7/06/2016)</a:t>
+            </a:r>
           </a:p>
         </p:txBody>
       </p:sp>
@@ -10423,18 +13793,13 @@
               <a:buNone/>
             </a:pPr>
             <a:r>
-              <a:rPr lang="en-US" sz="2400" dirty="0" smtClean="0">
+              <a:rPr lang="en-US" sz="2400" dirty="0">
                 <a:solidFill>
                   <a:srgbClr val="FF6600"/>
                 </a:solidFill>
               </a:rPr>
               <a:t>Instead of this….</a:t>
             </a:r>
-            <a:endParaRPr lang="en-US" sz="2400" dirty="0">
-              <a:solidFill>
-                <a:srgbClr val="FF6600"/>
-              </a:solidFill>
-            </a:endParaRPr>
           </a:p>
         </p:txBody>
       </p:sp>
@@ -10601,7 +13966,7 @@
               <a:buNone/>
             </a:pPr>
             <a:r>
-              <a:rPr lang="en-US" sz="2400" dirty="0" smtClean="0">
+              <a:rPr lang="en-US" sz="2400" dirty="0">
                 <a:solidFill>
                   <a:srgbClr val="329B65"/>
                 </a:solidFill>
@@ -10679,21 +14044,6 @@
   <p:clrMapOvr>
     <a:masterClrMapping/>
   </p:clrMapOvr>
-  <mc:AlternateContent xmlns:mc="http://schemas.openxmlformats.org/markup-compatibility/2006" xmlns:p14="http://schemas.microsoft.com/office/powerpoint/2010/main">
-    <mc:Choice Requires="p14">
-      <p:transition spd="slow" p14:dur="2000"/>
-    </mc:Choice>
-    <mc:Fallback xmlns="">
-      <p:transition xmlns:p14="http://schemas.microsoft.com/office/powerpoint/2010/main" spd="slow"/>
-    </mc:Fallback>
-  </mc:AlternateContent>
-  <p:timing>
-    <p:tnLst>
-      <p:par>
-        <p:cTn id="1" dur="indefinite" restart="never" nodeType="tmRoot"/>
-      </p:par>
-    </p:tnLst>
-  </p:timing>
 </p:sld>
 </file>
 
@@ -10732,42 +14082,9 @@
           <a:lstStyle/>
           <a:p>
             <a:r>
-              <a:rPr lang="en-US" dirty="0" smtClean="0"/>
-              <a:t>What </a:t>
-            </a:r>
-            <a:r>
               <a:rPr lang="en-US" dirty="0"/>
-              <a:t>M</a:t>
-            </a:r>
-            <a:r>
-              <a:rPr lang="en-US" dirty="0" smtClean="0"/>
-              <a:t>akes </a:t>
-            </a:r>
-            <a:r>
-              <a:rPr lang="en-US" dirty="0" smtClean="0"/>
-              <a:t>a </a:t>
-            </a:r>
-            <a:r>
-              <a:rPr lang="en-US" dirty="0" smtClean="0"/>
-              <a:t>Useful </a:t>
-            </a:r>
-            <a:r>
-              <a:rPr lang="en-US" dirty="0"/>
-              <a:t>M</a:t>
-            </a:r>
-            <a:r>
-              <a:rPr lang="en-US" dirty="0" smtClean="0"/>
-              <a:t>y </a:t>
-            </a:r>
-            <a:r>
-              <a:rPr lang="en-US" dirty="0"/>
-              <a:t>B</a:t>
-            </a:r>
-            <a:r>
-              <a:rPr lang="en-US" dirty="0" smtClean="0"/>
-              <a:t>lock</a:t>
-            </a:r>
-            <a:endParaRPr lang="en-US" dirty="0"/>
+              <a:t>What Makes a Useful My Block</a:t>
+            </a:r>
           </a:p>
         </p:txBody>
       </p:sp>
@@ -10789,86 +14106,85 @@
           <a:lstStyle/>
           <a:p>
             <a:r>
-              <a:rPr lang="en-US" dirty="0" smtClean="0"/>
+              <a:rPr lang="en-US" dirty="0"/>
               <a:t>Note: Making My Blocks with inputs and outputs can make them far more useful. However, you need to be careful not to make the My Block too complicated.</a:t>
             </a:r>
           </a:p>
           <a:p>
-            <a:endParaRPr lang="en-US" dirty="0" smtClean="0"/>
-          </a:p>
-          <a:p>
-            <a:r>
-              <a:rPr lang="en-US" dirty="0" smtClean="0"/>
-              <a:t>Question: Look at the list of three My Blocks below.  Which ones do you think are useful for a team to use?</a:t>
+            <a:endParaRPr lang="en-US" dirty="0"/>
+          </a:p>
+          <a:p>
+            <a:r>
+              <a:rPr lang="en-US" dirty="0"/>
+              <a:t>Question: Look at the list of three My Blocks below.  Which ones do you think are useful for to use?</a:t>
             </a:r>
           </a:p>
           <a:p>
             <a:pPr lvl="1"/>
             <a:r>
-              <a:rPr lang="en-US" dirty="0" smtClean="0"/>
+              <a:rPr lang="en-US" dirty="0"/>
               <a:t>Move5CM (Moves the robot five centimeters)</a:t>
             </a:r>
           </a:p>
           <a:p>
             <a:pPr lvl="1"/>
             <a:r>
-              <a:rPr lang="en-US" dirty="0" err="1" smtClean="0"/>
+              <a:rPr lang="en-US" dirty="0" err="1"/>
               <a:t>MoveCM</a:t>
             </a:r>
             <a:r>
-              <a:rPr lang="en-US" dirty="0" smtClean="0"/>
+              <a:rPr lang="en-US" dirty="0"/>
               <a:t> with a centimeter and power input</a:t>
             </a:r>
           </a:p>
           <a:p>
             <a:pPr lvl="1"/>
             <a:r>
-              <a:rPr lang="en-US" dirty="0" err="1" smtClean="0"/>
+              <a:rPr lang="en-US" dirty="0" err="1"/>
               <a:t>MoveCM</a:t>
             </a:r>
             <a:r>
-              <a:rPr lang="en-US" dirty="0" smtClean="0"/>
+              <a:rPr lang="en-US" dirty="0"/>
               <a:t> with centimeter, power, angle, coast/brake, etc. inputs</a:t>
             </a:r>
           </a:p>
           <a:p>
-            <a:endParaRPr lang="en-US" dirty="0" smtClean="0"/>
-          </a:p>
-          <a:p>
-            <a:r>
-              <a:rPr lang="en-US" dirty="0" smtClean="0"/>
+            <a:endParaRPr lang="en-US" dirty="0"/>
+          </a:p>
+          <a:p>
+            <a:r>
+              <a:rPr lang="en-US" dirty="0"/>
               <a:t>Answer: </a:t>
             </a:r>
           </a:p>
           <a:p>
             <a:pPr lvl="1"/>
             <a:r>
-              <a:rPr lang="en-US" dirty="0" smtClean="0"/>
+              <a:rPr lang="en-US" dirty="0"/>
               <a:t>Move5CM may be used often, but you will be forced to make other My Blocks for other distances. This will not be fixable later. </a:t>
             </a:r>
           </a:p>
           <a:p>
             <a:pPr lvl="1"/>
             <a:r>
-              <a:rPr lang="en-US" dirty="0" err="1" smtClean="0"/>
+              <a:rPr lang="en-US" dirty="0" err="1"/>
               <a:t>MoveCM</a:t>
             </a:r>
             <a:r>
-              <a:rPr lang="en-US" dirty="0" smtClean="0"/>
+              <a:rPr lang="en-US" dirty="0"/>
               <a:t> with centimeters and power as inputs is probably the best choice. </a:t>
             </a:r>
           </a:p>
           <a:p>
             <a:pPr lvl="1"/>
             <a:r>
-              <a:rPr lang="en-US" dirty="0" err="1" smtClean="0"/>
+              <a:rPr lang="en-US" dirty="0" err="1"/>
               <a:t>MoveCM</a:t>
             </a:r>
             <a:r>
-              <a:rPr lang="en-US" dirty="0" smtClean="0"/>
+              <a:rPr lang="en-US" dirty="0"/>
               <a:t> with centimeters, power, angle, coast/brake, etc. might be most customizable, but some of the inputs might never be used. </a:t>
             </a:r>
-            <a:endParaRPr lang="en-US" dirty="0"/>
           </a:p>
         </p:txBody>
       </p:sp>
@@ -10888,10 +14204,9 @@
           <a:lstStyle/>
           <a:p>
             <a:r>
-              <a:rPr lang="sk-SK" smtClean="0"/>
-              <a:t>© 2015 EV3Lessons.com (Last Edit 11/01/2015)</a:t>
-            </a:r>
-            <a:endParaRPr lang="en-US"/>
+              <a:rPr lang="en-US"/>
+              <a:t>© 2015 EV3Lessons.com (Last Edit 7/06/2016)</a:t>
+            </a:r>
           </a:p>
         </p:txBody>
       </p:sp>
@@ -11106,7 +14421,7 @@
           <a:lstStyle/>
           <a:p>
             <a:r>
-              <a:rPr lang="en-US" smtClean="0"/>
+              <a:rPr lang="en-US"/>
               <a:t>Step 1: Highlight Blocks</a:t>
             </a:r>
             <a:endParaRPr lang="en-US" dirty="0"/>
@@ -11129,10 +14444,9 @@
           <a:lstStyle/>
           <a:p>
             <a:r>
-              <a:rPr lang="sk-SK" smtClean="0"/>
-              <a:t>© 2015 EV3Lessons.com (Last Edit 11/01/2015)</a:t>
-            </a:r>
-            <a:endParaRPr lang="en-US"/>
+              <a:rPr lang="en-US"/>
+              <a:t>© 2015 EV3Lessons.com (Last Edit 7/06/2016)</a:t>
+            </a:r>
           </a:p>
         </p:txBody>
       </p:sp>
@@ -11205,7 +14519,7 @@
               <a:buChar char="•"/>
             </a:pPr>
             <a:r>
-              <a:rPr lang="en-US" dirty="0" smtClean="0">
+              <a:rPr lang="en-US" dirty="0">
                 <a:solidFill>
                   <a:schemeClr val="tx1"/>
                 </a:solidFill>
@@ -11213,7 +14527,7 @@
               <a:t>For this lesson, our goal is to move a </a:t>
             </a:r>
             <a:r>
-              <a:rPr lang="en-US" dirty="0" smtClean="0">
+              <a:rPr lang="en-US" dirty="0">
                 <a:solidFill>
                   <a:srgbClr val="FF0000"/>
                 </a:solidFill>
@@ -11221,7 +14535,7 @@
               <a:t>desired amount of rotations</a:t>
             </a:r>
             <a:r>
-              <a:rPr lang="en-US" dirty="0" smtClean="0">
+              <a:rPr lang="en-US" dirty="0">
                 <a:solidFill>
                   <a:schemeClr val="tx1"/>
                 </a:solidFill>
@@ -11229,7 +14543,7 @@
               <a:t> at a </a:t>
             </a:r>
             <a:r>
-              <a:rPr lang="en-US" dirty="0" smtClean="0">
+              <a:rPr lang="en-US" dirty="0">
                 <a:solidFill>
                   <a:srgbClr val="FF0000"/>
                 </a:solidFill>
@@ -11237,7 +14551,7 @@
               <a:t>desired power</a:t>
             </a:r>
             <a:r>
-              <a:rPr lang="en-US" dirty="0" smtClean="0">
+              <a:rPr lang="en-US" dirty="0">
                 <a:solidFill>
                   <a:schemeClr val="tx1"/>
                 </a:solidFill>
@@ -11245,7 +14559,7 @@
               <a:t> and </a:t>
             </a:r>
             <a:r>
-              <a:rPr lang="en-US" dirty="0" smtClean="0">
+              <a:rPr lang="en-US" dirty="0">
                 <a:solidFill>
                   <a:srgbClr val="FF0000"/>
                 </a:solidFill>
@@ -11253,7 +14567,7 @@
               <a:t>return the ultrasonic value</a:t>
             </a:r>
             <a:r>
-              <a:rPr lang="en-US" dirty="0" smtClean="0">
+              <a:rPr lang="en-US" dirty="0">
                 <a:solidFill>
                   <a:schemeClr val="tx1"/>
                 </a:solidFill>
@@ -11262,13 +14576,6 @@
             </a:r>
           </a:p>
           <a:p>
-            <a:endParaRPr lang="en-US" dirty="0" smtClean="0">
-              <a:solidFill>
-                <a:schemeClr val="tx1"/>
-              </a:solidFill>
-            </a:endParaRPr>
-          </a:p>
-          <a:p>
             <a:endParaRPr lang="en-US" dirty="0">
               <a:solidFill>
                 <a:schemeClr val="tx1"/>
@@ -11276,13 +14583,6 @@
             </a:endParaRPr>
           </a:p>
           <a:p>
-            <a:endParaRPr lang="en-US" dirty="0" smtClean="0">
-              <a:solidFill>
-                <a:schemeClr val="tx1"/>
-              </a:solidFill>
-            </a:endParaRPr>
-          </a:p>
-          <a:p>
             <a:endParaRPr lang="en-US" dirty="0">
               <a:solidFill>
                 <a:schemeClr val="tx1"/>
@@ -11290,13 +14590,6 @@
             </a:endParaRPr>
           </a:p>
           <a:p>
-            <a:endParaRPr lang="en-US" dirty="0" smtClean="0">
-              <a:solidFill>
-                <a:schemeClr val="tx1"/>
-              </a:solidFill>
-            </a:endParaRPr>
-          </a:p>
-          <a:p>
             <a:endParaRPr lang="en-US" dirty="0">
               <a:solidFill>
                 <a:schemeClr val="tx1"/>
@@ -11304,30 +14597,46 @@
             </a:endParaRPr>
           </a:p>
           <a:p>
-            <a:endParaRPr lang="en-US" dirty="0" smtClean="0">
+            <a:endParaRPr lang="en-US" dirty="0">
               <a:solidFill>
                 <a:schemeClr val="tx1"/>
               </a:solidFill>
             </a:endParaRPr>
           </a:p>
           <a:p>
+            <a:endParaRPr lang="en-US" dirty="0">
+              <a:solidFill>
+                <a:schemeClr val="tx1"/>
+              </a:solidFill>
+            </a:endParaRPr>
+          </a:p>
+          <a:p>
+            <a:endParaRPr lang="en-US" dirty="0">
+              <a:solidFill>
+                <a:schemeClr val="tx1"/>
+              </a:solidFill>
+            </a:endParaRPr>
+          </a:p>
+          <a:p>
+            <a:endParaRPr lang="en-US" dirty="0">
+              <a:solidFill>
+                <a:schemeClr val="tx1"/>
+              </a:solidFill>
+            </a:endParaRPr>
+          </a:p>
+          <a:p>
             <a:pPr marL="285750" indent="-285750">
               <a:buFont typeface="Arial" panose="020B0604020202020204" pitchFamily="34" charset="0"/>
               <a:buChar char="•"/>
             </a:pPr>
             <a:r>
-              <a:rPr lang="en-US" dirty="0" smtClean="0">
+              <a:rPr lang="en-US" dirty="0">
                 <a:solidFill>
                   <a:schemeClr val="tx1"/>
                 </a:solidFill>
               </a:rPr>
               <a:t>Step 1: Select the two blocks in the code that you want to turn into a My Block</a:t>
             </a:r>
-            <a:endParaRPr lang="en-US" dirty="0">
-              <a:solidFill>
-                <a:schemeClr val="tx1"/>
-              </a:solidFill>
-            </a:endParaRPr>
           </a:p>
           <a:p>
             <a:endParaRPr lang="en-US" dirty="0">
@@ -11462,50 +14771,13 @@
               <a:buChar char="•"/>
             </a:pPr>
             <a:r>
-              <a:rPr lang="en-US" dirty="0" smtClean="0">
-                <a:solidFill>
-                  <a:srgbClr val="00B050"/>
-                </a:solidFill>
-              </a:rPr>
-              <a:t>Question</a:t>
-            </a:r>
-            <a:r>
               <a:rPr lang="en-US" dirty="0">
                 <a:solidFill>
                   <a:srgbClr val="00B050"/>
                 </a:solidFill>
               </a:rPr>
-              <a:t>: What </a:t>
-            </a:r>
-            <a:r>
-              <a:rPr lang="en-US" dirty="0" smtClean="0">
-                <a:solidFill>
-                  <a:srgbClr val="00B050"/>
-                </a:solidFill>
-              </a:rPr>
-              <a:t>would be the </a:t>
-            </a:r>
-            <a:r>
-              <a:rPr lang="en-US" dirty="0">
-                <a:solidFill>
-                  <a:srgbClr val="00B050"/>
-                </a:solidFill>
-              </a:rPr>
-              <a:t>input(s) and output(s</a:t>
-            </a:r>
-            <a:r>
-              <a:rPr lang="en-US" dirty="0" smtClean="0">
-                <a:solidFill>
-                  <a:srgbClr val="00B050"/>
-                </a:solidFill>
-              </a:rPr>
-              <a:t>) for our My Block?</a:t>
-            </a:r>
-            <a:endParaRPr lang="en-US" dirty="0">
-              <a:solidFill>
-                <a:srgbClr val="00B050"/>
-              </a:solidFill>
-            </a:endParaRPr>
+              <a:t>Question: What would be the input(s) and output(s) for our My Block?</a:t>
+            </a:r>
           </a:p>
           <a:p>
             <a:pPr marL="285750" indent="-285750">
@@ -11518,65 +14790,9 @@
                   <a:srgbClr val="FF0000"/>
                 </a:solidFill>
               </a:rPr>
-              <a:t>Answer: The inputs </a:t>
-            </a:r>
-            <a:r>
-              <a:rPr lang="en-US" dirty="0" smtClean="0">
-                <a:solidFill>
-                  <a:srgbClr val="FF0000"/>
-                </a:solidFill>
-              </a:rPr>
-              <a:t>are power </a:t>
-            </a:r>
-            <a:r>
-              <a:rPr lang="en-US" dirty="0">
-                <a:solidFill>
-                  <a:srgbClr val="FF0000"/>
-                </a:solidFill>
-              </a:rPr>
-              <a:t>and </a:t>
-            </a:r>
-            <a:r>
-              <a:rPr lang="en-US" dirty="0" smtClean="0">
-                <a:solidFill>
-                  <a:srgbClr val="FF0000"/>
-                </a:solidFill>
-              </a:rPr>
-              <a:t>rotations</a:t>
-            </a:r>
-            <a:r>
-              <a:rPr lang="en-US" dirty="0">
-                <a:solidFill>
-                  <a:srgbClr val="FF0000"/>
-                </a:solidFill>
-              </a:rPr>
-              <a:t>. The Output </a:t>
-            </a:r>
-            <a:r>
-              <a:rPr lang="en-US" dirty="0" smtClean="0">
-                <a:solidFill>
-                  <a:srgbClr val="FF0000"/>
-                </a:solidFill>
-              </a:rPr>
-              <a:t>is </a:t>
-            </a:r>
-            <a:r>
-              <a:rPr lang="en-US" dirty="0">
-                <a:solidFill>
-                  <a:srgbClr val="FF0000"/>
-                </a:solidFill>
-              </a:rPr>
-              <a:t>distance measured </a:t>
-            </a:r>
-            <a:r>
-              <a:rPr lang="en-US" dirty="0" smtClean="0">
-                <a:solidFill>
-                  <a:srgbClr val="FF0000"/>
-                </a:solidFill>
-              </a:rPr>
-              <a:t>by the ultrasonic sensor.</a:t>
-            </a:r>
-            <a:endParaRPr lang="en-US" dirty="0" smtClean="0">
+              <a:t>Answer: The inputs are power and rotations. The Output is distance measured by the ultrasonic sensor.</a:t>
+            </a:r>
+            <a:endParaRPr lang="en-US" dirty="0">
               <a:solidFill>
                 <a:schemeClr val="tx1"/>
               </a:solidFill>
@@ -11594,13 +14810,6 @@
   <p:clrMapOvr>
     <a:masterClrMapping/>
   </p:clrMapOvr>
-  <p:timing>
-    <p:tnLst>
-      <p:par>
-        <p:cTn id="1" dur="indefinite" restart="never" nodeType="tmRoot"/>
-      </p:par>
-    </p:tnLst>
-  </p:timing>
 </p:sld>
 </file>
 
@@ -11637,18 +14846,9 @@
           <a:lstStyle/>
           <a:p>
             <a:r>
-              <a:rPr lang="en-US" dirty="0" smtClean="0"/>
-              <a:t>Step 2: Launch My </a:t>
-            </a:r>
-            <a:r>
-              <a:rPr lang="en-US" dirty="0" smtClean="0"/>
-              <a:t>Block </a:t>
-            </a:r>
-            <a:r>
-              <a:rPr lang="en-US" dirty="0" smtClean="0"/>
-              <a:t>builder</a:t>
-            </a:r>
-            <a:endParaRPr lang="en-US" dirty="0"/>
+              <a:rPr lang="en-US" dirty="0"/>
+              <a:t>Step 2: Launch My Block builder</a:t>
+            </a:r>
           </a:p>
         </p:txBody>
       </p:sp>
@@ -11668,10 +14868,9 @@
           <a:lstStyle/>
           <a:p>
             <a:r>
-              <a:rPr lang="sk-SK" smtClean="0"/>
-              <a:t>© 2015 EV3Lessons.com (Last Edit 11/01/2015)</a:t>
-            </a:r>
-            <a:endParaRPr lang="en-US"/>
+              <a:rPr lang="en-US"/>
+              <a:t>© 2015 EV3Lessons.com (Last Edit 7/06/2016)</a:t>
+            </a:r>
           </a:p>
         </p:txBody>
       </p:sp>
@@ -11914,7 +15113,7 @@
               <a:buChar char="•"/>
             </a:pPr>
             <a:r>
-              <a:rPr lang="en-US" dirty="0" smtClean="0">
+              <a:rPr lang="en-US" dirty="0">
                 <a:solidFill>
                   <a:srgbClr val="00B050"/>
                 </a:solidFill>
@@ -11922,7 +15121,7 @@
               <a:t>A: Go to Tools </a:t>
             </a:r>
             <a:r>
-              <a:rPr lang="en-US" dirty="0" smtClean="0">
+              <a:rPr lang="en-US" dirty="0">
                 <a:solidFill>
                   <a:srgbClr val="00B050"/>
                 </a:solidFill>
@@ -11931,7 +15130,7 @@
               <a:t> My Block Builder - </a:t>
             </a:r>
             <a:r>
-              <a:rPr lang="en-US" dirty="0" smtClean="0">
+              <a:rPr lang="en-US" dirty="0">
                 <a:solidFill>
                   <a:srgbClr val="00B050"/>
                 </a:solidFill>
@@ -11944,7 +15143,7 @@
               <a:buFont typeface="Arial" panose="020B0604020202020204" pitchFamily="34" charset="0"/>
               <a:buChar char="•"/>
             </a:pPr>
-            <a:endParaRPr lang="en-US" dirty="0" smtClean="0"/>
+            <a:endParaRPr lang="en-US" dirty="0"/>
           </a:p>
           <a:p>
             <a:pPr marL="285750" indent="-285750">
@@ -11952,7 +15151,7 @@
               <a:buChar char="•"/>
             </a:pPr>
             <a:r>
-              <a:rPr lang="en-US" dirty="0" smtClean="0">
+              <a:rPr lang="en-US" dirty="0">
                 <a:solidFill>
                   <a:srgbClr val="7030A0"/>
                 </a:solidFill>
@@ -11977,7 +15176,7 @@
               <a:buChar char="•"/>
             </a:pPr>
             <a:r>
-              <a:rPr lang="en-US" dirty="0" smtClean="0">
+              <a:rPr lang="en-US" dirty="0">
                 <a:solidFill>
                   <a:srgbClr val="00B0F0"/>
                 </a:solidFill>
@@ -12002,7 +15201,7 @@
               <a:buChar char="•"/>
             </a:pPr>
             <a:r>
-              <a:rPr lang="en-US" dirty="0" smtClean="0">
+              <a:rPr lang="en-US" dirty="0">
                 <a:solidFill>
                   <a:srgbClr val="FFC000"/>
                 </a:solidFill>
@@ -12104,10 +15303,9 @@
           <a:lstStyle/>
           <a:p>
             <a:r>
-              <a:rPr lang="en-US" sz="600" dirty="0" smtClean="0"/>
+              <a:rPr lang="en-US" sz="600" dirty="0"/>
               <a:t>Move Rotations and output Ultrasonic</a:t>
             </a:r>
-            <a:endParaRPr lang="en-US" sz="600" dirty="0"/>
           </a:p>
         </p:txBody>
       </p:sp>
@@ -12134,18 +15332,13 @@
           <a:lstStyle/>
           <a:p>
             <a:r>
-              <a:rPr lang="en-US" b="1" dirty="0" smtClean="0">
+              <a:rPr lang="en-US" b="1" dirty="0">
                 <a:solidFill>
                   <a:srgbClr val="00B050"/>
                 </a:solidFill>
               </a:rPr>
               <a:t>A</a:t>
             </a:r>
-            <a:endParaRPr lang="en-US" b="1" dirty="0">
-              <a:solidFill>
-                <a:srgbClr val="00B050"/>
-              </a:solidFill>
-            </a:endParaRPr>
           </a:p>
         </p:txBody>
       </p:sp>
@@ -12172,18 +15365,13 @@
           <a:lstStyle/>
           <a:p>
             <a:r>
-              <a:rPr lang="en-US" b="1" dirty="0" smtClean="0">
+              <a:rPr lang="en-US" b="1" dirty="0">
                 <a:solidFill>
                   <a:srgbClr val="7030A0"/>
                 </a:solidFill>
               </a:rPr>
               <a:t>B</a:t>
             </a:r>
-            <a:endParaRPr lang="en-US" b="1" dirty="0">
-              <a:solidFill>
-                <a:srgbClr val="7030A0"/>
-              </a:solidFill>
-            </a:endParaRPr>
           </a:p>
         </p:txBody>
       </p:sp>
@@ -12470,13 +15658,6 @@
   <p:clrMapOvr>
     <a:masterClrMapping/>
   </p:clrMapOvr>
-  <p:timing>
-    <p:tnLst>
-      <p:par>
-        <p:cTn id="1" dur="indefinite" restart="never" nodeType="tmRoot"/>
-      </p:par>
-    </p:tnLst>
-  </p:timing>
 </p:sld>
 </file>
 
@@ -12515,10 +15696,9 @@
           <a:lstStyle/>
           <a:p>
             <a:r>
-              <a:rPr lang="en-US" dirty="0" smtClean="0"/>
+              <a:rPr lang="en-US" dirty="0"/>
               <a:t>Common Error Messages</a:t>
             </a:r>
-            <a:endParaRPr lang="en-US" dirty="0"/>
           </a:p>
         </p:txBody>
       </p:sp>
@@ -12540,7 +15720,7 @@
           <a:lstStyle/>
           <a:p>
             <a:r>
-              <a:rPr lang="en-US" dirty="0" smtClean="0">
+              <a:rPr lang="en-US" dirty="0">
                 <a:solidFill>
                   <a:srgbClr val="FF0000"/>
                 </a:solidFill>
@@ -12551,17 +15731,17 @@
           <a:p>
             <a:pPr lvl="1"/>
             <a:r>
-              <a:rPr lang="en-US" dirty="0" smtClean="0"/>
+              <a:rPr lang="en-US" dirty="0"/>
               <a:t>SOLUTION: You need to highlight all the blocks again before going into My Block Builder</a:t>
             </a:r>
           </a:p>
           <a:p>
             <a:pPr lvl="1"/>
-            <a:endParaRPr lang="en-US" dirty="0" smtClean="0"/>
-          </a:p>
-          <a:p>
-            <a:r>
-              <a:rPr lang="en-US" dirty="0" smtClean="0">
+            <a:endParaRPr lang="en-US" dirty="0"/>
+          </a:p>
+          <a:p>
+            <a:r>
+              <a:rPr lang="en-US" dirty="0">
                 <a:solidFill>
                   <a:srgbClr val="FF0000"/>
                 </a:solidFill>
@@ -12572,36 +15752,19 @@
           <a:p>
             <a:pPr lvl="1"/>
             <a:r>
-              <a:rPr lang="en-US" dirty="0" smtClean="0"/>
+              <a:rPr lang="en-US" dirty="0"/>
               <a:t>SOLUTION: Un-highlight the start block before going into My Block Builder</a:t>
             </a:r>
           </a:p>
           <a:p>
-            <a:endParaRPr lang="en-US" dirty="0" smtClean="0"/>
-          </a:p>
-          <a:p>
-            <a:r>
-              <a:rPr lang="en-US" b="0" dirty="0" smtClean="0"/>
+            <a:endParaRPr lang="en-US" dirty="0"/>
+          </a:p>
+          <a:p>
+            <a:r>
+              <a:rPr lang="en-US" b="0" dirty="0"/>
               <a:t>If you continue to have trouble at this step, just select a single block in your program and create a My Block from it. You can edit add more blocks to a My Block at any time. However, you cannot change the inputs and outputs of a My Block after creation.</a:t>
             </a:r>
           </a:p>
-          <a:p>
-            <a:r>
-              <a:rPr lang="en-US" dirty="0" smtClean="0"/>
-              <a:t>If know of any other errors, please contact us: </a:t>
-            </a:r>
-            <a:r>
-              <a:rPr lang="en-US" dirty="0" smtClean="0">
-                <a:hlinkClick r:id="rId2"/>
-              </a:rPr>
-              <a:t>team@ev3lessons.com</a:t>
-            </a:r>
-            <a:r>
-              <a:rPr lang="en-US" dirty="0" smtClean="0"/>
-              <a:t> and we will add them.</a:t>
-            </a:r>
-            <a:endParaRPr lang="en-US" dirty="0"/>
-          </a:p>
         </p:txBody>
       </p:sp>
       <p:sp>
@@ -12620,10 +15783,9 @@
           <a:lstStyle/>
           <a:p>
             <a:r>
-              <a:rPr lang="sk-SK" smtClean="0"/>
-              <a:t>© 2015 EV3Lessons.com (Last Edit 11/01/2015)</a:t>
-            </a:r>
-            <a:endParaRPr lang="en-US"/>
+              <a:rPr lang="en-US"/>
+              <a:t>© 2015 EV3Lessons.com (Last Edit 7/06/2016)</a:t>
+            </a:r>
           </a:p>
         </p:txBody>
       </p:sp>
@@ -12661,13 +15823,6 @@
   <p:clrMapOvr>
     <a:masterClrMapping/>
   </p:clrMapOvr>
-  <p:timing>
-    <p:tnLst>
-      <p:par>
-        <p:cTn id="1" dur="indefinite" restart="never" nodeType="tmRoot"/>
-      </p:par>
-    </p:tnLst>
-  </p:timing>
 </p:sld>
 </file>
 
@@ -12955,9 +16110,9 @@
 </file>
 
 <file path=ppt/theme/theme2.xml><?xml version="1.0" encoding="utf-8"?>
-<a:theme xmlns:a="http://schemas.openxmlformats.org/drawingml/2006/main" name="Office Theme">
+<a:theme xmlns:a="http://schemas.openxmlformats.org/drawingml/2006/main" name="intermediatev2">
   <a:themeElements>
-    <a:clrScheme name="Office">
+    <a:clrScheme name="Blue II">
       <a:dk1>
         <a:sysClr val="windowText" lastClr="000000"/>
       </a:dk1>
@@ -12965,39 +16120,39 @@
         <a:sysClr val="window" lastClr="FFFFFF"/>
       </a:lt1>
       <a:dk2>
-        <a:srgbClr val="1F497D"/>
+        <a:srgbClr val="335B74"/>
       </a:dk2>
       <a:lt2>
-        <a:srgbClr val="EEECE1"/>
+        <a:srgbClr val="DFE3E5"/>
       </a:lt2>
       <a:accent1>
-        <a:srgbClr val="4F81BD"/>
+        <a:srgbClr val="1CADE4"/>
       </a:accent1>
       <a:accent2>
-        <a:srgbClr val="C0504D"/>
+        <a:srgbClr val="2683C6"/>
       </a:accent2>
       <a:accent3>
-        <a:srgbClr val="9BBB59"/>
+        <a:srgbClr val="27CED7"/>
       </a:accent3>
       <a:accent4>
-        <a:srgbClr val="8064A2"/>
+        <a:srgbClr val="42BA97"/>
       </a:accent4>
       <a:accent5>
-        <a:srgbClr val="4BACC6"/>
+        <a:srgbClr val="3E8853"/>
       </a:accent5>
       <a:accent6>
-        <a:srgbClr val="F79646"/>
+        <a:srgbClr val="62A39F"/>
       </a:accent6>
       <a:hlink>
-        <a:srgbClr val="0000FF"/>
+        <a:srgbClr val="6EAC1C"/>
       </a:hlink>
       <a:folHlink>
-        <a:srgbClr val="800080"/>
+        <a:srgbClr val="B26B02"/>
       </a:folHlink>
     </a:clrScheme>
-    <a:fontScheme name="Office">
+    <a:fontScheme name="Retrospect">
       <a:majorFont>
-        <a:latin typeface="Calibri"/>
+        <a:latin typeface="Calibri Light" panose="020F0302020204030204"/>
         <a:ea typeface=""/>
         <a:cs typeface=""/>
         <a:font script="Jpan" typeface="ＭＳ Ｐゴシック"/>
@@ -13032,7 +16187,7 @@
         <a:font script="Geor" typeface="Sylfaen"/>
       </a:majorFont>
       <a:minorFont>
-        <a:latin typeface="Calibri"/>
+        <a:latin typeface="Calibri" panose="020F0502020204030204"/>
         <a:ea typeface=""/>
         <a:cs typeface=""/>
         <a:font script="Jpan" typeface="ＭＳ Ｐゴシック"/>
@@ -13067,7 +16222,7 @@
         <a:font script="Geor" typeface="Sylfaen"/>
       </a:minorFont>
     </a:fontScheme>
-    <a:fmtScheme name="Office">
+    <a:fmtScheme name="Retrospect">
       <a:fillStyleLst>
         <a:solidFill>
           <a:schemeClr val="phClr"/>
@@ -13076,52 +16231,73 @@
           <a:gsLst>
             <a:gs pos="0">
               <a:schemeClr val="phClr">
-                <a:tint val="50000"/>
-                <a:satMod val="300000"/>
+                <a:tint val="65000"/>
+                <a:shade val="92000"/>
+                <a:satMod val="130000"/>
               </a:schemeClr>
             </a:gs>
-            <a:gs pos="35000">
+            <a:gs pos="45000">
               <a:schemeClr val="phClr">
-                <a:tint val="37000"/>
-                <a:satMod val="300000"/>
+                <a:tint val="60000"/>
+                <a:shade val="99000"/>
+                <a:satMod val="120000"/>
               </a:schemeClr>
             </a:gs>
             <a:gs pos="100000">
               <a:schemeClr val="phClr">
-                <a:tint val="15000"/>
-                <a:satMod val="350000"/>
+                <a:tint val="55000"/>
+                <a:satMod val="140000"/>
               </a:schemeClr>
             </a:gs>
           </a:gsLst>
-          <a:lin ang="16200000" scaled="1"/>
+          <a:path path="circle">
+            <a:fillToRect l="100000" t="100000" r="100000" b="100000"/>
+          </a:path>
         </a:gradFill>
         <a:gradFill rotWithShape="1">
           <a:gsLst>
             <a:gs pos="0">
               <a:schemeClr val="phClr">
+                <a:shade val="85000"/>
+                <a:satMod val="130000"/>
+              </a:schemeClr>
+            </a:gs>
+            <a:gs pos="34000">
+              <a:schemeClr val="phClr">
+                <a:shade val="87000"/>
+                <a:satMod val="125000"/>
+              </a:schemeClr>
+            </a:gs>
+            <a:gs pos="70000">
+              <a:schemeClr val="phClr">
                 <a:tint val="100000"/>
-                <a:shade val="100000"/>
+                <a:shade val="90000"/>
                 <a:satMod val="130000"/>
               </a:schemeClr>
             </a:gs>
             <a:gs pos="100000">
               <a:schemeClr val="phClr">
-                <a:tint val="50000"/>
+                <a:tint val="100000"/>
                 <a:shade val="100000"/>
-                <a:satMod val="350000"/>
+                <a:satMod val="110000"/>
               </a:schemeClr>
             </a:gs>
           </a:gsLst>
-          <a:lin ang="16200000" scaled="0"/>
+          <a:path path="circle">
+            <a:fillToRect l="100000" t="100000" r="100000" b="100000"/>
+          </a:path>
         </a:gradFill>
       </a:fillStyleLst>
       <a:lnStyleLst>
-        <a:ln w="9525" cap="flat" cmpd="sng" algn="ctr">
+        <a:ln w="12700" cap="flat" cmpd="sng" algn="ctr">
           <a:solidFill>
-            <a:schemeClr val="phClr">
-              <a:shade val="95000"/>
-              <a:satMod val="105000"/>
-            </a:schemeClr>
+            <a:schemeClr val="phClr"/>
+          </a:solidFill>
+          <a:prstDash val="solid"/>
+        </a:ln>
+        <a:ln w="15875" cap="flat" cmpd="sng" algn="ctr">
+          <a:solidFill>
+            <a:schemeClr val="phClr"/>
           </a:solidFill>
           <a:prstDash val="solid"/>
         </a:ln>
@@ -13131,37 +16307,25 @@
           </a:solidFill>
           <a:prstDash val="solid"/>
         </a:ln>
-        <a:ln w="38100" cap="flat" cmpd="sng" algn="ctr">
-          <a:solidFill>
-            <a:schemeClr val="phClr"/>
-          </a:solidFill>
-          <a:prstDash val="solid"/>
-        </a:ln>
       </a:lnStyleLst>
       <a:effectStyleLst>
         <a:effectStyle>
+          <a:effectLst/>
+        </a:effectStyle>
+        <a:effectStyle>
           <a:effectLst>
-            <a:outerShdw blurRad="40000" dist="20000" dir="5400000" rotWithShape="0">
+            <a:outerShdw blurRad="38100" dist="25400" dir="2700000" algn="br" rotWithShape="0">
               <a:srgbClr val="000000">
-                <a:alpha val="38000"/>
+                <a:alpha val="60000"/>
               </a:srgbClr>
             </a:outerShdw>
           </a:effectLst>
         </a:effectStyle>
         <a:effectStyle>
           <a:effectLst>
-            <a:outerShdw blurRad="40000" dist="23000" dir="5400000" rotWithShape="0">
+            <a:outerShdw blurRad="44450" dist="25400" dir="2700000" algn="br" rotWithShape="0">
               <a:srgbClr val="000000">
-                <a:alpha val="35000"/>
-              </a:srgbClr>
-            </a:outerShdw>
-          </a:effectLst>
-        </a:effectStyle>
-        <a:effectStyle>
-          <a:effectLst>
-            <a:outerShdw blurRad="40000" dist="23000" dir="5400000" rotWithShape="0">
-              <a:srgbClr val="000000">
-                <a:alpha val="35000"/>
+                <a:alpha val="60000"/>
               </a:srgbClr>
             </a:outerShdw>
           </a:effectLst>
@@ -13170,11 +16334,11 @@
               <a:rot lat="0" lon="0" rev="0"/>
             </a:camera>
             <a:lightRig rig="threePt" dir="t">
-              <a:rot lat="0" lon="0" rev="1200000"/>
+              <a:rot lat="0" lon="0" rev="19800000"/>
             </a:lightRig>
           </a:scene3d>
-          <a:sp3d>
-            <a:bevelT w="63500" h="25400"/>
+          <a:sp3d prstMaterial="flat">
+            <a:bevelT w="25400" h="31750"/>
           </a:sp3d>
         </a:effectStyle>
       </a:effectStyleLst>
@@ -13182,95 +16346,49 @@
         <a:solidFill>
           <a:schemeClr val="phClr"/>
         </a:solidFill>
+        <a:solidFill>
+          <a:schemeClr val="phClr">
+            <a:tint val="90000"/>
+            <a:shade val="97000"/>
+            <a:satMod val="130000"/>
+          </a:schemeClr>
+        </a:solidFill>
         <a:gradFill rotWithShape="1">
           <a:gsLst>
             <a:gs pos="0">
               <a:schemeClr val="phClr">
-                <a:tint val="40000"/>
-                <a:satMod val="350000"/>
+                <a:tint val="96000"/>
+                <a:shade val="99000"/>
+                <a:satMod val="140000"/>
               </a:schemeClr>
             </a:gs>
-            <a:gs pos="40000">
+            <a:gs pos="65000">
               <a:schemeClr val="phClr">
-                <a:tint val="45000"/>
-                <a:shade val="99000"/>
-                <a:satMod val="350000"/>
+                <a:tint val="100000"/>
+                <a:shade val="80000"/>
+                <a:satMod val="130000"/>
               </a:schemeClr>
             </a:gs>
             <a:gs pos="100000">
               <a:schemeClr val="phClr">
-                <a:shade val="20000"/>
-                <a:satMod val="255000"/>
+                <a:tint val="100000"/>
+                <a:shade val="48000"/>
+                <a:satMod val="120000"/>
               </a:schemeClr>
             </a:gs>
           </a:gsLst>
-          <a:path path="circle">
-            <a:fillToRect l="50000" t="-80000" r="50000" b="180000"/>
-          </a:path>
-        </a:gradFill>
-        <a:gradFill rotWithShape="1">
-          <a:gsLst>
-            <a:gs pos="0">
-              <a:schemeClr val="phClr">
-                <a:tint val="80000"/>
-                <a:satMod val="300000"/>
-              </a:schemeClr>
-            </a:gs>
-            <a:gs pos="100000">
-              <a:schemeClr val="phClr">
-                <a:shade val="30000"/>
-                <a:satMod val="200000"/>
-              </a:schemeClr>
-            </a:gs>
-          </a:gsLst>
-          <a:path path="circle">
-            <a:fillToRect l="50000" t="50000" r="50000" b="50000"/>
-          </a:path>
+          <a:lin ang="16200000" scaled="0"/>
         </a:gradFill>
       </a:bgFillStyleLst>
     </a:fmtScheme>
   </a:themeElements>
-  <a:objectDefaults>
-    <a:spDef>
-      <a:spPr/>
-      <a:bodyPr/>
-      <a:lstStyle/>
-      <a:style>
-        <a:lnRef idx="1">
-          <a:schemeClr val="accent1"/>
-        </a:lnRef>
-        <a:fillRef idx="3">
-          <a:schemeClr val="accent1"/>
-        </a:fillRef>
-        <a:effectRef idx="2">
-          <a:schemeClr val="accent1"/>
-        </a:effectRef>
-        <a:fontRef idx="minor">
-          <a:schemeClr val="lt1"/>
-        </a:fontRef>
-      </a:style>
-    </a:spDef>
-    <a:lnDef>
-      <a:spPr/>
-      <a:bodyPr/>
-      <a:lstStyle/>
-      <a:style>
-        <a:lnRef idx="2">
-          <a:schemeClr val="accent1"/>
-        </a:lnRef>
-        <a:fillRef idx="0">
-          <a:schemeClr val="accent1"/>
-        </a:fillRef>
-        <a:effectRef idx="1">
-          <a:schemeClr val="accent1"/>
-        </a:effectRef>
-        <a:fontRef idx="minor">
-          <a:schemeClr val="tx1"/>
-        </a:fontRef>
-      </a:style>
-    </a:lnDef>
-  </a:objectDefaults>
+  <a:objectDefaults/>
   <a:extraClrSchemeLst/>
+  <a:extLst>
+    <a:ext uri="{05A4C25C-085E-4340-85A3-A5531E510DB2}">
+      <thm15:themeFamily xmlns:thm15="http://schemas.microsoft.com/office/thememl/2012/main" name="intermediatev2" id="{63F5E447-E8B5-4335-8726-12777BA731C5}" vid="{7C754D33-5435-4000-AB94-F54A58B2A981}"/>
+    </a:ext>
+  </a:extLst>
 </a:theme>
 </file>
 
@@ -13592,4 +16710,324 @@
   </a:objectDefaults>
   <a:extraClrSchemeLst/>
 </a:theme>
+</file>
+
+<file path=ppt/theme/theme4.xml><?xml version="1.0" encoding="utf-8"?>
+<a:theme xmlns:a="http://schemas.openxmlformats.org/drawingml/2006/main" name="Office Theme">
+  <a:themeElements>
+    <a:clrScheme name="Office">
+      <a:dk1>
+        <a:sysClr val="windowText" lastClr="000000"/>
+      </a:dk1>
+      <a:lt1>
+        <a:sysClr val="window" lastClr="FFFFFF"/>
+      </a:lt1>
+      <a:dk2>
+        <a:srgbClr val="1F497D"/>
+      </a:dk2>
+      <a:lt2>
+        <a:srgbClr val="EEECE1"/>
+      </a:lt2>
+      <a:accent1>
+        <a:srgbClr val="4F81BD"/>
+      </a:accent1>
+      <a:accent2>
+        <a:srgbClr val="C0504D"/>
+      </a:accent2>
+      <a:accent3>
+        <a:srgbClr val="9BBB59"/>
+      </a:accent3>
+      <a:accent4>
+        <a:srgbClr val="8064A2"/>
+      </a:accent4>
+      <a:accent5>
+        <a:srgbClr val="4BACC6"/>
+      </a:accent5>
+      <a:accent6>
+        <a:srgbClr val="F79646"/>
+      </a:accent6>
+      <a:hlink>
+        <a:srgbClr val="0000FF"/>
+      </a:hlink>
+      <a:folHlink>
+        <a:srgbClr val="800080"/>
+      </a:folHlink>
+    </a:clrScheme>
+    <a:fontScheme name="Office">
+      <a:majorFont>
+        <a:latin typeface="Calibri"/>
+        <a:ea typeface=""/>
+        <a:cs typeface=""/>
+        <a:font script="Jpan" typeface="ＭＳ Ｐゴシック"/>
+        <a:font script="Hang" typeface="맑은 고딕"/>
+        <a:font script="Hans" typeface="宋体"/>
+        <a:font script="Hant" typeface="新細明體"/>
+        <a:font script="Arab" typeface="Times New Roman"/>
+        <a:font script="Hebr" typeface="Times New Roman"/>
+        <a:font script="Thai" typeface="Angsana New"/>
+        <a:font script="Ethi" typeface="Nyala"/>
+        <a:font script="Beng" typeface="Vrinda"/>
+        <a:font script="Gujr" typeface="Shruti"/>
+        <a:font script="Khmr" typeface="MoolBoran"/>
+        <a:font script="Knda" typeface="Tunga"/>
+        <a:font script="Guru" typeface="Raavi"/>
+        <a:font script="Cans" typeface="Euphemia"/>
+        <a:font script="Cher" typeface="Plantagenet Cherokee"/>
+        <a:font script="Yiii" typeface="Microsoft Yi Baiti"/>
+        <a:font script="Tibt" typeface="Microsoft Himalaya"/>
+        <a:font script="Thaa" typeface="MV Boli"/>
+        <a:font script="Deva" typeface="Mangal"/>
+        <a:font script="Telu" typeface="Gautami"/>
+        <a:font script="Taml" typeface="Latha"/>
+        <a:font script="Syrc" typeface="Estrangelo Edessa"/>
+        <a:font script="Orya" typeface="Kalinga"/>
+        <a:font script="Mlym" typeface="Kartika"/>
+        <a:font script="Laoo" typeface="DokChampa"/>
+        <a:font script="Sinh" typeface="Iskoola Pota"/>
+        <a:font script="Mong" typeface="Mongolian Baiti"/>
+        <a:font script="Viet" typeface="Times New Roman"/>
+        <a:font script="Uigh" typeface="Microsoft Uighur"/>
+        <a:font script="Geor" typeface="Sylfaen"/>
+      </a:majorFont>
+      <a:minorFont>
+        <a:latin typeface="Calibri"/>
+        <a:ea typeface=""/>
+        <a:cs typeface=""/>
+        <a:font script="Jpan" typeface="ＭＳ Ｐゴシック"/>
+        <a:font script="Hang" typeface="맑은 고딕"/>
+        <a:font script="Hans" typeface="宋体"/>
+        <a:font script="Hant" typeface="新細明體"/>
+        <a:font script="Arab" typeface="Arial"/>
+        <a:font script="Hebr" typeface="Arial"/>
+        <a:font script="Thai" typeface="Cordia New"/>
+        <a:font script="Ethi" typeface="Nyala"/>
+        <a:font script="Beng" typeface="Vrinda"/>
+        <a:font script="Gujr" typeface="Shruti"/>
+        <a:font script="Khmr" typeface="DaunPenh"/>
+        <a:font script="Knda" typeface="Tunga"/>
+        <a:font script="Guru" typeface="Raavi"/>
+        <a:font script="Cans" typeface="Euphemia"/>
+        <a:font script="Cher" typeface="Plantagenet Cherokee"/>
+        <a:font script="Yiii" typeface="Microsoft Yi Baiti"/>
+        <a:font script="Tibt" typeface="Microsoft Himalaya"/>
+        <a:font script="Thaa" typeface="MV Boli"/>
+        <a:font script="Deva" typeface="Mangal"/>
+        <a:font script="Telu" typeface="Gautami"/>
+        <a:font script="Taml" typeface="Latha"/>
+        <a:font script="Syrc" typeface="Estrangelo Edessa"/>
+        <a:font script="Orya" typeface="Kalinga"/>
+        <a:font script="Mlym" typeface="Kartika"/>
+        <a:font script="Laoo" typeface="DokChampa"/>
+        <a:font script="Sinh" typeface="Iskoola Pota"/>
+        <a:font script="Mong" typeface="Mongolian Baiti"/>
+        <a:font script="Viet" typeface="Arial"/>
+        <a:font script="Uigh" typeface="Microsoft Uighur"/>
+        <a:font script="Geor" typeface="Sylfaen"/>
+      </a:minorFont>
+    </a:fontScheme>
+    <a:fmtScheme name="Office">
+      <a:fillStyleLst>
+        <a:solidFill>
+          <a:schemeClr val="phClr"/>
+        </a:solidFill>
+        <a:gradFill rotWithShape="1">
+          <a:gsLst>
+            <a:gs pos="0">
+              <a:schemeClr val="phClr">
+                <a:tint val="50000"/>
+                <a:satMod val="300000"/>
+              </a:schemeClr>
+            </a:gs>
+            <a:gs pos="35000">
+              <a:schemeClr val="phClr">
+                <a:tint val="37000"/>
+                <a:satMod val="300000"/>
+              </a:schemeClr>
+            </a:gs>
+            <a:gs pos="100000">
+              <a:schemeClr val="phClr">
+                <a:tint val="15000"/>
+                <a:satMod val="350000"/>
+              </a:schemeClr>
+            </a:gs>
+          </a:gsLst>
+          <a:lin ang="16200000" scaled="1"/>
+        </a:gradFill>
+        <a:gradFill rotWithShape="1">
+          <a:gsLst>
+            <a:gs pos="0">
+              <a:schemeClr val="phClr">
+                <a:tint val="100000"/>
+                <a:shade val="100000"/>
+                <a:satMod val="130000"/>
+              </a:schemeClr>
+            </a:gs>
+            <a:gs pos="100000">
+              <a:schemeClr val="phClr">
+                <a:tint val="50000"/>
+                <a:shade val="100000"/>
+                <a:satMod val="350000"/>
+              </a:schemeClr>
+            </a:gs>
+          </a:gsLst>
+          <a:lin ang="16200000" scaled="0"/>
+        </a:gradFill>
+      </a:fillStyleLst>
+      <a:lnStyleLst>
+        <a:ln w="9525" cap="flat" cmpd="sng" algn="ctr">
+          <a:solidFill>
+            <a:schemeClr val="phClr">
+              <a:shade val="95000"/>
+              <a:satMod val="105000"/>
+            </a:schemeClr>
+          </a:solidFill>
+          <a:prstDash val="solid"/>
+        </a:ln>
+        <a:ln w="25400" cap="flat" cmpd="sng" algn="ctr">
+          <a:solidFill>
+            <a:schemeClr val="phClr"/>
+          </a:solidFill>
+          <a:prstDash val="solid"/>
+        </a:ln>
+        <a:ln w="38100" cap="flat" cmpd="sng" algn="ctr">
+          <a:solidFill>
+            <a:schemeClr val="phClr"/>
+          </a:solidFill>
+          <a:prstDash val="solid"/>
+        </a:ln>
+      </a:lnStyleLst>
+      <a:effectStyleLst>
+        <a:effectStyle>
+          <a:effectLst>
+            <a:outerShdw blurRad="40000" dist="20000" dir="5400000" rotWithShape="0">
+              <a:srgbClr val="000000">
+                <a:alpha val="38000"/>
+              </a:srgbClr>
+            </a:outerShdw>
+          </a:effectLst>
+        </a:effectStyle>
+        <a:effectStyle>
+          <a:effectLst>
+            <a:outerShdw blurRad="40000" dist="23000" dir="5400000" rotWithShape="0">
+              <a:srgbClr val="000000">
+                <a:alpha val="35000"/>
+              </a:srgbClr>
+            </a:outerShdw>
+          </a:effectLst>
+        </a:effectStyle>
+        <a:effectStyle>
+          <a:effectLst>
+            <a:outerShdw blurRad="40000" dist="23000" dir="5400000" rotWithShape="0">
+              <a:srgbClr val="000000">
+                <a:alpha val="35000"/>
+              </a:srgbClr>
+            </a:outerShdw>
+          </a:effectLst>
+          <a:scene3d>
+            <a:camera prst="orthographicFront">
+              <a:rot lat="0" lon="0" rev="0"/>
+            </a:camera>
+            <a:lightRig rig="threePt" dir="t">
+              <a:rot lat="0" lon="0" rev="1200000"/>
+            </a:lightRig>
+          </a:scene3d>
+          <a:sp3d>
+            <a:bevelT w="63500" h="25400"/>
+          </a:sp3d>
+        </a:effectStyle>
+      </a:effectStyleLst>
+      <a:bgFillStyleLst>
+        <a:solidFill>
+          <a:schemeClr val="phClr"/>
+        </a:solidFill>
+        <a:gradFill rotWithShape="1">
+          <a:gsLst>
+            <a:gs pos="0">
+              <a:schemeClr val="phClr">
+                <a:tint val="40000"/>
+                <a:satMod val="350000"/>
+              </a:schemeClr>
+            </a:gs>
+            <a:gs pos="40000">
+              <a:schemeClr val="phClr">
+                <a:tint val="45000"/>
+                <a:shade val="99000"/>
+                <a:satMod val="350000"/>
+              </a:schemeClr>
+            </a:gs>
+            <a:gs pos="100000">
+              <a:schemeClr val="phClr">
+                <a:shade val="20000"/>
+                <a:satMod val="255000"/>
+              </a:schemeClr>
+            </a:gs>
+          </a:gsLst>
+          <a:path path="circle">
+            <a:fillToRect l="50000" t="-80000" r="50000" b="180000"/>
+          </a:path>
+        </a:gradFill>
+        <a:gradFill rotWithShape="1">
+          <a:gsLst>
+            <a:gs pos="0">
+              <a:schemeClr val="phClr">
+                <a:tint val="80000"/>
+                <a:satMod val="300000"/>
+              </a:schemeClr>
+            </a:gs>
+            <a:gs pos="100000">
+              <a:schemeClr val="phClr">
+                <a:shade val="30000"/>
+                <a:satMod val="200000"/>
+              </a:schemeClr>
+            </a:gs>
+          </a:gsLst>
+          <a:path path="circle">
+            <a:fillToRect l="50000" t="50000" r="50000" b="50000"/>
+          </a:path>
+        </a:gradFill>
+      </a:bgFillStyleLst>
+    </a:fmtScheme>
+  </a:themeElements>
+  <a:objectDefaults>
+    <a:spDef>
+      <a:spPr/>
+      <a:bodyPr/>
+      <a:lstStyle/>
+      <a:style>
+        <a:lnRef idx="1">
+          <a:schemeClr val="accent1"/>
+        </a:lnRef>
+        <a:fillRef idx="3">
+          <a:schemeClr val="accent1"/>
+        </a:fillRef>
+        <a:effectRef idx="2">
+          <a:schemeClr val="accent1"/>
+        </a:effectRef>
+        <a:fontRef idx="minor">
+          <a:schemeClr val="lt1"/>
+        </a:fontRef>
+      </a:style>
+    </a:spDef>
+    <a:lnDef>
+      <a:spPr/>
+      <a:bodyPr/>
+      <a:lstStyle/>
+      <a:style>
+        <a:lnRef idx="2">
+          <a:schemeClr val="accent1"/>
+        </a:lnRef>
+        <a:fillRef idx="0">
+          <a:schemeClr val="accent1"/>
+        </a:fillRef>
+        <a:effectRef idx="1">
+          <a:schemeClr val="accent1"/>
+        </a:effectRef>
+        <a:fontRef idx="minor">
+          <a:schemeClr val="tx1"/>
+        </a:fontRef>
+      </a:style>
+    </a:lnDef>
+  </a:objectDefaults>
+  <a:extraClrSchemeLst/>
+</a:theme>
 </file>
--- a/translations/en-us/intermediate/MyBlocks.pptx
+++ b/translations/en-us/intermediate/MyBlocks.pptx
@@ -228,7 +228,7 @@
           <a:p>
             <a:fld id="{E00FA3B4-5499-9244-86B5-B0871A9DDD84}" type="datetimeFigureOut">
               <a:rPr lang="en-US" smtClean="0"/>
-              <a:t>7/6/2016</a:t>
+              <a:t>7/19/16</a:t>
             </a:fld>
             <a:endParaRPr lang="en-US"/>
           </a:p>
@@ -394,7 +394,7 @@
           <a:p>
             <a:fld id="{FD3EFF1E-85A1-6640-AFB9-C38833E80A84}" type="datetimeFigureOut">
               <a:rPr lang="en-US" smtClean="0"/>
-              <a:t>7/6/2016</a:t>
+              <a:t>7/19/16</a:t>
             </a:fld>
             <a:endParaRPr lang="en-US"/>
           </a:p>
@@ -1103,7 +1103,7 @@
           <a:p>
             <a:fld id="{14DB81EB-E98C-482E-B9B0-C9021FFC223B}" type="datetime1">
               <a:rPr lang="en-US" smtClean="0"/>
-              <a:t>7/6/2016</a:t>
+              <a:t>7/19/16</a:t>
             </a:fld>
             <a:endParaRPr lang="en-US"/>
           </a:p>
@@ -1300,7 +1300,7 @@
           <a:noFill/>
           <a:extLst>
             <a:ext uri="{909E8E84-426E-40dd-AFC4-6F175D3DCCD1}">
-              <a14:hiddenFill xmlns="" xmlns:a14="http://schemas.microsoft.com/office/drawing/2010/main">
+              <a14:hiddenFill xmlns:a14="http://schemas.microsoft.com/office/drawing/2010/main" xmlns="">
                 <a:solidFill>
                   <a:srgbClr val="FFFFFF"/>
                 </a:solidFill>
@@ -1431,7 +1431,7 @@
           <a:p>
             <a:fld id="{F8E50F4A-5493-4BC2-A237-7FE4F4BB2A77}" type="datetime1">
               <a:rPr lang="en-US" smtClean="0"/>
-              <a:t>7/6/2016</a:t>
+              <a:t>7/19/16</a:t>
             </a:fld>
             <a:endParaRPr lang="en-US"/>
           </a:p>
@@ -1690,7 +1690,7 @@
           <a:p>
             <a:fld id="{245230F5-9882-4D6B-A56F-3FF2135A9AA0}" type="datetime1">
               <a:rPr lang="en-US" smtClean="0"/>
-              <a:t>7/6/2016</a:t>
+              <a:t>7/19/16</a:t>
             </a:fld>
             <a:endParaRPr lang="en-US"/>
           </a:p>
@@ -1944,7 +1944,7 @@
           <a:p>
             <a:fld id="{3A908AAA-8106-411C-9E1A-39A2F4FF36DE}" type="datetime1">
               <a:rPr lang="en-US" smtClean="0"/>
-              <a:t>7/6/2016</a:t>
+              <a:t>7/19/16</a:t>
             </a:fld>
             <a:endParaRPr lang="en-US"/>
           </a:p>
@@ -2389,7 +2389,7 @@
           <a:p>
             <a:fld id="{57CDECD9-6E6E-4C4B-A7CF-9C3BB1612739}" type="datetime1">
               <a:rPr lang="en-US" smtClean="0"/>
-              <a:t>7/6/2016</a:t>
+              <a:t>7/19/16</a:t>
             </a:fld>
             <a:endParaRPr lang="en-US"/>
           </a:p>
@@ -2735,7 +2735,7 @@
           <a:p>
             <a:fld id="{74FA8327-00B6-4223-B878-51ED661C155D}" type="datetime1">
               <a:rPr lang="en-US" smtClean="0"/>
-              <a:t>7/6/2016</a:t>
+              <a:t>7/19/16</a:t>
             </a:fld>
             <a:endParaRPr lang="en-US"/>
           </a:p>
@@ -3013,7 +3013,7 @@
           <a:p>
             <a:fld id="{0C3A58B4-7A29-4B54-A2CC-E914726E6AB5}" type="datetime1">
               <a:rPr lang="en-US" smtClean="0"/>
-              <a:t>7/6/2016</a:t>
+              <a:t>7/19/16</a:t>
             </a:fld>
             <a:endParaRPr lang="en-US"/>
           </a:p>
@@ -3396,7 +3396,7 @@
           <a:p>
             <a:fld id="{5A1A5AC9-02EA-4E84-BFAA-DA76ADEF7994}" type="datetime1">
               <a:rPr lang="en-US" smtClean="0"/>
-              <a:t>7/6/2016</a:t>
+              <a:t>7/19/16</a:t>
             </a:fld>
             <a:endParaRPr lang="en-US"/>
           </a:p>
@@ -3517,7 +3517,7 @@
           <a:p>
             <a:fld id="{33C07938-1598-4533-8526-2C98F329A897}" type="datetime1">
               <a:rPr lang="en-US" smtClean="0"/>
-              <a:t>7/6/2016</a:t>
+              <a:t>7/19/16</a:t>
             </a:fld>
             <a:endParaRPr lang="en-US"/>
           </a:p>
@@ -3691,7 +3691,7 @@
           <a:p>
             <a:fld id="{80B3B06E-9D9C-4D85-ABAA-F31BEE5D6AFC}" type="datetime1">
               <a:rPr lang="en-US" smtClean="0"/>
-              <a:t>7/6/2016</a:t>
+              <a:t>7/19/16</a:t>
             </a:fld>
             <a:endParaRPr lang="en-US"/>
           </a:p>
@@ -4048,7 +4048,7 @@
           <a:p>
             <a:fld id="{0C5BAF6F-72B3-4AB8-B169-1EB5276B79E7}" type="datetime1">
               <a:rPr lang="en-US" smtClean="0"/>
-              <a:t>7/6/2016</a:t>
+              <a:t>7/19/16</a:t>
             </a:fld>
             <a:endParaRPr lang="en-US"/>
           </a:p>
@@ -4242,7 +4242,7 @@
           <a:p>
             <a:fld id="{2AD6CDF4-A0C8-4051-9758-2B4E969149B8}" type="datetime1">
               <a:rPr lang="en-US" smtClean="0"/>
-              <a:t>7/6/2016</a:t>
+              <a:t>7/19/16</a:t>
             </a:fld>
             <a:endParaRPr lang="en-US"/>
           </a:p>
@@ -4606,7 +4606,7 @@
           <a:p>
             <a:fld id="{9064160A-16A5-4130-BE75-85D1901355A9}" type="datetime1">
               <a:rPr lang="en-US" smtClean="0"/>
-              <a:t>7/6/2016</a:t>
+              <a:t>7/19/16</a:t>
             </a:fld>
             <a:endParaRPr lang="en-US"/>
           </a:p>
@@ -4779,7 +4779,7 @@
           <a:p>
             <a:fld id="{E1A536AD-A92B-480E-8FA0-5895E391AD18}" type="datetime1">
               <a:rPr lang="en-US" smtClean="0"/>
-              <a:t>7/6/2016</a:t>
+              <a:t>7/19/16</a:t>
             </a:fld>
             <a:endParaRPr lang="en-US"/>
           </a:p>
@@ -5038,7 +5038,7 @@
           <a:p>
             <a:fld id="{1166B3EC-80DC-4650-BC09-4F3EE3C32A84}" type="datetime1">
               <a:rPr lang="en-US" smtClean="0"/>
-              <a:t>7/6/2016</a:t>
+              <a:t>7/19/16</a:t>
             </a:fld>
             <a:endParaRPr lang="en-US"/>
           </a:p>
@@ -5384,7 +5384,7 @@
           <a:p>
             <a:fld id="{E24661E6-1DCE-4A1F-A46E-163C15BEDDC0}" type="datetime1">
               <a:rPr lang="en-US" smtClean="0"/>
-              <a:t>7/6/2016</a:t>
+              <a:t>7/19/16</a:t>
             </a:fld>
             <a:endParaRPr lang="en-US"/>
           </a:p>
@@ -5662,7 +5662,7 @@
           <a:p>
             <a:fld id="{FD5A8FA5-67A5-437B-8FF3-7198EBBF0C10}" type="datetime1">
               <a:rPr lang="en-US" smtClean="0"/>
-              <a:t>7/6/2016</a:t>
+              <a:t>7/19/16</a:t>
             </a:fld>
             <a:endParaRPr lang="en-US"/>
           </a:p>
@@ -6045,7 +6045,7 @@
           <a:p>
             <a:fld id="{6B60AA1B-53D8-4883-A9B6-A9CD3443BF0D}" type="datetime1">
               <a:rPr lang="en-US" smtClean="0"/>
-              <a:t>7/6/2016</a:t>
+              <a:t>7/19/16</a:t>
             </a:fld>
             <a:endParaRPr lang="en-US"/>
           </a:p>
@@ -6166,7 +6166,7 @@
           <a:p>
             <a:fld id="{FAC0B086-BC37-4EB9-8203-52C605F830E7}" type="datetime1">
               <a:rPr lang="en-US" smtClean="0"/>
-              <a:t>7/6/2016</a:t>
+              <a:t>7/19/16</a:t>
             </a:fld>
             <a:endParaRPr lang="en-US"/>
           </a:p>
@@ -6340,7 +6340,7 @@
           <a:p>
             <a:fld id="{4BADEFF7-9F45-4849-B824-08CE5E3805C7}" type="datetime1">
               <a:rPr lang="en-US" smtClean="0"/>
-              <a:t>7/6/2016</a:t>
+              <a:t>7/19/16</a:t>
             </a:fld>
             <a:endParaRPr lang="en-US"/>
           </a:p>
@@ -6697,7 +6697,7 @@
           <a:p>
             <a:fld id="{C0862655-67C3-4001-96DC-CC14F7CE8BF1}" type="datetime1">
               <a:rPr lang="en-US" smtClean="0"/>
-              <a:t>7/6/2016</a:t>
+              <a:t>7/19/16</a:t>
             </a:fld>
             <a:endParaRPr lang="en-US"/>
           </a:p>
@@ -7082,7 +7082,7 @@
           <a:p>
             <a:fld id="{877CE50F-1B08-4305-B7E2-05DF6892A66F}" type="datetime1">
               <a:rPr lang="en-US" smtClean="0"/>
-              <a:t>7/6/2016</a:t>
+              <a:t>7/19/16</a:t>
             </a:fld>
             <a:endParaRPr lang="en-US"/>
           </a:p>
@@ -7374,7 +7374,7 @@
           <a:p>
             <a:fld id="{04816109-C326-4942-A42C-69FB3C1E09B7}" type="datetime1">
               <a:rPr lang="en-US" smtClean="0"/>
-              <a:t>7/6/2016</a:t>
+              <a:t>7/19/16</a:t>
             </a:fld>
             <a:endParaRPr lang="en-US" dirty="0"/>
           </a:p>
@@ -8152,7 +8152,7 @@
           <a:p>
             <a:fld id="{5CC9EED0-DD12-401D-A7A2-ECC0E7DF6240}" type="datetime1">
               <a:rPr lang="en-US" smtClean="0"/>
-              <a:t>7/6/2016</a:t>
+              <a:t>7/19/16</a:t>
             </a:fld>
             <a:endParaRPr lang="en-US" dirty="0"/>
           </a:p>
@@ -8810,6 +8810,35 @@
           </a:p>
         </p:txBody>
       </p:sp>
+      <p:pic>
+        <p:nvPicPr>
+          <p:cNvPr id="4" name="Picture 3"/>
+          <p:cNvPicPr>
+            <a:picLocks noChangeAspect="1"/>
+          </p:cNvPicPr>
+          <p:nvPr/>
+        </p:nvPicPr>
+        <p:blipFill rotWithShape="1">
+          <a:blip r:embed="rId2">
+            <a:extLst>
+              <a:ext uri="{28A0092B-C50C-407E-A947-70E740481C1C}">
+                <a14:useLocalDpi xmlns:a14="http://schemas.microsoft.com/office/drawing/2010/main" val="0"/>
+              </a:ext>
+            </a:extLst>
+          </a:blip>
+          <a:srcRect l="4523" t="17619" r="3095" b="25000"/>
+          <a:stretch/>
+        </p:blipFill>
+        <p:spPr>
+          <a:xfrm>
+            <a:off x="3711108" y="4592409"/>
+            <a:ext cx="1700816" cy="1056435"/>
+          </a:xfrm>
+          <a:prstGeom prst="rect">
+            <a:avLst/>
+          </a:prstGeom>
+        </p:spPr>
+      </p:pic>
     </p:spTree>
     <p:extLst>
       <p:ext uri="{BB962C8B-B14F-4D97-AF65-F5344CB8AC3E}">
@@ -12663,6 +12692,18 @@
                 <a:latin typeface="Helvetica Neue"/>
               </a:rPr>
               <a:t>                         </a:t>
+            </a:r>
+            <a:r>
+              <a:rPr kumimoji="0" lang="en-US" altLang="en-US" sz="1600" b="0" i="0" u="none" strike="noStrike" cap="none" normalizeH="0" baseline="0" dirty="0">
+                <a:ln>
+                  <a:noFill/>
+                </a:ln>
+                <a:solidFill>
+                  <a:schemeClr val="tx1"/>
+                </a:solidFill>
+                <a:effectLst/>
+              </a:rPr>
+              <a:t/>
             </a:r>
             <a:br>
               <a:rPr kumimoji="0" lang="en-US" altLang="en-US" sz="1600" b="0" i="0" u="none" strike="noStrike" cap="none" normalizeH="0" baseline="0" dirty="0">
